--- a/presentation-slides.pptx
+++ b/presentation-slides.pptx
@@ -111,7 +111,2890 @@
       </a:defRPr>
     </a:lvl9pPr>
   </p:defaultTextStyle>
+  <p:extLst>
+    <p:ext uri="{EFAFB233-063F-42B5-8137-9DF3F51BA10A}">
+      <p15:sldGuideLst xmlns:p15="http://schemas.microsoft.com/office/powerpoint/2012/main"/>
+    </p:ext>
+  </p:extLst>
 </p:presentation>
+</file>
+
+<file path=ppt/diagrams/colors1.xml><?xml version="1.0" encoding="utf-8"?>
+<dgm:colorsDef xmlns:dgm="http://schemas.openxmlformats.org/drawingml/2006/diagram" xmlns:a="http://schemas.openxmlformats.org/drawingml/2006/main" uniqueId="urn:microsoft.com/office/officeart/2018/5/colors/Iconchunking_neutralbg_accent0_3">
+  <dgm:title val=""/>
+  <dgm:desc val=""/>
+  <dgm:catLst>
+    <dgm:cat type="mainScheme" pri="10300"/>
+  </dgm:catLst>
+  <dgm:styleLbl name="node0">
+    <dgm:fillClrLst meth="repeat">
+      <a:schemeClr val="dk2"/>
+    </dgm:fillClrLst>
+    <dgm:linClrLst meth="repeat">
+      <a:schemeClr val="lt2"/>
+    </dgm:linClrLst>
+    <dgm:effectClrLst/>
+    <dgm:txLinClrLst/>
+    <dgm:txFillClrLst/>
+    <dgm:txEffectClrLst/>
+  </dgm:styleLbl>
+  <dgm:styleLbl name="alignNode1">
+    <dgm:fillClrLst meth="repeat">
+      <a:schemeClr val="dk2"/>
+    </dgm:fillClrLst>
+    <dgm:linClrLst meth="repeat">
+      <a:schemeClr val="dk2"/>
+    </dgm:linClrLst>
+    <dgm:effectClrLst/>
+    <dgm:txLinClrLst/>
+    <dgm:txFillClrLst/>
+    <dgm:txEffectClrLst/>
+  </dgm:styleLbl>
+  <dgm:styleLbl name="node1">
+    <dgm:fillClrLst meth="repeat">
+      <a:schemeClr val="dk2"/>
+    </dgm:fillClrLst>
+    <dgm:linClrLst meth="repeat">
+      <a:schemeClr val="lt2">
+        <a:alpha val="0"/>
+      </a:schemeClr>
+    </dgm:linClrLst>
+    <dgm:effectClrLst/>
+    <dgm:txLinClrLst/>
+    <dgm:txFillClrLst/>
+    <dgm:txEffectClrLst/>
+  </dgm:styleLbl>
+  <dgm:styleLbl name="lnNode1">
+    <dgm:fillClrLst meth="repeat">
+      <a:schemeClr val="dk2"/>
+    </dgm:fillClrLst>
+    <dgm:linClrLst meth="repeat">
+      <a:schemeClr val="lt2"/>
+    </dgm:linClrLst>
+    <dgm:effectClrLst/>
+    <dgm:txLinClrLst/>
+    <dgm:txFillClrLst/>
+    <dgm:txEffectClrLst/>
+  </dgm:styleLbl>
+  <dgm:styleLbl name="vennNode1">
+    <dgm:fillClrLst meth="repeat">
+      <a:schemeClr val="dk2">
+        <a:alpha val="50000"/>
+      </a:schemeClr>
+    </dgm:fillClrLst>
+    <dgm:linClrLst meth="repeat">
+      <a:schemeClr val="lt2"/>
+    </dgm:linClrLst>
+    <dgm:effectClrLst/>
+    <dgm:txLinClrLst/>
+    <dgm:txFillClrLst/>
+    <dgm:txEffectClrLst/>
+  </dgm:styleLbl>
+  <dgm:styleLbl name="node2">
+    <dgm:fillClrLst meth="repeat">
+      <a:schemeClr val="dk2"/>
+    </dgm:fillClrLst>
+    <dgm:linClrLst meth="repeat">
+      <a:schemeClr val="lt2"/>
+    </dgm:linClrLst>
+    <dgm:effectClrLst/>
+    <dgm:txLinClrLst/>
+    <dgm:txFillClrLst/>
+    <dgm:txEffectClrLst/>
+  </dgm:styleLbl>
+  <dgm:styleLbl name="node3">
+    <dgm:fillClrLst meth="repeat">
+      <a:schemeClr val="dk2"/>
+    </dgm:fillClrLst>
+    <dgm:linClrLst meth="repeat">
+      <a:schemeClr val="lt2"/>
+    </dgm:linClrLst>
+    <dgm:effectClrLst/>
+    <dgm:txLinClrLst/>
+    <dgm:txFillClrLst/>
+    <dgm:txEffectClrLst/>
+  </dgm:styleLbl>
+  <dgm:styleLbl name="node4">
+    <dgm:fillClrLst meth="repeat">
+      <a:schemeClr val="dk2"/>
+    </dgm:fillClrLst>
+    <dgm:linClrLst meth="repeat">
+      <a:schemeClr val="lt2"/>
+    </dgm:linClrLst>
+    <dgm:effectClrLst/>
+    <dgm:txLinClrLst/>
+    <dgm:txFillClrLst/>
+    <dgm:txEffectClrLst/>
+  </dgm:styleLbl>
+  <dgm:styleLbl name="fgImgPlace1">
+    <dgm:fillClrLst meth="repeat">
+      <a:schemeClr val="dk2">
+        <a:tint val="50000"/>
+      </a:schemeClr>
+    </dgm:fillClrLst>
+    <dgm:linClrLst meth="repeat">
+      <a:schemeClr val="lt2"/>
+    </dgm:linClrLst>
+    <dgm:effectClrLst/>
+    <dgm:txLinClrLst/>
+    <dgm:txFillClrLst meth="repeat">
+      <a:schemeClr val="lt2"/>
+    </dgm:txFillClrLst>
+    <dgm:txEffectClrLst/>
+  </dgm:styleLbl>
+  <dgm:styleLbl name="alignImgPlace1">
+    <dgm:fillClrLst meth="repeat">
+      <a:schemeClr val="dk2">
+        <a:tint val="50000"/>
+      </a:schemeClr>
+    </dgm:fillClrLst>
+    <dgm:linClrLst meth="repeat">
+      <a:schemeClr val="dk2">
+        <a:shade val="80000"/>
+      </a:schemeClr>
+    </dgm:linClrLst>
+    <dgm:effectClrLst/>
+    <dgm:txLinClrLst/>
+    <dgm:txFillClrLst meth="repeat">
+      <a:schemeClr val="lt2"/>
+    </dgm:txFillClrLst>
+    <dgm:txEffectClrLst/>
+  </dgm:styleLbl>
+  <dgm:styleLbl name="bgImgPlace1">
+    <dgm:fillClrLst meth="repeat">
+      <a:schemeClr val="dk2">
+        <a:tint val="50000"/>
+      </a:schemeClr>
+    </dgm:fillClrLst>
+    <dgm:linClrLst meth="repeat">
+      <a:schemeClr val="dk2">
+        <a:shade val="80000"/>
+      </a:schemeClr>
+    </dgm:linClrLst>
+    <dgm:effectClrLst/>
+    <dgm:txLinClrLst/>
+    <dgm:txFillClrLst meth="repeat">
+      <a:schemeClr val="lt2"/>
+    </dgm:txFillClrLst>
+    <dgm:txEffectClrLst/>
+  </dgm:styleLbl>
+  <dgm:styleLbl name="sibTrans2D1">
+    <dgm:fillClrLst meth="repeat">
+      <a:schemeClr val="dk2">
+        <a:tint val="60000"/>
+      </a:schemeClr>
+    </dgm:fillClrLst>
+    <dgm:linClrLst meth="repeat">
+      <a:schemeClr val="dk2">
+        <a:tint val="60000"/>
+      </a:schemeClr>
+    </dgm:linClrLst>
+    <dgm:effectClrLst/>
+    <dgm:txLinClrLst/>
+    <dgm:txFillClrLst/>
+    <dgm:txEffectClrLst/>
+  </dgm:styleLbl>
+  <dgm:styleLbl name="fgSibTrans2D1">
+    <dgm:fillClrLst meth="repeat">
+      <a:schemeClr val="dk2">
+        <a:tint val="60000"/>
+      </a:schemeClr>
+    </dgm:fillClrLst>
+    <dgm:linClrLst meth="repeat">
+      <a:schemeClr val="dk2">
+        <a:tint val="60000"/>
+      </a:schemeClr>
+    </dgm:linClrLst>
+    <dgm:effectClrLst/>
+    <dgm:txLinClrLst/>
+    <dgm:txFillClrLst/>
+    <dgm:txEffectClrLst/>
+  </dgm:styleLbl>
+  <dgm:styleLbl name="bgSibTrans2D1">
+    <dgm:fillClrLst meth="repeat">
+      <a:schemeClr val="dk2">
+        <a:tint val="60000"/>
+      </a:schemeClr>
+    </dgm:fillClrLst>
+    <dgm:linClrLst meth="repeat">
+      <a:schemeClr val="dk2">
+        <a:tint val="60000"/>
+      </a:schemeClr>
+    </dgm:linClrLst>
+    <dgm:effectClrLst/>
+    <dgm:txLinClrLst/>
+    <dgm:txFillClrLst/>
+    <dgm:txEffectClrLst/>
+  </dgm:styleLbl>
+  <dgm:styleLbl name="sibTrans1D1">
+    <dgm:fillClrLst meth="repeat">
+      <a:schemeClr val="dk2"/>
+    </dgm:fillClrLst>
+    <dgm:linClrLst meth="repeat">
+      <a:schemeClr val="dk2"/>
+    </dgm:linClrLst>
+    <dgm:effectClrLst/>
+    <dgm:txLinClrLst/>
+    <dgm:txFillClrLst meth="repeat">
+      <a:schemeClr val="lt2"/>
+    </dgm:txFillClrLst>
+    <dgm:txEffectClrLst/>
+  </dgm:styleLbl>
+  <dgm:styleLbl name="callout">
+    <dgm:fillClrLst meth="repeat">
+      <a:schemeClr val="dk2"/>
+    </dgm:fillClrLst>
+    <dgm:linClrLst meth="repeat">
+      <a:schemeClr val="dk2">
+        <a:tint val="50000"/>
+      </a:schemeClr>
+    </dgm:linClrLst>
+    <dgm:effectClrLst/>
+    <dgm:txLinClrLst/>
+    <dgm:txFillClrLst meth="repeat">
+      <a:schemeClr val="lt2"/>
+    </dgm:txFillClrLst>
+    <dgm:txEffectClrLst/>
+  </dgm:styleLbl>
+  <dgm:styleLbl name="asst0">
+    <dgm:fillClrLst meth="repeat">
+      <a:schemeClr val="dk2"/>
+    </dgm:fillClrLst>
+    <dgm:linClrLst meth="repeat">
+      <a:schemeClr val="lt2"/>
+    </dgm:linClrLst>
+    <dgm:effectClrLst/>
+    <dgm:txLinClrLst/>
+    <dgm:txFillClrLst/>
+    <dgm:txEffectClrLst/>
+  </dgm:styleLbl>
+  <dgm:styleLbl name="asst1">
+    <dgm:fillClrLst meth="repeat">
+      <a:schemeClr val="dk2"/>
+    </dgm:fillClrLst>
+    <dgm:linClrLst meth="repeat">
+      <a:schemeClr val="lt2"/>
+    </dgm:linClrLst>
+    <dgm:effectClrLst/>
+    <dgm:txLinClrLst/>
+    <dgm:txFillClrLst/>
+    <dgm:txEffectClrLst/>
+  </dgm:styleLbl>
+  <dgm:styleLbl name="asst2">
+    <dgm:fillClrLst meth="repeat">
+      <a:schemeClr val="dk2"/>
+    </dgm:fillClrLst>
+    <dgm:linClrLst meth="repeat">
+      <a:schemeClr val="lt2"/>
+    </dgm:linClrLst>
+    <dgm:effectClrLst/>
+    <dgm:txLinClrLst/>
+    <dgm:txFillClrLst/>
+    <dgm:txEffectClrLst/>
+  </dgm:styleLbl>
+  <dgm:styleLbl name="asst3">
+    <dgm:fillClrLst meth="repeat">
+      <a:schemeClr val="dk2"/>
+    </dgm:fillClrLst>
+    <dgm:linClrLst meth="repeat">
+      <a:schemeClr val="lt2"/>
+    </dgm:linClrLst>
+    <dgm:effectClrLst/>
+    <dgm:txLinClrLst/>
+    <dgm:txFillClrLst/>
+    <dgm:txEffectClrLst/>
+  </dgm:styleLbl>
+  <dgm:styleLbl name="asst4">
+    <dgm:fillClrLst meth="repeat">
+      <a:schemeClr val="dk2"/>
+    </dgm:fillClrLst>
+    <dgm:linClrLst meth="repeat">
+      <a:schemeClr val="lt2"/>
+    </dgm:linClrLst>
+    <dgm:effectClrLst/>
+    <dgm:txLinClrLst/>
+    <dgm:txFillClrLst/>
+    <dgm:txEffectClrLst/>
+  </dgm:styleLbl>
+  <dgm:styleLbl name="parChTrans2D1">
+    <dgm:fillClrLst meth="repeat">
+      <a:schemeClr val="dk2">
+        <a:tint val="60000"/>
+      </a:schemeClr>
+    </dgm:fillClrLst>
+    <dgm:linClrLst meth="repeat">
+      <a:schemeClr val="dk2">
+        <a:tint val="60000"/>
+      </a:schemeClr>
+    </dgm:linClrLst>
+    <dgm:effectClrLst/>
+    <dgm:txLinClrLst/>
+    <dgm:txFillClrLst meth="repeat">
+      <a:schemeClr val="lt2"/>
+    </dgm:txFillClrLst>
+    <dgm:txEffectClrLst/>
+  </dgm:styleLbl>
+  <dgm:styleLbl name="parChTrans2D2">
+    <dgm:fillClrLst meth="repeat">
+      <a:schemeClr val="dk2"/>
+    </dgm:fillClrLst>
+    <dgm:linClrLst meth="repeat">
+      <a:schemeClr val="dk2"/>
+    </dgm:linClrLst>
+    <dgm:effectClrLst/>
+    <dgm:txLinClrLst/>
+    <dgm:txFillClrLst meth="repeat">
+      <a:schemeClr val="lt2"/>
+    </dgm:txFillClrLst>
+    <dgm:txEffectClrLst/>
+  </dgm:styleLbl>
+  <dgm:styleLbl name="parChTrans2D3">
+    <dgm:fillClrLst meth="repeat">
+      <a:schemeClr val="dk2"/>
+    </dgm:fillClrLst>
+    <dgm:linClrLst meth="repeat">
+      <a:schemeClr val="dk2"/>
+    </dgm:linClrLst>
+    <dgm:effectClrLst/>
+    <dgm:txLinClrLst/>
+    <dgm:txFillClrLst meth="repeat">
+      <a:schemeClr val="lt2"/>
+    </dgm:txFillClrLst>
+    <dgm:txEffectClrLst/>
+  </dgm:styleLbl>
+  <dgm:styleLbl name="parChTrans2D4">
+    <dgm:fillClrLst meth="repeat">
+      <a:schemeClr val="dk2"/>
+    </dgm:fillClrLst>
+    <dgm:linClrLst meth="repeat">
+      <a:schemeClr val="dk2"/>
+    </dgm:linClrLst>
+    <dgm:effectClrLst/>
+    <dgm:txLinClrLst/>
+    <dgm:txFillClrLst meth="repeat">
+      <a:schemeClr val="lt2"/>
+    </dgm:txFillClrLst>
+    <dgm:txEffectClrLst/>
+  </dgm:styleLbl>
+  <dgm:styleLbl name="parChTrans1D1">
+    <dgm:fillClrLst meth="repeat">
+      <a:schemeClr val="dk2"/>
+    </dgm:fillClrLst>
+    <dgm:linClrLst meth="repeat">
+      <a:schemeClr val="dk2">
+        <a:shade val="60000"/>
+      </a:schemeClr>
+    </dgm:linClrLst>
+    <dgm:effectClrLst/>
+    <dgm:txLinClrLst/>
+    <dgm:txFillClrLst meth="repeat">
+      <a:schemeClr val="tx1"/>
+    </dgm:txFillClrLst>
+    <dgm:txEffectClrLst/>
+  </dgm:styleLbl>
+  <dgm:styleLbl name="parChTrans1D2">
+    <dgm:fillClrLst meth="repeat">
+      <a:schemeClr val="dk2"/>
+    </dgm:fillClrLst>
+    <dgm:linClrLst meth="repeat">
+      <a:schemeClr val="dk2">
+        <a:shade val="60000"/>
+      </a:schemeClr>
+    </dgm:linClrLst>
+    <dgm:effectClrLst/>
+    <dgm:txLinClrLst/>
+    <dgm:txFillClrLst meth="repeat">
+      <a:schemeClr val="tx1"/>
+    </dgm:txFillClrLst>
+    <dgm:txEffectClrLst/>
+  </dgm:styleLbl>
+  <dgm:styleLbl name="parChTrans1D3">
+    <dgm:fillClrLst meth="repeat">
+      <a:schemeClr val="dk2"/>
+    </dgm:fillClrLst>
+    <dgm:linClrLst meth="repeat">
+      <a:schemeClr val="dk2">
+        <a:shade val="80000"/>
+      </a:schemeClr>
+    </dgm:linClrLst>
+    <dgm:effectClrLst/>
+    <dgm:txLinClrLst/>
+    <dgm:txFillClrLst meth="repeat">
+      <a:schemeClr val="tx1"/>
+    </dgm:txFillClrLst>
+    <dgm:txEffectClrLst/>
+  </dgm:styleLbl>
+  <dgm:styleLbl name="parChTrans1D4">
+    <dgm:fillClrLst meth="repeat">
+      <a:schemeClr val="dk2"/>
+    </dgm:fillClrLst>
+    <dgm:linClrLst meth="repeat">
+      <a:schemeClr val="dk2">
+        <a:shade val="80000"/>
+      </a:schemeClr>
+    </dgm:linClrLst>
+    <dgm:effectClrLst/>
+    <dgm:txLinClrLst/>
+    <dgm:txFillClrLst meth="repeat">
+      <a:schemeClr val="tx1"/>
+    </dgm:txFillClrLst>
+    <dgm:txEffectClrLst/>
+  </dgm:styleLbl>
+  <dgm:styleLbl name="fgAcc1">
+    <dgm:fillClrLst meth="repeat">
+      <a:schemeClr val="lt2">
+        <a:alpha val="90000"/>
+      </a:schemeClr>
+    </dgm:fillClrLst>
+    <dgm:linClrLst meth="repeat">
+      <a:schemeClr val="dk2"/>
+    </dgm:linClrLst>
+    <dgm:effectClrLst/>
+    <dgm:txLinClrLst/>
+    <dgm:txFillClrLst meth="repeat">
+      <a:schemeClr val="dk1"/>
+    </dgm:txFillClrLst>
+    <dgm:txEffectClrLst/>
+  </dgm:styleLbl>
+  <dgm:styleLbl name="conFgAcc1">
+    <dgm:fillClrLst meth="repeat">
+      <a:schemeClr val="lt2">
+        <a:alpha val="90000"/>
+      </a:schemeClr>
+    </dgm:fillClrLst>
+    <dgm:linClrLst meth="repeat">
+      <a:schemeClr val="dk2"/>
+    </dgm:linClrLst>
+    <dgm:effectClrLst/>
+    <dgm:txLinClrLst/>
+    <dgm:txFillClrLst meth="repeat">
+      <a:schemeClr val="dk1"/>
+    </dgm:txFillClrLst>
+    <dgm:txEffectClrLst/>
+  </dgm:styleLbl>
+  <dgm:styleLbl name="alignAcc1">
+    <dgm:fillClrLst meth="repeat">
+      <a:schemeClr val="lt2">
+        <a:alpha val="90000"/>
+      </a:schemeClr>
+    </dgm:fillClrLst>
+    <dgm:linClrLst meth="repeat">
+      <a:schemeClr val="dk2"/>
+    </dgm:linClrLst>
+    <dgm:effectClrLst/>
+    <dgm:txLinClrLst/>
+    <dgm:txFillClrLst meth="repeat">
+      <a:schemeClr val="dk1"/>
+    </dgm:txFillClrLst>
+    <dgm:txEffectClrLst/>
+  </dgm:styleLbl>
+  <dgm:styleLbl name="trAlignAcc1">
+    <dgm:fillClrLst meth="repeat">
+      <a:schemeClr val="lt2">
+        <a:alpha val="40000"/>
+      </a:schemeClr>
+    </dgm:fillClrLst>
+    <dgm:linClrLst meth="repeat">
+      <a:schemeClr val="dk2"/>
+    </dgm:linClrLst>
+    <dgm:effectClrLst/>
+    <dgm:txLinClrLst/>
+    <dgm:txFillClrLst meth="repeat">
+      <a:schemeClr val="dk1"/>
+    </dgm:txFillClrLst>
+    <dgm:txEffectClrLst/>
+  </dgm:styleLbl>
+  <dgm:styleLbl name="bgAcc1">
+    <dgm:fillClrLst meth="repeat">
+      <a:schemeClr val="lt2">
+        <a:alpha val="90000"/>
+      </a:schemeClr>
+    </dgm:fillClrLst>
+    <dgm:linClrLst meth="repeat">
+      <a:schemeClr val="dk2"/>
+    </dgm:linClrLst>
+    <dgm:effectClrLst/>
+    <dgm:txLinClrLst/>
+    <dgm:txFillClrLst meth="repeat">
+      <a:schemeClr val="dk1"/>
+    </dgm:txFillClrLst>
+    <dgm:txEffectClrLst/>
+  </dgm:styleLbl>
+  <dgm:styleLbl name="solidFgAcc1">
+    <dgm:fillClrLst meth="repeat">
+      <a:schemeClr val="lt2"/>
+    </dgm:fillClrLst>
+    <dgm:linClrLst meth="repeat">
+      <a:schemeClr val="dk2"/>
+    </dgm:linClrLst>
+    <dgm:effectClrLst/>
+    <dgm:txLinClrLst/>
+    <dgm:txFillClrLst meth="repeat">
+      <a:schemeClr val="dk1"/>
+    </dgm:txFillClrLst>
+    <dgm:txEffectClrLst/>
+  </dgm:styleLbl>
+  <dgm:styleLbl name="solidAlignAcc1">
+    <dgm:fillClrLst meth="repeat">
+      <a:schemeClr val="lt2"/>
+    </dgm:fillClrLst>
+    <dgm:linClrLst meth="repeat">
+      <a:schemeClr val="dk2"/>
+    </dgm:linClrLst>
+    <dgm:effectClrLst/>
+    <dgm:txLinClrLst/>
+    <dgm:txFillClrLst meth="repeat">
+      <a:schemeClr val="dk1"/>
+    </dgm:txFillClrLst>
+    <dgm:txEffectClrLst/>
+  </dgm:styleLbl>
+  <dgm:styleLbl name="solidBgAcc1">
+    <dgm:fillClrLst meth="repeat">
+      <a:schemeClr val="lt2"/>
+    </dgm:fillClrLst>
+    <dgm:linClrLst meth="repeat">
+      <a:schemeClr val="dk2"/>
+    </dgm:linClrLst>
+    <dgm:effectClrLst/>
+    <dgm:txLinClrLst/>
+    <dgm:txFillClrLst meth="repeat">
+      <a:schemeClr val="dk1"/>
+    </dgm:txFillClrLst>
+    <dgm:txEffectClrLst/>
+  </dgm:styleLbl>
+  <dgm:styleLbl name="fgAccFollowNode1">
+    <dgm:fillClrLst meth="repeat">
+      <a:schemeClr val="dk2">
+        <a:alpha val="90000"/>
+        <a:tint val="40000"/>
+      </a:schemeClr>
+    </dgm:fillClrLst>
+    <dgm:linClrLst meth="repeat">
+      <a:schemeClr val="dk2">
+        <a:alpha val="90000"/>
+        <a:tint val="40000"/>
+      </a:schemeClr>
+    </dgm:linClrLst>
+    <dgm:effectClrLst/>
+    <dgm:txLinClrLst/>
+    <dgm:txFillClrLst meth="repeat">
+      <a:schemeClr val="dk1"/>
+    </dgm:txFillClrLst>
+    <dgm:txEffectClrLst/>
+  </dgm:styleLbl>
+  <dgm:styleLbl name="alignAccFollowNode1">
+    <dgm:fillClrLst meth="repeat">
+      <a:schemeClr val="dk2">
+        <a:alpha val="90000"/>
+        <a:tint val="40000"/>
+      </a:schemeClr>
+    </dgm:fillClrLst>
+    <dgm:linClrLst meth="repeat">
+      <a:schemeClr val="dk2">
+        <a:alpha val="90000"/>
+        <a:tint val="40000"/>
+      </a:schemeClr>
+    </dgm:linClrLst>
+    <dgm:effectClrLst/>
+    <dgm:txLinClrLst/>
+    <dgm:txFillClrLst meth="repeat">
+      <a:schemeClr val="dk1"/>
+    </dgm:txFillClrLst>
+    <dgm:txEffectClrLst/>
+  </dgm:styleLbl>
+  <dgm:styleLbl name="bgAccFollowNode1">
+    <dgm:fillClrLst meth="repeat">
+      <a:schemeClr val="dk2">
+        <a:alpha val="90000"/>
+        <a:tint val="40000"/>
+      </a:schemeClr>
+    </dgm:fillClrLst>
+    <dgm:linClrLst meth="repeat">
+      <a:schemeClr val="dk2">
+        <a:alpha val="90000"/>
+        <a:tint val="40000"/>
+      </a:schemeClr>
+    </dgm:linClrLst>
+    <dgm:effectClrLst/>
+    <dgm:txLinClrLst/>
+    <dgm:txFillClrLst meth="repeat">
+      <a:schemeClr val="dk1"/>
+    </dgm:txFillClrLst>
+    <dgm:txEffectClrLst/>
+  </dgm:styleLbl>
+  <dgm:styleLbl name="fgAcc0">
+    <dgm:fillClrLst meth="repeat">
+      <a:schemeClr val="lt2">
+        <a:alpha val="90000"/>
+      </a:schemeClr>
+    </dgm:fillClrLst>
+    <dgm:linClrLst meth="repeat">
+      <a:schemeClr val="dk2"/>
+    </dgm:linClrLst>
+    <dgm:effectClrLst/>
+    <dgm:txLinClrLst/>
+    <dgm:txFillClrLst meth="repeat">
+      <a:schemeClr val="dk1"/>
+    </dgm:txFillClrLst>
+    <dgm:txEffectClrLst/>
+  </dgm:styleLbl>
+  <dgm:styleLbl name="fgAcc2">
+    <dgm:fillClrLst meth="repeat">
+      <a:schemeClr val="lt2">
+        <a:alpha val="90000"/>
+      </a:schemeClr>
+    </dgm:fillClrLst>
+    <dgm:linClrLst meth="repeat">
+      <a:schemeClr val="dk2"/>
+    </dgm:linClrLst>
+    <dgm:effectClrLst/>
+    <dgm:txLinClrLst/>
+    <dgm:txFillClrLst meth="repeat">
+      <a:schemeClr val="dk1"/>
+    </dgm:txFillClrLst>
+    <dgm:txEffectClrLst/>
+  </dgm:styleLbl>
+  <dgm:styleLbl name="fgAcc3">
+    <dgm:fillClrLst meth="repeat">
+      <a:schemeClr val="lt2">
+        <a:alpha val="90000"/>
+      </a:schemeClr>
+    </dgm:fillClrLst>
+    <dgm:linClrLst meth="repeat">
+      <a:schemeClr val="dk2"/>
+    </dgm:linClrLst>
+    <dgm:effectClrLst/>
+    <dgm:txLinClrLst/>
+    <dgm:txFillClrLst meth="repeat">
+      <a:schemeClr val="dk1"/>
+    </dgm:txFillClrLst>
+    <dgm:txEffectClrLst/>
+  </dgm:styleLbl>
+  <dgm:styleLbl name="fgAcc4">
+    <dgm:fillClrLst meth="repeat">
+      <a:schemeClr val="lt2">
+        <a:alpha val="90000"/>
+      </a:schemeClr>
+    </dgm:fillClrLst>
+    <dgm:linClrLst meth="repeat">
+      <a:schemeClr val="dk2"/>
+    </dgm:linClrLst>
+    <dgm:effectClrLst/>
+    <dgm:txLinClrLst/>
+    <dgm:txFillClrLst meth="repeat">
+      <a:schemeClr val="dk1"/>
+    </dgm:txFillClrLst>
+    <dgm:txEffectClrLst/>
+  </dgm:styleLbl>
+  <dgm:styleLbl name="bgShp">
+    <dgm:fillClrLst meth="repeat">
+      <a:schemeClr val="bg1">
+        <a:lumMod val="95000"/>
+      </a:schemeClr>
+    </dgm:fillClrLst>
+    <dgm:linClrLst meth="repeat">
+      <a:schemeClr val="dk2"/>
+    </dgm:linClrLst>
+    <dgm:effectClrLst/>
+    <dgm:txLinClrLst/>
+    <dgm:txFillClrLst meth="repeat">
+      <a:schemeClr val="dk1"/>
+    </dgm:txFillClrLst>
+    <dgm:txEffectClrLst/>
+  </dgm:styleLbl>
+  <dgm:styleLbl name="dkBgShp">
+    <dgm:fillClrLst meth="repeat">
+      <a:schemeClr val="dk2">
+        <a:shade val="80000"/>
+      </a:schemeClr>
+    </dgm:fillClrLst>
+    <dgm:linClrLst meth="repeat">
+      <a:schemeClr val="dk2"/>
+    </dgm:linClrLst>
+    <dgm:effectClrLst/>
+    <dgm:txLinClrLst/>
+    <dgm:txFillClrLst meth="repeat">
+      <a:schemeClr val="lt1"/>
+    </dgm:txFillClrLst>
+    <dgm:txEffectClrLst/>
+  </dgm:styleLbl>
+  <dgm:styleLbl name="trBgShp">
+    <dgm:fillClrLst meth="repeat">
+      <a:schemeClr val="dk2">
+        <a:tint val="50000"/>
+        <a:alpha val="40000"/>
+      </a:schemeClr>
+    </dgm:fillClrLst>
+    <dgm:linClrLst meth="repeat">
+      <a:schemeClr val="dk2"/>
+    </dgm:linClrLst>
+    <dgm:effectClrLst/>
+    <dgm:txLinClrLst/>
+    <dgm:txFillClrLst meth="repeat">
+      <a:schemeClr val="lt1"/>
+    </dgm:txFillClrLst>
+    <dgm:txEffectClrLst/>
+  </dgm:styleLbl>
+  <dgm:styleLbl name="fgShp">
+    <dgm:fillClrLst meth="repeat">
+      <a:schemeClr val="dk2">
+        <a:tint val="60000"/>
+      </a:schemeClr>
+    </dgm:fillClrLst>
+    <dgm:linClrLst meth="repeat">
+      <a:schemeClr val="lt2"/>
+    </dgm:linClrLst>
+    <dgm:effectClrLst/>
+    <dgm:txLinClrLst/>
+    <dgm:txFillClrLst meth="repeat">
+      <a:schemeClr val="dk1"/>
+    </dgm:txFillClrLst>
+    <dgm:txEffectClrLst/>
+  </dgm:styleLbl>
+  <dgm:styleLbl name="revTx">
+    <dgm:fillClrLst meth="repeat">
+      <a:schemeClr val="lt2">
+        <a:alpha val="0"/>
+      </a:schemeClr>
+    </dgm:fillClrLst>
+    <dgm:linClrLst meth="repeat">
+      <a:schemeClr val="dk1">
+        <a:alpha val="0"/>
+      </a:schemeClr>
+    </dgm:linClrLst>
+    <dgm:effectClrLst/>
+    <dgm:txLinClrLst/>
+    <dgm:txFillClrLst meth="repeat">
+      <a:schemeClr val="tx1"/>
+    </dgm:txFillClrLst>
+    <dgm:txEffectClrLst/>
+  </dgm:styleLbl>
+</dgm:colorsDef>
+</file>
+
+<file path=ppt/diagrams/data1.xml><?xml version="1.0" encoding="utf-8"?>
+<dgm:dataModel xmlns:dgm="http://schemas.openxmlformats.org/drawingml/2006/diagram" xmlns:a="http://schemas.openxmlformats.org/drawingml/2006/main">
+  <dgm:ptLst>
+    <dgm:pt modelId="{72ADE088-E18D-4D28-A617-C52D3CCCFAEA}" type="doc">
+      <dgm:prSet loTypeId="urn:microsoft.com/office/officeart/2018/2/layout/IconVerticalSolidList" loCatId="icon" qsTypeId="urn:microsoft.com/office/officeart/2005/8/quickstyle/simple1" qsCatId="simple" csTypeId="urn:microsoft.com/office/officeart/2018/5/colors/Iconchunking_neutralbg_accent0_3" csCatId="mainScheme" phldr="1"/>
+      <dgm:spPr/>
+      <dgm:t>
+        <a:bodyPr/>
+        <a:lstStyle/>
+        <a:p>
+          <a:endParaRPr lang="en-US"/>
+        </a:p>
+      </dgm:t>
+    </dgm:pt>
+    <dgm:pt modelId="{D4153E79-C6CA-490D-B9E6-939721A6ED2B}">
+      <dgm:prSet/>
+      <dgm:spPr/>
+      <dgm:t>
+        <a:bodyPr/>
+        <a:lstStyle/>
+        <a:p>
+          <a:r>
+            <a:rPr lang="en-GB"/>
+            <a:t>Teaching/Learning tool</a:t>
+          </a:r>
+          <a:endParaRPr lang="en-US"/>
+        </a:p>
+      </dgm:t>
+    </dgm:pt>
+    <dgm:pt modelId="{42D4F664-5CE8-4689-9690-1B4BC6D1CA84}" type="parTrans" cxnId="{94CE55C1-125B-4E2C-ACB1-9D55681E99C7}">
+      <dgm:prSet/>
+      <dgm:spPr/>
+      <dgm:t>
+        <a:bodyPr/>
+        <a:lstStyle/>
+        <a:p>
+          <a:endParaRPr lang="en-US"/>
+        </a:p>
+      </dgm:t>
+    </dgm:pt>
+    <dgm:pt modelId="{90F71957-3217-4179-9F41-B1464A1CDCC0}" type="sibTrans" cxnId="{94CE55C1-125B-4E2C-ACB1-9D55681E99C7}">
+      <dgm:prSet/>
+      <dgm:spPr/>
+      <dgm:t>
+        <a:bodyPr/>
+        <a:lstStyle/>
+        <a:p>
+          <a:endParaRPr lang="en-US"/>
+        </a:p>
+      </dgm:t>
+    </dgm:pt>
+    <dgm:pt modelId="{CA619A36-1763-4F38-BBA4-E3F6D0E8486C}">
+      <dgm:prSet/>
+      <dgm:spPr/>
+      <dgm:t>
+        <a:bodyPr/>
+        <a:lstStyle/>
+        <a:p>
+          <a:r>
+            <a:rPr lang="en-GB"/>
+            <a:t>Intuitive UI </a:t>
+          </a:r>
+          <a:endParaRPr lang="en-US"/>
+        </a:p>
+      </dgm:t>
+    </dgm:pt>
+    <dgm:pt modelId="{10EAE7B0-8322-4BA2-99D1-41F49C573103}" type="parTrans" cxnId="{BD420A74-657D-4617-865E-6DD969E24287}">
+      <dgm:prSet/>
+      <dgm:spPr/>
+      <dgm:t>
+        <a:bodyPr/>
+        <a:lstStyle/>
+        <a:p>
+          <a:endParaRPr lang="en-US"/>
+        </a:p>
+      </dgm:t>
+    </dgm:pt>
+    <dgm:pt modelId="{63E331BF-26A4-4608-A4D6-8B7CF7F9BDD0}" type="sibTrans" cxnId="{BD420A74-657D-4617-865E-6DD969E24287}">
+      <dgm:prSet/>
+      <dgm:spPr/>
+      <dgm:t>
+        <a:bodyPr/>
+        <a:lstStyle/>
+        <a:p>
+          <a:endParaRPr lang="en-US"/>
+        </a:p>
+      </dgm:t>
+    </dgm:pt>
+    <dgm:pt modelId="{1FCFF7A9-1B45-48B7-8236-CAE81BDEFDC7}">
+      <dgm:prSet/>
+      <dgm:spPr/>
+      <dgm:t>
+        <a:bodyPr/>
+        <a:lstStyle/>
+        <a:p>
+          <a:r>
+            <a:rPr lang="en-GB"/>
+            <a:t>Versatility/control to the user</a:t>
+          </a:r>
+          <a:endParaRPr lang="en-US"/>
+        </a:p>
+      </dgm:t>
+    </dgm:pt>
+    <dgm:pt modelId="{B74D361A-6C9A-41F2-A708-0BD5D73009D5}" type="parTrans" cxnId="{EABE1185-E109-4F97-AA3D-9E5A8134538A}">
+      <dgm:prSet/>
+      <dgm:spPr/>
+      <dgm:t>
+        <a:bodyPr/>
+        <a:lstStyle/>
+        <a:p>
+          <a:endParaRPr lang="en-US"/>
+        </a:p>
+      </dgm:t>
+    </dgm:pt>
+    <dgm:pt modelId="{76F6CEA6-93A2-4199-AD66-DFC67080C666}" type="sibTrans" cxnId="{EABE1185-E109-4F97-AA3D-9E5A8134538A}">
+      <dgm:prSet/>
+      <dgm:spPr/>
+      <dgm:t>
+        <a:bodyPr/>
+        <a:lstStyle/>
+        <a:p>
+          <a:endParaRPr lang="en-US"/>
+        </a:p>
+      </dgm:t>
+    </dgm:pt>
+    <dgm:pt modelId="{98210746-A6CA-4440-A45A-2013BEB4CA2C}" type="pres">
+      <dgm:prSet presAssocID="{72ADE088-E18D-4D28-A617-C52D3CCCFAEA}" presName="root" presStyleCnt="0">
+        <dgm:presLayoutVars>
+          <dgm:dir/>
+          <dgm:resizeHandles val="exact"/>
+        </dgm:presLayoutVars>
+      </dgm:prSet>
+      <dgm:spPr/>
+    </dgm:pt>
+    <dgm:pt modelId="{42A3AAD6-3940-4A00-974E-8D97BF2AB910}" type="pres">
+      <dgm:prSet presAssocID="{D4153E79-C6CA-490D-B9E6-939721A6ED2B}" presName="compNode" presStyleCnt="0"/>
+      <dgm:spPr/>
+    </dgm:pt>
+    <dgm:pt modelId="{B37BE549-548A-4142-B701-DC9583868FB2}" type="pres">
+      <dgm:prSet presAssocID="{D4153E79-C6CA-490D-B9E6-939721A6ED2B}" presName="bgRect" presStyleLbl="bgShp" presStyleIdx="0" presStyleCnt="3"/>
+      <dgm:spPr/>
+    </dgm:pt>
+    <dgm:pt modelId="{BD16894B-2431-41D1-8B04-113B15955E91}" type="pres">
+      <dgm:prSet presAssocID="{D4153E79-C6CA-490D-B9E6-939721A6ED2B}" presName="iconRect" presStyleLbl="node1" presStyleIdx="0" presStyleCnt="3"/>
+      <dgm:spPr>
+        <a:blipFill>
+          <a:blip xmlns:r="http://schemas.openxmlformats.org/officeDocument/2006/relationships" r:embed="rId1">
+            <a:extLst>
+              <a:ext uri="{28A0092B-C50C-407E-A947-70E740481C1C}">
+                <a14:useLocalDpi xmlns:a14="http://schemas.microsoft.com/office/drawing/2010/main" val="0"/>
+              </a:ext>
+              <a:ext uri="{96DAC541-7B7A-43D3-8B79-37D633B846F1}">
+                <asvg:svgBlip xmlns:asvg="http://schemas.microsoft.com/office/drawing/2016/SVG/main" r:embed="rId2"/>
+              </a:ext>
+            </a:extLst>
+          </a:blip>
+          <a:stretch>
+            <a:fillRect/>
+          </a:stretch>
+        </a:blipFill>
+        <a:ln>
+          <a:noFill/>
+        </a:ln>
+      </dgm:spPr>
+      <dgm:extLst>
+        <a:ext uri="{E40237B7-FDA0-4F09-8148-C483321AD2D9}">
+          <dgm14:cNvPr xmlns:dgm14="http://schemas.microsoft.com/office/drawing/2010/diagram" id="0" name="" descr="Classroom"/>
+        </a:ext>
+      </dgm:extLst>
+    </dgm:pt>
+    <dgm:pt modelId="{EA2BAF1A-7214-4726-8821-0634EA544CAF}" type="pres">
+      <dgm:prSet presAssocID="{D4153E79-C6CA-490D-B9E6-939721A6ED2B}" presName="spaceRect" presStyleCnt="0"/>
+      <dgm:spPr/>
+    </dgm:pt>
+    <dgm:pt modelId="{6144A311-3351-4D21-B869-865C83060DEE}" type="pres">
+      <dgm:prSet presAssocID="{D4153E79-C6CA-490D-B9E6-939721A6ED2B}" presName="parTx" presStyleLbl="revTx" presStyleIdx="0" presStyleCnt="3">
+        <dgm:presLayoutVars>
+          <dgm:chMax val="0"/>
+          <dgm:chPref val="0"/>
+        </dgm:presLayoutVars>
+      </dgm:prSet>
+      <dgm:spPr/>
+    </dgm:pt>
+    <dgm:pt modelId="{2703E319-EFFC-4969-B150-7D8CC7689E42}" type="pres">
+      <dgm:prSet presAssocID="{90F71957-3217-4179-9F41-B1464A1CDCC0}" presName="sibTrans" presStyleCnt="0"/>
+      <dgm:spPr/>
+    </dgm:pt>
+    <dgm:pt modelId="{7C7CA3D4-2538-4B50-8009-397782F8116C}" type="pres">
+      <dgm:prSet presAssocID="{CA619A36-1763-4F38-BBA4-E3F6D0E8486C}" presName="compNode" presStyleCnt="0"/>
+      <dgm:spPr/>
+    </dgm:pt>
+    <dgm:pt modelId="{D014E90A-54B9-4E34-B1B9-C22D3C7BD3E6}" type="pres">
+      <dgm:prSet presAssocID="{CA619A36-1763-4F38-BBA4-E3F6D0E8486C}" presName="bgRect" presStyleLbl="bgShp" presStyleIdx="1" presStyleCnt="3"/>
+      <dgm:spPr/>
+    </dgm:pt>
+    <dgm:pt modelId="{63158641-D62D-4D09-86F6-798B1746D1B1}" type="pres">
+      <dgm:prSet presAssocID="{CA619A36-1763-4F38-BBA4-E3F6D0E8486C}" presName="iconRect" presStyleLbl="node1" presStyleIdx="1" presStyleCnt="3"/>
+      <dgm:spPr>
+        <a:blipFill>
+          <a:blip xmlns:r="http://schemas.openxmlformats.org/officeDocument/2006/relationships" r:embed="rId3">
+            <a:extLst>
+              <a:ext uri="{28A0092B-C50C-407E-A947-70E740481C1C}">
+                <a14:useLocalDpi xmlns:a14="http://schemas.microsoft.com/office/drawing/2010/main" val="0"/>
+              </a:ext>
+              <a:ext uri="{96DAC541-7B7A-43D3-8B79-37D633B846F1}">
+                <asvg:svgBlip xmlns:asvg="http://schemas.microsoft.com/office/drawing/2016/SVG/main" r:embed="rId4"/>
+              </a:ext>
+            </a:extLst>
+          </a:blip>
+          <a:stretch>
+            <a:fillRect/>
+          </a:stretch>
+        </a:blipFill>
+        <a:ln>
+          <a:noFill/>
+        </a:ln>
+      </dgm:spPr>
+      <dgm:extLst>
+        <a:ext uri="{E40237B7-FDA0-4F09-8148-C483321AD2D9}">
+          <dgm14:cNvPr xmlns:dgm14="http://schemas.microsoft.com/office/drawing/2010/diagram" id="0" name="" descr="Maximize"/>
+        </a:ext>
+      </dgm:extLst>
+    </dgm:pt>
+    <dgm:pt modelId="{26021E75-11A2-4456-81A4-56737556A911}" type="pres">
+      <dgm:prSet presAssocID="{CA619A36-1763-4F38-BBA4-E3F6D0E8486C}" presName="spaceRect" presStyleCnt="0"/>
+      <dgm:spPr/>
+    </dgm:pt>
+    <dgm:pt modelId="{436B5D17-0034-47F4-BF68-BECDA14AA0A0}" type="pres">
+      <dgm:prSet presAssocID="{CA619A36-1763-4F38-BBA4-E3F6D0E8486C}" presName="parTx" presStyleLbl="revTx" presStyleIdx="1" presStyleCnt="3">
+        <dgm:presLayoutVars>
+          <dgm:chMax val="0"/>
+          <dgm:chPref val="0"/>
+        </dgm:presLayoutVars>
+      </dgm:prSet>
+      <dgm:spPr/>
+    </dgm:pt>
+    <dgm:pt modelId="{9DF4EB2E-4968-456B-A512-9214BAF1FF33}" type="pres">
+      <dgm:prSet presAssocID="{63E331BF-26A4-4608-A4D6-8B7CF7F9BDD0}" presName="sibTrans" presStyleCnt="0"/>
+      <dgm:spPr/>
+    </dgm:pt>
+    <dgm:pt modelId="{7AD05E95-E815-49D0-876F-29E8A116B330}" type="pres">
+      <dgm:prSet presAssocID="{1FCFF7A9-1B45-48B7-8236-CAE81BDEFDC7}" presName="compNode" presStyleCnt="0"/>
+      <dgm:spPr/>
+    </dgm:pt>
+    <dgm:pt modelId="{37C69B4C-5152-4957-8963-96632EF2E108}" type="pres">
+      <dgm:prSet presAssocID="{1FCFF7A9-1B45-48B7-8236-CAE81BDEFDC7}" presName="bgRect" presStyleLbl="bgShp" presStyleIdx="2" presStyleCnt="3"/>
+      <dgm:spPr/>
+    </dgm:pt>
+    <dgm:pt modelId="{7F8D9B6A-AA12-4164-A9A0-DFBD0A40AFCF}" type="pres">
+      <dgm:prSet presAssocID="{1FCFF7A9-1B45-48B7-8236-CAE81BDEFDC7}" presName="iconRect" presStyleLbl="node1" presStyleIdx="2" presStyleCnt="3"/>
+      <dgm:spPr>
+        <a:blipFill>
+          <a:blip xmlns:r="http://schemas.openxmlformats.org/officeDocument/2006/relationships" r:embed="rId5">
+            <a:extLst>
+              <a:ext uri="{28A0092B-C50C-407E-A947-70E740481C1C}">
+                <a14:useLocalDpi xmlns:a14="http://schemas.microsoft.com/office/drawing/2010/main" val="0"/>
+              </a:ext>
+              <a:ext uri="{96DAC541-7B7A-43D3-8B79-37D633B846F1}">
+                <asvg:svgBlip xmlns:asvg="http://schemas.microsoft.com/office/drawing/2016/SVG/main" r:embed="rId6"/>
+              </a:ext>
+            </a:extLst>
+          </a:blip>
+          <a:stretch>
+            <a:fillRect/>
+          </a:stretch>
+        </a:blipFill>
+        <a:ln>
+          <a:noFill/>
+        </a:ln>
+      </dgm:spPr>
+      <dgm:extLst>
+        <a:ext uri="{E40237B7-FDA0-4F09-8148-C483321AD2D9}">
+          <dgm14:cNvPr xmlns:dgm14="http://schemas.microsoft.com/office/drawing/2010/diagram" id="0" name="" descr="User"/>
+        </a:ext>
+      </dgm:extLst>
+    </dgm:pt>
+    <dgm:pt modelId="{CD715C7D-8847-49D9-A8AF-C4AA7B3811A1}" type="pres">
+      <dgm:prSet presAssocID="{1FCFF7A9-1B45-48B7-8236-CAE81BDEFDC7}" presName="spaceRect" presStyleCnt="0"/>
+      <dgm:spPr/>
+    </dgm:pt>
+    <dgm:pt modelId="{F539BFD9-8720-4269-8460-213D1E245F44}" type="pres">
+      <dgm:prSet presAssocID="{1FCFF7A9-1B45-48B7-8236-CAE81BDEFDC7}" presName="parTx" presStyleLbl="revTx" presStyleIdx="2" presStyleCnt="3">
+        <dgm:presLayoutVars>
+          <dgm:chMax val="0"/>
+          <dgm:chPref val="0"/>
+        </dgm:presLayoutVars>
+      </dgm:prSet>
+      <dgm:spPr/>
+    </dgm:pt>
+  </dgm:ptLst>
+  <dgm:cxnLst>
+    <dgm:cxn modelId="{DFE53C2A-2A45-4222-A4E3-D37FC0B4DC69}" type="presOf" srcId="{1FCFF7A9-1B45-48B7-8236-CAE81BDEFDC7}" destId="{F539BFD9-8720-4269-8460-213D1E245F44}" srcOrd="0" destOrd="0" presId="urn:microsoft.com/office/officeart/2018/2/layout/IconVerticalSolidList"/>
+    <dgm:cxn modelId="{BD420A74-657D-4617-865E-6DD969E24287}" srcId="{72ADE088-E18D-4D28-A617-C52D3CCCFAEA}" destId="{CA619A36-1763-4F38-BBA4-E3F6D0E8486C}" srcOrd="1" destOrd="0" parTransId="{10EAE7B0-8322-4BA2-99D1-41F49C573103}" sibTransId="{63E331BF-26A4-4608-A4D6-8B7CF7F9BDD0}"/>
+    <dgm:cxn modelId="{B1280181-AEEB-41E7-83E2-41AB34A3F4A8}" type="presOf" srcId="{72ADE088-E18D-4D28-A617-C52D3CCCFAEA}" destId="{98210746-A6CA-4440-A45A-2013BEB4CA2C}" srcOrd="0" destOrd="0" presId="urn:microsoft.com/office/officeart/2018/2/layout/IconVerticalSolidList"/>
+    <dgm:cxn modelId="{EABE1185-E109-4F97-AA3D-9E5A8134538A}" srcId="{72ADE088-E18D-4D28-A617-C52D3CCCFAEA}" destId="{1FCFF7A9-1B45-48B7-8236-CAE81BDEFDC7}" srcOrd="2" destOrd="0" parTransId="{B74D361A-6C9A-41F2-A708-0BD5D73009D5}" sibTransId="{76F6CEA6-93A2-4199-AD66-DFC67080C666}"/>
+    <dgm:cxn modelId="{94CE55C1-125B-4E2C-ACB1-9D55681E99C7}" srcId="{72ADE088-E18D-4D28-A617-C52D3CCCFAEA}" destId="{D4153E79-C6CA-490D-B9E6-939721A6ED2B}" srcOrd="0" destOrd="0" parTransId="{42D4F664-5CE8-4689-9690-1B4BC6D1CA84}" sibTransId="{90F71957-3217-4179-9F41-B1464A1CDCC0}"/>
+    <dgm:cxn modelId="{F80E47DE-F8EA-41FE-988E-EADC6B29062C}" type="presOf" srcId="{D4153E79-C6CA-490D-B9E6-939721A6ED2B}" destId="{6144A311-3351-4D21-B869-865C83060DEE}" srcOrd="0" destOrd="0" presId="urn:microsoft.com/office/officeart/2018/2/layout/IconVerticalSolidList"/>
+    <dgm:cxn modelId="{FCB2E6F5-2EC8-4D6D-92B2-65CC1D44AC4E}" type="presOf" srcId="{CA619A36-1763-4F38-BBA4-E3F6D0E8486C}" destId="{436B5D17-0034-47F4-BF68-BECDA14AA0A0}" srcOrd="0" destOrd="0" presId="urn:microsoft.com/office/officeart/2018/2/layout/IconVerticalSolidList"/>
+    <dgm:cxn modelId="{230B9034-6CAC-4387-9B6A-CD450DEBB24C}" type="presParOf" srcId="{98210746-A6CA-4440-A45A-2013BEB4CA2C}" destId="{42A3AAD6-3940-4A00-974E-8D97BF2AB910}" srcOrd="0" destOrd="0" presId="urn:microsoft.com/office/officeart/2018/2/layout/IconVerticalSolidList"/>
+    <dgm:cxn modelId="{D508A017-2866-44E8-9BBF-E470201E50E9}" type="presParOf" srcId="{42A3AAD6-3940-4A00-974E-8D97BF2AB910}" destId="{B37BE549-548A-4142-B701-DC9583868FB2}" srcOrd="0" destOrd="0" presId="urn:microsoft.com/office/officeart/2018/2/layout/IconVerticalSolidList"/>
+    <dgm:cxn modelId="{CE83D08E-D684-4942-A672-7BF7BC59B5C4}" type="presParOf" srcId="{42A3AAD6-3940-4A00-974E-8D97BF2AB910}" destId="{BD16894B-2431-41D1-8B04-113B15955E91}" srcOrd="1" destOrd="0" presId="urn:microsoft.com/office/officeart/2018/2/layout/IconVerticalSolidList"/>
+    <dgm:cxn modelId="{E5C5BD9C-E164-4A93-B920-2C6DD2DFB517}" type="presParOf" srcId="{42A3AAD6-3940-4A00-974E-8D97BF2AB910}" destId="{EA2BAF1A-7214-4726-8821-0634EA544CAF}" srcOrd="2" destOrd="0" presId="urn:microsoft.com/office/officeart/2018/2/layout/IconVerticalSolidList"/>
+    <dgm:cxn modelId="{02C621D9-38EC-41C0-9496-E3C49CABE4E7}" type="presParOf" srcId="{42A3AAD6-3940-4A00-974E-8D97BF2AB910}" destId="{6144A311-3351-4D21-B869-865C83060DEE}" srcOrd="3" destOrd="0" presId="urn:microsoft.com/office/officeart/2018/2/layout/IconVerticalSolidList"/>
+    <dgm:cxn modelId="{F92D0DA9-5BB7-40FD-A38C-67E5FA74E58A}" type="presParOf" srcId="{98210746-A6CA-4440-A45A-2013BEB4CA2C}" destId="{2703E319-EFFC-4969-B150-7D8CC7689E42}" srcOrd="1" destOrd="0" presId="urn:microsoft.com/office/officeart/2018/2/layout/IconVerticalSolidList"/>
+    <dgm:cxn modelId="{31FA1908-DB9C-4383-AF8F-9E69B0A5BF98}" type="presParOf" srcId="{98210746-A6CA-4440-A45A-2013BEB4CA2C}" destId="{7C7CA3D4-2538-4B50-8009-397782F8116C}" srcOrd="2" destOrd="0" presId="urn:microsoft.com/office/officeart/2018/2/layout/IconVerticalSolidList"/>
+    <dgm:cxn modelId="{BCABC262-64A8-4B1B-9D70-90C951815CF6}" type="presParOf" srcId="{7C7CA3D4-2538-4B50-8009-397782F8116C}" destId="{D014E90A-54B9-4E34-B1B9-C22D3C7BD3E6}" srcOrd="0" destOrd="0" presId="urn:microsoft.com/office/officeart/2018/2/layout/IconVerticalSolidList"/>
+    <dgm:cxn modelId="{A3DC3B0B-0C60-41F2-8CB7-943F2F985A0F}" type="presParOf" srcId="{7C7CA3D4-2538-4B50-8009-397782F8116C}" destId="{63158641-D62D-4D09-86F6-798B1746D1B1}" srcOrd="1" destOrd="0" presId="urn:microsoft.com/office/officeart/2018/2/layout/IconVerticalSolidList"/>
+    <dgm:cxn modelId="{05989D72-2824-4F5E-8F0F-0EE6A20ADA94}" type="presParOf" srcId="{7C7CA3D4-2538-4B50-8009-397782F8116C}" destId="{26021E75-11A2-4456-81A4-56737556A911}" srcOrd="2" destOrd="0" presId="urn:microsoft.com/office/officeart/2018/2/layout/IconVerticalSolidList"/>
+    <dgm:cxn modelId="{CD8B3626-0E79-4E00-955F-1914265F5FF8}" type="presParOf" srcId="{7C7CA3D4-2538-4B50-8009-397782F8116C}" destId="{436B5D17-0034-47F4-BF68-BECDA14AA0A0}" srcOrd="3" destOrd="0" presId="urn:microsoft.com/office/officeart/2018/2/layout/IconVerticalSolidList"/>
+    <dgm:cxn modelId="{C39BC357-83A2-47F4-999C-7187FCDFC294}" type="presParOf" srcId="{98210746-A6CA-4440-A45A-2013BEB4CA2C}" destId="{9DF4EB2E-4968-456B-A512-9214BAF1FF33}" srcOrd="3" destOrd="0" presId="urn:microsoft.com/office/officeart/2018/2/layout/IconVerticalSolidList"/>
+    <dgm:cxn modelId="{56A6BE05-1465-4520-9497-25DF61EFADE8}" type="presParOf" srcId="{98210746-A6CA-4440-A45A-2013BEB4CA2C}" destId="{7AD05E95-E815-49D0-876F-29E8A116B330}" srcOrd="4" destOrd="0" presId="urn:microsoft.com/office/officeart/2018/2/layout/IconVerticalSolidList"/>
+    <dgm:cxn modelId="{A89B3485-882C-4F53-825A-B9EA3ECCDC64}" type="presParOf" srcId="{7AD05E95-E815-49D0-876F-29E8A116B330}" destId="{37C69B4C-5152-4957-8963-96632EF2E108}" srcOrd="0" destOrd="0" presId="urn:microsoft.com/office/officeart/2018/2/layout/IconVerticalSolidList"/>
+    <dgm:cxn modelId="{0175DE75-1FD5-4103-B1DD-FA3434354DBB}" type="presParOf" srcId="{7AD05E95-E815-49D0-876F-29E8A116B330}" destId="{7F8D9B6A-AA12-4164-A9A0-DFBD0A40AFCF}" srcOrd="1" destOrd="0" presId="urn:microsoft.com/office/officeart/2018/2/layout/IconVerticalSolidList"/>
+    <dgm:cxn modelId="{21B5B584-DCD7-462D-8CFB-083108C36031}" type="presParOf" srcId="{7AD05E95-E815-49D0-876F-29E8A116B330}" destId="{CD715C7D-8847-49D9-A8AF-C4AA7B3811A1}" srcOrd="2" destOrd="0" presId="urn:microsoft.com/office/officeart/2018/2/layout/IconVerticalSolidList"/>
+    <dgm:cxn modelId="{F88D1D08-E389-49C9-9324-807A13BFC152}" type="presParOf" srcId="{7AD05E95-E815-49D0-876F-29E8A116B330}" destId="{F539BFD9-8720-4269-8460-213D1E245F44}" srcOrd="3" destOrd="0" presId="urn:microsoft.com/office/officeart/2018/2/layout/IconVerticalSolidList"/>
+  </dgm:cxnLst>
+  <dgm:bg/>
+  <dgm:whole/>
+  <dgm:extLst>
+    <a:ext uri="http://schemas.microsoft.com/office/drawing/2008/diagram">
+      <dsp:dataModelExt xmlns:dsp="http://schemas.microsoft.com/office/drawing/2008/diagram" relId="rId6" minVer="http://schemas.openxmlformats.org/drawingml/2006/diagram"/>
+    </a:ext>
+  </dgm:extLst>
+</dgm:dataModel>
+</file>
+
+<file path=ppt/diagrams/drawing1.xml><?xml version="1.0" encoding="utf-8"?>
+<dsp:drawing xmlns:dgm="http://schemas.openxmlformats.org/drawingml/2006/diagram" xmlns:dsp="http://schemas.microsoft.com/office/drawing/2008/diagram" xmlns:a="http://schemas.openxmlformats.org/drawingml/2006/main">
+  <dsp:spTree>
+    <dsp:nvGrpSpPr>
+      <dsp:cNvPr id="0" name=""/>
+      <dsp:cNvGrpSpPr/>
+    </dsp:nvGrpSpPr>
+    <dsp:grpSpPr/>
+    <dsp:sp modelId="{B37BE549-548A-4142-B701-DC9583868FB2}">
+      <dsp:nvSpPr>
+        <dsp:cNvPr id="0" name=""/>
+        <dsp:cNvSpPr/>
+      </dsp:nvSpPr>
+      <dsp:spPr>
+        <a:xfrm>
+          <a:off x="0" y="718"/>
+          <a:ext cx="6513603" cy="1681139"/>
+        </a:xfrm>
+        <a:prstGeom prst="roundRect">
+          <a:avLst>
+            <a:gd name="adj" fmla="val 10000"/>
+          </a:avLst>
+        </a:prstGeom>
+        <a:solidFill>
+          <a:schemeClr val="bg1">
+            <a:lumMod val="95000"/>
+            <a:hueOff val="0"/>
+            <a:satOff val="0"/>
+            <a:lumOff val="0"/>
+            <a:alphaOff val="0"/>
+          </a:schemeClr>
+        </a:solidFill>
+        <a:ln>
+          <a:noFill/>
+        </a:ln>
+        <a:effectLst/>
+      </dsp:spPr>
+      <dsp:style>
+        <a:lnRef idx="0">
+          <a:scrgbClr r="0" g="0" b="0"/>
+        </a:lnRef>
+        <a:fillRef idx="1">
+          <a:scrgbClr r="0" g="0" b="0"/>
+        </a:fillRef>
+        <a:effectRef idx="0">
+          <a:scrgbClr r="0" g="0" b="0"/>
+        </a:effectRef>
+        <a:fontRef idx="minor"/>
+      </dsp:style>
+    </dsp:sp>
+    <dsp:sp modelId="{BD16894B-2431-41D1-8B04-113B15955E91}">
+      <dsp:nvSpPr>
+        <dsp:cNvPr id="0" name=""/>
+        <dsp:cNvSpPr/>
+      </dsp:nvSpPr>
+      <dsp:spPr>
+        <a:xfrm>
+          <a:off x="508544" y="378974"/>
+          <a:ext cx="924626" cy="924626"/>
+        </a:xfrm>
+        <a:prstGeom prst="rect">
+          <a:avLst/>
+        </a:prstGeom>
+        <a:blipFill>
+          <a:blip xmlns:r="http://schemas.openxmlformats.org/officeDocument/2006/relationships" r:embed="rId1">
+            <a:extLst>
+              <a:ext uri="{28A0092B-C50C-407E-A947-70E740481C1C}">
+                <a14:useLocalDpi xmlns:a14="http://schemas.microsoft.com/office/drawing/2010/main" val="0"/>
+              </a:ext>
+              <a:ext uri="{96DAC541-7B7A-43D3-8B79-37D633B846F1}">
+                <asvg:svgBlip xmlns:asvg="http://schemas.microsoft.com/office/drawing/2016/SVG/main" r:embed="rId2"/>
+              </a:ext>
+            </a:extLst>
+          </a:blip>
+          <a:stretch>
+            <a:fillRect/>
+          </a:stretch>
+        </a:blipFill>
+        <a:ln w="12700" cap="flat" cmpd="sng" algn="ctr">
+          <a:noFill/>
+          <a:prstDash val="solid"/>
+          <a:miter lim="800000"/>
+        </a:ln>
+        <a:effectLst/>
+      </dsp:spPr>
+      <dsp:style>
+        <a:lnRef idx="2">
+          <a:scrgbClr r="0" g="0" b="0"/>
+        </a:lnRef>
+        <a:fillRef idx="1">
+          <a:scrgbClr r="0" g="0" b="0"/>
+        </a:fillRef>
+        <a:effectRef idx="0">
+          <a:scrgbClr r="0" g="0" b="0"/>
+        </a:effectRef>
+        <a:fontRef idx="minor">
+          <a:schemeClr val="lt1"/>
+        </a:fontRef>
+      </dsp:style>
+    </dsp:sp>
+    <dsp:sp modelId="{6144A311-3351-4D21-B869-865C83060DEE}">
+      <dsp:nvSpPr>
+        <dsp:cNvPr id="0" name=""/>
+        <dsp:cNvSpPr/>
+      </dsp:nvSpPr>
+      <dsp:spPr>
+        <a:xfrm>
+          <a:off x="1941716" y="718"/>
+          <a:ext cx="4571887" cy="1681139"/>
+        </a:xfrm>
+        <a:prstGeom prst="rect">
+          <a:avLst/>
+        </a:prstGeom>
+        <a:noFill/>
+        <a:ln>
+          <a:noFill/>
+        </a:ln>
+        <a:effectLst/>
+      </dsp:spPr>
+      <dsp:style>
+        <a:lnRef idx="0">
+          <a:scrgbClr r="0" g="0" b="0"/>
+        </a:lnRef>
+        <a:fillRef idx="0">
+          <a:scrgbClr r="0" g="0" b="0"/>
+        </a:fillRef>
+        <a:effectRef idx="0">
+          <a:scrgbClr r="0" g="0" b="0"/>
+        </a:effectRef>
+        <a:fontRef idx="minor"/>
+      </dsp:style>
+      <dsp:txBody>
+        <a:bodyPr spcFirstLastPara="0" vert="horz" wrap="square" lIns="177921" tIns="177921" rIns="177921" bIns="177921" numCol="1" spcCol="1270" anchor="ctr" anchorCtr="0">
+          <a:noAutofit/>
+        </a:bodyPr>
+        <a:lstStyle/>
+        <a:p>
+          <a:pPr marL="0" lvl="0" indent="0" algn="l" defTabSz="1111250">
+            <a:lnSpc>
+              <a:spcPct val="90000"/>
+            </a:lnSpc>
+            <a:spcBef>
+              <a:spcPct val="0"/>
+            </a:spcBef>
+            <a:spcAft>
+              <a:spcPct val="35000"/>
+            </a:spcAft>
+            <a:buNone/>
+          </a:pPr>
+          <a:r>
+            <a:rPr lang="en-GB" sz="2500" kern="1200"/>
+            <a:t>Teaching/Learning tool</a:t>
+          </a:r>
+          <a:endParaRPr lang="en-US" sz="2500" kern="1200"/>
+        </a:p>
+      </dsp:txBody>
+      <dsp:txXfrm>
+        <a:off x="1941716" y="718"/>
+        <a:ext cx="4571887" cy="1681139"/>
+      </dsp:txXfrm>
+    </dsp:sp>
+    <dsp:sp modelId="{D014E90A-54B9-4E34-B1B9-C22D3C7BD3E6}">
+      <dsp:nvSpPr>
+        <dsp:cNvPr id="0" name=""/>
+        <dsp:cNvSpPr/>
+      </dsp:nvSpPr>
+      <dsp:spPr>
+        <a:xfrm>
+          <a:off x="0" y="2102143"/>
+          <a:ext cx="6513603" cy="1681139"/>
+        </a:xfrm>
+        <a:prstGeom prst="roundRect">
+          <a:avLst>
+            <a:gd name="adj" fmla="val 10000"/>
+          </a:avLst>
+        </a:prstGeom>
+        <a:solidFill>
+          <a:schemeClr val="bg1">
+            <a:lumMod val="95000"/>
+            <a:hueOff val="0"/>
+            <a:satOff val="0"/>
+            <a:lumOff val="0"/>
+            <a:alphaOff val="0"/>
+          </a:schemeClr>
+        </a:solidFill>
+        <a:ln>
+          <a:noFill/>
+        </a:ln>
+        <a:effectLst/>
+      </dsp:spPr>
+      <dsp:style>
+        <a:lnRef idx="0">
+          <a:scrgbClr r="0" g="0" b="0"/>
+        </a:lnRef>
+        <a:fillRef idx="1">
+          <a:scrgbClr r="0" g="0" b="0"/>
+        </a:fillRef>
+        <a:effectRef idx="0">
+          <a:scrgbClr r="0" g="0" b="0"/>
+        </a:effectRef>
+        <a:fontRef idx="minor"/>
+      </dsp:style>
+    </dsp:sp>
+    <dsp:sp modelId="{63158641-D62D-4D09-86F6-798B1746D1B1}">
+      <dsp:nvSpPr>
+        <dsp:cNvPr id="0" name=""/>
+        <dsp:cNvSpPr/>
+      </dsp:nvSpPr>
+      <dsp:spPr>
+        <a:xfrm>
+          <a:off x="508544" y="2480399"/>
+          <a:ext cx="924626" cy="924626"/>
+        </a:xfrm>
+        <a:prstGeom prst="rect">
+          <a:avLst/>
+        </a:prstGeom>
+        <a:blipFill>
+          <a:blip xmlns:r="http://schemas.openxmlformats.org/officeDocument/2006/relationships" r:embed="rId3">
+            <a:extLst>
+              <a:ext uri="{28A0092B-C50C-407E-A947-70E740481C1C}">
+                <a14:useLocalDpi xmlns:a14="http://schemas.microsoft.com/office/drawing/2010/main" val="0"/>
+              </a:ext>
+              <a:ext uri="{96DAC541-7B7A-43D3-8B79-37D633B846F1}">
+                <asvg:svgBlip xmlns:asvg="http://schemas.microsoft.com/office/drawing/2016/SVG/main" r:embed="rId4"/>
+              </a:ext>
+            </a:extLst>
+          </a:blip>
+          <a:stretch>
+            <a:fillRect/>
+          </a:stretch>
+        </a:blipFill>
+        <a:ln w="12700" cap="flat" cmpd="sng" algn="ctr">
+          <a:noFill/>
+          <a:prstDash val="solid"/>
+          <a:miter lim="800000"/>
+        </a:ln>
+        <a:effectLst/>
+      </dsp:spPr>
+      <dsp:style>
+        <a:lnRef idx="2">
+          <a:scrgbClr r="0" g="0" b="0"/>
+        </a:lnRef>
+        <a:fillRef idx="1">
+          <a:scrgbClr r="0" g="0" b="0"/>
+        </a:fillRef>
+        <a:effectRef idx="0">
+          <a:scrgbClr r="0" g="0" b="0"/>
+        </a:effectRef>
+        <a:fontRef idx="minor">
+          <a:schemeClr val="lt1"/>
+        </a:fontRef>
+      </dsp:style>
+    </dsp:sp>
+    <dsp:sp modelId="{436B5D17-0034-47F4-BF68-BECDA14AA0A0}">
+      <dsp:nvSpPr>
+        <dsp:cNvPr id="0" name=""/>
+        <dsp:cNvSpPr/>
+      </dsp:nvSpPr>
+      <dsp:spPr>
+        <a:xfrm>
+          <a:off x="1941716" y="2102143"/>
+          <a:ext cx="4571887" cy="1681139"/>
+        </a:xfrm>
+        <a:prstGeom prst="rect">
+          <a:avLst/>
+        </a:prstGeom>
+        <a:noFill/>
+        <a:ln>
+          <a:noFill/>
+        </a:ln>
+        <a:effectLst/>
+      </dsp:spPr>
+      <dsp:style>
+        <a:lnRef idx="0">
+          <a:scrgbClr r="0" g="0" b="0"/>
+        </a:lnRef>
+        <a:fillRef idx="0">
+          <a:scrgbClr r="0" g="0" b="0"/>
+        </a:fillRef>
+        <a:effectRef idx="0">
+          <a:scrgbClr r="0" g="0" b="0"/>
+        </a:effectRef>
+        <a:fontRef idx="minor"/>
+      </dsp:style>
+      <dsp:txBody>
+        <a:bodyPr spcFirstLastPara="0" vert="horz" wrap="square" lIns="177921" tIns="177921" rIns="177921" bIns="177921" numCol="1" spcCol="1270" anchor="ctr" anchorCtr="0">
+          <a:noAutofit/>
+        </a:bodyPr>
+        <a:lstStyle/>
+        <a:p>
+          <a:pPr marL="0" lvl="0" indent="0" algn="l" defTabSz="1111250">
+            <a:lnSpc>
+              <a:spcPct val="90000"/>
+            </a:lnSpc>
+            <a:spcBef>
+              <a:spcPct val="0"/>
+            </a:spcBef>
+            <a:spcAft>
+              <a:spcPct val="35000"/>
+            </a:spcAft>
+            <a:buNone/>
+          </a:pPr>
+          <a:r>
+            <a:rPr lang="en-GB" sz="2500" kern="1200"/>
+            <a:t>Intuitive UI </a:t>
+          </a:r>
+          <a:endParaRPr lang="en-US" sz="2500" kern="1200"/>
+        </a:p>
+      </dsp:txBody>
+      <dsp:txXfrm>
+        <a:off x="1941716" y="2102143"/>
+        <a:ext cx="4571887" cy="1681139"/>
+      </dsp:txXfrm>
+    </dsp:sp>
+    <dsp:sp modelId="{37C69B4C-5152-4957-8963-96632EF2E108}">
+      <dsp:nvSpPr>
+        <dsp:cNvPr id="0" name=""/>
+        <dsp:cNvSpPr/>
+      </dsp:nvSpPr>
+      <dsp:spPr>
+        <a:xfrm>
+          <a:off x="0" y="4203567"/>
+          <a:ext cx="6513603" cy="1681139"/>
+        </a:xfrm>
+        <a:prstGeom prst="roundRect">
+          <a:avLst>
+            <a:gd name="adj" fmla="val 10000"/>
+          </a:avLst>
+        </a:prstGeom>
+        <a:solidFill>
+          <a:schemeClr val="bg1">
+            <a:lumMod val="95000"/>
+            <a:hueOff val="0"/>
+            <a:satOff val="0"/>
+            <a:lumOff val="0"/>
+            <a:alphaOff val="0"/>
+          </a:schemeClr>
+        </a:solidFill>
+        <a:ln>
+          <a:noFill/>
+        </a:ln>
+        <a:effectLst/>
+      </dsp:spPr>
+      <dsp:style>
+        <a:lnRef idx="0">
+          <a:scrgbClr r="0" g="0" b="0"/>
+        </a:lnRef>
+        <a:fillRef idx="1">
+          <a:scrgbClr r="0" g="0" b="0"/>
+        </a:fillRef>
+        <a:effectRef idx="0">
+          <a:scrgbClr r="0" g="0" b="0"/>
+        </a:effectRef>
+        <a:fontRef idx="minor"/>
+      </dsp:style>
+    </dsp:sp>
+    <dsp:sp modelId="{7F8D9B6A-AA12-4164-A9A0-DFBD0A40AFCF}">
+      <dsp:nvSpPr>
+        <dsp:cNvPr id="0" name=""/>
+        <dsp:cNvSpPr/>
+      </dsp:nvSpPr>
+      <dsp:spPr>
+        <a:xfrm>
+          <a:off x="508544" y="4581824"/>
+          <a:ext cx="924626" cy="924626"/>
+        </a:xfrm>
+        <a:prstGeom prst="rect">
+          <a:avLst/>
+        </a:prstGeom>
+        <a:blipFill>
+          <a:blip xmlns:r="http://schemas.openxmlformats.org/officeDocument/2006/relationships" r:embed="rId5">
+            <a:extLst>
+              <a:ext uri="{28A0092B-C50C-407E-A947-70E740481C1C}">
+                <a14:useLocalDpi xmlns:a14="http://schemas.microsoft.com/office/drawing/2010/main" val="0"/>
+              </a:ext>
+              <a:ext uri="{96DAC541-7B7A-43D3-8B79-37D633B846F1}">
+                <asvg:svgBlip xmlns:asvg="http://schemas.microsoft.com/office/drawing/2016/SVG/main" r:embed="rId6"/>
+              </a:ext>
+            </a:extLst>
+          </a:blip>
+          <a:stretch>
+            <a:fillRect/>
+          </a:stretch>
+        </a:blipFill>
+        <a:ln w="12700" cap="flat" cmpd="sng" algn="ctr">
+          <a:noFill/>
+          <a:prstDash val="solid"/>
+          <a:miter lim="800000"/>
+        </a:ln>
+        <a:effectLst/>
+      </dsp:spPr>
+      <dsp:style>
+        <a:lnRef idx="2">
+          <a:scrgbClr r="0" g="0" b="0"/>
+        </a:lnRef>
+        <a:fillRef idx="1">
+          <a:scrgbClr r="0" g="0" b="0"/>
+        </a:fillRef>
+        <a:effectRef idx="0">
+          <a:scrgbClr r="0" g="0" b="0"/>
+        </a:effectRef>
+        <a:fontRef idx="minor">
+          <a:schemeClr val="lt1"/>
+        </a:fontRef>
+      </dsp:style>
+    </dsp:sp>
+    <dsp:sp modelId="{F539BFD9-8720-4269-8460-213D1E245F44}">
+      <dsp:nvSpPr>
+        <dsp:cNvPr id="0" name=""/>
+        <dsp:cNvSpPr/>
+      </dsp:nvSpPr>
+      <dsp:spPr>
+        <a:xfrm>
+          <a:off x="1941716" y="4203567"/>
+          <a:ext cx="4571887" cy="1681139"/>
+        </a:xfrm>
+        <a:prstGeom prst="rect">
+          <a:avLst/>
+        </a:prstGeom>
+        <a:noFill/>
+        <a:ln>
+          <a:noFill/>
+        </a:ln>
+        <a:effectLst/>
+      </dsp:spPr>
+      <dsp:style>
+        <a:lnRef idx="0">
+          <a:scrgbClr r="0" g="0" b="0"/>
+        </a:lnRef>
+        <a:fillRef idx="0">
+          <a:scrgbClr r="0" g="0" b="0"/>
+        </a:fillRef>
+        <a:effectRef idx="0">
+          <a:scrgbClr r="0" g="0" b="0"/>
+        </a:effectRef>
+        <a:fontRef idx="minor"/>
+      </dsp:style>
+      <dsp:txBody>
+        <a:bodyPr spcFirstLastPara="0" vert="horz" wrap="square" lIns="177921" tIns="177921" rIns="177921" bIns="177921" numCol="1" spcCol="1270" anchor="ctr" anchorCtr="0">
+          <a:noAutofit/>
+        </a:bodyPr>
+        <a:lstStyle/>
+        <a:p>
+          <a:pPr marL="0" lvl="0" indent="0" algn="l" defTabSz="1111250">
+            <a:lnSpc>
+              <a:spcPct val="90000"/>
+            </a:lnSpc>
+            <a:spcBef>
+              <a:spcPct val="0"/>
+            </a:spcBef>
+            <a:spcAft>
+              <a:spcPct val="35000"/>
+            </a:spcAft>
+            <a:buNone/>
+          </a:pPr>
+          <a:r>
+            <a:rPr lang="en-GB" sz="2500" kern="1200"/>
+            <a:t>Versatility/control to the user</a:t>
+          </a:r>
+          <a:endParaRPr lang="en-US" sz="2500" kern="1200"/>
+        </a:p>
+      </dsp:txBody>
+      <dsp:txXfrm>
+        <a:off x="1941716" y="4203567"/>
+        <a:ext cx="4571887" cy="1681139"/>
+      </dsp:txXfrm>
+    </dsp:sp>
+  </dsp:spTree>
+</dsp:drawing>
+</file>
+
+<file path=ppt/diagrams/layout1.xml><?xml version="1.0" encoding="utf-8"?>
+<dgm:layoutDef xmlns:dgm="http://schemas.openxmlformats.org/drawingml/2006/diagram" xmlns:a="http://schemas.openxmlformats.org/drawingml/2006/main" uniqueId="urn:microsoft.com/office/officeart/2018/2/layout/IconVerticalSolidList">
+  <dgm:title val="Icon Vertical Solid List"/>
+  <dgm:desc val="Use to show a series of visuals from top to bottom with Level 1 or Level 1 and Level 2 text grouped in a shape. Works best with icons or small pictures with lengthier descriptions."/>
+  <dgm:catLst>
+    <dgm:cat type="icon" pri="500"/>
+  </dgm:catLst>
+  <dgm:sampData useDef="1">
+    <dgm:dataModel>
+      <dgm:ptLst/>
+      <dgm:bg/>
+      <dgm:whole/>
+    </dgm:dataModel>
+  </dgm:sampData>
+  <dgm:styleData useDef="1">
+    <dgm:dataModel>
+      <dgm:ptLst/>
+      <dgm:bg/>
+      <dgm:whole/>
+    </dgm:dataModel>
+  </dgm:styleData>
+  <dgm:clrData useDef="1">
+    <dgm:dataModel>
+      <dgm:ptLst/>
+      <dgm:bg/>
+      <dgm:whole/>
+    </dgm:dataModel>
+  </dgm:clrData>
+  <dgm:layoutNode name="root">
+    <dgm:varLst>
+      <dgm:dir/>
+      <dgm:resizeHandles val="exact"/>
+    </dgm:varLst>
+    <dgm:choose name="Name0">
+      <dgm:if name="Name1" axis="self" func="var" arg="dir" op="equ" val="norm">
+        <dgm:alg type="lin">
+          <dgm:param type="linDir" val="fromT"/>
+          <dgm:param type="nodeHorzAlign" val="l"/>
+        </dgm:alg>
+      </dgm:if>
+      <dgm:else name="Name2">
+        <dgm:alg type="lin">
+          <dgm:param type="linDir" val="fromT"/>
+          <dgm:param type="nodeHorzAlign" val="r"/>
+        </dgm:alg>
+      </dgm:else>
+    </dgm:choose>
+    <dgm:shape xmlns:r="http://schemas.openxmlformats.org/officeDocument/2006/relationships" r:blip="">
+      <dgm:adjLst/>
+    </dgm:shape>
+    <dgm:presOf/>
+    <dgm:choose name="Name3">
+      <dgm:if name="Name4" axis="ch" ptType="node" func="cnt" op="lte" val="3">
+        <dgm:constrLst>
+          <dgm:constr type="h" for="ch" forName="compNode" refType="h" fact="0.3"/>
+          <dgm:constr type="w" for="ch" forName="compNode" refType="w"/>
+          <dgm:constr type="h" for="ch" forName="sibTrans" refType="h" refFor="ch" refForName="compNode" fact="0.25"/>
+          <dgm:constr type="primFontSz" for="des" forName="parTx" val="25"/>
+          <dgm:constr type="primFontSz" for="des" forName="desTx" refType="primFontSz" refFor="des" refForName="parTx" op="lte" fact="0.75"/>
+          <dgm:constr type="h" for="des" forName="compNode" op="equ"/>
+          <dgm:constr type="h" for="des" forName="bgRect" op="equ"/>
+          <dgm:constr type="h" for="des" forName="iconRect" op="equ"/>
+          <dgm:constr type="w" for="des" forName="iconRect" op="equ"/>
+          <dgm:constr type="h" for="des" forName="spaceRect" op="equ"/>
+          <dgm:constr type="h" for="des" forName="parTx" op="equ"/>
+          <dgm:constr type="h" for="des" forName="desTx" op="equ"/>
+        </dgm:constrLst>
+      </dgm:if>
+      <dgm:if name="Name5" axis="ch" ptType="node" func="cnt" op="lte" val="4">
+        <dgm:constrLst>
+          <dgm:constr type="h" for="ch" forName="compNode" refType="h" fact="0.3"/>
+          <dgm:constr type="w" for="ch" forName="compNode" refType="w"/>
+          <dgm:constr type="h" for="ch" forName="sibTrans" refType="h" refFor="ch" refForName="compNode" fact="0.25"/>
+          <dgm:constr type="primFontSz" for="des" forName="parTx" val="22"/>
+          <dgm:constr type="primFontSz" for="des" forName="desTx" refType="primFontSz" refFor="des" refForName="parTx" op="lte" fact="0.75"/>
+          <dgm:constr type="h" for="des" forName="compNode" op="equ"/>
+          <dgm:constr type="h" for="des" forName="bgRect" op="equ"/>
+          <dgm:constr type="h" for="des" forName="iconRect" op="equ"/>
+          <dgm:constr type="w" for="des" forName="iconRect" op="equ"/>
+          <dgm:constr type="h" for="des" forName="spaceRect" op="equ"/>
+          <dgm:constr type="h" for="des" forName="parTx" op="equ"/>
+          <dgm:constr type="h" for="des" forName="desTx" op="equ"/>
+        </dgm:constrLst>
+      </dgm:if>
+      <dgm:if name="Name6" axis="ch" ptType="node" func="cnt" op="lte" val="6">
+        <dgm:constrLst>
+          <dgm:constr type="h" for="ch" forName="compNode" refType="h" fact="0.3"/>
+          <dgm:constr type="w" for="ch" forName="compNode" refType="w"/>
+          <dgm:constr type="h" for="ch" forName="sibTrans" refType="h" refFor="ch" refForName="compNode" fact="0.25"/>
+          <dgm:constr type="primFontSz" for="des" forName="parTx" val="19"/>
+          <dgm:constr type="primFontSz" for="des" forName="desTx" refType="primFontSz" refFor="des" refForName="parTx" op="lte" fact="0.75"/>
+          <dgm:constr type="h" for="des" forName="compNode" op="equ"/>
+          <dgm:constr type="h" for="des" forName="bgRect" op="equ"/>
+          <dgm:constr type="h" for="des" forName="iconRect" op="equ"/>
+          <dgm:constr type="w" for="des" forName="iconRect" op="equ"/>
+          <dgm:constr type="h" for="des" forName="spaceRect" op="equ"/>
+          <dgm:constr type="h" for="des" forName="parTx" op="equ"/>
+          <dgm:constr type="h" for="des" forName="desTx" op="equ"/>
+        </dgm:constrLst>
+      </dgm:if>
+      <dgm:else name="Name7">
+        <dgm:constrLst>
+          <dgm:constr type="h" for="ch" forName="compNode" refType="h" fact="0.3"/>
+          <dgm:constr type="w" for="ch" forName="compNode" refType="w"/>
+          <dgm:constr type="h" for="ch" forName="sibTrans" refType="h" refFor="ch" refForName="compNode" fact="0.25"/>
+          <dgm:constr type="primFontSz" for="des" forName="parTx" val="16"/>
+          <dgm:constr type="primFontSz" for="des" forName="desTx" refType="primFontSz" refFor="des" refForName="parTx" op="lte" fact="0.75"/>
+          <dgm:constr type="h" for="des" forName="compNode" op="equ"/>
+          <dgm:constr type="h" for="des" forName="bgRect" op="equ"/>
+          <dgm:constr type="h" for="des" forName="iconRect" op="equ"/>
+          <dgm:constr type="w" for="des" forName="iconRect" op="equ"/>
+          <dgm:constr type="h" for="des" forName="spaceRect" op="equ"/>
+          <dgm:constr type="h" for="des" forName="parTx" op="equ"/>
+          <dgm:constr type="h" for="des" forName="desTx" op="equ"/>
+        </dgm:constrLst>
+      </dgm:else>
+    </dgm:choose>
+    <dgm:ruleLst>
+      <dgm:rule type="h" for="ch" forName="compNode" val="0" fact="NaN" max="NaN"/>
+    </dgm:ruleLst>
+    <dgm:forEach name="Name8" axis="ch" ptType="node">
+      <dgm:layoutNode name="compNode">
+        <dgm:alg type="composite"/>
+        <dgm:shape xmlns:r="http://schemas.openxmlformats.org/officeDocument/2006/relationships" r:blip="">
+          <dgm:adjLst/>
+        </dgm:shape>
+        <dgm:presOf axis="self"/>
+        <dgm:choose name="Name9">
+          <dgm:if name="Name10" axis="ch" ptType="node" func="cnt" op="gte" val="1">
+            <dgm:constrLst>
+              <dgm:constr type="w" for="ch" forName="bgRect" refType="w"/>
+              <dgm:constr type="h" for="ch" forName="bgRect" refType="h"/>
+              <dgm:constr type="l" for="ch" forName="bgRect"/>
+              <dgm:constr type="t" for="ch" forName="bgRect"/>
+              <dgm:constr type="h" for="ch" forName="iconRect" refType="h" fact="0.55"/>
+              <dgm:constr type="w" for="ch" forName="iconRect" refType="h" refFor="ch" refForName="iconRect"/>
+              <dgm:constr type="l" for="ch" forName="iconRect" refType="h" refFor="ch" refForName="iconRect" fact="0.55"/>
+              <dgm:constr type="ctrY" for="ch" forName="iconRect" refType="ctrY" refFor="ch" refForName="bgRect"/>
+              <dgm:constr type="w" for="ch" forName="spaceRect" refType="l" refFor="ch" refForName="iconRect"/>
+              <dgm:constr type="h" for="ch" forName="spaceRect" refType="h"/>
+              <dgm:constr type="l" for="ch" forName="spaceRect" refType="r" refFor="ch" refForName="iconRect"/>
+              <dgm:constr type="t" for="ch" forName="spaceRect"/>
+              <dgm:constr type="w" for="ch" forName="parTx" refType="w" fact="0.45"/>
+              <dgm:constr type="h" for="ch" forName="parTx" refType="h"/>
+              <dgm:constr type="l" for="ch" forName="parTx" refType="r" refFor="ch" refForName="spaceRect"/>
+              <dgm:constr type="t" for="ch" forName="parTx"/>
+              <dgm:constr type="h" for="ch" forName="desTx" refType="h"/>
+              <dgm:constr type="l" for="ch" forName="desTx" refType="r" refFor="ch" refForName="parTx"/>
+              <dgm:constr type="t" for="ch" forName="desTx"/>
+            </dgm:constrLst>
+          </dgm:if>
+          <dgm:else name="Name11">
+            <dgm:constrLst>
+              <dgm:constr type="w" for="ch" forName="bgRect" refType="w"/>
+              <dgm:constr type="h" for="ch" forName="bgRect" refType="h"/>
+              <dgm:constr type="l" for="ch" forName="bgRect"/>
+              <dgm:constr type="t" for="ch" forName="bgRect"/>
+              <dgm:constr type="h" for="ch" forName="iconRect" refType="h" fact="0.55"/>
+              <dgm:constr type="w" for="ch" forName="iconRect" refType="h" refFor="ch" refForName="iconRect"/>
+              <dgm:constr type="l" for="ch" forName="iconRect" refType="h" refFor="ch" refForName="iconRect" fact="0.55"/>
+              <dgm:constr type="ctrY" for="ch" forName="iconRect" refType="ctrY" refFor="ch" refForName="bgRect"/>
+              <dgm:constr type="w" for="ch" forName="spaceRect" refType="l" refFor="ch" refForName="iconRect"/>
+              <dgm:constr type="h" for="ch" forName="spaceRect" refType="h"/>
+              <dgm:constr type="l" for="ch" forName="spaceRect" refType="r" refFor="ch" refForName="iconRect"/>
+              <dgm:constr type="t" for="ch" forName="spaceRect"/>
+              <dgm:constr type="h" for="ch" forName="parTx" refType="h"/>
+              <dgm:constr type="l" for="ch" forName="parTx" refType="r" refFor="ch" refForName="spaceRect"/>
+              <dgm:constr type="t" for="ch" forName="parTx"/>
+            </dgm:constrLst>
+          </dgm:else>
+        </dgm:choose>
+        <dgm:ruleLst>
+          <dgm:rule type="h" val="INF" fact="NaN" max="NaN"/>
+        </dgm:ruleLst>
+        <dgm:layoutNode name="bgRect" styleLbl="bgShp">
+          <dgm:alg type="sp"/>
+          <dgm:shape xmlns:r="http://schemas.openxmlformats.org/officeDocument/2006/relationships" type="roundRect" r:blip="">
+            <dgm:adjLst>
+              <dgm:adj idx="1" val="0.1"/>
+            </dgm:adjLst>
+          </dgm:shape>
+          <dgm:presOf/>
+          <dgm:constrLst/>
+          <dgm:ruleLst/>
+        </dgm:layoutNode>
+        <dgm:layoutNode name="iconRect" styleLbl="node1">
+          <dgm:alg type="sp"/>
+          <dgm:shape xmlns:r="http://schemas.openxmlformats.org/officeDocument/2006/relationships" type="rect" r:blip="" blipPhldr="1">
+            <dgm:adjLst/>
+          </dgm:shape>
+          <dgm:presOf/>
+          <dgm:constrLst/>
+          <dgm:ruleLst/>
+        </dgm:layoutNode>
+        <dgm:layoutNode name="spaceRect">
+          <dgm:alg type="sp"/>
+          <dgm:shape xmlns:r="http://schemas.openxmlformats.org/officeDocument/2006/relationships" r:blip="">
+            <dgm:adjLst/>
+          </dgm:shape>
+          <dgm:presOf/>
+          <dgm:constrLst/>
+          <dgm:ruleLst/>
+        </dgm:layoutNode>
+        <dgm:layoutNode name="parTx" styleLbl="revTx">
+          <dgm:varLst>
+            <dgm:chMax val="0"/>
+            <dgm:chPref val="0"/>
+          </dgm:varLst>
+          <dgm:alg type="tx">
+            <dgm:param type="txAnchorVert" val="mid"/>
+            <dgm:param type="parTxLTRAlign" val="l"/>
+            <dgm:param type="shpTxLTRAlignCh" val="l"/>
+            <dgm:param type="parTxRTLAlign" val="r"/>
+            <dgm:param type="shpTxRTLAlignCh" val="r"/>
+          </dgm:alg>
+          <dgm:shape xmlns:r="http://schemas.openxmlformats.org/officeDocument/2006/relationships" type="rect" r:blip="">
+            <dgm:adjLst/>
+          </dgm:shape>
+          <dgm:presOf axis="self" ptType="node"/>
+          <dgm:constrLst>
+            <dgm:constr type="lMarg" refType="h" fact="0.3"/>
+            <dgm:constr type="rMarg" refType="h" fact="0.3"/>
+            <dgm:constr type="tMarg" refType="h" fact="0.3"/>
+            <dgm:constr type="bMarg" refType="h" fact="0.3"/>
+          </dgm:constrLst>
+          <dgm:ruleLst>
+            <dgm:rule type="primFontSz" val="14" fact="NaN" max="NaN"/>
+            <dgm:rule type="h" val="INF" fact="NaN" max="NaN"/>
+          </dgm:ruleLst>
+        </dgm:layoutNode>
+        <dgm:choose name="Name12">
+          <dgm:if name="Name13" axis="ch" ptType="node" func="cnt" op="gte" val="1">
+            <dgm:layoutNode name="desTx" styleLbl="revTx">
+              <dgm:varLst/>
+              <dgm:alg type="tx">
+                <dgm:param type="txAnchorVertCh" val="mid"/>
+                <dgm:param type="parTxLTRAlign" val="l"/>
+                <dgm:param type="shpTxLTRAlignCh" val="l"/>
+                <dgm:param type="parTxRTLAlign" val="r"/>
+                <dgm:param type="shpTxRTLAlignCh" val="r"/>
+                <dgm:param type="stBulletLvl" val="0"/>
+              </dgm:alg>
+              <dgm:shape xmlns:r="http://schemas.openxmlformats.org/officeDocument/2006/relationships" type="rect" r:blip="">
+                <dgm:adjLst/>
+              </dgm:shape>
+              <dgm:presOf axis="des" ptType="node"/>
+              <dgm:constrLst>
+                <dgm:constr type="primFontSz" val="18"/>
+                <dgm:constr type="secFontSz" refType="primFontSz"/>
+                <dgm:constr type="lMarg" refType="h" fact="0.3"/>
+                <dgm:constr type="rMarg" refType="h" fact="0.3"/>
+                <dgm:constr type="tMarg" refType="h" fact="0.3"/>
+                <dgm:constr type="bMarg" refType="h" fact="0.3"/>
+              </dgm:constrLst>
+              <dgm:ruleLst>
+                <dgm:rule type="primFontSz" val="11" fact="NaN" max="NaN"/>
+              </dgm:ruleLst>
+            </dgm:layoutNode>
+          </dgm:if>
+          <dgm:else name="Name14"/>
+        </dgm:choose>
+      </dgm:layoutNode>
+      <dgm:forEach name="Name15" axis="followSib" ptType="sibTrans" cnt="1">
+        <dgm:layoutNode name="sibTrans">
+          <dgm:alg type="sp"/>
+          <dgm:shape xmlns:r="http://schemas.openxmlformats.org/officeDocument/2006/relationships" r:blip="">
+            <dgm:adjLst/>
+          </dgm:shape>
+          <dgm:presOf axis="self"/>
+          <dgm:constrLst/>
+          <dgm:ruleLst/>
+        </dgm:layoutNode>
+      </dgm:forEach>
+    </dgm:forEach>
+  </dgm:layoutNode>
+  <dgm:extLst>
+    <a:ext uri="{68A01E43-0DF5-4B5B-8FA6-DAF915123BFB}">
+      <dgm1612:lstStyle xmlns:dgm1612="http://schemas.microsoft.com/office/drawing/2016/12/diagram">
+        <a:lvl1pPr>
+          <a:lnSpc>
+            <a:spcPct val="100000"/>
+          </a:lnSpc>
+        </a:lvl1pPr>
+        <a:lvl2pPr>
+          <a:lnSpc>
+            <a:spcPct val="100000"/>
+          </a:lnSpc>
+        </a:lvl2pPr>
+      </dgm1612:lstStyle>
+    </a:ext>
+  </dgm:extLst>
+</dgm:layoutDef>
+</file>
+
+<file path=ppt/diagrams/quickStyle1.xml><?xml version="1.0" encoding="utf-8"?>
+<dgm:styleDef xmlns:dgm="http://schemas.openxmlformats.org/drawingml/2006/diagram" xmlns:a="http://schemas.openxmlformats.org/drawingml/2006/main" uniqueId="urn:microsoft.com/office/officeart/2005/8/quickstyle/simple1">
+  <dgm:title val=""/>
+  <dgm:desc val=""/>
+  <dgm:catLst>
+    <dgm:cat type="simple" pri="10100"/>
+  </dgm:catLst>
+  <dgm:scene3d>
+    <a:camera prst="orthographicFront"/>
+    <a:lightRig rig="threePt" dir="t"/>
+  </dgm:scene3d>
+  <dgm:styleLbl name="node0">
+    <dgm:scene3d>
+      <a:camera prst="orthographicFront"/>
+      <a:lightRig rig="threePt" dir="t"/>
+    </dgm:scene3d>
+    <dgm:sp3d/>
+    <dgm:txPr/>
+    <dgm:style>
+      <a:lnRef idx="2">
+        <a:scrgbClr r="0" g="0" b="0"/>
+      </a:lnRef>
+      <a:fillRef idx="1">
+        <a:scrgbClr r="0" g="0" b="0"/>
+      </a:fillRef>
+      <a:effectRef idx="0">
+        <a:scrgbClr r="0" g="0" b="0"/>
+      </a:effectRef>
+      <a:fontRef idx="minor">
+        <a:schemeClr val="lt1"/>
+      </a:fontRef>
+    </dgm:style>
+  </dgm:styleLbl>
+  <dgm:styleLbl name="lnNode1">
+    <dgm:scene3d>
+      <a:camera prst="orthographicFront"/>
+      <a:lightRig rig="threePt" dir="t"/>
+    </dgm:scene3d>
+    <dgm:sp3d/>
+    <dgm:txPr/>
+    <dgm:style>
+      <a:lnRef idx="2">
+        <a:scrgbClr r="0" g="0" b="0"/>
+      </a:lnRef>
+      <a:fillRef idx="1">
+        <a:scrgbClr r="0" g="0" b="0"/>
+      </a:fillRef>
+      <a:effectRef idx="0">
+        <a:scrgbClr r="0" g="0" b="0"/>
+      </a:effectRef>
+      <a:fontRef idx="minor">
+        <a:schemeClr val="lt1"/>
+      </a:fontRef>
+    </dgm:style>
+  </dgm:styleLbl>
+  <dgm:styleLbl name="vennNode1">
+    <dgm:scene3d>
+      <a:camera prst="orthographicFront"/>
+      <a:lightRig rig="threePt" dir="t"/>
+    </dgm:scene3d>
+    <dgm:sp3d/>
+    <dgm:txPr/>
+    <dgm:style>
+      <a:lnRef idx="2">
+        <a:scrgbClr r="0" g="0" b="0"/>
+      </a:lnRef>
+      <a:fillRef idx="1">
+        <a:scrgbClr r="0" g="0" b="0"/>
+      </a:fillRef>
+      <a:effectRef idx="0">
+        <a:scrgbClr r="0" g="0" b="0"/>
+      </a:effectRef>
+      <a:fontRef idx="minor">
+        <a:schemeClr val="tx1"/>
+      </a:fontRef>
+    </dgm:style>
+  </dgm:styleLbl>
+  <dgm:styleLbl name="alignNode1">
+    <dgm:scene3d>
+      <a:camera prst="orthographicFront"/>
+      <a:lightRig rig="threePt" dir="t"/>
+    </dgm:scene3d>
+    <dgm:sp3d/>
+    <dgm:txPr/>
+    <dgm:style>
+      <a:lnRef idx="2">
+        <a:scrgbClr r="0" g="0" b="0"/>
+      </a:lnRef>
+      <a:fillRef idx="1">
+        <a:scrgbClr r="0" g="0" b="0"/>
+      </a:fillRef>
+      <a:effectRef idx="0">
+        <a:scrgbClr r="0" g="0" b="0"/>
+      </a:effectRef>
+      <a:fontRef idx="minor">
+        <a:schemeClr val="lt1"/>
+      </a:fontRef>
+    </dgm:style>
+  </dgm:styleLbl>
+  <dgm:styleLbl name="node1">
+    <dgm:scene3d>
+      <a:camera prst="orthographicFront"/>
+      <a:lightRig rig="threePt" dir="t"/>
+    </dgm:scene3d>
+    <dgm:sp3d/>
+    <dgm:txPr/>
+    <dgm:style>
+      <a:lnRef idx="2">
+        <a:scrgbClr r="0" g="0" b="0"/>
+      </a:lnRef>
+      <a:fillRef idx="1">
+        <a:scrgbClr r="0" g="0" b="0"/>
+      </a:fillRef>
+      <a:effectRef idx="0">
+        <a:scrgbClr r="0" g="0" b="0"/>
+      </a:effectRef>
+      <a:fontRef idx="minor">
+        <a:schemeClr val="lt1"/>
+      </a:fontRef>
+    </dgm:style>
+  </dgm:styleLbl>
+  <dgm:styleLbl name="node2">
+    <dgm:scene3d>
+      <a:camera prst="orthographicFront"/>
+      <a:lightRig rig="threePt" dir="t"/>
+    </dgm:scene3d>
+    <dgm:sp3d/>
+    <dgm:txPr/>
+    <dgm:style>
+      <a:lnRef idx="2">
+        <a:scrgbClr r="0" g="0" b="0"/>
+      </a:lnRef>
+      <a:fillRef idx="1">
+        <a:scrgbClr r="0" g="0" b="0"/>
+      </a:fillRef>
+      <a:effectRef idx="0">
+        <a:scrgbClr r="0" g="0" b="0"/>
+      </a:effectRef>
+      <a:fontRef idx="minor">
+        <a:schemeClr val="lt1"/>
+      </a:fontRef>
+    </dgm:style>
+  </dgm:styleLbl>
+  <dgm:styleLbl name="node3">
+    <dgm:scene3d>
+      <a:camera prst="orthographicFront"/>
+      <a:lightRig rig="threePt" dir="t"/>
+    </dgm:scene3d>
+    <dgm:sp3d/>
+    <dgm:txPr/>
+    <dgm:style>
+      <a:lnRef idx="2">
+        <a:scrgbClr r="0" g="0" b="0"/>
+      </a:lnRef>
+      <a:fillRef idx="1">
+        <a:scrgbClr r="0" g="0" b="0"/>
+      </a:fillRef>
+      <a:effectRef idx="0">
+        <a:scrgbClr r="0" g="0" b="0"/>
+      </a:effectRef>
+      <a:fontRef idx="minor">
+        <a:schemeClr val="lt1"/>
+      </a:fontRef>
+    </dgm:style>
+  </dgm:styleLbl>
+  <dgm:styleLbl name="node4">
+    <dgm:scene3d>
+      <a:camera prst="orthographicFront"/>
+      <a:lightRig rig="threePt" dir="t"/>
+    </dgm:scene3d>
+    <dgm:sp3d/>
+    <dgm:txPr/>
+    <dgm:style>
+      <a:lnRef idx="2">
+        <a:scrgbClr r="0" g="0" b="0"/>
+      </a:lnRef>
+      <a:fillRef idx="1">
+        <a:scrgbClr r="0" g="0" b="0"/>
+      </a:fillRef>
+      <a:effectRef idx="0">
+        <a:scrgbClr r="0" g="0" b="0"/>
+      </a:effectRef>
+      <a:fontRef idx="minor">
+        <a:schemeClr val="lt1"/>
+      </a:fontRef>
+    </dgm:style>
+  </dgm:styleLbl>
+  <dgm:styleLbl name="fgImgPlace1">
+    <dgm:scene3d>
+      <a:camera prst="orthographicFront"/>
+      <a:lightRig rig="threePt" dir="t"/>
+    </dgm:scene3d>
+    <dgm:sp3d/>
+    <dgm:txPr/>
+    <dgm:style>
+      <a:lnRef idx="2">
+        <a:scrgbClr r="0" g="0" b="0"/>
+      </a:lnRef>
+      <a:fillRef idx="1">
+        <a:scrgbClr r="0" g="0" b="0"/>
+      </a:fillRef>
+      <a:effectRef idx="0">
+        <a:scrgbClr r="0" g="0" b="0"/>
+      </a:effectRef>
+      <a:fontRef idx="minor"/>
+    </dgm:style>
+  </dgm:styleLbl>
+  <dgm:styleLbl name="alignImgPlace1">
+    <dgm:scene3d>
+      <a:camera prst="orthographicFront"/>
+      <a:lightRig rig="threePt" dir="t"/>
+    </dgm:scene3d>
+    <dgm:sp3d/>
+    <dgm:txPr/>
+    <dgm:style>
+      <a:lnRef idx="2">
+        <a:scrgbClr r="0" g="0" b="0"/>
+      </a:lnRef>
+      <a:fillRef idx="1">
+        <a:scrgbClr r="0" g="0" b="0"/>
+      </a:fillRef>
+      <a:effectRef idx="0">
+        <a:scrgbClr r="0" g="0" b="0"/>
+      </a:effectRef>
+      <a:fontRef idx="minor"/>
+    </dgm:style>
+  </dgm:styleLbl>
+  <dgm:styleLbl name="bgImgPlace1">
+    <dgm:scene3d>
+      <a:camera prst="orthographicFront"/>
+      <a:lightRig rig="threePt" dir="t"/>
+    </dgm:scene3d>
+    <dgm:sp3d/>
+    <dgm:txPr/>
+    <dgm:style>
+      <a:lnRef idx="2">
+        <a:scrgbClr r="0" g="0" b="0"/>
+      </a:lnRef>
+      <a:fillRef idx="1">
+        <a:scrgbClr r="0" g="0" b="0"/>
+      </a:fillRef>
+      <a:effectRef idx="0">
+        <a:scrgbClr r="0" g="0" b="0"/>
+      </a:effectRef>
+      <a:fontRef idx="minor"/>
+    </dgm:style>
+  </dgm:styleLbl>
+  <dgm:styleLbl name="sibTrans2D1">
+    <dgm:scene3d>
+      <a:camera prst="orthographicFront"/>
+      <a:lightRig rig="threePt" dir="t"/>
+    </dgm:scene3d>
+    <dgm:sp3d/>
+    <dgm:txPr/>
+    <dgm:style>
+      <a:lnRef idx="0">
+        <a:scrgbClr r="0" g="0" b="0"/>
+      </a:lnRef>
+      <a:fillRef idx="1">
+        <a:scrgbClr r="0" g="0" b="0"/>
+      </a:fillRef>
+      <a:effectRef idx="0">
+        <a:scrgbClr r="0" g="0" b="0"/>
+      </a:effectRef>
+      <a:fontRef idx="minor">
+        <a:schemeClr val="lt1"/>
+      </a:fontRef>
+    </dgm:style>
+  </dgm:styleLbl>
+  <dgm:styleLbl name="fgSibTrans2D1">
+    <dgm:scene3d>
+      <a:camera prst="orthographicFront"/>
+      <a:lightRig rig="threePt" dir="t"/>
+    </dgm:scene3d>
+    <dgm:sp3d/>
+    <dgm:txPr/>
+    <dgm:style>
+      <a:lnRef idx="0">
+        <a:scrgbClr r="0" g="0" b="0"/>
+      </a:lnRef>
+      <a:fillRef idx="1">
+        <a:scrgbClr r="0" g="0" b="0"/>
+      </a:fillRef>
+      <a:effectRef idx="0">
+        <a:scrgbClr r="0" g="0" b="0"/>
+      </a:effectRef>
+      <a:fontRef idx="minor">
+        <a:schemeClr val="lt1"/>
+      </a:fontRef>
+    </dgm:style>
+  </dgm:styleLbl>
+  <dgm:styleLbl name="bgSibTrans2D1">
+    <dgm:scene3d>
+      <a:camera prst="orthographicFront"/>
+      <a:lightRig rig="threePt" dir="t"/>
+    </dgm:scene3d>
+    <dgm:sp3d/>
+    <dgm:txPr/>
+    <dgm:style>
+      <a:lnRef idx="0">
+        <a:scrgbClr r="0" g="0" b="0"/>
+      </a:lnRef>
+      <a:fillRef idx="1">
+        <a:scrgbClr r="0" g="0" b="0"/>
+      </a:fillRef>
+      <a:effectRef idx="0">
+        <a:scrgbClr r="0" g="0" b="0"/>
+      </a:effectRef>
+      <a:fontRef idx="minor">
+        <a:schemeClr val="lt1"/>
+      </a:fontRef>
+    </dgm:style>
+  </dgm:styleLbl>
+  <dgm:styleLbl name="sibTrans1D1">
+    <dgm:scene3d>
+      <a:camera prst="orthographicFront"/>
+      <a:lightRig rig="threePt" dir="t"/>
+    </dgm:scene3d>
+    <dgm:sp3d/>
+    <dgm:txPr/>
+    <dgm:style>
+      <a:lnRef idx="1">
+        <a:scrgbClr r="0" g="0" b="0"/>
+      </a:lnRef>
+      <a:fillRef idx="0">
+        <a:scrgbClr r="0" g="0" b="0"/>
+      </a:fillRef>
+      <a:effectRef idx="0">
+        <a:scrgbClr r="0" g="0" b="0"/>
+      </a:effectRef>
+      <a:fontRef idx="minor"/>
+    </dgm:style>
+  </dgm:styleLbl>
+  <dgm:styleLbl name="callout">
+    <dgm:scene3d>
+      <a:camera prst="orthographicFront"/>
+      <a:lightRig rig="threePt" dir="t"/>
+    </dgm:scene3d>
+    <dgm:sp3d/>
+    <dgm:txPr/>
+    <dgm:style>
+      <a:lnRef idx="2">
+        <a:scrgbClr r="0" g="0" b="0"/>
+      </a:lnRef>
+      <a:fillRef idx="1">
+        <a:scrgbClr r="0" g="0" b="0"/>
+      </a:fillRef>
+      <a:effectRef idx="0">
+        <a:scrgbClr r="0" g="0" b="0"/>
+      </a:effectRef>
+      <a:fontRef idx="minor"/>
+    </dgm:style>
+  </dgm:styleLbl>
+  <dgm:styleLbl name="asst0">
+    <dgm:scene3d>
+      <a:camera prst="orthographicFront"/>
+      <a:lightRig rig="threePt" dir="t"/>
+    </dgm:scene3d>
+    <dgm:sp3d/>
+    <dgm:txPr/>
+    <dgm:style>
+      <a:lnRef idx="2">
+        <a:scrgbClr r="0" g="0" b="0"/>
+      </a:lnRef>
+      <a:fillRef idx="1">
+        <a:scrgbClr r="0" g="0" b="0"/>
+      </a:fillRef>
+      <a:effectRef idx="0">
+        <a:scrgbClr r="0" g="0" b="0"/>
+      </a:effectRef>
+      <a:fontRef idx="minor">
+        <a:schemeClr val="lt1"/>
+      </a:fontRef>
+    </dgm:style>
+  </dgm:styleLbl>
+  <dgm:styleLbl name="asst1">
+    <dgm:scene3d>
+      <a:camera prst="orthographicFront"/>
+      <a:lightRig rig="threePt" dir="t"/>
+    </dgm:scene3d>
+    <dgm:sp3d/>
+    <dgm:txPr/>
+    <dgm:style>
+      <a:lnRef idx="2">
+        <a:scrgbClr r="0" g="0" b="0"/>
+      </a:lnRef>
+      <a:fillRef idx="1">
+        <a:scrgbClr r="0" g="0" b="0"/>
+      </a:fillRef>
+      <a:effectRef idx="0">
+        <a:scrgbClr r="0" g="0" b="0"/>
+      </a:effectRef>
+      <a:fontRef idx="minor">
+        <a:schemeClr val="lt1"/>
+      </a:fontRef>
+    </dgm:style>
+  </dgm:styleLbl>
+  <dgm:styleLbl name="asst2">
+    <dgm:scene3d>
+      <a:camera prst="orthographicFront"/>
+      <a:lightRig rig="threePt" dir="t"/>
+    </dgm:scene3d>
+    <dgm:sp3d/>
+    <dgm:txPr/>
+    <dgm:style>
+      <a:lnRef idx="2">
+        <a:scrgbClr r="0" g="0" b="0"/>
+      </a:lnRef>
+      <a:fillRef idx="1">
+        <a:scrgbClr r="0" g="0" b="0"/>
+      </a:fillRef>
+      <a:effectRef idx="0">
+        <a:scrgbClr r="0" g="0" b="0"/>
+      </a:effectRef>
+      <a:fontRef idx="minor">
+        <a:schemeClr val="lt1"/>
+      </a:fontRef>
+    </dgm:style>
+  </dgm:styleLbl>
+  <dgm:styleLbl name="asst3">
+    <dgm:scene3d>
+      <a:camera prst="orthographicFront"/>
+      <a:lightRig rig="threePt" dir="t"/>
+    </dgm:scene3d>
+    <dgm:sp3d/>
+    <dgm:txPr/>
+    <dgm:style>
+      <a:lnRef idx="2">
+        <a:scrgbClr r="0" g="0" b="0"/>
+      </a:lnRef>
+      <a:fillRef idx="1">
+        <a:scrgbClr r="0" g="0" b="0"/>
+      </a:fillRef>
+      <a:effectRef idx="0">
+        <a:scrgbClr r="0" g="0" b="0"/>
+      </a:effectRef>
+      <a:fontRef idx="minor">
+        <a:schemeClr val="lt1"/>
+      </a:fontRef>
+    </dgm:style>
+  </dgm:styleLbl>
+  <dgm:styleLbl name="asst4">
+    <dgm:scene3d>
+      <a:camera prst="orthographicFront"/>
+      <a:lightRig rig="threePt" dir="t"/>
+    </dgm:scene3d>
+    <dgm:sp3d/>
+    <dgm:txPr/>
+    <dgm:style>
+      <a:lnRef idx="2">
+        <a:scrgbClr r="0" g="0" b="0"/>
+      </a:lnRef>
+      <a:fillRef idx="1">
+        <a:scrgbClr r="0" g="0" b="0"/>
+      </a:fillRef>
+      <a:effectRef idx="0">
+        <a:scrgbClr r="0" g="0" b="0"/>
+      </a:effectRef>
+      <a:fontRef idx="minor">
+        <a:schemeClr val="lt1"/>
+      </a:fontRef>
+    </dgm:style>
+  </dgm:styleLbl>
+  <dgm:styleLbl name="parChTrans2D1">
+    <dgm:scene3d>
+      <a:camera prst="orthographicFront"/>
+      <a:lightRig rig="threePt" dir="t"/>
+    </dgm:scene3d>
+    <dgm:sp3d/>
+    <dgm:txPr/>
+    <dgm:style>
+      <a:lnRef idx="2">
+        <a:scrgbClr r="0" g="0" b="0"/>
+      </a:lnRef>
+      <a:fillRef idx="1">
+        <a:scrgbClr r="0" g="0" b="0"/>
+      </a:fillRef>
+      <a:effectRef idx="0">
+        <a:scrgbClr r="0" g="0" b="0"/>
+      </a:effectRef>
+      <a:fontRef idx="minor">
+        <a:schemeClr val="lt1"/>
+      </a:fontRef>
+    </dgm:style>
+  </dgm:styleLbl>
+  <dgm:styleLbl name="parChTrans2D2">
+    <dgm:scene3d>
+      <a:camera prst="orthographicFront"/>
+      <a:lightRig rig="threePt" dir="t"/>
+    </dgm:scene3d>
+    <dgm:sp3d/>
+    <dgm:txPr/>
+    <dgm:style>
+      <a:lnRef idx="2">
+        <a:scrgbClr r="0" g="0" b="0"/>
+      </a:lnRef>
+      <a:fillRef idx="1">
+        <a:scrgbClr r="0" g="0" b="0"/>
+      </a:fillRef>
+      <a:effectRef idx="0">
+        <a:scrgbClr r="0" g="0" b="0"/>
+      </a:effectRef>
+      <a:fontRef idx="minor">
+        <a:schemeClr val="lt1"/>
+      </a:fontRef>
+    </dgm:style>
+  </dgm:styleLbl>
+  <dgm:styleLbl name="parChTrans2D3">
+    <dgm:scene3d>
+      <a:camera prst="orthographicFront"/>
+      <a:lightRig rig="threePt" dir="t"/>
+    </dgm:scene3d>
+    <dgm:sp3d/>
+    <dgm:txPr/>
+    <dgm:style>
+      <a:lnRef idx="2">
+        <a:scrgbClr r="0" g="0" b="0"/>
+      </a:lnRef>
+      <a:fillRef idx="1">
+        <a:scrgbClr r="0" g="0" b="0"/>
+      </a:fillRef>
+      <a:effectRef idx="0">
+        <a:scrgbClr r="0" g="0" b="0"/>
+      </a:effectRef>
+      <a:fontRef idx="minor">
+        <a:schemeClr val="lt1"/>
+      </a:fontRef>
+    </dgm:style>
+  </dgm:styleLbl>
+  <dgm:styleLbl name="parChTrans2D4">
+    <dgm:scene3d>
+      <a:camera prst="orthographicFront"/>
+      <a:lightRig rig="threePt" dir="t"/>
+    </dgm:scene3d>
+    <dgm:sp3d/>
+    <dgm:txPr/>
+    <dgm:style>
+      <a:lnRef idx="2">
+        <a:scrgbClr r="0" g="0" b="0"/>
+      </a:lnRef>
+      <a:fillRef idx="1">
+        <a:scrgbClr r="0" g="0" b="0"/>
+      </a:fillRef>
+      <a:effectRef idx="0">
+        <a:scrgbClr r="0" g="0" b="0"/>
+      </a:effectRef>
+      <a:fontRef idx="minor">
+        <a:schemeClr val="lt1"/>
+      </a:fontRef>
+    </dgm:style>
+  </dgm:styleLbl>
+  <dgm:styleLbl name="parChTrans1D1">
+    <dgm:scene3d>
+      <a:camera prst="orthographicFront"/>
+      <a:lightRig rig="threePt" dir="t"/>
+    </dgm:scene3d>
+    <dgm:sp3d/>
+    <dgm:txPr/>
+    <dgm:style>
+      <a:lnRef idx="2">
+        <a:scrgbClr r="0" g="0" b="0"/>
+      </a:lnRef>
+      <a:fillRef idx="0">
+        <a:scrgbClr r="0" g="0" b="0"/>
+      </a:fillRef>
+      <a:effectRef idx="0">
+        <a:scrgbClr r="0" g="0" b="0"/>
+      </a:effectRef>
+      <a:fontRef idx="minor"/>
+    </dgm:style>
+  </dgm:styleLbl>
+  <dgm:styleLbl name="parChTrans1D2">
+    <dgm:scene3d>
+      <a:camera prst="orthographicFront"/>
+      <a:lightRig rig="threePt" dir="t"/>
+    </dgm:scene3d>
+    <dgm:sp3d/>
+    <dgm:txPr/>
+    <dgm:style>
+      <a:lnRef idx="2">
+        <a:scrgbClr r="0" g="0" b="0"/>
+      </a:lnRef>
+      <a:fillRef idx="0">
+        <a:scrgbClr r="0" g="0" b="0"/>
+      </a:fillRef>
+      <a:effectRef idx="0">
+        <a:scrgbClr r="0" g="0" b="0"/>
+      </a:effectRef>
+      <a:fontRef idx="minor"/>
+    </dgm:style>
+  </dgm:styleLbl>
+  <dgm:styleLbl name="parChTrans1D3">
+    <dgm:scene3d>
+      <a:camera prst="orthographicFront"/>
+      <a:lightRig rig="threePt" dir="t"/>
+    </dgm:scene3d>
+    <dgm:sp3d/>
+    <dgm:txPr/>
+    <dgm:style>
+      <a:lnRef idx="2">
+        <a:scrgbClr r="0" g="0" b="0"/>
+      </a:lnRef>
+      <a:fillRef idx="0">
+        <a:scrgbClr r="0" g="0" b="0"/>
+      </a:fillRef>
+      <a:effectRef idx="0">
+        <a:scrgbClr r="0" g="0" b="0"/>
+      </a:effectRef>
+      <a:fontRef idx="minor"/>
+    </dgm:style>
+  </dgm:styleLbl>
+  <dgm:styleLbl name="parChTrans1D4">
+    <dgm:scene3d>
+      <a:camera prst="orthographicFront"/>
+      <a:lightRig rig="threePt" dir="t"/>
+    </dgm:scene3d>
+    <dgm:sp3d/>
+    <dgm:txPr/>
+    <dgm:style>
+      <a:lnRef idx="2">
+        <a:scrgbClr r="0" g="0" b="0"/>
+      </a:lnRef>
+      <a:fillRef idx="0">
+        <a:scrgbClr r="0" g="0" b="0"/>
+      </a:fillRef>
+      <a:effectRef idx="0">
+        <a:scrgbClr r="0" g="0" b="0"/>
+      </a:effectRef>
+      <a:fontRef idx="minor"/>
+    </dgm:style>
+  </dgm:styleLbl>
+  <dgm:styleLbl name="fgAcc1">
+    <dgm:scene3d>
+      <a:camera prst="orthographicFront"/>
+      <a:lightRig rig="threePt" dir="t"/>
+    </dgm:scene3d>
+    <dgm:sp3d/>
+    <dgm:txPr/>
+    <dgm:style>
+      <a:lnRef idx="2">
+        <a:scrgbClr r="0" g="0" b="0"/>
+      </a:lnRef>
+      <a:fillRef idx="1">
+        <a:scrgbClr r="0" g="0" b="0"/>
+      </a:fillRef>
+      <a:effectRef idx="0">
+        <a:scrgbClr r="0" g="0" b="0"/>
+      </a:effectRef>
+      <a:fontRef idx="minor"/>
+    </dgm:style>
+  </dgm:styleLbl>
+  <dgm:styleLbl name="conFgAcc1">
+    <dgm:scene3d>
+      <a:camera prst="orthographicFront"/>
+      <a:lightRig rig="threePt" dir="t"/>
+    </dgm:scene3d>
+    <dgm:sp3d/>
+    <dgm:txPr/>
+    <dgm:style>
+      <a:lnRef idx="2">
+        <a:scrgbClr r="0" g="0" b="0"/>
+      </a:lnRef>
+      <a:fillRef idx="1">
+        <a:scrgbClr r="0" g="0" b="0"/>
+      </a:fillRef>
+      <a:effectRef idx="0">
+        <a:scrgbClr r="0" g="0" b="0"/>
+      </a:effectRef>
+      <a:fontRef idx="minor"/>
+    </dgm:style>
+  </dgm:styleLbl>
+  <dgm:styleLbl name="alignAcc1">
+    <dgm:scene3d>
+      <a:camera prst="orthographicFront"/>
+      <a:lightRig rig="threePt" dir="t"/>
+    </dgm:scene3d>
+    <dgm:sp3d/>
+    <dgm:txPr/>
+    <dgm:style>
+      <a:lnRef idx="2">
+        <a:scrgbClr r="0" g="0" b="0"/>
+      </a:lnRef>
+      <a:fillRef idx="1">
+        <a:scrgbClr r="0" g="0" b="0"/>
+      </a:fillRef>
+      <a:effectRef idx="0">
+        <a:scrgbClr r="0" g="0" b="0"/>
+      </a:effectRef>
+      <a:fontRef idx="minor"/>
+    </dgm:style>
+  </dgm:styleLbl>
+  <dgm:styleLbl name="trAlignAcc1">
+    <dgm:scene3d>
+      <a:camera prst="orthographicFront"/>
+      <a:lightRig rig="threePt" dir="t"/>
+    </dgm:scene3d>
+    <dgm:sp3d/>
+    <dgm:txPr/>
+    <dgm:style>
+      <a:lnRef idx="1">
+        <a:scrgbClr r="0" g="0" b="0"/>
+      </a:lnRef>
+      <a:fillRef idx="1">
+        <a:scrgbClr r="0" g="0" b="0"/>
+      </a:fillRef>
+      <a:effectRef idx="0">
+        <a:scrgbClr r="0" g="0" b="0"/>
+      </a:effectRef>
+      <a:fontRef idx="minor"/>
+    </dgm:style>
+  </dgm:styleLbl>
+  <dgm:styleLbl name="bgAcc1">
+    <dgm:scene3d>
+      <a:camera prst="orthographicFront"/>
+      <a:lightRig rig="threePt" dir="t"/>
+    </dgm:scene3d>
+    <dgm:sp3d/>
+    <dgm:txPr/>
+    <dgm:style>
+      <a:lnRef idx="2">
+        <a:scrgbClr r="0" g="0" b="0"/>
+      </a:lnRef>
+      <a:fillRef idx="1">
+        <a:scrgbClr r="0" g="0" b="0"/>
+      </a:fillRef>
+      <a:effectRef idx="0">
+        <a:scrgbClr r="0" g="0" b="0"/>
+      </a:effectRef>
+      <a:fontRef idx="minor"/>
+    </dgm:style>
+  </dgm:styleLbl>
+  <dgm:styleLbl name="solidFgAcc1">
+    <dgm:scene3d>
+      <a:camera prst="orthographicFront"/>
+      <a:lightRig rig="threePt" dir="t"/>
+    </dgm:scene3d>
+    <dgm:sp3d/>
+    <dgm:txPr/>
+    <dgm:style>
+      <a:lnRef idx="2">
+        <a:scrgbClr r="0" g="0" b="0"/>
+      </a:lnRef>
+      <a:fillRef idx="1">
+        <a:scrgbClr r="0" g="0" b="0"/>
+      </a:fillRef>
+      <a:effectRef idx="0">
+        <a:scrgbClr r="0" g="0" b="0"/>
+      </a:effectRef>
+      <a:fontRef idx="minor"/>
+    </dgm:style>
+  </dgm:styleLbl>
+  <dgm:styleLbl name="solidAlignAcc1">
+    <dgm:scene3d>
+      <a:camera prst="orthographicFront"/>
+      <a:lightRig rig="threePt" dir="t"/>
+    </dgm:scene3d>
+    <dgm:sp3d/>
+    <dgm:txPr/>
+    <dgm:style>
+      <a:lnRef idx="2">
+        <a:scrgbClr r="0" g="0" b="0"/>
+      </a:lnRef>
+      <a:fillRef idx="1">
+        <a:scrgbClr r="0" g="0" b="0"/>
+      </a:fillRef>
+      <a:effectRef idx="0">
+        <a:scrgbClr r="0" g="0" b="0"/>
+      </a:effectRef>
+      <a:fontRef idx="minor"/>
+    </dgm:style>
+  </dgm:styleLbl>
+  <dgm:styleLbl name="solidBgAcc1">
+    <dgm:scene3d>
+      <a:camera prst="orthographicFront"/>
+      <a:lightRig rig="threePt" dir="t"/>
+    </dgm:scene3d>
+    <dgm:sp3d/>
+    <dgm:txPr/>
+    <dgm:style>
+      <a:lnRef idx="2">
+        <a:scrgbClr r="0" g="0" b="0"/>
+      </a:lnRef>
+      <a:fillRef idx="1">
+        <a:scrgbClr r="0" g="0" b="0"/>
+      </a:fillRef>
+      <a:effectRef idx="0">
+        <a:scrgbClr r="0" g="0" b="0"/>
+      </a:effectRef>
+      <a:fontRef idx="minor"/>
+    </dgm:style>
+  </dgm:styleLbl>
+  <dgm:styleLbl name="fgAccFollowNode1">
+    <dgm:scene3d>
+      <a:camera prst="orthographicFront"/>
+      <a:lightRig rig="threePt" dir="t"/>
+    </dgm:scene3d>
+    <dgm:sp3d/>
+    <dgm:txPr/>
+    <dgm:style>
+      <a:lnRef idx="2">
+        <a:scrgbClr r="0" g="0" b="0"/>
+      </a:lnRef>
+      <a:fillRef idx="1">
+        <a:scrgbClr r="0" g="0" b="0"/>
+      </a:fillRef>
+      <a:effectRef idx="0">
+        <a:scrgbClr r="0" g="0" b="0"/>
+      </a:effectRef>
+      <a:fontRef idx="minor"/>
+    </dgm:style>
+  </dgm:styleLbl>
+  <dgm:styleLbl name="alignAccFollowNode1">
+    <dgm:scene3d>
+      <a:camera prst="orthographicFront"/>
+      <a:lightRig rig="threePt" dir="t"/>
+    </dgm:scene3d>
+    <dgm:sp3d/>
+    <dgm:txPr/>
+    <dgm:style>
+      <a:lnRef idx="2">
+        <a:scrgbClr r="0" g="0" b="0"/>
+      </a:lnRef>
+      <a:fillRef idx="1">
+        <a:scrgbClr r="0" g="0" b="0"/>
+      </a:fillRef>
+      <a:effectRef idx="0">
+        <a:scrgbClr r="0" g="0" b="0"/>
+      </a:effectRef>
+      <a:fontRef idx="minor"/>
+    </dgm:style>
+  </dgm:styleLbl>
+  <dgm:styleLbl name="bgAccFollowNode1">
+    <dgm:scene3d>
+      <a:camera prst="orthographicFront"/>
+      <a:lightRig rig="threePt" dir="t"/>
+    </dgm:scene3d>
+    <dgm:sp3d/>
+    <dgm:txPr/>
+    <dgm:style>
+      <a:lnRef idx="2">
+        <a:scrgbClr r="0" g="0" b="0"/>
+      </a:lnRef>
+      <a:fillRef idx="1">
+        <a:scrgbClr r="0" g="0" b="0"/>
+      </a:fillRef>
+      <a:effectRef idx="0">
+        <a:scrgbClr r="0" g="0" b="0"/>
+      </a:effectRef>
+      <a:fontRef idx="minor"/>
+    </dgm:style>
+  </dgm:styleLbl>
+  <dgm:styleLbl name="fgAcc0">
+    <dgm:scene3d>
+      <a:camera prst="orthographicFront"/>
+      <a:lightRig rig="threePt" dir="t"/>
+    </dgm:scene3d>
+    <dgm:sp3d/>
+    <dgm:txPr/>
+    <dgm:style>
+      <a:lnRef idx="2">
+        <a:scrgbClr r="0" g="0" b="0"/>
+      </a:lnRef>
+      <a:fillRef idx="1">
+        <a:scrgbClr r="0" g="0" b="0"/>
+      </a:fillRef>
+      <a:effectRef idx="0">
+        <a:scrgbClr r="0" g="0" b="0"/>
+      </a:effectRef>
+      <a:fontRef idx="minor"/>
+    </dgm:style>
+  </dgm:styleLbl>
+  <dgm:styleLbl name="fgAcc2">
+    <dgm:scene3d>
+      <a:camera prst="orthographicFront"/>
+      <a:lightRig rig="threePt" dir="t"/>
+    </dgm:scene3d>
+    <dgm:sp3d/>
+    <dgm:txPr/>
+    <dgm:style>
+      <a:lnRef idx="2">
+        <a:scrgbClr r="0" g="0" b="0"/>
+      </a:lnRef>
+      <a:fillRef idx="1">
+        <a:scrgbClr r="0" g="0" b="0"/>
+      </a:fillRef>
+      <a:effectRef idx="0">
+        <a:scrgbClr r="0" g="0" b="0"/>
+      </a:effectRef>
+      <a:fontRef idx="minor"/>
+    </dgm:style>
+  </dgm:styleLbl>
+  <dgm:styleLbl name="fgAcc3">
+    <dgm:scene3d>
+      <a:camera prst="orthographicFront"/>
+      <a:lightRig rig="threePt" dir="t"/>
+    </dgm:scene3d>
+    <dgm:sp3d/>
+    <dgm:txPr/>
+    <dgm:style>
+      <a:lnRef idx="2">
+        <a:scrgbClr r="0" g="0" b="0"/>
+      </a:lnRef>
+      <a:fillRef idx="1">
+        <a:scrgbClr r="0" g="0" b="0"/>
+      </a:fillRef>
+      <a:effectRef idx="0">
+        <a:scrgbClr r="0" g="0" b="0"/>
+      </a:effectRef>
+      <a:fontRef idx="minor"/>
+    </dgm:style>
+  </dgm:styleLbl>
+  <dgm:styleLbl name="fgAcc4">
+    <dgm:scene3d>
+      <a:camera prst="orthographicFront"/>
+      <a:lightRig rig="threePt" dir="t"/>
+    </dgm:scene3d>
+    <dgm:sp3d/>
+    <dgm:txPr/>
+    <dgm:style>
+      <a:lnRef idx="2">
+        <a:scrgbClr r="0" g="0" b="0"/>
+      </a:lnRef>
+      <a:fillRef idx="1">
+        <a:scrgbClr r="0" g="0" b="0"/>
+      </a:fillRef>
+      <a:effectRef idx="0">
+        <a:scrgbClr r="0" g="0" b="0"/>
+      </a:effectRef>
+      <a:fontRef idx="minor"/>
+    </dgm:style>
+  </dgm:styleLbl>
+  <dgm:styleLbl name="bgShp">
+    <dgm:scene3d>
+      <a:camera prst="orthographicFront"/>
+      <a:lightRig rig="threePt" dir="t"/>
+    </dgm:scene3d>
+    <dgm:sp3d/>
+    <dgm:txPr/>
+    <dgm:style>
+      <a:lnRef idx="0">
+        <a:scrgbClr r="0" g="0" b="0"/>
+      </a:lnRef>
+      <a:fillRef idx="1">
+        <a:scrgbClr r="0" g="0" b="0"/>
+      </a:fillRef>
+      <a:effectRef idx="0">
+        <a:scrgbClr r="0" g="0" b="0"/>
+      </a:effectRef>
+      <a:fontRef idx="minor"/>
+    </dgm:style>
+  </dgm:styleLbl>
+  <dgm:styleLbl name="dkBgShp">
+    <dgm:scene3d>
+      <a:camera prst="orthographicFront"/>
+      <a:lightRig rig="threePt" dir="t"/>
+    </dgm:scene3d>
+    <dgm:sp3d/>
+    <dgm:txPr/>
+    <dgm:style>
+      <a:lnRef idx="0">
+        <a:scrgbClr r="0" g="0" b="0"/>
+      </a:lnRef>
+      <a:fillRef idx="1">
+        <a:scrgbClr r="0" g="0" b="0"/>
+      </a:fillRef>
+      <a:effectRef idx="0">
+        <a:scrgbClr r="0" g="0" b="0"/>
+      </a:effectRef>
+      <a:fontRef idx="minor"/>
+    </dgm:style>
+  </dgm:styleLbl>
+  <dgm:styleLbl name="trBgShp">
+    <dgm:scene3d>
+      <a:camera prst="orthographicFront"/>
+      <a:lightRig rig="threePt" dir="t"/>
+    </dgm:scene3d>
+    <dgm:sp3d/>
+    <dgm:txPr/>
+    <dgm:style>
+      <a:lnRef idx="0">
+        <a:scrgbClr r="0" g="0" b="0"/>
+      </a:lnRef>
+      <a:fillRef idx="1">
+        <a:scrgbClr r="0" g="0" b="0"/>
+      </a:fillRef>
+      <a:effectRef idx="0">
+        <a:scrgbClr r="0" g="0" b="0"/>
+      </a:effectRef>
+      <a:fontRef idx="minor"/>
+    </dgm:style>
+  </dgm:styleLbl>
+  <dgm:styleLbl name="fgShp">
+    <dgm:scene3d>
+      <a:camera prst="orthographicFront"/>
+      <a:lightRig rig="threePt" dir="t"/>
+    </dgm:scene3d>
+    <dgm:sp3d/>
+    <dgm:txPr/>
+    <dgm:style>
+      <a:lnRef idx="2">
+        <a:scrgbClr r="0" g="0" b="0"/>
+      </a:lnRef>
+      <a:fillRef idx="1">
+        <a:scrgbClr r="0" g="0" b="0"/>
+      </a:fillRef>
+      <a:effectRef idx="0">
+        <a:scrgbClr r="0" g="0" b="0"/>
+      </a:effectRef>
+      <a:fontRef idx="minor"/>
+    </dgm:style>
+  </dgm:styleLbl>
+  <dgm:styleLbl name="revTx">
+    <dgm:scene3d>
+      <a:camera prst="orthographicFront"/>
+      <a:lightRig rig="threePt" dir="t"/>
+    </dgm:scene3d>
+    <dgm:sp3d/>
+    <dgm:txPr/>
+    <dgm:style>
+      <a:lnRef idx="0">
+        <a:scrgbClr r="0" g="0" b="0"/>
+      </a:lnRef>
+      <a:fillRef idx="0">
+        <a:scrgbClr r="0" g="0" b="0"/>
+      </a:fillRef>
+      <a:effectRef idx="0">
+        <a:scrgbClr r="0" g="0" b="0"/>
+      </a:effectRef>
+      <a:fontRef idx="minor"/>
+    </dgm:style>
+  </dgm:styleLbl>
+</dgm:styleDef>
 </file>
 
 <file path=ppt/slideLayouts/slideLayout1.xml><?xml version="1.0" encoding="utf-8"?>
@@ -263,7 +3146,7 @@
           <a:p>
             <a:fld id="{95CC1E09-2AAD-4397-9E81-9899D9D5BB82}" type="datetimeFigureOut">
               <a:rPr lang="en-GB" smtClean="0"/>
-              <a:t>19/03/2019</a:t>
+              <a:t>20/03/2019</a:t>
             </a:fld>
             <a:endParaRPr lang="en-GB"/>
           </a:p>
@@ -463,7 +3346,7 @@
           <a:p>
             <a:fld id="{95CC1E09-2AAD-4397-9E81-9899D9D5BB82}" type="datetimeFigureOut">
               <a:rPr lang="en-GB" smtClean="0"/>
-              <a:t>19/03/2019</a:t>
+              <a:t>20/03/2019</a:t>
             </a:fld>
             <a:endParaRPr lang="en-GB"/>
           </a:p>
@@ -673,7 +3556,7 @@
           <a:p>
             <a:fld id="{95CC1E09-2AAD-4397-9E81-9899D9D5BB82}" type="datetimeFigureOut">
               <a:rPr lang="en-GB" smtClean="0"/>
-              <a:t>19/03/2019</a:t>
+              <a:t>20/03/2019</a:t>
             </a:fld>
             <a:endParaRPr lang="en-GB"/>
           </a:p>
@@ -873,7 +3756,7 @@
           <a:p>
             <a:fld id="{95CC1E09-2AAD-4397-9E81-9899D9D5BB82}" type="datetimeFigureOut">
               <a:rPr lang="en-GB" smtClean="0"/>
-              <a:t>19/03/2019</a:t>
+              <a:t>20/03/2019</a:t>
             </a:fld>
             <a:endParaRPr lang="en-GB"/>
           </a:p>
@@ -1149,7 +4032,7 @@
           <a:p>
             <a:fld id="{95CC1E09-2AAD-4397-9E81-9899D9D5BB82}" type="datetimeFigureOut">
               <a:rPr lang="en-GB" smtClean="0"/>
-              <a:t>19/03/2019</a:t>
+              <a:t>20/03/2019</a:t>
             </a:fld>
             <a:endParaRPr lang="en-GB"/>
           </a:p>
@@ -1417,7 +4300,7 @@
           <a:p>
             <a:fld id="{95CC1E09-2AAD-4397-9E81-9899D9D5BB82}" type="datetimeFigureOut">
               <a:rPr lang="en-GB" smtClean="0"/>
-              <a:t>19/03/2019</a:t>
+              <a:t>20/03/2019</a:t>
             </a:fld>
             <a:endParaRPr lang="en-GB"/>
           </a:p>
@@ -1832,7 +4715,7 @@
           <a:p>
             <a:fld id="{95CC1E09-2AAD-4397-9E81-9899D9D5BB82}" type="datetimeFigureOut">
               <a:rPr lang="en-GB" smtClean="0"/>
-              <a:t>19/03/2019</a:t>
+              <a:t>20/03/2019</a:t>
             </a:fld>
             <a:endParaRPr lang="en-GB"/>
           </a:p>
@@ -1974,7 +4857,7 @@
           <a:p>
             <a:fld id="{95CC1E09-2AAD-4397-9E81-9899D9D5BB82}" type="datetimeFigureOut">
               <a:rPr lang="en-GB" smtClean="0"/>
-              <a:t>19/03/2019</a:t>
+              <a:t>20/03/2019</a:t>
             </a:fld>
             <a:endParaRPr lang="en-GB"/>
           </a:p>
@@ -2087,7 +4970,7 @@
           <a:p>
             <a:fld id="{95CC1E09-2AAD-4397-9E81-9899D9D5BB82}" type="datetimeFigureOut">
               <a:rPr lang="en-GB" smtClean="0"/>
-              <a:t>19/03/2019</a:t>
+              <a:t>20/03/2019</a:t>
             </a:fld>
             <a:endParaRPr lang="en-GB"/>
           </a:p>
@@ -2400,7 +5283,7 @@
           <a:p>
             <a:fld id="{95CC1E09-2AAD-4397-9E81-9899D9D5BB82}" type="datetimeFigureOut">
               <a:rPr lang="en-GB" smtClean="0"/>
-              <a:t>19/03/2019</a:t>
+              <a:t>20/03/2019</a:t>
             </a:fld>
             <a:endParaRPr lang="en-GB"/>
           </a:p>
@@ -2689,7 +5572,7 @@
           <a:p>
             <a:fld id="{95CC1E09-2AAD-4397-9E81-9899D9D5BB82}" type="datetimeFigureOut">
               <a:rPr lang="en-GB" smtClean="0"/>
-              <a:t>19/03/2019</a:t>
+              <a:t>20/03/2019</a:t>
             </a:fld>
             <a:endParaRPr lang="en-GB"/>
           </a:p>
@@ -2932,7 +5815,7 @@
           <a:p>
             <a:fld id="{95CC1E09-2AAD-4397-9E81-9899D9D5BB82}" type="datetimeFigureOut">
               <a:rPr lang="en-GB" smtClean="0"/>
-              <a:t>19/03/2019</a:t>
+              <a:t>20/03/2019</a:t>
             </a:fld>
             <a:endParaRPr lang="en-GB"/>
           </a:p>
@@ -3335,6 +6218,14 @@
 <file path=ppt/slides/slide1.xml><?xml version="1.0" encoding="utf-8"?>
 <p:sld xmlns:a="http://schemas.openxmlformats.org/drawingml/2006/main" xmlns:r="http://schemas.openxmlformats.org/officeDocument/2006/relationships" xmlns:p="http://schemas.openxmlformats.org/presentationml/2006/main">
   <p:cSld>
+    <p:bg>
+      <p:bgPr>
+        <a:solidFill>
+          <a:schemeClr val="tx1"/>
+        </a:solidFill>
+        <a:effectLst/>
+      </p:bgPr>
+    </p:bg>
     <p:spTree>
       <p:nvGrpSpPr>
         <p:cNvPr id="1" name=""/>
@@ -3351,6 +6242,140 @@
       </p:grpSpPr>
       <p:sp>
         <p:nvSpPr>
+          <p:cNvPr id="8" name="Rectangle 7">
+            <a:extLst>
+              <a:ext uri="{FF2B5EF4-FFF2-40B4-BE49-F238E27FC236}">
+                <a16:creationId xmlns:a16="http://schemas.microsoft.com/office/drawing/2014/main" id="{2A8AA5BC-4F7A-4226-8F99-6D824B226A97}"/>
+              </a:ext>
+              <a:ext uri="{C183D7F6-B498-43B3-948B-1728B52AA6E4}">
+                <adec:decorative xmlns:adec="http://schemas.microsoft.com/office/drawing/2017/decorative" val="1"/>
+              </a:ext>
+            </a:extLst>
+          </p:cNvPr>
+          <p:cNvSpPr>
+            <a:spLocks noGrp="1" noRot="1" noChangeAspect="1" noMove="1" noResize="1" noEditPoints="1" noAdjustHandles="1" noChangeArrowheads="1" noChangeShapeType="1" noTextEdit="1"/>
+          </p:cNvSpPr>
+          <p:nvPr>
+            <p:extLst>
+              <p:ext uri="{386F3935-93C4-4BCD-93E2-E3B085C9AB24}">
+                <p16:designElem xmlns:p16="http://schemas.microsoft.com/office/powerpoint/2015/main" val="1"/>
+              </p:ext>
+            </p:extLst>
+          </p:nvPr>
+        </p:nvSpPr>
+        <p:spPr>
+          <a:xfrm>
+            <a:off x="0" y="-3324"/>
+            <a:ext cx="12192000" cy="6861324"/>
+          </a:xfrm>
+          <a:prstGeom prst="rect">
+            <a:avLst/>
+          </a:prstGeom>
+          <a:solidFill>
+            <a:schemeClr val="tx1"/>
+          </a:solidFill>
+          <a:ln>
+            <a:noFill/>
+          </a:ln>
+        </p:spPr>
+        <p:style>
+          <a:lnRef idx="2">
+            <a:schemeClr val="accent1">
+              <a:shade val="50000"/>
+            </a:schemeClr>
+          </a:lnRef>
+          <a:fillRef idx="1">
+            <a:schemeClr val="accent1"/>
+          </a:fillRef>
+          <a:effectRef idx="0">
+            <a:schemeClr val="accent1"/>
+          </a:effectRef>
+          <a:fontRef idx="minor">
+            <a:schemeClr val="lt1"/>
+          </a:fontRef>
+        </p:style>
+        <p:txBody>
+          <a:bodyPr rtlCol="0" anchor="ctr"/>
+          <a:lstStyle/>
+          <a:p>
+            <a:pPr algn="ctr"/>
+            <a:endParaRPr lang="en-US"/>
+          </a:p>
+        </p:txBody>
+      </p:sp>
+      <p:sp>
+        <p:nvSpPr>
+          <p:cNvPr id="10" name="Rectangle 9">
+            <a:extLst>
+              <a:ext uri="{FF2B5EF4-FFF2-40B4-BE49-F238E27FC236}">
+                <a16:creationId xmlns:a16="http://schemas.microsoft.com/office/drawing/2014/main" id="{3E5445C6-DD42-4979-86FF-03730E8C6DB0}"/>
+              </a:ext>
+              <a:ext uri="{C183D7F6-B498-43B3-948B-1728B52AA6E4}">
+                <adec:decorative xmlns:adec="http://schemas.microsoft.com/office/drawing/2017/decorative" val="1"/>
+              </a:ext>
+            </a:extLst>
+          </p:cNvPr>
+          <p:cNvSpPr>
+            <a:spLocks noGrp="1" noRot="1" noChangeAspect="1" noMove="1" noResize="1" noEditPoints="1" noAdjustHandles="1" noChangeArrowheads="1" noChangeShapeType="1" noTextEdit="1"/>
+          </p:cNvSpPr>
+          <p:nvPr>
+            <p:extLst>
+              <p:ext uri="{386F3935-93C4-4BCD-93E2-E3B085C9AB24}">
+                <p16:designElem xmlns:p16="http://schemas.microsoft.com/office/powerpoint/2015/main" val="1"/>
+              </p:ext>
+            </p:extLst>
+          </p:nvPr>
+        </p:nvSpPr>
+        <p:spPr bwMode="ltGray">
+          <a:xfrm>
+            <a:off x="321734" y="321733"/>
+            <a:ext cx="11573488" cy="6214534"/>
+          </a:xfrm>
+          <a:prstGeom prst="rect">
+            <a:avLst/>
+          </a:prstGeom>
+          <a:solidFill>
+            <a:schemeClr val="bg1">
+              <a:lumMod val="75000"/>
+              <a:lumOff val="25000"/>
+            </a:schemeClr>
+          </a:solidFill>
+          <a:ln w="127000" cap="sq" cmpd="thinThick">
+            <a:solidFill>
+              <a:schemeClr val="bg1">
+                <a:lumMod val="75000"/>
+                <a:lumOff val="25000"/>
+              </a:schemeClr>
+            </a:solidFill>
+          </a:ln>
+        </p:spPr>
+        <p:style>
+          <a:lnRef idx="2">
+            <a:schemeClr val="accent1">
+              <a:shade val="50000"/>
+            </a:schemeClr>
+          </a:lnRef>
+          <a:fillRef idx="1">
+            <a:schemeClr val="accent1"/>
+          </a:fillRef>
+          <a:effectRef idx="0">
+            <a:schemeClr val="accent1"/>
+          </a:effectRef>
+          <a:fontRef idx="minor">
+            <a:schemeClr val="lt1"/>
+          </a:fontRef>
+        </p:style>
+        <p:txBody>
+          <a:bodyPr rtlCol="0" anchor="ctr"/>
+          <a:lstStyle/>
+          <a:p>
+            <a:pPr algn="ctr"/>
+            <a:endParaRPr lang="en-US"/>
+          </a:p>
+        </p:txBody>
+      </p:sp>
+      <p:sp>
+        <p:nvSpPr>
           <p:cNvPr id="2" name="Title 1">
             <a:extLst>
               <a:ext uri="{FF2B5EF4-FFF2-40B4-BE49-F238E27FC236}">
@@ -3365,13 +6390,20 @@
             <p:ph type="ctrTitle"/>
           </p:nvPr>
         </p:nvSpPr>
-        <p:spPr/>
+        <p:spPr>
+          <a:xfrm>
+            <a:off x="1524000" y="1122362"/>
+            <a:ext cx="9144000" cy="2840037"/>
+          </a:xfrm>
+        </p:spPr>
         <p:txBody>
-          <a:bodyPr/>
+          <a:bodyPr>
+            <a:normAutofit/>
+          </a:bodyPr>
           <a:lstStyle/>
           <a:p>
             <a:r>
-              <a:rPr lang="en-GB" dirty="0"/>
+              <a:rPr lang="en-GB" sz="5800"/>
               <a:t>Animating Network Flow</a:t>
             </a:r>
           </a:p>
@@ -3393,18 +6425,83 @@
             <p:ph type="subTitle" idx="1"/>
           </p:nvPr>
         </p:nvSpPr>
-        <p:spPr/>
+        <p:spPr>
+          <a:xfrm>
+            <a:off x="1524000" y="4256436"/>
+            <a:ext cx="9144000" cy="1600818"/>
+          </a:xfrm>
+        </p:spPr>
         <p:txBody>
-          <a:bodyPr/>
+          <a:bodyPr>
+            <a:normAutofit/>
+          </a:bodyPr>
           <a:lstStyle/>
           <a:p>
             <a:r>
-              <a:rPr lang="en-GB" dirty="0"/>
+              <a:rPr lang="en-GB">
+                <a:solidFill>
+                  <a:schemeClr val="accent1"/>
+                </a:solidFill>
+              </a:rPr>
               <a:t>Lucy MacPhail 2183332m</a:t>
             </a:r>
           </a:p>
         </p:txBody>
       </p:sp>
+      <p:cxnSp>
+        <p:nvCxnSpPr>
+          <p:cNvPr id="12" name="Straight Connector 11">
+            <a:extLst>
+              <a:ext uri="{FF2B5EF4-FFF2-40B4-BE49-F238E27FC236}">
+                <a16:creationId xmlns:a16="http://schemas.microsoft.com/office/drawing/2014/main" id="{45000665-DFC7-417E-8FD7-516A0F15C975}"/>
+              </a:ext>
+              <a:ext uri="{C183D7F6-B498-43B3-948B-1728B52AA6E4}">
+                <adec:decorative xmlns:adec="http://schemas.microsoft.com/office/drawing/2017/decorative" val="1"/>
+              </a:ext>
+            </a:extLst>
+          </p:cNvPr>
+          <p:cNvCxnSpPr>
+            <a:cxnSpLocks noGrp="1" noRot="1" noChangeAspect="1" noMove="1" noResize="1" noEditPoints="1" noAdjustHandles="1" noChangeArrowheads="1" noChangeShapeType="1"/>
+          </p:cNvCxnSpPr>
+          <p:nvPr>
+            <p:extLst>
+              <p:ext uri="{386F3935-93C4-4BCD-93E2-E3B085C9AB24}">
+                <p16:designElem xmlns:p16="http://schemas.microsoft.com/office/powerpoint/2015/main" val="1"/>
+              </p:ext>
+            </p:extLst>
+          </p:nvPr>
+        </p:nvCxnSpPr>
+        <p:spPr>
+          <a:xfrm>
+            <a:off x="4724400" y="4109417"/>
+            <a:ext cx="2743200" cy="0"/>
+          </a:xfrm>
+          <a:prstGeom prst="line">
+            <a:avLst/>
+          </a:prstGeom>
+          <a:ln w="12700">
+            <a:solidFill>
+              <a:schemeClr val="tx1">
+                <a:lumMod val="85000"/>
+              </a:schemeClr>
+            </a:solidFill>
+          </a:ln>
+        </p:spPr>
+        <p:style>
+          <a:lnRef idx="1">
+            <a:schemeClr val="accent1"/>
+          </a:lnRef>
+          <a:fillRef idx="0">
+            <a:schemeClr val="accent1"/>
+          </a:fillRef>
+          <a:effectRef idx="0">
+            <a:schemeClr val="accent1"/>
+          </a:effectRef>
+          <a:fontRef idx="minor">
+            <a:schemeClr val="tx1"/>
+          </a:fontRef>
+        </p:style>
+      </p:cxnSp>
     </p:spTree>
     <p:extLst>
       <p:ext uri="{BB962C8B-B14F-4D97-AF65-F5344CB8AC3E}">
@@ -3413,7 +6510,7 @@
     </p:extLst>
   </p:cSld>
   <p:clrMapOvr>
-    <a:masterClrMapping/>
+    <a:overrideClrMapping bg1="dk1" tx1="lt1" bg2="dk2" tx2="lt2" accent1="accent1" accent2="accent2" accent3="accent3" accent4="accent4" accent5="accent5" accent6="accent6" hlink="hlink" folHlink="folHlink"/>
   </p:clrMapOvr>
 </p:sld>
 </file>
@@ -3421,6 +6518,14 @@
 <file path=ppt/slides/slide2.xml><?xml version="1.0" encoding="utf-8"?>
 <p:sld xmlns:a="http://schemas.openxmlformats.org/drawingml/2006/main" xmlns:r="http://schemas.openxmlformats.org/officeDocument/2006/relationships" xmlns:p="http://schemas.openxmlformats.org/presentationml/2006/main">
   <p:cSld>
+    <p:bg>
+      <p:bgPr>
+        <a:solidFill>
+          <a:schemeClr val="bg1"/>
+        </a:solidFill>
+        <a:effectLst/>
+      </p:bgPr>
+    </p:bg>
     <p:spTree>
       <p:nvGrpSpPr>
         <p:cNvPr id="1" name=""/>
@@ -3437,6 +6542,100 @@
       </p:grpSpPr>
       <p:sp>
         <p:nvSpPr>
+          <p:cNvPr id="61" name="Rectangle 60">
+            <a:extLst>
+              <a:ext uri="{FF2B5EF4-FFF2-40B4-BE49-F238E27FC236}">
+                <a16:creationId xmlns:a16="http://schemas.microsoft.com/office/drawing/2014/main" id="{823AC064-BC96-4F32-8AE1-B2FD38754823}"/>
+              </a:ext>
+              <a:ext uri="{C183D7F6-B498-43B3-948B-1728B52AA6E4}">
+                <adec:decorative xmlns:adec="http://schemas.microsoft.com/office/drawing/2017/decorative" val="1"/>
+              </a:ext>
+            </a:extLst>
+          </p:cNvPr>
+          <p:cNvSpPr>
+            <a:spLocks noGrp="1" noRot="1" noChangeAspect="1" noMove="1" noResize="1" noEditPoints="1" noAdjustHandles="1" noChangeArrowheads="1" noChangeShapeType="1" noTextEdit="1"/>
+          </p:cNvSpPr>
+          <p:nvPr>
+            <p:extLst>
+              <p:ext uri="{386F3935-93C4-4BCD-93E2-E3B085C9AB24}">
+                <p16:designElem xmlns:p16="http://schemas.microsoft.com/office/powerpoint/2015/main" val="1"/>
+              </p:ext>
+            </p:extLst>
+          </p:nvPr>
+        </p:nvSpPr>
+        <p:spPr bwMode="ltGray">
+          <a:xfrm>
+            <a:off x="378068" y="343486"/>
+            <a:ext cx="11438793" cy="1844256"/>
+          </a:xfrm>
+          <a:prstGeom prst="rect">
+            <a:avLst/>
+          </a:prstGeom>
+          <a:solidFill>
+            <a:srgbClr val="404040"/>
+          </a:solidFill>
+          <a:ln w="127000" cap="sq" cmpd="thinThick">
+            <a:solidFill>
+              <a:srgbClr val="404040"/>
+            </a:solidFill>
+          </a:ln>
+        </p:spPr>
+        <p:style>
+          <a:lnRef idx="2">
+            <a:schemeClr val="accent1">
+              <a:shade val="50000"/>
+            </a:schemeClr>
+          </a:lnRef>
+          <a:fillRef idx="1">
+            <a:schemeClr val="accent1"/>
+          </a:fillRef>
+          <a:effectRef idx="0">
+            <a:schemeClr val="accent1"/>
+          </a:effectRef>
+          <a:fontRef idx="minor">
+            <a:schemeClr val="lt1"/>
+          </a:fontRef>
+        </p:style>
+        <p:txBody>
+          <a:bodyPr rtlCol="0" anchor="ctr"/>
+          <a:lstStyle/>
+          <a:p>
+            <a:pPr marL="0" marR="0" lvl="0" indent="0" algn="ctr" defTabSz="914400" rtl="0" eaLnBrk="1" fontAlgn="auto" latinLnBrk="0" hangingPunct="1">
+              <a:lnSpc>
+                <a:spcPct val="100000"/>
+              </a:lnSpc>
+              <a:spcBef>
+                <a:spcPts val="0"/>
+              </a:spcBef>
+              <a:spcAft>
+                <a:spcPts val="0"/>
+              </a:spcAft>
+              <a:buClrTx/>
+              <a:buSzTx/>
+              <a:buFontTx/>
+              <a:buNone/>
+              <a:tabLst/>
+              <a:defRPr/>
+            </a:pPr>
+            <a:endParaRPr kumimoji="0" lang="en-US" sz="1800" b="0" i="0" u="none" strike="noStrike" kern="1200" cap="none" spc="0" normalizeH="0" baseline="0" noProof="0">
+              <a:ln>
+                <a:noFill/>
+              </a:ln>
+              <a:solidFill>
+                <a:prstClr val="white"/>
+              </a:solidFill>
+              <a:effectLst/>
+              <a:uLnTx/>
+              <a:uFillTx/>
+              <a:latin typeface="Calibri" panose="020F0502020204030204"/>
+              <a:ea typeface="+mn-ea"/>
+              <a:cs typeface="+mn-cs"/>
+            </a:endParaRPr>
+          </a:p>
+        </p:txBody>
+      </p:sp>
+      <p:sp>
+        <p:nvSpPr>
           <p:cNvPr id="2" name="Title 1">
             <a:extLst>
               <a:ext uri="{FF2B5EF4-FFF2-40B4-BE49-F238E27FC236}">
@@ -3451,18 +6650,88 @@
             <p:ph type="title"/>
           </p:nvPr>
         </p:nvSpPr>
-        <p:spPr/>
+        <p:spPr>
+          <a:xfrm>
+            <a:off x="526073" y="466578"/>
+            <a:ext cx="11139854" cy="930447"/>
+          </a:xfrm>
+          <a:prstGeom prst="ellipse">
+            <a:avLst/>
+          </a:prstGeom>
+        </p:spPr>
         <p:txBody>
-          <a:bodyPr/>
+          <a:bodyPr vert="horz" lIns="91440" tIns="45720" rIns="91440" bIns="45720" rtlCol="0" anchor="b">
+            <a:normAutofit/>
+          </a:bodyPr>
           <a:lstStyle/>
           <a:p>
-            <a:r>
-              <a:rPr lang="en-GB" dirty="0"/>
+            <a:pPr algn="ctr"/>
+            <a:r>
+              <a:rPr lang="en-US" sz="3800" kern="1200">
+                <a:solidFill>
+                  <a:srgbClr val="FFFFFF"/>
+                </a:solidFill>
+                <a:latin typeface="+mj-lt"/>
+                <a:ea typeface="+mj-ea"/>
+                <a:cs typeface="+mj-cs"/>
+              </a:rPr>
               <a:t>Network Flow</a:t>
             </a:r>
           </a:p>
         </p:txBody>
       </p:sp>
+      <p:cxnSp>
+        <p:nvCxnSpPr>
+          <p:cNvPr id="63" name="Straight Connector 62">
+            <a:extLst>
+              <a:ext uri="{FF2B5EF4-FFF2-40B4-BE49-F238E27FC236}">
+                <a16:creationId xmlns:a16="http://schemas.microsoft.com/office/drawing/2014/main" id="{7E7C77BC-7138-40B1-A15B-20F57A494629}"/>
+              </a:ext>
+              <a:ext uri="{C183D7F6-B498-43B3-948B-1728B52AA6E4}">
+                <adec:decorative xmlns:adec="http://schemas.microsoft.com/office/drawing/2017/decorative" val="1"/>
+              </a:ext>
+            </a:extLst>
+          </p:cNvPr>
+          <p:cNvCxnSpPr>
+            <a:cxnSpLocks noGrp="1" noRot="1" noChangeAspect="1" noMove="1" noResize="1" noEditPoints="1" noAdjustHandles="1" noChangeArrowheads="1" noChangeShapeType="1"/>
+          </p:cNvCxnSpPr>
+          <p:nvPr>
+            <p:extLst>
+              <p:ext uri="{386F3935-93C4-4BCD-93E2-E3B085C9AB24}">
+                <p16:designElem xmlns:p16="http://schemas.microsoft.com/office/powerpoint/2015/main" val="1"/>
+              </p:ext>
+            </p:extLst>
+          </p:nvPr>
+        </p:nvCxnSpPr>
+        <p:spPr>
+          <a:xfrm>
+            <a:off x="2209800" y="1448631"/>
+            <a:ext cx="7772400" cy="0"/>
+          </a:xfrm>
+          <a:prstGeom prst="line">
+            <a:avLst/>
+          </a:prstGeom>
+          <a:ln w="22225">
+            <a:solidFill>
+              <a:srgbClr val="D9D9D9"/>
+            </a:solidFill>
+          </a:ln>
+        </p:spPr>
+        <p:style>
+          <a:lnRef idx="1">
+            <a:schemeClr val="accent1"/>
+          </a:lnRef>
+          <a:fillRef idx="0">
+            <a:schemeClr val="accent1"/>
+          </a:fillRef>
+          <a:effectRef idx="0">
+            <a:schemeClr val="accent1"/>
+          </a:effectRef>
+          <a:fontRef idx="minor">
+            <a:schemeClr val="tx1"/>
+          </a:fontRef>
+        </p:style>
+      </p:cxnSp>
       <p:pic>
         <p:nvPicPr>
           <p:cNvPr id="9" name="Content Placeholder 8">
@@ -3493,9 +6762,12 @@
         </p:blipFill>
         <p:spPr>
           <a:xfrm>
-            <a:off x="1951136" y="2245727"/>
-            <a:ext cx="7835087" cy="3371044"/>
+            <a:off x="1420036" y="2509911"/>
+            <a:ext cx="9296828" cy="3997637"/>
           </a:xfrm>
+          <a:prstGeom prst="rect">
+            <a:avLst/>
+          </a:prstGeom>
         </p:spPr>
       </p:pic>
     </p:spTree>
@@ -3514,6 +6786,14 @@
 <file path=ppt/slides/slide3.xml><?xml version="1.0" encoding="utf-8"?>
 <p:sld xmlns:a="http://schemas.openxmlformats.org/drawingml/2006/main" xmlns:r="http://schemas.openxmlformats.org/officeDocument/2006/relationships" xmlns:p="http://schemas.openxmlformats.org/presentationml/2006/main">
   <p:cSld>
+    <p:bg>
+      <p:bgPr>
+        <a:solidFill>
+          <a:schemeClr val="bg1"/>
+        </a:solidFill>
+        <a:effectLst/>
+      </p:bgPr>
+    </p:bg>
     <p:spTree>
       <p:nvGrpSpPr>
         <p:cNvPr id="1" name=""/>
@@ -3530,6 +6810,100 @@
       </p:grpSpPr>
       <p:sp>
         <p:nvSpPr>
+          <p:cNvPr id="20" name="Rectangle 19">
+            <a:extLst>
+              <a:ext uri="{FF2B5EF4-FFF2-40B4-BE49-F238E27FC236}">
+                <a16:creationId xmlns:a16="http://schemas.microsoft.com/office/drawing/2014/main" id="{823AC064-BC96-4F32-8AE1-B2FD38754823}"/>
+              </a:ext>
+              <a:ext uri="{C183D7F6-B498-43B3-948B-1728B52AA6E4}">
+                <adec:decorative xmlns:adec="http://schemas.microsoft.com/office/drawing/2017/decorative" val="1"/>
+              </a:ext>
+            </a:extLst>
+          </p:cNvPr>
+          <p:cNvSpPr>
+            <a:spLocks noGrp="1" noRot="1" noChangeAspect="1" noMove="1" noResize="1" noEditPoints="1" noAdjustHandles="1" noChangeArrowheads="1" noChangeShapeType="1" noTextEdit="1"/>
+          </p:cNvSpPr>
+          <p:nvPr>
+            <p:extLst>
+              <p:ext uri="{386F3935-93C4-4BCD-93E2-E3B085C9AB24}">
+                <p16:designElem xmlns:p16="http://schemas.microsoft.com/office/powerpoint/2015/main" val="1"/>
+              </p:ext>
+            </p:extLst>
+          </p:nvPr>
+        </p:nvSpPr>
+        <p:spPr bwMode="ltGray">
+          <a:xfrm>
+            <a:off x="378068" y="343486"/>
+            <a:ext cx="11438793" cy="1844256"/>
+          </a:xfrm>
+          <a:prstGeom prst="rect">
+            <a:avLst/>
+          </a:prstGeom>
+          <a:solidFill>
+            <a:srgbClr val="404040"/>
+          </a:solidFill>
+          <a:ln w="127000" cap="sq" cmpd="thinThick">
+            <a:solidFill>
+              <a:srgbClr val="404040"/>
+            </a:solidFill>
+          </a:ln>
+        </p:spPr>
+        <p:style>
+          <a:lnRef idx="2">
+            <a:schemeClr val="accent1">
+              <a:shade val="50000"/>
+            </a:schemeClr>
+          </a:lnRef>
+          <a:fillRef idx="1">
+            <a:schemeClr val="accent1"/>
+          </a:fillRef>
+          <a:effectRef idx="0">
+            <a:schemeClr val="accent1"/>
+          </a:effectRef>
+          <a:fontRef idx="minor">
+            <a:schemeClr val="lt1"/>
+          </a:fontRef>
+        </p:style>
+        <p:txBody>
+          <a:bodyPr rtlCol="0" anchor="ctr"/>
+          <a:lstStyle/>
+          <a:p>
+            <a:pPr marL="0" marR="0" lvl="0" indent="0" algn="ctr" defTabSz="914400" rtl="0" eaLnBrk="1" fontAlgn="auto" latinLnBrk="0" hangingPunct="1">
+              <a:lnSpc>
+                <a:spcPct val="100000"/>
+              </a:lnSpc>
+              <a:spcBef>
+                <a:spcPts val="0"/>
+              </a:spcBef>
+              <a:spcAft>
+                <a:spcPts val="0"/>
+              </a:spcAft>
+              <a:buClrTx/>
+              <a:buSzTx/>
+              <a:buFontTx/>
+              <a:buNone/>
+              <a:tabLst/>
+              <a:defRPr/>
+            </a:pPr>
+            <a:endParaRPr kumimoji="0" lang="en-US" sz="1800" b="0" i="0" u="none" strike="noStrike" kern="1200" cap="none" spc="0" normalizeH="0" baseline="0" noProof="0">
+              <a:ln>
+                <a:noFill/>
+              </a:ln>
+              <a:solidFill>
+                <a:prstClr val="white"/>
+              </a:solidFill>
+              <a:effectLst/>
+              <a:uLnTx/>
+              <a:uFillTx/>
+              <a:latin typeface="Calibri" panose="020F0502020204030204"/>
+              <a:ea typeface="+mn-ea"/>
+              <a:cs typeface="+mn-cs"/>
+            </a:endParaRPr>
+          </a:p>
+        </p:txBody>
+      </p:sp>
+      <p:sp>
+        <p:nvSpPr>
           <p:cNvPr id="2" name="Title 1">
             <a:extLst>
               <a:ext uri="{FF2B5EF4-FFF2-40B4-BE49-F238E27FC236}">
@@ -3546,22 +6920,86 @@
         </p:nvSpPr>
         <p:spPr>
           <a:xfrm>
-            <a:off x="838200" y="365125"/>
-            <a:ext cx="10515600" cy="1325563"/>
+            <a:off x="526073" y="466578"/>
+            <a:ext cx="11139854" cy="930447"/>
           </a:xfrm>
+          <a:prstGeom prst="ellipse">
+            <a:avLst/>
+          </a:prstGeom>
         </p:spPr>
         <p:txBody>
-          <a:bodyPr/>
+          <a:bodyPr vert="horz" lIns="91440" tIns="45720" rIns="91440" bIns="45720" rtlCol="0" anchor="b">
+            <a:normAutofit/>
+          </a:bodyPr>
           <a:lstStyle/>
           <a:p>
-            <a:r>
-              <a:rPr lang="en-GB"/>
+            <a:pPr algn="ctr"/>
+            <a:r>
+              <a:rPr lang="en-US" sz="3800" kern="1200">
+                <a:solidFill>
+                  <a:srgbClr val="FFFFFF"/>
+                </a:solidFill>
+                <a:latin typeface="+mj-lt"/>
+                <a:ea typeface="+mj-ea"/>
+                <a:cs typeface="+mj-cs"/>
+              </a:rPr>
               <a:t>Augmenting path</a:t>
             </a:r>
-            <a:endParaRPr lang="en-GB" dirty="0"/>
           </a:p>
         </p:txBody>
       </p:sp>
+      <p:cxnSp>
+        <p:nvCxnSpPr>
+          <p:cNvPr id="22" name="Straight Connector 21">
+            <a:extLst>
+              <a:ext uri="{FF2B5EF4-FFF2-40B4-BE49-F238E27FC236}">
+                <a16:creationId xmlns:a16="http://schemas.microsoft.com/office/drawing/2014/main" id="{7E7C77BC-7138-40B1-A15B-20F57A494629}"/>
+              </a:ext>
+              <a:ext uri="{C183D7F6-B498-43B3-948B-1728B52AA6E4}">
+                <adec:decorative xmlns:adec="http://schemas.microsoft.com/office/drawing/2017/decorative" val="1"/>
+              </a:ext>
+            </a:extLst>
+          </p:cNvPr>
+          <p:cNvCxnSpPr>
+            <a:cxnSpLocks noGrp="1" noRot="1" noChangeAspect="1" noMove="1" noResize="1" noEditPoints="1" noAdjustHandles="1" noChangeArrowheads="1" noChangeShapeType="1"/>
+          </p:cNvCxnSpPr>
+          <p:nvPr>
+            <p:extLst>
+              <p:ext uri="{386F3935-93C4-4BCD-93E2-E3B085C9AB24}">
+                <p16:designElem xmlns:p16="http://schemas.microsoft.com/office/powerpoint/2015/main" val="1"/>
+              </p:ext>
+            </p:extLst>
+          </p:nvPr>
+        </p:nvCxnSpPr>
+        <p:spPr>
+          <a:xfrm>
+            <a:off x="2209800" y="1448631"/>
+            <a:ext cx="7772400" cy="0"/>
+          </a:xfrm>
+          <a:prstGeom prst="line">
+            <a:avLst/>
+          </a:prstGeom>
+          <a:ln w="22225">
+            <a:solidFill>
+              <a:srgbClr val="D9D9D9"/>
+            </a:solidFill>
+          </a:ln>
+        </p:spPr>
+        <p:style>
+          <a:lnRef idx="1">
+            <a:schemeClr val="accent1"/>
+          </a:lnRef>
+          <a:fillRef idx="0">
+            <a:schemeClr val="accent1"/>
+          </a:fillRef>
+          <a:effectRef idx="0">
+            <a:schemeClr val="accent1"/>
+          </a:effectRef>
+          <a:fontRef idx="minor">
+            <a:schemeClr val="tx1"/>
+          </a:fontRef>
+        </p:style>
+      </p:cxnSp>
       <p:pic>
         <p:nvPicPr>
           <p:cNvPr id="5" name="Picture 4">
@@ -3590,8 +7028,8 @@
         </p:blipFill>
         <p:spPr>
           <a:xfrm>
-            <a:off x="1960860" y="2159508"/>
-            <a:ext cx="7735874" cy="3527125"/>
+            <a:off x="1675443" y="2509911"/>
+            <a:ext cx="8786015" cy="3997637"/>
           </a:xfrm>
           <a:prstGeom prst="rect">
             <a:avLst/>
@@ -3614,6 +7052,14 @@
 <file path=ppt/slides/slide4.xml><?xml version="1.0" encoding="utf-8"?>
 <p:sld xmlns:a="http://schemas.openxmlformats.org/drawingml/2006/main" xmlns:r="http://schemas.openxmlformats.org/officeDocument/2006/relationships" xmlns:p="http://schemas.openxmlformats.org/presentationml/2006/main">
   <p:cSld>
+    <p:bg>
+      <p:bgPr>
+        <a:solidFill>
+          <a:schemeClr val="bg1"/>
+        </a:solidFill>
+        <a:effectLst/>
+      </p:bgPr>
+    </p:bg>
     <p:spTree>
       <p:nvGrpSpPr>
         <p:cNvPr id="1" name=""/>
@@ -3630,6 +7076,71 @@
       </p:grpSpPr>
       <p:sp>
         <p:nvSpPr>
+          <p:cNvPr id="32" name="Rectangle 25">
+            <a:extLst>
+              <a:ext uri="{FF2B5EF4-FFF2-40B4-BE49-F238E27FC236}">
+                <a16:creationId xmlns:a16="http://schemas.microsoft.com/office/drawing/2014/main" id="{823AC064-BC96-4F32-8AE1-B2FD38754823}"/>
+              </a:ext>
+              <a:ext uri="{C183D7F6-B498-43B3-948B-1728B52AA6E4}">
+                <adec:decorative xmlns:adec="http://schemas.microsoft.com/office/drawing/2017/decorative" val="1"/>
+              </a:ext>
+            </a:extLst>
+          </p:cNvPr>
+          <p:cNvSpPr>
+            <a:spLocks noGrp="1" noRot="1" noChangeAspect="1" noMove="1" noResize="1" noEditPoints="1" noAdjustHandles="1" noChangeArrowheads="1" noChangeShapeType="1" noTextEdit="1"/>
+          </p:cNvSpPr>
+          <p:nvPr>
+            <p:extLst>
+              <p:ext uri="{386F3935-93C4-4BCD-93E2-E3B085C9AB24}">
+                <p16:designElem xmlns:p16="http://schemas.microsoft.com/office/powerpoint/2015/main" val="1"/>
+              </p:ext>
+            </p:extLst>
+          </p:nvPr>
+        </p:nvSpPr>
+        <p:spPr bwMode="ltGray">
+          <a:xfrm>
+            <a:off x="396882" y="280374"/>
+            <a:ext cx="11438793" cy="1844256"/>
+          </a:xfrm>
+          <a:prstGeom prst="rect">
+            <a:avLst/>
+          </a:prstGeom>
+          <a:solidFill>
+            <a:srgbClr val="404040"/>
+          </a:solidFill>
+          <a:ln w="127000" cap="sq" cmpd="thinThick">
+            <a:solidFill>
+              <a:srgbClr val="404040"/>
+            </a:solidFill>
+          </a:ln>
+        </p:spPr>
+        <p:style>
+          <a:lnRef idx="2">
+            <a:schemeClr val="accent1">
+              <a:shade val="50000"/>
+            </a:schemeClr>
+          </a:lnRef>
+          <a:fillRef idx="1">
+            <a:schemeClr val="accent1"/>
+          </a:fillRef>
+          <a:effectRef idx="0">
+            <a:schemeClr val="accent1"/>
+          </a:effectRef>
+          <a:fontRef idx="minor">
+            <a:schemeClr val="lt1"/>
+          </a:fontRef>
+        </p:style>
+        <p:txBody>
+          <a:bodyPr rtlCol="0" anchor="ctr"/>
+          <a:lstStyle/>
+          <a:p>
+            <a:pPr algn="ctr"/>
+            <a:endParaRPr lang="en-US"/>
+          </a:p>
+        </p:txBody>
+      </p:sp>
+      <p:sp>
+        <p:nvSpPr>
           <p:cNvPr id="2" name="Title 1">
             <a:extLst>
               <a:ext uri="{FF2B5EF4-FFF2-40B4-BE49-F238E27FC236}">
@@ -3646,22 +7157,168 @@
         </p:nvSpPr>
         <p:spPr>
           <a:xfrm>
-            <a:off x="612913" y="2791424"/>
-            <a:ext cx="4263887" cy="1325563"/>
+            <a:off x="546351" y="433545"/>
+            <a:ext cx="11139854" cy="930447"/>
           </a:xfrm>
         </p:spPr>
         <p:txBody>
-          <a:bodyPr/>
+          <a:bodyPr vert="horz" lIns="91440" tIns="45720" rIns="91440" bIns="45720" rtlCol="0" anchor="b">
+            <a:normAutofit/>
+          </a:bodyPr>
           <a:lstStyle/>
           <a:p>
-            <a:r>
-              <a:rPr lang="en-GB"/>
+            <a:pPr algn="ctr"/>
+            <a:r>
+              <a:rPr lang="en-US" sz="5400">
+                <a:solidFill>
+                  <a:srgbClr val="FFFFFF"/>
+                </a:solidFill>
+              </a:rPr>
               <a:t>Residual graph</a:t>
             </a:r>
-            <a:endParaRPr lang="en-GB" dirty="0"/>
           </a:p>
         </p:txBody>
       </p:sp>
+      <p:cxnSp>
+        <p:nvCxnSpPr>
+          <p:cNvPr id="33" name="Straight Connector 27">
+            <a:extLst>
+              <a:ext uri="{FF2B5EF4-FFF2-40B4-BE49-F238E27FC236}">
+                <a16:creationId xmlns:a16="http://schemas.microsoft.com/office/drawing/2014/main" id="{7E7C77BC-7138-40B1-A15B-20F57A494629}"/>
+              </a:ext>
+              <a:ext uri="{C183D7F6-B498-43B3-948B-1728B52AA6E4}">
+                <adec:decorative xmlns:adec="http://schemas.microsoft.com/office/drawing/2017/decorative" val="1"/>
+              </a:ext>
+            </a:extLst>
+          </p:cNvPr>
+          <p:cNvCxnSpPr>
+            <a:cxnSpLocks noGrp="1" noRot="1" noChangeAspect="1" noMove="1" noResize="1" noEditPoints="1" noAdjustHandles="1" noChangeArrowheads="1" noChangeShapeType="1"/>
+          </p:cNvCxnSpPr>
+          <p:nvPr>
+            <p:extLst>
+              <p:ext uri="{386F3935-93C4-4BCD-93E2-E3B085C9AB24}">
+                <p16:designElem xmlns:p16="http://schemas.microsoft.com/office/powerpoint/2015/main" val="1"/>
+              </p:ext>
+            </p:extLst>
+          </p:nvPr>
+        </p:nvCxnSpPr>
+        <p:spPr>
+          <a:xfrm>
+            <a:off x="2230078" y="1522292"/>
+            <a:ext cx="7772400" cy="0"/>
+          </a:xfrm>
+          <a:prstGeom prst="line">
+            <a:avLst/>
+          </a:prstGeom>
+          <a:ln w="22225">
+            <a:solidFill>
+              <a:srgbClr val="D9D9D9"/>
+            </a:solidFill>
+          </a:ln>
+        </p:spPr>
+        <p:style>
+          <a:lnRef idx="1">
+            <a:schemeClr val="accent1"/>
+          </a:lnRef>
+          <a:fillRef idx="0">
+            <a:schemeClr val="accent1"/>
+          </a:fillRef>
+          <a:effectRef idx="0">
+            <a:schemeClr val="accent1"/>
+          </a:effectRef>
+          <a:fontRef idx="minor">
+            <a:schemeClr val="tx1"/>
+          </a:fontRef>
+        </p:style>
+      </p:cxnSp>
+      <p:pic>
+        <p:nvPicPr>
+          <p:cNvPr id="7" name="Picture 6">
+            <a:extLst>
+              <a:ext uri="{FF2B5EF4-FFF2-40B4-BE49-F238E27FC236}">
+                <a16:creationId xmlns:a16="http://schemas.microsoft.com/office/drawing/2014/main" id="{876A8935-43B4-49FE-BF1A-E7CFA043C7E9}"/>
+              </a:ext>
+            </a:extLst>
+          </p:cNvPr>
+          <p:cNvPicPr>
+            <a:picLocks noChangeAspect="1"/>
+          </p:cNvPicPr>
+          <p:nvPr/>
+        </p:nvPicPr>
+        <p:blipFill>
+          <a:blip r:embed="rId2">
+            <a:extLst>
+              <a:ext uri="{28A0092B-C50C-407E-A947-70E740481C1C}">
+                <a14:useLocalDpi xmlns:a14="http://schemas.microsoft.com/office/drawing/2010/main" val="0"/>
+              </a:ext>
+            </a:extLst>
+          </a:blip>
+          <a:stretch>
+            <a:fillRect/>
+          </a:stretch>
+        </p:blipFill>
+        <p:spPr>
+          <a:xfrm>
+            <a:off x="6204679" y="2850205"/>
+            <a:ext cx="5987322" cy="2739199"/>
+          </a:xfrm>
+          <a:prstGeom prst="rect">
+            <a:avLst/>
+          </a:prstGeom>
+        </p:spPr>
+      </p:pic>
+      <p:cxnSp>
+        <p:nvCxnSpPr>
+          <p:cNvPr id="34" name="Straight Connector 29">
+            <a:extLst>
+              <a:ext uri="{FF2B5EF4-FFF2-40B4-BE49-F238E27FC236}">
+                <a16:creationId xmlns:a16="http://schemas.microsoft.com/office/drawing/2014/main" id="{DB146403-F3D6-484B-B2ED-97F9565D0370}"/>
+              </a:ext>
+              <a:ext uri="{C183D7F6-B498-43B3-948B-1728B52AA6E4}">
+                <adec:decorative xmlns:adec="http://schemas.microsoft.com/office/drawing/2017/decorative" val="1"/>
+              </a:ext>
+            </a:extLst>
+          </p:cNvPr>
+          <p:cNvCxnSpPr>
+            <a:cxnSpLocks noGrp="1" noRot="1" noChangeAspect="1" noMove="1" noResize="1" noEditPoints="1" noAdjustHandles="1" noChangeArrowheads="1" noChangeShapeType="1"/>
+          </p:cNvCxnSpPr>
+          <p:nvPr>
+            <p:extLst>
+              <p:ext uri="{386F3935-93C4-4BCD-93E2-E3B085C9AB24}">
+                <p16:designElem xmlns:p16="http://schemas.microsoft.com/office/powerpoint/2015/main" val="1"/>
+              </p:ext>
+            </p:extLst>
+          </p:nvPr>
+        </p:nvCxnSpPr>
+        <p:spPr>
+          <a:xfrm>
+            <a:off x="6116278" y="2596836"/>
+            <a:ext cx="0" cy="3657600"/>
+          </a:xfrm>
+          <a:prstGeom prst="line">
+            <a:avLst/>
+          </a:prstGeom>
+          <a:ln w="101600" cmpd="dbl">
+            <a:solidFill>
+              <a:srgbClr val="595959"/>
+            </a:solidFill>
+          </a:ln>
+        </p:spPr>
+        <p:style>
+          <a:lnRef idx="1">
+            <a:schemeClr val="accent1"/>
+          </a:lnRef>
+          <a:fillRef idx="0">
+            <a:schemeClr val="accent1"/>
+          </a:fillRef>
+          <a:effectRef idx="0">
+            <a:schemeClr val="accent1"/>
+          </a:effectRef>
+          <a:fontRef idx="minor">
+            <a:schemeClr val="tx1"/>
+          </a:fontRef>
+        </p:style>
+      </p:cxnSp>
       <p:pic>
         <p:nvPicPr>
           <p:cNvPr id="5" name="Content Placeholder 4">
@@ -3679,7 +7336,7 @@
           </p:nvPr>
         </p:nvPicPr>
         <p:blipFill>
-          <a:blip r:embed="rId2">
+          <a:blip r:embed="rId3">
             <a:extLst>
               <a:ext uri="{28A0092B-C50C-407E-A947-70E740481C1C}">
                 <a14:useLocalDpi xmlns:a14="http://schemas.microsoft.com/office/drawing/2010/main" val="0"/>
@@ -3692,41 +7349,8 @@
         </p:blipFill>
         <p:spPr>
           <a:xfrm>
-            <a:off x="5025424" y="535865"/>
-            <a:ext cx="6400654" cy="2918340"/>
-          </a:xfrm>
-        </p:spPr>
-      </p:pic>
-      <p:pic>
-        <p:nvPicPr>
-          <p:cNvPr id="7" name="Picture 6">
-            <a:extLst>
-              <a:ext uri="{FF2B5EF4-FFF2-40B4-BE49-F238E27FC236}">
-                <a16:creationId xmlns:a16="http://schemas.microsoft.com/office/drawing/2014/main" id="{876A8935-43B4-49FE-BF1A-E7CFA043C7E9}"/>
-              </a:ext>
-            </a:extLst>
-          </p:cNvPr>
-          <p:cNvPicPr>
-            <a:picLocks noChangeAspect="1"/>
-          </p:cNvPicPr>
-          <p:nvPr/>
-        </p:nvPicPr>
-        <p:blipFill>
-          <a:blip r:embed="rId3">
-            <a:extLst>
-              <a:ext uri="{28A0092B-C50C-407E-A947-70E740481C1C}">
-                <a14:useLocalDpi xmlns:a14="http://schemas.microsoft.com/office/drawing/2010/main" val="0"/>
-              </a:ext>
-            </a:extLst>
-          </a:blip>
-          <a:stretch>
-            <a:fillRect/>
-          </a:stretch>
-        </p:blipFill>
-        <p:spPr>
-          <a:xfrm>
-            <a:off x="5025424" y="3560396"/>
-            <a:ext cx="6364760" cy="2918340"/>
+            <a:off x="7660" y="2850204"/>
+            <a:ext cx="6020218" cy="2739199"/>
           </a:xfrm>
           <a:prstGeom prst="rect">
             <a:avLst/>
@@ -3749,6 +7373,14 @@
 <file path=ppt/slides/slide5.xml><?xml version="1.0" encoding="utf-8"?>
 <p:sld xmlns:a="http://schemas.openxmlformats.org/drawingml/2006/main" xmlns:r="http://schemas.openxmlformats.org/officeDocument/2006/relationships" xmlns:p="http://schemas.openxmlformats.org/presentationml/2006/main">
   <p:cSld>
+    <p:bg>
+      <p:bgPr>
+        <a:solidFill>
+          <a:schemeClr val="bg1"/>
+        </a:solidFill>
+        <a:effectLst/>
+      </p:bgPr>
+    </p:bg>
     <p:spTree>
       <p:nvGrpSpPr>
         <p:cNvPr id="1" name=""/>
@@ -3765,6 +7397,77 @@
       </p:grpSpPr>
       <p:sp>
         <p:nvSpPr>
+          <p:cNvPr id="15" name="Rectangle 14">
+            <a:extLst>
+              <a:ext uri="{FF2B5EF4-FFF2-40B4-BE49-F238E27FC236}">
+                <a16:creationId xmlns:a16="http://schemas.microsoft.com/office/drawing/2014/main" id="{F98ED85F-DCEE-4B50-802E-71A6E3E12B04}"/>
+              </a:ext>
+              <a:ext uri="{C183D7F6-B498-43B3-948B-1728B52AA6E4}">
+                <adec:decorative xmlns:adec="http://schemas.microsoft.com/office/drawing/2017/decorative" val="1"/>
+              </a:ext>
+            </a:extLst>
+          </p:cNvPr>
+          <p:cNvSpPr>
+            <a:spLocks noGrp="1" noRot="1" noChangeAspect="1" noMove="1" noResize="1" noEditPoints="1" noAdjustHandles="1" noChangeArrowheads="1" noChangeShapeType="1" noTextEdit="1"/>
+          </p:cNvSpPr>
+          <p:nvPr>
+            <p:extLst>
+              <p:ext uri="{386F3935-93C4-4BCD-93E2-E3B085C9AB24}">
+                <p16:designElem xmlns:p16="http://schemas.microsoft.com/office/powerpoint/2015/main" val="1"/>
+              </p:ext>
+            </p:extLst>
+          </p:nvPr>
+        </p:nvSpPr>
+        <p:spPr bwMode="ltGray">
+          <a:xfrm>
+            <a:off x="321564" y="320040"/>
+            <a:ext cx="11548872" cy="6217920"/>
+          </a:xfrm>
+          <a:prstGeom prst="rect">
+            <a:avLst/>
+          </a:prstGeom>
+          <a:solidFill>
+            <a:schemeClr val="tx1">
+              <a:alpha val="14000"/>
+            </a:schemeClr>
+          </a:solidFill>
+          <a:ln w="127000" cap="sq" cmpd="thinThick">
+            <a:solidFill>
+              <a:schemeClr val="tx1">
+                <a:lumMod val="85000"/>
+                <a:lumOff val="15000"/>
+                <a:alpha val="15000"/>
+              </a:schemeClr>
+            </a:solidFill>
+          </a:ln>
+        </p:spPr>
+        <p:style>
+          <a:lnRef idx="2">
+            <a:schemeClr val="accent1">
+              <a:shade val="50000"/>
+            </a:schemeClr>
+          </a:lnRef>
+          <a:fillRef idx="1">
+            <a:schemeClr val="accent1"/>
+          </a:fillRef>
+          <a:effectRef idx="0">
+            <a:schemeClr val="accent1"/>
+          </a:effectRef>
+          <a:fontRef idx="minor">
+            <a:schemeClr val="lt1"/>
+          </a:fontRef>
+        </p:style>
+        <p:txBody>
+          <a:bodyPr rtlCol="0" anchor="ctr"/>
+          <a:lstStyle/>
+          <a:p>
+            <a:pPr algn="ctr"/>
+            <a:endParaRPr lang="en-US"/>
+          </a:p>
+        </p:txBody>
+      </p:sp>
+      <p:sp>
+        <p:nvSpPr>
           <p:cNvPr id="2" name="Title 1">
             <a:extLst>
               <a:ext uri="{FF2B5EF4-FFF2-40B4-BE49-F238E27FC236}">
@@ -3779,9 +7482,16 @@
             <p:ph type="title"/>
           </p:nvPr>
         </p:nvSpPr>
-        <p:spPr/>
+        <p:spPr>
+          <a:xfrm>
+            <a:off x="838200" y="631825"/>
+            <a:ext cx="10515600" cy="1325563"/>
+          </a:xfrm>
+        </p:spPr>
         <p:txBody>
-          <a:bodyPr/>
+          <a:bodyPr>
+            <a:normAutofit/>
+          </a:bodyPr>
           <a:lstStyle/>
           <a:p>
             <a:r>
@@ -3807,17 +7517,405 @@
             <p:ph idx="1"/>
           </p:nvPr>
         </p:nvSpPr>
-        <p:spPr/>
+        <p:spPr>
+          <a:xfrm>
+            <a:off x="838200" y="2057400"/>
+            <a:ext cx="10515600" cy="3871762"/>
+          </a:xfrm>
+        </p:spPr>
         <p:txBody>
-          <a:bodyPr/>
+          <a:bodyPr>
+            <a:normAutofit/>
+          </a:bodyPr>
           <a:lstStyle/>
           <a:p>
             <a:pPr marL="0" indent="0">
               <a:buNone/>
             </a:pPr>
             <a:r>
-              <a:rPr lang="en-GB" dirty="0"/>
-              <a:t>Here be pseudocode</a:t>
+              <a:rPr lang="en-GB" sz="2000" dirty="0">
+                <a:cs typeface="Courier New" panose="02070309020205020404" pitchFamily="49" charset="0"/>
+              </a:rPr>
+              <a:t>Given a graph G=(V,E) with a source S and a sink T</a:t>
+            </a:r>
+          </a:p>
+          <a:p>
+            <a:pPr marL="0" indent="0">
+              <a:lnSpc>
+                <a:spcPct val="50000"/>
+              </a:lnSpc>
+              <a:buNone/>
+            </a:pPr>
+            <a:r>
+              <a:rPr lang="en-GB" sz="1600" dirty="0">
+                <a:latin typeface="Courier New" panose="02070309020205020404" pitchFamily="49" charset="0"/>
+                <a:cs typeface="Courier New" panose="02070309020205020404" pitchFamily="49" charset="0"/>
+              </a:rPr>
+              <a:t>For((</a:t>
+            </a:r>
+            <a:r>
+              <a:rPr lang="en-GB" sz="1600" dirty="0" err="1">
+                <a:latin typeface="Courier New" panose="02070309020205020404" pitchFamily="49" charset="0"/>
+                <a:cs typeface="Courier New" panose="02070309020205020404" pitchFamily="49" charset="0"/>
+              </a:rPr>
+              <a:t>u,v</a:t>
+            </a:r>
+            <a:r>
+              <a:rPr lang="en-GB" sz="1600" dirty="0">
+                <a:latin typeface="Courier New" panose="02070309020205020404" pitchFamily="49" charset="0"/>
+                <a:cs typeface="Courier New" panose="02070309020205020404" pitchFamily="49" charset="0"/>
+              </a:rPr>
+              <a:t>) in E) f(</a:t>
+            </a:r>
+            <a:r>
+              <a:rPr lang="en-GB" sz="1600" dirty="0" err="1">
+                <a:latin typeface="Courier New" panose="02070309020205020404" pitchFamily="49" charset="0"/>
+                <a:cs typeface="Courier New" panose="02070309020205020404" pitchFamily="49" charset="0"/>
+              </a:rPr>
+              <a:t>u,v</a:t>
+            </a:r>
+            <a:r>
+              <a:rPr lang="en-GB" sz="1600" dirty="0">
+                <a:latin typeface="Courier New" panose="02070309020205020404" pitchFamily="49" charset="0"/>
+                <a:cs typeface="Courier New" panose="02070309020205020404" pitchFamily="49" charset="0"/>
+              </a:rPr>
+              <a:t>) = 0</a:t>
+            </a:r>
+          </a:p>
+          <a:p>
+            <a:pPr marL="0" indent="0">
+              <a:lnSpc>
+                <a:spcPct val="50000"/>
+              </a:lnSpc>
+              <a:buNone/>
+            </a:pPr>
+            <a:r>
+              <a:rPr lang="en-GB" sz="1600" dirty="0">
+                <a:latin typeface="Courier New" panose="02070309020205020404" pitchFamily="49" charset="0"/>
+                <a:cs typeface="Courier New" panose="02070309020205020404" pitchFamily="49" charset="0"/>
+              </a:rPr>
+              <a:t>Build residual graph G’=(V’,E’)</a:t>
+            </a:r>
+          </a:p>
+          <a:p>
+            <a:pPr marL="0" indent="0">
+              <a:lnSpc>
+                <a:spcPct val="50000"/>
+              </a:lnSpc>
+              <a:buNone/>
+            </a:pPr>
+            <a:r>
+              <a:rPr lang="en-GB" sz="1600" dirty="0">
+                <a:latin typeface="Courier New" panose="02070309020205020404" pitchFamily="49" charset="0"/>
+                <a:cs typeface="Courier New" panose="02070309020205020404" pitchFamily="49" charset="0"/>
+              </a:rPr>
+              <a:t>While(there is a path P from S to T in G’){</a:t>
+            </a:r>
+          </a:p>
+          <a:p>
+            <a:pPr marL="0" indent="0">
+              <a:lnSpc>
+                <a:spcPct val="50000"/>
+              </a:lnSpc>
+              <a:buNone/>
+            </a:pPr>
+            <a:r>
+              <a:rPr lang="en-GB" sz="1600" dirty="0">
+                <a:latin typeface="Courier New" panose="02070309020205020404" pitchFamily="49" charset="0"/>
+                <a:cs typeface="Courier New" panose="02070309020205020404" pitchFamily="49" charset="0"/>
+              </a:rPr>
+              <a:t>	m = minimum slack (c(</a:t>
+            </a:r>
+            <a:r>
+              <a:rPr lang="en-GB" sz="1600" dirty="0" err="1">
+                <a:latin typeface="Courier New" panose="02070309020205020404" pitchFamily="49" charset="0"/>
+                <a:cs typeface="Courier New" panose="02070309020205020404" pitchFamily="49" charset="0"/>
+              </a:rPr>
+              <a:t>u,v</a:t>
+            </a:r>
+            <a:r>
+              <a:rPr lang="en-GB" sz="1600" dirty="0">
+                <a:latin typeface="Courier New" panose="02070309020205020404" pitchFamily="49" charset="0"/>
+                <a:cs typeface="Courier New" panose="02070309020205020404" pitchFamily="49" charset="0"/>
+              </a:rPr>
+              <a:t>) – f(</a:t>
+            </a:r>
+            <a:r>
+              <a:rPr lang="en-GB" sz="1600" dirty="0" err="1">
+                <a:latin typeface="Courier New" panose="02070309020205020404" pitchFamily="49" charset="0"/>
+                <a:cs typeface="Courier New" panose="02070309020205020404" pitchFamily="49" charset="0"/>
+              </a:rPr>
+              <a:t>u,v</a:t>
+            </a:r>
+            <a:r>
+              <a:rPr lang="en-GB" sz="1600" dirty="0">
+                <a:latin typeface="Courier New" panose="02070309020205020404" pitchFamily="49" charset="0"/>
+                <a:cs typeface="Courier New" panose="02070309020205020404" pitchFamily="49" charset="0"/>
+              </a:rPr>
+              <a:t>)) of P</a:t>
+            </a:r>
+          </a:p>
+          <a:p>
+            <a:pPr marL="0" indent="0">
+              <a:lnSpc>
+                <a:spcPct val="50000"/>
+              </a:lnSpc>
+              <a:buNone/>
+            </a:pPr>
+            <a:r>
+              <a:rPr lang="en-GB" sz="1600" dirty="0">
+                <a:latin typeface="Courier New" panose="02070309020205020404" pitchFamily="49" charset="0"/>
+                <a:cs typeface="Courier New" panose="02070309020205020404" pitchFamily="49" charset="0"/>
+              </a:rPr>
+              <a:t>	for((</a:t>
+            </a:r>
+            <a:r>
+              <a:rPr lang="en-GB" sz="1600" dirty="0" err="1">
+                <a:latin typeface="Courier New" panose="02070309020205020404" pitchFamily="49" charset="0"/>
+                <a:cs typeface="Courier New" panose="02070309020205020404" pitchFamily="49" charset="0"/>
+              </a:rPr>
+              <a:t>u,v</a:t>
+            </a:r>
+            <a:r>
+              <a:rPr lang="en-GB" sz="1600" dirty="0">
+                <a:latin typeface="Courier New" panose="02070309020205020404" pitchFamily="49" charset="0"/>
+                <a:cs typeface="Courier New" panose="02070309020205020404" pitchFamily="49" charset="0"/>
+              </a:rPr>
+              <a:t>) in P){</a:t>
+            </a:r>
+          </a:p>
+          <a:p>
+            <a:pPr marL="0" indent="0">
+              <a:lnSpc>
+                <a:spcPct val="50000"/>
+              </a:lnSpc>
+              <a:buNone/>
+            </a:pPr>
+            <a:r>
+              <a:rPr lang="en-GB" sz="1600" dirty="0">
+                <a:latin typeface="Courier New" panose="02070309020205020404" pitchFamily="49" charset="0"/>
+                <a:cs typeface="Courier New" panose="02070309020205020404" pitchFamily="49" charset="0"/>
+              </a:rPr>
+              <a:t>		if((</a:t>
+            </a:r>
+            <a:r>
+              <a:rPr lang="en-GB" sz="1600" dirty="0" err="1">
+                <a:latin typeface="Courier New" panose="02070309020205020404" pitchFamily="49" charset="0"/>
+                <a:cs typeface="Courier New" panose="02070309020205020404" pitchFamily="49" charset="0"/>
+              </a:rPr>
+              <a:t>u,v</a:t>
+            </a:r>
+            <a:r>
+              <a:rPr lang="en-GB" sz="1600" dirty="0">
+                <a:latin typeface="Courier New" panose="02070309020205020404" pitchFamily="49" charset="0"/>
+                <a:cs typeface="Courier New" panose="02070309020205020404" pitchFamily="49" charset="0"/>
+              </a:rPr>
+              <a:t>)</a:t>
+            </a:r>
+            <a:r>
+              <a:rPr lang="en-US" altLang="en-US" sz="1600" dirty="0">
+                <a:latin typeface="Courier New" panose="02070309020205020404" pitchFamily="49" charset="0"/>
+                <a:cs typeface="Courier New" panose="02070309020205020404" pitchFamily="49" charset="0"/>
+                <a:sym typeface="Symbol" panose="05050102010706020507" pitchFamily="18" charset="2"/>
+              </a:rPr>
+              <a:t> E</a:t>
+            </a:r>
+            <a:r>
+              <a:rPr lang="en-GB" sz="1600" dirty="0">
+                <a:latin typeface="Courier New" panose="02070309020205020404" pitchFamily="49" charset="0"/>
+                <a:cs typeface="Courier New" panose="02070309020205020404" pitchFamily="49" charset="0"/>
+              </a:rPr>
+              <a:t>) 		// (</a:t>
+            </a:r>
+            <a:r>
+              <a:rPr lang="en-GB" sz="1600" dirty="0" err="1">
+                <a:latin typeface="Courier New" panose="02070309020205020404" pitchFamily="49" charset="0"/>
+                <a:cs typeface="Courier New" panose="02070309020205020404" pitchFamily="49" charset="0"/>
+              </a:rPr>
+              <a:t>u,v</a:t>
+            </a:r>
+            <a:r>
+              <a:rPr lang="en-GB" sz="1600" dirty="0">
+                <a:latin typeface="Courier New" panose="02070309020205020404" pitchFamily="49" charset="0"/>
+                <a:cs typeface="Courier New" panose="02070309020205020404" pitchFamily="49" charset="0"/>
+              </a:rPr>
+              <a:t>) is a forwards edge</a:t>
+            </a:r>
+          </a:p>
+          <a:p>
+            <a:pPr marL="0" indent="0">
+              <a:lnSpc>
+                <a:spcPct val="50000"/>
+              </a:lnSpc>
+              <a:buNone/>
+            </a:pPr>
+            <a:r>
+              <a:rPr lang="en-GB" sz="1600" dirty="0">
+                <a:latin typeface="Courier New" panose="02070309020205020404" pitchFamily="49" charset="0"/>
+                <a:cs typeface="Courier New" panose="02070309020205020404" pitchFamily="49" charset="0"/>
+              </a:rPr>
+              <a:t>			f(</a:t>
+            </a:r>
+            <a:r>
+              <a:rPr lang="en-GB" sz="1600" dirty="0" err="1">
+                <a:latin typeface="Courier New" panose="02070309020205020404" pitchFamily="49" charset="0"/>
+                <a:cs typeface="Courier New" panose="02070309020205020404" pitchFamily="49" charset="0"/>
+              </a:rPr>
+              <a:t>u,v</a:t>
+            </a:r>
+            <a:r>
+              <a:rPr lang="en-GB" sz="1600" dirty="0">
+                <a:latin typeface="Courier New" panose="02070309020205020404" pitchFamily="49" charset="0"/>
+                <a:cs typeface="Courier New" panose="02070309020205020404" pitchFamily="49" charset="0"/>
+              </a:rPr>
+              <a:t>) += m</a:t>
+            </a:r>
+          </a:p>
+          <a:p>
+            <a:pPr marL="0" indent="0">
+              <a:lnSpc>
+                <a:spcPct val="50000"/>
+              </a:lnSpc>
+              <a:buNone/>
+            </a:pPr>
+            <a:r>
+              <a:rPr lang="en-GB" sz="1600" dirty="0">
+                <a:latin typeface="Courier New" panose="02070309020205020404" pitchFamily="49" charset="0"/>
+                <a:cs typeface="Courier New" panose="02070309020205020404" pitchFamily="49" charset="0"/>
+              </a:rPr>
+              <a:t>		else if ((</a:t>
+            </a:r>
+            <a:r>
+              <a:rPr lang="en-GB" sz="1600" dirty="0" err="1">
+                <a:latin typeface="Courier New" panose="02070309020205020404" pitchFamily="49" charset="0"/>
+                <a:cs typeface="Courier New" panose="02070309020205020404" pitchFamily="49" charset="0"/>
+              </a:rPr>
+              <a:t>v,u</a:t>
+            </a:r>
+            <a:r>
+              <a:rPr lang="en-GB" sz="1600" dirty="0">
+                <a:latin typeface="Courier New" panose="02070309020205020404" pitchFamily="49" charset="0"/>
+                <a:cs typeface="Courier New" panose="02070309020205020404" pitchFamily="49" charset="0"/>
+              </a:rPr>
+              <a:t>)</a:t>
+            </a:r>
+            <a:r>
+              <a:rPr lang="en-US" altLang="en-US" sz="1600" dirty="0">
+                <a:latin typeface="Courier New" panose="02070309020205020404" pitchFamily="49" charset="0"/>
+                <a:cs typeface="Courier New" panose="02070309020205020404" pitchFamily="49" charset="0"/>
+                <a:sym typeface="Symbol" panose="05050102010706020507" pitchFamily="18" charset="2"/>
+              </a:rPr>
+              <a:t> E</a:t>
+            </a:r>
+            <a:r>
+              <a:rPr lang="en-GB" sz="1600" dirty="0">
+                <a:latin typeface="Courier New" panose="02070309020205020404" pitchFamily="49" charset="0"/>
+                <a:cs typeface="Courier New" panose="02070309020205020404" pitchFamily="49" charset="0"/>
+              </a:rPr>
+              <a:t>) 	// (</a:t>
+            </a:r>
+            <a:r>
+              <a:rPr lang="en-GB" sz="1600" dirty="0" err="1">
+                <a:latin typeface="Courier New" panose="02070309020205020404" pitchFamily="49" charset="0"/>
+                <a:cs typeface="Courier New" panose="02070309020205020404" pitchFamily="49" charset="0"/>
+              </a:rPr>
+              <a:t>u,v</a:t>
+            </a:r>
+            <a:r>
+              <a:rPr lang="en-GB" sz="1600" dirty="0">
+                <a:latin typeface="Courier New" panose="02070309020205020404" pitchFamily="49" charset="0"/>
+                <a:cs typeface="Courier New" panose="02070309020205020404" pitchFamily="49" charset="0"/>
+              </a:rPr>
+              <a:t>) is a backwards edge</a:t>
+            </a:r>
+          </a:p>
+          <a:p>
+            <a:pPr marL="0" indent="0">
+              <a:lnSpc>
+                <a:spcPct val="50000"/>
+              </a:lnSpc>
+              <a:buNone/>
+            </a:pPr>
+            <a:r>
+              <a:rPr lang="en-GB" sz="1600" dirty="0">
+                <a:latin typeface="Courier New" panose="02070309020205020404" pitchFamily="49" charset="0"/>
+                <a:cs typeface="Courier New" panose="02070309020205020404" pitchFamily="49" charset="0"/>
+              </a:rPr>
+              <a:t>			f(</a:t>
+            </a:r>
+            <a:r>
+              <a:rPr lang="en-GB" sz="1600" dirty="0" err="1">
+                <a:latin typeface="Courier New" panose="02070309020205020404" pitchFamily="49" charset="0"/>
+                <a:cs typeface="Courier New" panose="02070309020205020404" pitchFamily="49" charset="0"/>
+              </a:rPr>
+              <a:t>v,u</a:t>
+            </a:r>
+            <a:r>
+              <a:rPr lang="en-GB" sz="1600" dirty="0">
+                <a:latin typeface="Courier New" panose="02070309020205020404" pitchFamily="49" charset="0"/>
+                <a:cs typeface="Courier New" panose="02070309020205020404" pitchFamily="49" charset="0"/>
+              </a:rPr>
+              <a:t>) -= m</a:t>
+            </a:r>
+          </a:p>
+          <a:p>
+            <a:pPr marL="0" indent="0">
+              <a:lnSpc>
+                <a:spcPct val="50000"/>
+              </a:lnSpc>
+              <a:buNone/>
+            </a:pPr>
+            <a:r>
+              <a:rPr lang="en-GB" sz="1600" dirty="0">
+                <a:latin typeface="Courier New" panose="02070309020205020404" pitchFamily="49" charset="0"/>
+                <a:cs typeface="Courier New" panose="02070309020205020404" pitchFamily="49" charset="0"/>
+              </a:rPr>
+              <a:t>	}</a:t>
+            </a:r>
+          </a:p>
+          <a:p>
+            <a:pPr marL="0" indent="0">
+              <a:lnSpc>
+                <a:spcPct val="50000"/>
+              </a:lnSpc>
+              <a:buNone/>
+            </a:pPr>
+            <a:r>
+              <a:rPr lang="en-GB" sz="1600" dirty="0">
+                <a:latin typeface="Courier New" panose="02070309020205020404" pitchFamily="49" charset="0"/>
+                <a:cs typeface="Courier New" panose="02070309020205020404" pitchFamily="49" charset="0"/>
+              </a:rPr>
+              <a:t>	update residual graph</a:t>
+            </a:r>
+          </a:p>
+          <a:p>
+            <a:pPr marL="0" indent="0">
+              <a:lnSpc>
+                <a:spcPct val="50000"/>
+              </a:lnSpc>
+              <a:buNone/>
+            </a:pPr>
+            <a:r>
+              <a:rPr lang="en-GB" sz="1600" dirty="0">
+                <a:latin typeface="Courier New" panose="02070309020205020404" pitchFamily="49" charset="0"/>
+                <a:cs typeface="Courier New" panose="02070309020205020404" pitchFamily="49" charset="0"/>
+              </a:rPr>
+              <a:t>}</a:t>
+            </a:r>
+          </a:p>
+          <a:p>
+            <a:pPr marL="0" indent="0">
+              <a:lnSpc>
+                <a:spcPct val="50000"/>
+              </a:lnSpc>
+              <a:buNone/>
+            </a:pPr>
+            <a:r>
+              <a:rPr lang="en-GB" sz="1600" dirty="0">
+                <a:latin typeface="Courier New" panose="02070309020205020404" pitchFamily="49" charset="0"/>
+                <a:cs typeface="Courier New" panose="02070309020205020404" pitchFamily="49" charset="0"/>
+              </a:rPr>
+              <a:t>Maximum flow found</a:t>
             </a:r>
           </a:p>
         </p:txBody>
@@ -3838,6 +7936,14 @@
 <file path=ppt/slides/slide6.xml><?xml version="1.0" encoding="utf-8"?>
 <p:sld xmlns:a="http://schemas.openxmlformats.org/drawingml/2006/main" xmlns:r="http://schemas.openxmlformats.org/officeDocument/2006/relationships" xmlns:p="http://schemas.openxmlformats.org/presentationml/2006/main">
   <p:cSld>
+    <p:bg>
+      <p:bgPr>
+        <a:solidFill>
+          <a:schemeClr val="bg1"/>
+        </a:solidFill>
+        <a:effectLst/>
+      </p:bgPr>
+    </p:bg>
     <p:spTree>
       <p:nvGrpSpPr>
         <p:cNvPr id="1" name=""/>
@@ -3854,6 +7960,487 @@
       </p:grpSpPr>
       <p:sp>
         <p:nvSpPr>
+          <p:cNvPr id="17" name="Freeform: Shape 16">
+            <a:extLst>
+              <a:ext uri="{FF2B5EF4-FFF2-40B4-BE49-F238E27FC236}">
+                <a16:creationId xmlns:a16="http://schemas.microsoft.com/office/drawing/2014/main" id="{46C2E80F-49A6-4372-B103-219D417A55ED}"/>
+              </a:ext>
+              <a:ext uri="{C183D7F6-B498-43B3-948B-1728B52AA6E4}">
+                <adec:decorative xmlns:adec="http://schemas.microsoft.com/office/drawing/2017/decorative" val="1"/>
+              </a:ext>
+            </a:extLst>
+          </p:cNvPr>
+          <p:cNvSpPr>
+            <a:spLocks noGrp="1" noRot="1" noChangeAspect="1" noMove="1" noResize="1" noEditPoints="1" noAdjustHandles="1" noChangeArrowheads="1" noChangeShapeType="1" noTextEdit="1"/>
+          </p:cNvSpPr>
+          <p:nvPr>
+            <p:extLst>
+              <p:ext uri="{386F3935-93C4-4BCD-93E2-E3B085C9AB24}">
+                <p16:designElem xmlns:p16="http://schemas.microsoft.com/office/powerpoint/2015/main" val="1"/>
+              </p:ext>
+            </p:extLst>
+          </p:nvPr>
+        </p:nvSpPr>
+        <p:spPr>
+          <a:xfrm>
+            <a:off x="484096" y="470925"/>
+            <a:ext cx="4381009" cy="5892104"/>
+          </a:xfrm>
+          <a:custGeom>
+            <a:avLst/>
+            <a:gdLst>
+              <a:gd name="connsiteX0" fmla="*/ 0 w 4381009"/>
+              <a:gd name="connsiteY0" fmla="*/ 0 h 5892104"/>
+              <a:gd name="connsiteX1" fmla="*/ 4157628 w 4381009"/>
+              <a:gd name="connsiteY1" fmla="*/ 0 h 5892104"/>
+              <a:gd name="connsiteX2" fmla="*/ 4169302 w 4381009"/>
+              <a:gd name="connsiteY2" fmla="*/ 68659 h 5892104"/>
+              <a:gd name="connsiteX3" fmla="*/ 4191571 w 4381009"/>
+              <a:gd name="connsiteY3" fmla="*/ 205472 h 5892104"/>
+              <a:gd name="connsiteX4" fmla="*/ 4213368 w 4381009"/>
+              <a:gd name="connsiteY4" fmla="*/ 342890 h 5892104"/>
+              <a:gd name="connsiteX5" fmla="*/ 4232030 w 4381009"/>
+              <a:gd name="connsiteY5" fmla="*/ 480913 h 5892104"/>
+              <a:gd name="connsiteX6" fmla="*/ 4250848 w 4381009"/>
+              <a:gd name="connsiteY6" fmla="*/ 618332 h 5892104"/>
+              <a:gd name="connsiteX7" fmla="*/ 4268412 w 4381009"/>
+              <a:gd name="connsiteY7" fmla="*/ 756355 h 5892104"/>
+              <a:gd name="connsiteX8" fmla="*/ 4283467 w 4381009"/>
+              <a:gd name="connsiteY8" fmla="*/ 892563 h 5892104"/>
+              <a:gd name="connsiteX9" fmla="*/ 4297737 w 4381009"/>
+              <a:gd name="connsiteY9" fmla="*/ 1030587 h 5892104"/>
+              <a:gd name="connsiteX10" fmla="*/ 4310754 w 4381009"/>
+              <a:gd name="connsiteY10" fmla="*/ 1168005 h 5892104"/>
+              <a:gd name="connsiteX11" fmla="*/ 4322045 w 4381009"/>
+              <a:gd name="connsiteY11" fmla="*/ 1303002 h 5892104"/>
+              <a:gd name="connsiteX12" fmla="*/ 4333336 w 4381009"/>
+              <a:gd name="connsiteY12" fmla="*/ 1439815 h 5892104"/>
+              <a:gd name="connsiteX13" fmla="*/ 4342745 w 4381009"/>
+              <a:gd name="connsiteY13" fmla="*/ 1574812 h 5892104"/>
+              <a:gd name="connsiteX14" fmla="*/ 4350115 w 4381009"/>
+              <a:gd name="connsiteY14" fmla="*/ 1709808 h 5892104"/>
+              <a:gd name="connsiteX15" fmla="*/ 4357799 w 4381009"/>
+              <a:gd name="connsiteY15" fmla="*/ 1844200 h 5892104"/>
+              <a:gd name="connsiteX16" fmla="*/ 4364229 w 4381009"/>
+              <a:gd name="connsiteY16" fmla="*/ 1977381 h 5892104"/>
+              <a:gd name="connsiteX17" fmla="*/ 4368777 w 4381009"/>
+              <a:gd name="connsiteY17" fmla="*/ 2109351 h 5892104"/>
+              <a:gd name="connsiteX18" fmla="*/ 4372697 w 4381009"/>
+              <a:gd name="connsiteY18" fmla="*/ 2241321 h 5892104"/>
+              <a:gd name="connsiteX19" fmla="*/ 4376461 w 4381009"/>
+              <a:gd name="connsiteY19" fmla="*/ 2372080 h 5892104"/>
+              <a:gd name="connsiteX20" fmla="*/ 4378186 w 4381009"/>
+              <a:gd name="connsiteY20" fmla="*/ 2501023 h 5892104"/>
+              <a:gd name="connsiteX21" fmla="*/ 4380068 w 4381009"/>
+              <a:gd name="connsiteY21" fmla="*/ 2629966 h 5892104"/>
+              <a:gd name="connsiteX22" fmla="*/ 4381009 w 4381009"/>
+              <a:gd name="connsiteY22" fmla="*/ 2757093 h 5892104"/>
+              <a:gd name="connsiteX23" fmla="*/ 4380068 w 4381009"/>
+              <a:gd name="connsiteY23" fmla="*/ 2883010 h 5892104"/>
+              <a:gd name="connsiteX24" fmla="*/ 4380068 w 4381009"/>
+              <a:gd name="connsiteY24" fmla="*/ 3007715 h 5892104"/>
+              <a:gd name="connsiteX25" fmla="*/ 4378186 w 4381009"/>
+              <a:gd name="connsiteY25" fmla="*/ 3131210 h 5892104"/>
+              <a:gd name="connsiteX26" fmla="*/ 4375363 w 4381009"/>
+              <a:gd name="connsiteY26" fmla="*/ 3252283 h 5892104"/>
+              <a:gd name="connsiteX27" fmla="*/ 4372697 w 4381009"/>
+              <a:gd name="connsiteY27" fmla="*/ 3372146 h 5892104"/>
+              <a:gd name="connsiteX28" fmla="*/ 4369718 w 4381009"/>
+              <a:gd name="connsiteY28" fmla="*/ 3489587 h 5892104"/>
+              <a:gd name="connsiteX29" fmla="*/ 4365170 w 4381009"/>
+              <a:gd name="connsiteY29" fmla="*/ 3606423 h 5892104"/>
+              <a:gd name="connsiteX30" fmla="*/ 4360309 w 4381009"/>
+              <a:gd name="connsiteY30" fmla="*/ 3721443 h 5892104"/>
+              <a:gd name="connsiteX31" fmla="*/ 4355918 w 4381009"/>
+              <a:gd name="connsiteY31" fmla="*/ 3834041 h 5892104"/>
+              <a:gd name="connsiteX32" fmla="*/ 4343529 w 4381009"/>
+              <a:gd name="connsiteY32" fmla="*/ 4053789 h 5892104"/>
+              <a:gd name="connsiteX33" fmla="*/ 4330356 w 4381009"/>
+              <a:gd name="connsiteY33" fmla="*/ 4264457 h 5892104"/>
+              <a:gd name="connsiteX34" fmla="*/ 4316556 w 4381009"/>
+              <a:gd name="connsiteY34" fmla="*/ 4466650 h 5892104"/>
+              <a:gd name="connsiteX35" fmla="*/ 4301344 w 4381009"/>
+              <a:gd name="connsiteY35" fmla="*/ 4657946 h 5892104"/>
+              <a:gd name="connsiteX36" fmla="*/ 4285506 w 4381009"/>
+              <a:gd name="connsiteY36" fmla="*/ 4840767 h 5892104"/>
+              <a:gd name="connsiteX37" fmla="*/ 4268412 w 4381009"/>
+              <a:gd name="connsiteY37" fmla="*/ 5010269 h 5892104"/>
+              <a:gd name="connsiteX38" fmla="*/ 4251633 w 4381009"/>
+              <a:gd name="connsiteY38" fmla="*/ 5169481 h 5892104"/>
+              <a:gd name="connsiteX39" fmla="*/ 4234853 w 4381009"/>
+              <a:gd name="connsiteY39" fmla="*/ 5315980 h 5892104"/>
+              <a:gd name="connsiteX40" fmla="*/ 4219014 w 4381009"/>
+              <a:gd name="connsiteY40" fmla="*/ 5450371 h 5892104"/>
+              <a:gd name="connsiteX41" fmla="*/ 4203959 w 4381009"/>
+              <a:gd name="connsiteY41" fmla="*/ 5569628 h 5892104"/>
+              <a:gd name="connsiteX42" fmla="*/ 4189689 w 4381009"/>
+              <a:gd name="connsiteY42" fmla="*/ 5677384 h 5892104"/>
+              <a:gd name="connsiteX43" fmla="*/ 4177770 w 4381009"/>
+              <a:gd name="connsiteY43" fmla="*/ 5768189 h 5892104"/>
+              <a:gd name="connsiteX44" fmla="*/ 4166479 w 4381009"/>
+              <a:gd name="connsiteY44" fmla="*/ 5844465 h 5892104"/>
+              <a:gd name="connsiteX45" fmla="*/ 4159132 w 4381009"/>
+              <a:gd name="connsiteY45" fmla="*/ 5892104 h 5892104"/>
+              <a:gd name="connsiteX46" fmla="*/ 0 w 4381009"/>
+              <a:gd name="connsiteY46" fmla="*/ 5892104 h 5892104"/>
+            </a:gdLst>
+            <a:ahLst/>
+            <a:cxnLst>
+              <a:cxn ang="0">
+                <a:pos x="connsiteX0" y="connsiteY0"/>
+              </a:cxn>
+              <a:cxn ang="0">
+                <a:pos x="connsiteX1" y="connsiteY1"/>
+              </a:cxn>
+              <a:cxn ang="0">
+                <a:pos x="connsiteX2" y="connsiteY2"/>
+              </a:cxn>
+              <a:cxn ang="0">
+                <a:pos x="connsiteX3" y="connsiteY3"/>
+              </a:cxn>
+              <a:cxn ang="0">
+                <a:pos x="connsiteX4" y="connsiteY4"/>
+              </a:cxn>
+              <a:cxn ang="0">
+                <a:pos x="connsiteX5" y="connsiteY5"/>
+              </a:cxn>
+              <a:cxn ang="0">
+                <a:pos x="connsiteX6" y="connsiteY6"/>
+              </a:cxn>
+              <a:cxn ang="0">
+                <a:pos x="connsiteX7" y="connsiteY7"/>
+              </a:cxn>
+              <a:cxn ang="0">
+                <a:pos x="connsiteX8" y="connsiteY8"/>
+              </a:cxn>
+              <a:cxn ang="0">
+                <a:pos x="connsiteX9" y="connsiteY9"/>
+              </a:cxn>
+              <a:cxn ang="0">
+                <a:pos x="connsiteX10" y="connsiteY10"/>
+              </a:cxn>
+              <a:cxn ang="0">
+                <a:pos x="connsiteX11" y="connsiteY11"/>
+              </a:cxn>
+              <a:cxn ang="0">
+                <a:pos x="connsiteX12" y="connsiteY12"/>
+              </a:cxn>
+              <a:cxn ang="0">
+                <a:pos x="connsiteX13" y="connsiteY13"/>
+              </a:cxn>
+              <a:cxn ang="0">
+                <a:pos x="connsiteX14" y="connsiteY14"/>
+              </a:cxn>
+              <a:cxn ang="0">
+                <a:pos x="connsiteX15" y="connsiteY15"/>
+              </a:cxn>
+              <a:cxn ang="0">
+                <a:pos x="connsiteX16" y="connsiteY16"/>
+              </a:cxn>
+              <a:cxn ang="0">
+                <a:pos x="connsiteX17" y="connsiteY17"/>
+              </a:cxn>
+              <a:cxn ang="0">
+                <a:pos x="connsiteX18" y="connsiteY18"/>
+              </a:cxn>
+              <a:cxn ang="0">
+                <a:pos x="connsiteX19" y="connsiteY19"/>
+              </a:cxn>
+              <a:cxn ang="0">
+                <a:pos x="connsiteX20" y="connsiteY20"/>
+              </a:cxn>
+              <a:cxn ang="0">
+                <a:pos x="connsiteX21" y="connsiteY21"/>
+              </a:cxn>
+              <a:cxn ang="0">
+                <a:pos x="connsiteX22" y="connsiteY22"/>
+              </a:cxn>
+              <a:cxn ang="0">
+                <a:pos x="connsiteX23" y="connsiteY23"/>
+              </a:cxn>
+              <a:cxn ang="0">
+                <a:pos x="connsiteX24" y="connsiteY24"/>
+              </a:cxn>
+              <a:cxn ang="0">
+                <a:pos x="connsiteX25" y="connsiteY25"/>
+              </a:cxn>
+              <a:cxn ang="0">
+                <a:pos x="connsiteX26" y="connsiteY26"/>
+              </a:cxn>
+              <a:cxn ang="0">
+                <a:pos x="connsiteX27" y="connsiteY27"/>
+              </a:cxn>
+              <a:cxn ang="0">
+                <a:pos x="connsiteX28" y="connsiteY28"/>
+              </a:cxn>
+              <a:cxn ang="0">
+                <a:pos x="connsiteX29" y="connsiteY29"/>
+              </a:cxn>
+              <a:cxn ang="0">
+                <a:pos x="connsiteX30" y="connsiteY30"/>
+              </a:cxn>
+              <a:cxn ang="0">
+                <a:pos x="connsiteX31" y="connsiteY31"/>
+              </a:cxn>
+              <a:cxn ang="0">
+                <a:pos x="connsiteX32" y="connsiteY32"/>
+              </a:cxn>
+              <a:cxn ang="0">
+                <a:pos x="connsiteX33" y="connsiteY33"/>
+              </a:cxn>
+              <a:cxn ang="0">
+                <a:pos x="connsiteX34" y="connsiteY34"/>
+              </a:cxn>
+              <a:cxn ang="0">
+                <a:pos x="connsiteX35" y="connsiteY35"/>
+              </a:cxn>
+              <a:cxn ang="0">
+                <a:pos x="connsiteX36" y="connsiteY36"/>
+              </a:cxn>
+              <a:cxn ang="0">
+                <a:pos x="connsiteX37" y="connsiteY37"/>
+              </a:cxn>
+              <a:cxn ang="0">
+                <a:pos x="connsiteX38" y="connsiteY38"/>
+              </a:cxn>
+              <a:cxn ang="0">
+                <a:pos x="connsiteX39" y="connsiteY39"/>
+              </a:cxn>
+              <a:cxn ang="0">
+                <a:pos x="connsiteX40" y="connsiteY40"/>
+              </a:cxn>
+              <a:cxn ang="0">
+                <a:pos x="connsiteX41" y="connsiteY41"/>
+              </a:cxn>
+              <a:cxn ang="0">
+                <a:pos x="connsiteX42" y="connsiteY42"/>
+              </a:cxn>
+              <a:cxn ang="0">
+                <a:pos x="connsiteX43" y="connsiteY43"/>
+              </a:cxn>
+              <a:cxn ang="0">
+                <a:pos x="connsiteX44" y="connsiteY44"/>
+              </a:cxn>
+              <a:cxn ang="0">
+                <a:pos x="connsiteX45" y="connsiteY45"/>
+              </a:cxn>
+              <a:cxn ang="0">
+                <a:pos x="connsiteX46" y="connsiteY46"/>
+              </a:cxn>
+            </a:cxnLst>
+            <a:rect l="l" t="t" r="r" b="b"/>
+            <a:pathLst>
+              <a:path w="4381009" h="5892104">
+                <a:moveTo>
+                  <a:pt x="0" y="0"/>
+                </a:moveTo>
+                <a:lnTo>
+                  <a:pt x="4157628" y="0"/>
+                </a:lnTo>
+                <a:lnTo>
+                  <a:pt x="4169302" y="68659"/>
+                </a:lnTo>
+                <a:lnTo>
+                  <a:pt x="4191571" y="205472"/>
+                </a:lnTo>
+                <a:lnTo>
+                  <a:pt x="4213368" y="342890"/>
+                </a:lnTo>
+                <a:lnTo>
+                  <a:pt x="4232030" y="480913"/>
+                </a:lnTo>
+                <a:lnTo>
+                  <a:pt x="4250848" y="618332"/>
+                </a:lnTo>
+                <a:lnTo>
+                  <a:pt x="4268412" y="756355"/>
+                </a:lnTo>
+                <a:lnTo>
+                  <a:pt x="4283467" y="892563"/>
+                </a:lnTo>
+                <a:lnTo>
+                  <a:pt x="4297737" y="1030587"/>
+                </a:lnTo>
+                <a:lnTo>
+                  <a:pt x="4310754" y="1168005"/>
+                </a:lnTo>
+                <a:lnTo>
+                  <a:pt x="4322045" y="1303002"/>
+                </a:lnTo>
+                <a:lnTo>
+                  <a:pt x="4333336" y="1439815"/>
+                </a:lnTo>
+                <a:lnTo>
+                  <a:pt x="4342745" y="1574812"/>
+                </a:lnTo>
+                <a:lnTo>
+                  <a:pt x="4350115" y="1709808"/>
+                </a:lnTo>
+                <a:lnTo>
+                  <a:pt x="4357799" y="1844200"/>
+                </a:lnTo>
+                <a:lnTo>
+                  <a:pt x="4364229" y="1977381"/>
+                </a:lnTo>
+                <a:lnTo>
+                  <a:pt x="4368777" y="2109351"/>
+                </a:lnTo>
+                <a:lnTo>
+                  <a:pt x="4372697" y="2241321"/>
+                </a:lnTo>
+                <a:lnTo>
+                  <a:pt x="4376461" y="2372080"/>
+                </a:lnTo>
+                <a:lnTo>
+                  <a:pt x="4378186" y="2501023"/>
+                </a:lnTo>
+                <a:lnTo>
+                  <a:pt x="4380068" y="2629966"/>
+                </a:lnTo>
+                <a:lnTo>
+                  <a:pt x="4381009" y="2757093"/>
+                </a:lnTo>
+                <a:lnTo>
+                  <a:pt x="4380068" y="2883010"/>
+                </a:lnTo>
+                <a:lnTo>
+                  <a:pt x="4380068" y="3007715"/>
+                </a:lnTo>
+                <a:lnTo>
+                  <a:pt x="4378186" y="3131210"/>
+                </a:lnTo>
+                <a:lnTo>
+                  <a:pt x="4375363" y="3252283"/>
+                </a:lnTo>
+                <a:lnTo>
+                  <a:pt x="4372697" y="3372146"/>
+                </a:lnTo>
+                <a:lnTo>
+                  <a:pt x="4369718" y="3489587"/>
+                </a:lnTo>
+                <a:lnTo>
+                  <a:pt x="4365170" y="3606423"/>
+                </a:lnTo>
+                <a:lnTo>
+                  <a:pt x="4360309" y="3721443"/>
+                </a:lnTo>
+                <a:lnTo>
+                  <a:pt x="4355918" y="3834041"/>
+                </a:lnTo>
+                <a:lnTo>
+                  <a:pt x="4343529" y="4053789"/>
+                </a:lnTo>
+                <a:lnTo>
+                  <a:pt x="4330356" y="4264457"/>
+                </a:lnTo>
+                <a:lnTo>
+                  <a:pt x="4316556" y="4466650"/>
+                </a:lnTo>
+                <a:lnTo>
+                  <a:pt x="4301344" y="4657946"/>
+                </a:lnTo>
+                <a:lnTo>
+                  <a:pt x="4285506" y="4840767"/>
+                </a:lnTo>
+                <a:lnTo>
+                  <a:pt x="4268412" y="5010269"/>
+                </a:lnTo>
+                <a:lnTo>
+                  <a:pt x="4251633" y="5169481"/>
+                </a:lnTo>
+                <a:lnTo>
+                  <a:pt x="4234853" y="5315980"/>
+                </a:lnTo>
+                <a:lnTo>
+                  <a:pt x="4219014" y="5450371"/>
+                </a:lnTo>
+                <a:lnTo>
+                  <a:pt x="4203959" y="5569628"/>
+                </a:lnTo>
+                <a:lnTo>
+                  <a:pt x="4189689" y="5677384"/>
+                </a:lnTo>
+                <a:lnTo>
+                  <a:pt x="4177770" y="5768189"/>
+                </a:lnTo>
+                <a:lnTo>
+                  <a:pt x="4166479" y="5844465"/>
+                </a:lnTo>
+                <a:lnTo>
+                  <a:pt x="4159132" y="5892104"/>
+                </a:lnTo>
+                <a:lnTo>
+                  <a:pt x="0" y="5892104"/>
+                </a:lnTo>
+                <a:close/>
+              </a:path>
+            </a:pathLst>
+          </a:custGeom>
+          <a:solidFill>
+            <a:srgbClr val="404040"/>
+          </a:solidFill>
+          <a:ln>
+            <a:noFill/>
+          </a:ln>
+        </p:spPr>
+        <p:style>
+          <a:lnRef idx="2">
+            <a:schemeClr val="accent1">
+              <a:shade val="50000"/>
+            </a:schemeClr>
+          </a:lnRef>
+          <a:fillRef idx="1">
+            <a:schemeClr val="accent1"/>
+          </a:fillRef>
+          <a:effectRef idx="0">
+            <a:schemeClr val="accent1"/>
+          </a:effectRef>
+          <a:fontRef idx="minor">
+            <a:schemeClr val="lt1"/>
+          </a:fontRef>
+        </p:style>
+        <p:txBody>
+          <a:bodyPr wrap="square" rtlCol="0" anchor="ctr">
+            <a:noAutofit/>
+          </a:bodyPr>
+          <a:lstStyle/>
+          <a:p>
+            <a:pPr marL="0" marR="0" lvl="0" indent="0" algn="ctr" defTabSz="457200" rtl="0" eaLnBrk="1" fontAlgn="auto" latinLnBrk="0" hangingPunct="1">
+              <a:lnSpc>
+                <a:spcPct val="100000"/>
+              </a:lnSpc>
+              <a:spcBef>
+                <a:spcPts val="0"/>
+              </a:spcBef>
+              <a:spcAft>
+                <a:spcPts val="0"/>
+              </a:spcAft>
+              <a:buClrTx/>
+              <a:buSzTx/>
+              <a:buFontTx/>
+              <a:buNone/>
+              <a:tabLst/>
+              <a:defRPr/>
+            </a:pPr>
+            <a:endParaRPr kumimoji="0" lang="en-US" sz="1800" b="0" i="0" u="none" strike="noStrike" kern="1200" cap="none" spc="0" normalizeH="0" baseline="0" noProof="0">
+              <a:ln>
+                <a:noFill/>
+              </a:ln>
+              <a:solidFill>
+                <a:prstClr val="white"/>
+              </a:solidFill>
+              <a:effectLst/>
+              <a:uLnTx/>
+              <a:uFillTx/>
+              <a:latin typeface="Calibri" panose="020F0502020204030204"/>
+              <a:ea typeface="+mn-ea"/>
+              <a:cs typeface="+mn-cs"/>
+            </a:endParaRPr>
+          </a:p>
+        </p:txBody>
+      </p:sp>
+      <p:sp>
+        <p:nvSpPr>
           <p:cNvPr id="2" name="Title 1">
             <a:extLst>
               <a:ext uri="{FF2B5EF4-FFF2-40B4-BE49-F238E27FC236}">
@@ -3868,63 +8455,60 @@
             <p:ph type="title"/>
           </p:nvPr>
         </p:nvSpPr>
-        <p:spPr/>
-        <p:txBody>
-          <a:bodyPr/>
-          <a:lstStyle/>
-          <a:p>
-            <a:r>
-              <a:rPr lang="en-GB" dirty="0"/>
-              <a:t>Aims of the project</a:t>
-            </a:r>
-          </a:p>
-        </p:txBody>
-      </p:sp>
-      <p:sp>
-        <p:nvSpPr>
-          <p:cNvPr id="3" name="Content Placeholder 2">
-            <a:extLst>
-              <a:ext uri="{FF2B5EF4-FFF2-40B4-BE49-F238E27FC236}">
-                <a16:creationId xmlns:a16="http://schemas.microsoft.com/office/drawing/2014/main" id="{7388364D-022F-4933-A727-759F3E9606BD}"/>
-              </a:ext>
-            </a:extLst>
-          </p:cNvPr>
-          <p:cNvSpPr>
-            <a:spLocks noGrp="1"/>
-          </p:cNvSpPr>
-          <p:nvPr>
-            <p:ph idx="1"/>
-          </p:nvPr>
-        </p:nvSpPr>
         <p:spPr>
           <a:xfrm>
-            <a:off x="838200" y="1867570"/>
-            <a:ext cx="10515600" cy="4351338"/>
+            <a:off x="863029" y="1012004"/>
+            <a:ext cx="3416158" cy="4795408"/>
           </a:xfrm>
         </p:spPr>
         <p:txBody>
-          <a:bodyPr/>
+          <a:bodyPr>
+            <a:normAutofit/>
+          </a:bodyPr>
           <a:lstStyle/>
           <a:p>
             <a:r>
-              <a:rPr lang="en-GB" dirty="0"/>
-              <a:t>Enhance understanding of the algorithm</a:t>
-            </a:r>
-          </a:p>
-          <a:p>
-            <a:r>
-              <a:rPr lang="en-GB" dirty="0"/>
-              <a:t>Intuitive UI (don’t want users to struggle with the not-useful part)</a:t>
-            </a:r>
-          </a:p>
-          <a:p>
-            <a:r>
-              <a:rPr lang="en-GB" dirty="0"/>
-              <a:t>Versatility/control to the user (custom graphs, speed control)</a:t>
+              <a:rPr lang="en-GB">
+                <a:solidFill>
+                  <a:srgbClr val="FFFFFF"/>
+                </a:solidFill>
+              </a:rPr>
+              <a:t>Aims of the project</a:t>
             </a:r>
           </a:p>
         </p:txBody>
       </p:sp>
+      <p:graphicFrame>
+        <p:nvGraphicFramePr>
+          <p:cNvPr id="12" name="Content Placeholder 2">
+            <a:extLst>
+              <a:ext uri="{FF2B5EF4-FFF2-40B4-BE49-F238E27FC236}">
+                <a16:creationId xmlns:a16="http://schemas.microsoft.com/office/drawing/2014/main" id="{6D6AC4FF-B8C9-4E27-8635-918FF5EE7D53}"/>
+              </a:ext>
+            </a:extLst>
+          </p:cNvPr>
+          <p:cNvGraphicFramePr>
+            <a:graphicFrameLocks noGrp="1"/>
+          </p:cNvGraphicFramePr>
+          <p:nvPr>
+            <p:ph idx="1"/>
+            <p:extLst>
+              <p:ext uri="{D42A27DB-BD31-4B8C-83A1-F6EECF244321}">
+                <p14:modId xmlns:p14="http://schemas.microsoft.com/office/powerpoint/2010/main" val="211374840"/>
+              </p:ext>
+            </p:extLst>
+          </p:nvPr>
+        </p:nvGraphicFramePr>
+        <p:xfrm>
+          <a:off x="5194300" y="470924"/>
+          <a:ext cx="6513604" cy="5885426"/>
+        </p:xfrm>
+        <a:graphic>
+          <a:graphicData uri="http://schemas.openxmlformats.org/drawingml/2006/diagram">
+            <dgm:relIds xmlns:dgm="http://schemas.openxmlformats.org/drawingml/2006/diagram" xmlns:r="http://schemas.openxmlformats.org/officeDocument/2006/relationships" r:dm="rId2" r:lo="rId3" r:qs="rId4" r:cs="rId5"/>
+          </a:graphicData>
+        </a:graphic>
+      </p:graphicFrame>
     </p:spTree>
     <p:extLst>
       <p:ext uri="{BB962C8B-B14F-4D97-AF65-F5344CB8AC3E}">
@@ -4008,18 +8592,9 @@
               <a:buNone/>
             </a:pPr>
             <a:r>
-              <a:rPr lang="en-GB" dirty="0">
-                <a:hlinkClick r:id="rId2"/>
-              </a:rPr>
-              <a:t>https://lmacphail.github.io/l4_project/</a:t>
-            </a:r>
-            <a:endParaRPr lang="en-GB" dirty="0"/>
-          </a:p>
-          <a:p>
-            <a:pPr marL="0" indent="0">
-              <a:buNone/>
-            </a:pPr>
-            <a:endParaRPr lang="en-GB" dirty="0"/>
+              <a:rPr lang="en-GB" dirty="0"/>
+              <a:t>[video]</a:t>
+            </a:r>
           </a:p>
         </p:txBody>
       </p:sp>

--- a/presentation-slides.pptx
+++ b/presentation-slides.pptx
@@ -117,2884 +117,6 @@
     </p:ext>
   </p:extLst>
 </p:presentation>
-</file>
-
-<file path=ppt/diagrams/colors1.xml><?xml version="1.0" encoding="utf-8"?>
-<dgm:colorsDef xmlns:dgm="http://schemas.openxmlformats.org/drawingml/2006/diagram" xmlns:a="http://schemas.openxmlformats.org/drawingml/2006/main" uniqueId="urn:microsoft.com/office/officeart/2018/5/colors/Iconchunking_neutralbg_accent0_3">
-  <dgm:title val=""/>
-  <dgm:desc val=""/>
-  <dgm:catLst>
-    <dgm:cat type="mainScheme" pri="10300"/>
-  </dgm:catLst>
-  <dgm:styleLbl name="node0">
-    <dgm:fillClrLst meth="repeat">
-      <a:schemeClr val="dk2"/>
-    </dgm:fillClrLst>
-    <dgm:linClrLst meth="repeat">
-      <a:schemeClr val="lt2"/>
-    </dgm:linClrLst>
-    <dgm:effectClrLst/>
-    <dgm:txLinClrLst/>
-    <dgm:txFillClrLst/>
-    <dgm:txEffectClrLst/>
-  </dgm:styleLbl>
-  <dgm:styleLbl name="alignNode1">
-    <dgm:fillClrLst meth="repeat">
-      <a:schemeClr val="dk2"/>
-    </dgm:fillClrLst>
-    <dgm:linClrLst meth="repeat">
-      <a:schemeClr val="dk2"/>
-    </dgm:linClrLst>
-    <dgm:effectClrLst/>
-    <dgm:txLinClrLst/>
-    <dgm:txFillClrLst/>
-    <dgm:txEffectClrLst/>
-  </dgm:styleLbl>
-  <dgm:styleLbl name="node1">
-    <dgm:fillClrLst meth="repeat">
-      <a:schemeClr val="dk2"/>
-    </dgm:fillClrLst>
-    <dgm:linClrLst meth="repeat">
-      <a:schemeClr val="lt2">
-        <a:alpha val="0"/>
-      </a:schemeClr>
-    </dgm:linClrLst>
-    <dgm:effectClrLst/>
-    <dgm:txLinClrLst/>
-    <dgm:txFillClrLst/>
-    <dgm:txEffectClrLst/>
-  </dgm:styleLbl>
-  <dgm:styleLbl name="lnNode1">
-    <dgm:fillClrLst meth="repeat">
-      <a:schemeClr val="dk2"/>
-    </dgm:fillClrLst>
-    <dgm:linClrLst meth="repeat">
-      <a:schemeClr val="lt2"/>
-    </dgm:linClrLst>
-    <dgm:effectClrLst/>
-    <dgm:txLinClrLst/>
-    <dgm:txFillClrLst/>
-    <dgm:txEffectClrLst/>
-  </dgm:styleLbl>
-  <dgm:styleLbl name="vennNode1">
-    <dgm:fillClrLst meth="repeat">
-      <a:schemeClr val="dk2">
-        <a:alpha val="50000"/>
-      </a:schemeClr>
-    </dgm:fillClrLst>
-    <dgm:linClrLst meth="repeat">
-      <a:schemeClr val="lt2"/>
-    </dgm:linClrLst>
-    <dgm:effectClrLst/>
-    <dgm:txLinClrLst/>
-    <dgm:txFillClrLst/>
-    <dgm:txEffectClrLst/>
-  </dgm:styleLbl>
-  <dgm:styleLbl name="node2">
-    <dgm:fillClrLst meth="repeat">
-      <a:schemeClr val="dk2"/>
-    </dgm:fillClrLst>
-    <dgm:linClrLst meth="repeat">
-      <a:schemeClr val="lt2"/>
-    </dgm:linClrLst>
-    <dgm:effectClrLst/>
-    <dgm:txLinClrLst/>
-    <dgm:txFillClrLst/>
-    <dgm:txEffectClrLst/>
-  </dgm:styleLbl>
-  <dgm:styleLbl name="node3">
-    <dgm:fillClrLst meth="repeat">
-      <a:schemeClr val="dk2"/>
-    </dgm:fillClrLst>
-    <dgm:linClrLst meth="repeat">
-      <a:schemeClr val="lt2"/>
-    </dgm:linClrLst>
-    <dgm:effectClrLst/>
-    <dgm:txLinClrLst/>
-    <dgm:txFillClrLst/>
-    <dgm:txEffectClrLst/>
-  </dgm:styleLbl>
-  <dgm:styleLbl name="node4">
-    <dgm:fillClrLst meth="repeat">
-      <a:schemeClr val="dk2"/>
-    </dgm:fillClrLst>
-    <dgm:linClrLst meth="repeat">
-      <a:schemeClr val="lt2"/>
-    </dgm:linClrLst>
-    <dgm:effectClrLst/>
-    <dgm:txLinClrLst/>
-    <dgm:txFillClrLst/>
-    <dgm:txEffectClrLst/>
-  </dgm:styleLbl>
-  <dgm:styleLbl name="fgImgPlace1">
-    <dgm:fillClrLst meth="repeat">
-      <a:schemeClr val="dk2">
-        <a:tint val="50000"/>
-      </a:schemeClr>
-    </dgm:fillClrLst>
-    <dgm:linClrLst meth="repeat">
-      <a:schemeClr val="lt2"/>
-    </dgm:linClrLst>
-    <dgm:effectClrLst/>
-    <dgm:txLinClrLst/>
-    <dgm:txFillClrLst meth="repeat">
-      <a:schemeClr val="lt2"/>
-    </dgm:txFillClrLst>
-    <dgm:txEffectClrLst/>
-  </dgm:styleLbl>
-  <dgm:styleLbl name="alignImgPlace1">
-    <dgm:fillClrLst meth="repeat">
-      <a:schemeClr val="dk2">
-        <a:tint val="50000"/>
-      </a:schemeClr>
-    </dgm:fillClrLst>
-    <dgm:linClrLst meth="repeat">
-      <a:schemeClr val="dk2">
-        <a:shade val="80000"/>
-      </a:schemeClr>
-    </dgm:linClrLst>
-    <dgm:effectClrLst/>
-    <dgm:txLinClrLst/>
-    <dgm:txFillClrLst meth="repeat">
-      <a:schemeClr val="lt2"/>
-    </dgm:txFillClrLst>
-    <dgm:txEffectClrLst/>
-  </dgm:styleLbl>
-  <dgm:styleLbl name="bgImgPlace1">
-    <dgm:fillClrLst meth="repeat">
-      <a:schemeClr val="dk2">
-        <a:tint val="50000"/>
-      </a:schemeClr>
-    </dgm:fillClrLst>
-    <dgm:linClrLst meth="repeat">
-      <a:schemeClr val="dk2">
-        <a:shade val="80000"/>
-      </a:schemeClr>
-    </dgm:linClrLst>
-    <dgm:effectClrLst/>
-    <dgm:txLinClrLst/>
-    <dgm:txFillClrLst meth="repeat">
-      <a:schemeClr val="lt2"/>
-    </dgm:txFillClrLst>
-    <dgm:txEffectClrLst/>
-  </dgm:styleLbl>
-  <dgm:styleLbl name="sibTrans2D1">
-    <dgm:fillClrLst meth="repeat">
-      <a:schemeClr val="dk2">
-        <a:tint val="60000"/>
-      </a:schemeClr>
-    </dgm:fillClrLst>
-    <dgm:linClrLst meth="repeat">
-      <a:schemeClr val="dk2">
-        <a:tint val="60000"/>
-      </a:schemeClr>
-    </dgm:linClrLst>
-    <dgm:effectClrLst/>
-    <dgm:txLinClrLst/>
-    <dgm:txFillClrLst/>
-    <dgm:txEffectClrLst/>
-  </dgm:styleLbl>
-  <dgm:styleLbl name="fgSibTrans2D1">
-    <dgm:fillClrLst meth="repeat">
-      <a:schemeClr val="dk2">
-        <a:tint val="60000"/>
-      </a:schemeClr>
-    </dgm:fillClrLst>
-    <dgm:linClrLst meth="repeat">
-      <a:schemeClr val="dk2">
-        <a:tint val="60000"/>
-      </a:schemeClr>
-    </dgm:linClrLst>
-    <dgm:effectClrLst/>
-    <dgm:txLinClrLst/>
-    <dgm:txFillClrLst/>
-    <dgm:txEffectClrLst/>
-  </dgm:styleLbl>
-  <dgm:styleLbl name="bgSibTrans2D1">
-    <dgm:fillClrLst meth="repeat">
-      <a:schemeClr val="dk2">
-        <a:tint val="60000"/>
-      </a:schemeClr>
-    </dgm:fillClrLst>
-    <dgm:linClrLst meth="repeat">
-      <a:schemeClr val="dk2">
-        <a:tint val="60000"/>
-      </a:schemeClr>
-    </dgm:linClrLst>
-    <dgm:effectClrLst/>
-    <dgm:txLinClrLst/>
-    <dgm:txFillClrLst/>
-    <dgm:txEffectClrLst/>
-  </dgm:styleLbl>
-  <dgm:styleLbl name="sibTrans1D1">
-    <dgm:fillClrLst meth="repeat">
-      <a:schemeClr val="dk2"/>
-    </dgm:fillClrLst>
-    <dgm:linClrLst meth="repeat">
-      <a:schemeClr val="dk2"/>
-    </dgm:linClrLst>
-    <dgm:effectClrLst/>
-    <dgm:txLinClrLst/>
-    <dgm:txFillClrLst meth="repeat">
-      <a:schemeClr val="lt2"/>
-    </dgm:txFillClrLst>
-    <dgm:txEffectClrLst/>
-  </dgm:styleLbl>
-  <dgm:styleLbl name="callout">
-    <dgm:fillClrLst meth="repeat">
-      <a:schemeClr val="dk2"/>
-    </dgm:fillClrLst>
-    <dgm:linClrLst meth="repeat">
-      <a:schemeClr val="dk2">
-        <a:tint val="50000"/>
-      </a:schemeClr>
-    </dgm:linClrLst>
-    <dgm:effectClrLst/>
-    <dgm:txLinClrLst/>
-    <dgm:txFillClrLst meth="repeat">
-      <a:schemeClr val="lt2"/>
-    </dgm:txFillClrLst>
-    <dgm:txEffectClrLst/>
-  </dgm:styleLbl>
-  <dgm:styleLbl name="asst0">
-    <dgm:fillClrLst meth="repeat">
-      <a:schemeClr val="dk2"/>
-    </dgm:fillClrLst>
-    <dgm:linClrLst meth="repeat">
-      <a:schemeClr val="lt2"/>
-    </dgm:linClrLst>
-    <dgm:effectClrLst/>
-    <dgm:txLinClrLst/>
-    <dgm:txFillClrLst/>
-    <dgm:txEffectClrLst/>
-  </dgm:styleLbl>
-  <dgm:styleLbl name="asst1">
-    <dgm:fillClrLst meth="repeat">
-      <a:schemeClr val="dk2"/>
-    </dgm:fillClrLst>
-    <dgm:linClrLst meth="repeat">
-      <a:schemeClr val="lt2"/>
-    </dgm:linClrLst>
-    <dgm:effectClrLst/>
-    <dgm:txLinClrLst/>
-    <dgm:txFillClrLst/>
-    <dgm:txEffectClrLst/>
-  </dgm:styleLbl>
-  <dgm:styleLbl name="asst2">
-    <dgm:fillClrLst meth="repeat">
-      <a:schemeClr val="dk2"/>
-    </dgm:fillClrLst>
-    <dgm:linClrLst meth="repeat">
-      <a:schemeClr val="lt2"/>
-    </dgm:linClrLst>
-    <dgm:effectClrLst/>
-    <dgm:txLinClrLst/>
-    <dgm:txFillClrLst/>
-    <dgm:txEffectClrLst/>
-  </dgm:styleLbl>
-  <dgm:styleLbl name="asst3">
-    <dgm:fillClrLst meth="repeat">
-      <a:schemeClr val="dk2"/>
-    </dgm:fillClrLst>
-    <dgm:linClrLst meth="repeat">
-      <a:schemeClr val="lt2"/>
-    </dgm:linClrLst>
-    <dgm:effectClrLst/>
-    <dgm:txLinClrLst/>
-    <dgm:txFillClrLst/>
-    <dgm:txEffectClrLst/>
-  </dgm:styleLbl>
-  <dgm:styleLbl name="asst4">
-    <dgm:fillClrLst meth="repeat">
-      <a:schemeClr val="dk2"/>
-    </dgm:fillClrLst>
-    <dgm:linClrLst meth="repeat">
-      <a:schemeClr val="lt2"/>
-    </dgm:linClrLst>
-    <dgm:effectClrLst/>
-    <dgm:txLinClrLst/>
-    <dgm:txFillClrLst/>
-    <dgm:txEffectClrLst/>
-  </dgm:styleLbl>
-  <dgm:styleLbl name="parChTrans2D1">
-    <dgm:fillClrLst meth="repeat">
-      <a:schemeClr val="dk2">
-        <a:tint val="60000"/>
-      </a:schemeClr>
-    </dgm:fillClrLst>
-    <dgm:linClrLst meth="repeat">
-      <a:schemeClr val="dk2">
-        <a:tint val="60000"/>
-      </a:schemeClr>
-    </dgm:linClrLst>
-    <dgm:effectClrLst/>
-    <dgm:txLinClrLst/>
-    <dgm:txFillClrLst meth="repeat">
-      <a:schemeClr val="lt2"/>
-    </dgm:txFillClrLst>
-    <dgm:txEffectClrLst/>
-  </dgm:styleLbl>
-  <dgm:styleLbl name="parChTrans2D2">
-    <dgm:fillClrLst meth="repeat">
-      <a:schemeClr val="dk2"/>
-    </dgm:fillClrLst>
-    <dgm:linClrLst meth="repeat">
-      <a:schemeClr val="dk2"/>
-    </dgm:linClrLst>
-    <dgm:effectClrLst/>
-    <dgm:txLinClrLst/>
-    <dgm:txFillClrLst meth="repeat">
-      <a:schemeClr val="lt2"/>
-    </dgm:txFillClrLst>
-    <dgm:txEffectClrLst/>
-  </dgm:styleLbl>
-  <dgm:styleLbl name="parChTrans2D3">
-    <dgm:fillClrLst meth="repeat">
-      <a:schemeClr val="dk2"/>
-    </dgm:fillClrLst>
-    <dgm:linClrLst meth="repeat">
-      <a:schemeClr val="dk2"/>
-    </dgm:linClrLst>
-    <dgm:effectClrLst/>
-    <dgm:txLinClrLst/>
-    <dgm:txFillClrLst meth="repeat">
-      <a:schemeClr val="lt2"/>
-    </dgm:txFillClrLst>
-    <dgm:txEffectClrLst/>
-  </dgm:styleLbl>
-  <dgm:styleLbl name="parChTrans2D4">
-    <dgm:fillClrLst meth="repeat">
-      <a:schemeClr val="dk2"/>
-    </dgm:fillClrLst>
-    <dgm:linClrLst meth="repeat">
-      <a:schemeClr val="dk2"/>
-    </dgm:linClrLst>
-    <dgm:effectClrLst/>
-    <dgm:txLinClrLst/>
-    <dgm:txFillClrLst meth="repeat">
-      <a:schemeClr val="lt2"/>
-    </dgm:txFillClrLst>
-    <dgm:txEffectClrLst/>
-  </dgm:styleLbl>
-  <dgm:styleLbl name="parChTrans1D1">
-    <dgm:fillClrLst meth="repeat">
-      <a:schemeClr val="dk2"/>
-    </dgm:fillClrLst>
-    <dgm:linClrLst meth="repeat">
-      <a:schemeClr val="dk2">
-        <a:shade val="60000"/>
-      </a:schemeClr>
-    </dgm:linClrLst>
-    <dgm:effectClrLst/>
-    <dgm:txLinClrLst/>
-    <dgm:txFillClrLst meth="repeat">
-      <a:schemeClr val="tx1"/>
-    </dgm:txFillClrLst>
-    <dgm:txEffectClrLst/>
-  </dgm:styleLbl>
-  <dgm:styleLbl name="parChTrans1D2">
-    <dgm:fillClrLst meth="repeat">
-      <a:schemeClr val="dk2"/>
-    </dgm:fillClrLst>
-    <dgm:linClrLst meth="repeat">
-      <a:schemeClr val="dk2">
-        <a:shade val="60000"/>
-      </a:schemeClr>
-    </dgm:linClrLst>
-    <dgm:effectClrLst/>
-    <dgm:txLinClrLst/>
-    <dgm:txFillClrLst meth="repeat">
-      <a:schemeClr val="tx1"/>
-    </dgm:txFillClrLst>
-    <dgm:txEffectClrLst/>
-  </dgm:styleLbl>
-  <dgm:styleLbl name="parChTrans1D3">
-    <dgm:fillClrLst meth="repeat">
-      <a:schemeClr val="dk2"/>
-    </dgm:fillClrLst>
-    <dgm:linClrLst meth="repeat">
-      <a:schemeClr val="dk2">
-        <a:shade val="80000"/>
-      </a:schemeClr>
-    </dgm:linClrLst>
-    <dgm:effectClrLst/>
-    <dgm:txLinClrLst/>
-    <dgm:txFillClrLst meth="repeat">
-      <a:schemeClr val="tx1"/>
-    </dgm:txFillClrLst>
-    <dgm:txEffectClrLst/>
-  </dgm:styleLbl>
-  <dgm:styleLbl name="parChTrans1D4">
-    <dgm:fillClrLst meth="repeat">
-      <a:schemeClr val="dk2"/>
-    </dgm:fillClrLst>
-    <dgm:linClrLst meth="repeat">
-      <a:schemeClr val="dk2">
-        <a:shade val="80000"/>
-      </a:schemeClr>
-    </dgm:linClrLst>
-    <dgm:effectClrLst/>
-    <dgm:txLinClrLst/>
-    <dgm:txFillClrLst meth="repeat">
-      <a:schemeClr val="tx1"/>
-    </dgm:txFillClrLst>
-    <dgm:txEffectClrLst/>
-  </dgm:styleLbl>
-  <dgm:styleLbl name="fgAcc1">
-    <dgm:fillClrLst meth="repeat">
-      <a:schemeClr val="lt2">
-        <a:alpha val="90000"/>
-      </a:schemeClr>
-    </dgm:fillClrLst>
-    <dgm:linClrLst meth="repeat">
-      <a:schemeClr val="dk2"/>
-    </dgm:linClrLst>
-    <dgm:effectClrLst/>
-    <dgm:txLinClrLst/>
-    <dgm:txFillClrLst meth="repeat">
-      <a:schemeClr val="dk1"/>
-    </dgm:txFillClrLst>
-    <dgm:txEffectClrLst/>
-  </dgm:styleLbl>
-  <dgm:styleLbl name="conFgAcc1">
-    <dgm:fillClrLst meth="repeat">
-      <a:schemeClr val="lt2">
-        <a:alpha val="90000"/>
-      </a:schemeClr>
-    </dgm:fillClrLst>
-    <dgm:linClrLst meth="repeat">
-      <a:schemeClr val="dk2"/>
-    </dgm:linClrLst>
-    <dgm:effectClrLst/>
-    <dgm:txLinClrLst/>
-    <dgm:txFillClrLst meth="repeat">
-      <a:schemeClr val="dk1"/>
-    </dgm:txFillClrLst>
-    <dgm:txEffectClrLst/>
-  </dgm:styleLbl>
-  <dgm:styleLbl name="alignAcc1">
-    <dgm:fillClrLst meth="repeat">
-      <a:schemeClr val="lt2">
-        <a:alpha val="90000"/>
-      </a:schemeClr>
-    </dgm:fillClrLst>
-    <dgm:linClrLst meth="repeat">
-      <a:schemeClr val="dk2"/>
-    </dgm:linClrLst>
-    <dgm:effectClrLst/>
-    <dgm:txLinClrLst/>
-    <dgm:txFillClrLst meth="repeat">
-      <a:schemeClr val="dk1"/>
-    </dgm:txFillClrLst>
-    <dgm:txEffectClrLst/>
-  </dgm:styleLbl>
-  <dgm:styleLbl name="trAlignAcc1">
-    <dgm:fillClrLst meth="repeat">
-      <a:schemeClr val="lt2">
-        <a:alpha val="40000"/>
-      </a:schemeClr>
-    </dgm:fillClrLst>
-    <dgm:linClrLst meth="repeat">
-      <a:schemeClr val="dk2"/>
-    </dgm:linClrLst>
-    <dgm:effectClrLst/>
-    <dgm:txLinClrLst/>
-    <dgm:txFillClrLst meth="repeat">
-      <a:schemeClr val="dk1"/>
-    </dgm:txFillClrLst>
-    <dgm:txEffectClrLst/>
-  </dgm:styleLbl>
-  <dgm:styleLbl name="bgAcc1">
-    <dgm:fillClrLst meth="repeat">
-      <a:schemeClr val="lt2">
-        <a:alpha val="90000"/>
-      </a:schemeClr>
-    </dgm:fillClrLst>
-    <dgm:linClrLst meth="repeat">
-      <a:schemeClr val="dk2"/>
-    </dgm:linClrLst>
-    <dgm:effectClrLst/>
-    <dgm:txLinClrLst/>
-    <dgm:txFillClrLst meth="repeat">
-      <a:schemeClr val="dk1"/>
-    </dgm:txFillClrLst>
-    <dgm:txEffectClrLst/>
-  </dgm:styleLbl>
-  <dgm:styleLbl name="solidFgAcc1">
-    <dgm:fillClrLst meth="repeat">
-      <a:schemeClr val="lt2"/>
-    </dgm:fillClrLst>
-    <dgm:linClrLst meth="repeat">
-      <a:schemeClr val="dk2"/>
-    </dgm:linClrLst>
-    <dgm:effectClrLst/>
-    <dgm:txLinClrLst/>
-    <dgm:txFillClrLst meth="repeat">
-      <a:schemeClr val="dk1"/>
-    </dgm:txFillClrLst>
-    <dgm:txEffectClrLst/>
-  </dgm:styleLbl>
-  <dgm:styleLbl name="solidAlignAcc1">
-    <dgm:fillClrLst meth="repeat">
-      <a:schemeClr val="lt2"/>
-    </dgm:fillClrLst>
-    <dgm:linClrLst meth="repeat">
-      <a:schemeClr val="dk2"/>
-    </dgm:linClrLst>
-    <dgm:effectClrLst/>
-    <dgm:txLinClrLst/>
-    <dgm:txFillClrLst meth="repeat">
-      <a:schemeClr val="dk1"/>
-    </dgm:txFillClrLst>
-    <dgm:txEffectClrLst/>
-  </dgm:styleLbl>
-  <dgm:styleLbl name="solidBgAcc1">
-    <dgm:fillClrLst meth="repeat">
-      <a:schemeClr val="lt2"/>
-    </dgm:fillClrLst>
-    <dgm:linClrLst meth="repeat">
-      <a:schemeClr val="dk2"/>
-    </dgm:linClrLst>
-    <dgm:effectClrLst/>
-    <dgm:txLinClrLst/>
-    <dgm:txFillClrLst meth="repeat">
-      <a:schemeClr val="dk1"/>
-    </dgm:txFillClrLst>
-    <dgm:txEffectClrLst/>
-  </dgm:styleLbl>
-  <dgm:styleLbl name="fgAccFollowNode1">
-    <dgm:fillClrLst meth="repeat">
-      <a:schemeClr val="dk2">
-        <a:alpha val="90000"/>
-        <a:tint val="40000"/>
-      </a:schemeClr>
-    </dgm:fillClrLst>
-    <dgm:linClrLst meth="repeat">
-      <a:schemeClr val="dk2">
-        <a:alpha val="90000"/>
-        <a:tint val="40000"/>
-      </a:schemeClr>
-    </dgm:linClrLst>
-    <dgm:effectClrLst/>
-    <dgm:txLinClrLst/>
-    <dgm:txFillClrLst meth="repeat">
-      <a:schemeClr val="dk1"/>
-    </dgm:txFillClrLst>
-    <dgm:txEffectClrLst/>
-  </dgm:styleLbl>
-  <dgm:styleLbl name="alignAccFollowNode1">
-    <dgm:fillClrLst meth="repeat">
-      <a:schemeClr val="dk2">
-        <a:alpha val="90000"/>
-        <a:tint val="40000"/>
-      </a:schemeClr>
-    </dgm:fillClrLst>
-    <dgm:linClrLst meth="repeat">
-      <a:schemeClr val="dk2">
-        <a:alpha val="90000"/>
-        <a:tint val="40000"/>
-      </a:schemeClr>
-    </dgm:linClrLst>
-    <dgm:effectClrLst/>
-    <dgm:txLinClrLst/>
-    <dgm:txFillClrLst meth="repeat">
-      <a:schemeClr val="dk1"/>
-    </dgm:txFillClrLst>
-    <dgm:txEffectClrLst/>
-  </dgm:styleLbl>
-  <dgm:styleLbl name="bgAccFollowNode1">
-    <dgm:fillClrLst meth="repeat">
-      <a:schemeClr val="dk2">
-        <a:alpha val="90000"/>
-        <a:tint val="40000"/>
-      </a:schemeClr>
-    </dgm:fillClrLst>
-    <dgm:linClrLst meth="repeat">
-      <a:schemeClr val="dk2">
-        <a:alpha val="90000"/>
-        <a:tint val="40000"/>
-      </a:schemeClr>
-    </dgm:linClrLst>
-    <dgm:effectClrLst/>
-    <dgm:txLinClrLst/>
-    <dgm:txFillClrLst meth="repeat">
-      <a:schemeClr val="dk1"/>
-    </dgm:txFillClrLst>
-    <dgm:txEffectClrLst/>
-  </dgm:styleLbl>
-  <dgm:styleLbl name="fgAcc0">
-    <dgm:fillClrLst meth="repeat">
-      <a:schemeClr val="lt2">
-        <a:alpha val="90000"/>
-      </a:schemeClr>
-    </dgm:fillClrLst>
-    <dgm:linClrLst meth="repeat">
-      <a:schemeClr val="dk2"/>
-    </dgm:linClrLst>
-    <dgm:effectClrLst/>
-    <dgm:txLinClrLst/>
-    <dgm:txFillClrLst meth="repeat">
-      <a:schemeClr val="dk1"/>
-    </dgm:txFillClrLst>
-    <dgm:txEffectClrLst/>
-  </dgm:styleLbl>
-  <dgm:styleLbl name="fgAcc2">
-    <dgm:fillClrLst meth="repeat">
-      <a:schemeClr val="lt2">
-        <a:alpha val="90000"/>
-      </a:schemeClr>
-    </dgm:fillClrLst>
-    <dgm:linClrLst meth="repeat">
-      <a:schemeClr val="dk2"/>
-    </dgm:linClrLst>
-    <dgm:effectClrLst/>
-    <dgm:txLinClrLst/>
-    <dgm:txFillClrLst meth="repeat">
-      <a:schemeClr val="dk1"/>
-    </dgm:txFillClrLst>
-    <dgm:txEffectClrLst/>
-  </dgm:styleLbl>
-  <dgm:styleLbl name="fgAcc3">
-    <dgm:fillClrLst meth="repeat">
-      <a:schemeClr val="lt2">
-        <a:alpha val="90000"/>
-      </a:schemeClr>
-    </dgm:fillClrLst>
-    <dgm:linClrLst meth="repeat">
-      <a:schemeClr val="dk2"/>
-    </dgm:linClrLst>
-    <dgm:effectClrLst/>
-    <dgm:txLinClrLst/>
-    <dgm:txFillClrLst meth="repeat">
-      <a:schemeClr val="dk1"/>
-    </dgm:txFillClrLst>
-    <dgm:txEffectClrLst/>
-  </dgm:styleLbl>
-  <dgm:styleLbl name="fgAcc4">
-    <dgm:fillClrLst meth="repeat">
-      <a:schemeClr val="lt2">
-        <a:alpha val="90000"/>
-      </a:schemeClr>
-    </dgm:fillClrLst>
-    <dgm:linClrLst meth="repeat">
-      <a:schemeClr val="dk2"/>
-    </dgm:linClrLst>
-    <dgm:effectClrLst/>
-    <dgm:txLinClrLst/>
-    <dgm:txFillClrLst meth="repeat">
-      <a:schemeClr val="dk1"/>
-    </dgm:txFillClrLst>
-    <dgm:txEffectClrLst/>
-  </dgm:styleLbl>
-  <dgm:styleLbl name="bgShp">
-    <dgm:fillClrLst meth="repeat">
-      <a:schemeClr val="bg1">
-        <a:lumMod val="95000"/>
-      </a:schemeClr>
-    </dgm:fillClrLst>
-    <dgm:linClrLst meth="repeat">
-      <a:schemeClr val="dk2"/>
-    </dgm:linClrLst>
-    <dgm:effectClrLst/>
-    <dgm:txLinClrLst/>
-    <dgm:txFillClrLst meth="repeat">
-      <a:schemeClr val="dk1"/>
-    </dgm:txFillClrLst>
-    <dgm:txEffectClrLst/>
-  </dgm:styleLbl>
-  <dgm:styleLbl name="dkBgShp">
-    <dgm:fillClrLst meth="repeat">
-      <a:schemeClr val="dk2">
-        <a:shade val="80000"/>
-      </a:schemeClr>
-    </dgm:fillClrLst>
-    <dgm:linClrLst meth="repeat">
-      <a:schemeClr val="dk2"/>
-    </dgm:linClrLst>
-    <dgm:effectClrLst/>
-    <dgm:txLinClrLst/>
-    <dgm:txFillClrLst meth="repeat">
-      <a:schemeClr val="lt1"/>
-    </dgm:txFillClrLst>
-    <dgm:txEffectClrLst/>
-  </dgm:styleLbl>
-  <dgm:styleLbl name="trBgShp">
-    <dgm:fillClrLst meth="repeat">
-      <a:schemeClr val="dk2">
-        <a:tint val="50000"/>
-        <a:alpha val="40000"/>
-      </a:schemeClr>
-    </dgm:fillClrLst>
-    <dgm:linClrLst meth="repeat">
-      <a:schemeClr val="dk2"/>
-    </dgm:linClrLst>
-    <dgm:effectClrLst/>
-    <dgm:txLinClrLst/>
-    <dgm:txFillClrLst meth="repeat">
-      <a:schemeClr val="lt1"/>
-    </dgm:txFillClrLst>
-    <dgm:txEffectClrLst/>
-  </dgm:styleLbl>
-  <dgm:styleLbl name="fgShp">
-    <dgm:fillClrLst meth="repeat">
-      <a:schemeClr val="dk2">
-        <a:tint val="60000"/>
-      </a:schemeClr>
-    </dgm:fillClrLst>
-    <dgm:linClrLst meth="repeat">
-      <a:schemeClr val="lt2"/>
-    </dgm:linClrLst>
-    <dgm:effectClrLst/>
-    <dgm:txLinClrLst/>
-    <dgm:txFillClrLst meth="repeat">
-      <a:schemeClr val="dk1"/>
-    </dgm:txFillClrLst>
-    <dgm:txEffectClrLst/>
-  </dgm:styleLbl>
-  <dgm:styleLbl name="revTx">
-    <dgm:fillClrLst meth="repeat">
-      <a:schemeClr val="lt2">
-        <a:alpha val="0"/>
-      </a:schemeClr>
-    </dgm:fillClrLst>
-    <dgm:linClrLst meth="repeat">
-      <a:schemeClr val="dk1">
-        <a:alpha val="0"/>
-      </a:schemeClr>
-    </dgm:linClrLst>
-    <dgm:effectClrLst/>
-    <dgm:txLinClrLst/>
-    <dgm:txFillClrLst meth="repeat">
-      <a:schemeClr val="tx1"/>
-    </dgm:txFillClrLst>
-    <dgm:txEffectClrLst/>
-  </dgm:styleLbl>
-</dgm:colorsDef>
-</file>
-
-<file path=ppt/diagrams/data1.xml><?xml version="1.0" encoding="utf-8"?>
-<dgm:dataModel xmlns:dgm="http://schemas.openxmlformats.org/drawingml/2006/diagram" xmlns:a="http://schemas.openxmlformats.org/drawingml/2006/main">
-  <dgm:ptLst>
-    <dgm:pt modelId="{72ADE088-E18D-4D28-A617-C52D3CCCFAEA}" type="doc">
-      <dgm:prSet loTypeId="urn:microsoft.com/office/officeart/2018/2/layout/IconVerticalSolidList" loCatId="icon" qsTypeId="urn:microsoft.com/office/officeart/2005/8/quickstyle/simple1" qsCatId="simple" csTypeId="urn:microsoft.com/office/officeart/2018/5/colors/Iconchunking_neutralbg_accent0_3" csCatId="mainScheme" phldr="1"/>
-      <dgm:spPr/>
-      <dgm:t>
-        <a:bodyPr/>
-        <a:lstStyle/>
-        <a:p>
-          <a:endParaRPr lang="en-US"/>
-        </a:p>
-      </dgm:t>
-    </dgm:pt>
-    <dgm:pt modelId="{D4153E79-C6CA-490D-B9E6-939721A6ED2B}">
-      <dgm:prSet/>
-      <dgm:spPr/>
-      <dgm:t>
-        <a:bodyPr/>
-        <a:lstStyle/>
-        <a:p>
-          <a:r>
-            <a:rPr lang="en-GB"/>
-            <a:t>Teaching/Learning tool</a:t>
-          </a:r>
-          <a:endParaRPr lang="en-US"/>
-        </a:p>
-      </dgm:t>
-    </dgm:pt>
-    <dgm:pt modelId="{42D4F664-5CE8-4689-9690-1B4BC6D1CA84}" type="parTrans" cxnId="{94CE55C1-125B-4E2C-ACB1-9D55681E99C7}">
-      <dgm:prSet/>
-      <dgm:spPr/>
-      <dgm:t>
-        <a:bodyPr/>
-        <a:lstStyle/>
-        <a:p>
-          <a:endParaRPr lang="en-US"/>
-        </a:p>
-      </dgm:t>
-    </dgm:pt>
-    <dgm:pt modelId="{90F71957-3217-4179-9F41-B1464A1CDCC0}" type="sibTrans" cxnId="{94CE55C1-125B-4E2C-ACB1-9D55681E99C7}">
-      <dgm:prSet/>
-      <dgm:spPr/>
-      <dgm:t>
-        <a:bodyPr/>
-        <a:lstStyle/>
-        <a:p>
-          <a:endParaRPr lang="en-US"/>
-        </a:p>
-      </dgm:t>
-    </dgm:pt>
-    <dgm:pt modelId="{CA619A36-1763-4F38-BBA4-E3F6D0E8486C}">
-      <dgm:prSet/>
-      <dgm:spPr/>
-      <dgm:t>
-        <a:bodyPr/>
-        <a:lstStyle/>
-        <a:p>
-          <a:r>
-            <a:rPr lang="en-GB"/>
-            <a:t>Intuitive UI </a:t>
-          </a:r>
-          <a:endParaRPr lang="en-US"/>
-        </a:p>
-      </dgm:t>
-    </dgm:pt>
-    <dgm:pt modelId="{10EAE7B0-8322-4BA2-99D1-41F49C573103}" type="parTrans" cxnId="{BD420A74-657D-4617-865E-6DD969E24287}">
-      <dgm:prSet/>
-      <dgm:spPr/>
-      <dgm:t>
-        <a:bodyPr/>
-        <a:lstStyle/>
-        <a:p>
-          <a:endParaRPr lang="en-US"/>
-        </a:p>
-      </dgm:t>
-    </dgm:pt>
-    <dgm:pt modelId="{63E331BF-26A4-4608-A4D6-8B7CF7F9BDD0}" type="sibTrans" cxnId="{BD420A74-657D-4617-865E-6DD969E24287}">
-      <dgm:prSet/>
-      <dgm:spPr/>
-      <dgm:t>
-        <a:bodyPr/>
-        <a:lstStyle/>
-        <a:p>
-          <a:endParaRPr lang="en-US"/>
-        </a:p>
-      </dgm:t>
-    </dgm:pt>
-    <dgm:pt modelId="{1FCFF7A9-1B45-48B7-8236-CAE81BDEFDC7}">
-      <dgm:prSet/>
-      <dgm:spPr/>
-      <dgm:t>
-        <a:bodyPr/>
-        <a:lstStyle/>
-        <a:p>
-          <a:r>
-            <a:rPr lang="en-GB"/>
-            <a:t>Versatility/control to the user</a:t>
-          </a:r>
-          <a:endParaRPr lang="en-US"/>
-        </a:p>
-      </dgm:t>
-    </dgm:pt>
-    <dgm:pt modelId="{B74D361A-6C9A-41F2-A708-0BD5D73009D5}" type="parTrans" cxnId="{EABE1185-E109-4F97-AA3D-9E5A8134538A}">
-      <dgm:prSet/>
-      <dgm:spPr/>
-      <dgm:t>
-        <a:bodyPr/>
-        <a:lstStyle/>
-        <a:p>
-          <a:endParaRPr lang="en-US"/>
-        </a:p>
-      </dgm:t>
-    </dgm:pt>
-    <dgm:pt modelId="{76F6CEA6-93A2-4199-AD66-DFC67080C666}" type="sibTrans" cxnId="{EABE1185-E109-4F97-AA3D-9E5A8134538A}">
-      <dgm:prSet/>
-      <dgm:spPr/>
-      <dgm:t>
-        <a:bodyPr/>
-        <a:lstStyle/>
-        <a:p>
-          <a:endParaRPr lang="en-US"/>
-        </a:p>
-      </dgm:t>
-    </dgm:pt>
-    <dgm:pt modelId="{98210746-A6CA-4440-A45A-2013BEB4CA2C}" type="pres">
-      <dgm:prSet presAssocID="{72ADE088-E18D-4D28-A617-C52D3CCCFAEA}" presName="root" presStyleCnt="0">
-        <dgm:presLayoutVars>
-          <dgm:dir/>
-          <dgm:resizeHandles val="exact"/>
-        </dgm:presLayoutVars>
-      </dgm:prSet>
-      <dgm:spPr/>
-    </dgm:pt>
-    <dgm:pt modelId="{42A3AAD6-3940-4A00-974E-8D97BF2AB910}" type="pres">
-      <dgm:prSet presAssocID="{D4153E79-C6CA-490D-B9E6-939721A6ED2B}" presName="compNode" presStyleCnt="0"/>
-      <dgm:spPr/>
-    </dgm:pt>
-    <dgm:pt modelId="{B37BE549-548A-4142-B701-DC9583868FB2}" type="pres">
-      <dgm:prSet presAssocID="{D4153E79-C6CA-490D-B9E6-939721A6ED2B}" presName="bgRect" presStyleLbl="bgShp" presStyleIdx="0" presStyleCnt="3"/>
-      <dgm:spPr/>
-    </dgm:pt>
-    <dgm:pt modelId="{BD16894B-2431-41D1-8B04-113B15955E91}" type="pres">
-      <dgm:prSet presAssocID="{D4153E79-C6CA-490D-B9E6-939721A6ED2B}" presName="iconRect" presStyleLbl="node1" presStyleIdx="0" presStyleCnt="3"/>
-      <dgm:spPr>
-        <a:blipFill>
-          <a:blip xmlns:r="http://schemas.openxmlformats.org/officeDocument/2006/relationships" r:embed="rId1">
-            <a:extLst>
-              <a:ext uri="{28A0092B-C50C-407E-A947-70E740481C1C}">
-                <a14:useLocalDpi xmlns:a14="http://schemas.microsoft.com/office/drawing/2010/main" val="0"/>
-              </a:ext>
-              <a:ext uri="{96DAC541-7B7A-43D3-8B79-37D633B846F1}">
-                <asvg:svgBlip xmlns:asvg="http://schemas.microsoft.com/office/drawing/2016/SVG/main" r:embed="rId2"/>
-              </a:ext>
-            </a:extLst>
-          </a:blip>
-          <a:stretch>
-            <a:fillRect/>
-          </a:stretch>
-        </a:blipFill>
-        <a:ln>
-          <a:noFill/>
-        </a:ln>
-      </dgm:spPr>
-      <dgm:extLst>
-        <a:ext uri="{E40237B7-FDA0-4F09-8148-C483321AD2D9}">
-          <dgm14:cNvPr xmlns:dgm14="http://schemas.microsoft.com/office/drawing/2010/diagram" id="0" name="" descr="Classroom"/>
-        </a:ext>
-      </dgm:extLst>
-    </dgm:pt>
-    <dgm:pt modelId="{EA2BAF1A-7214-4726-8821-0634EA544CAF}" type="pres">
-      <dgm:prSet presAssocID="{D4153E79-C6CA-490D-B9E6-939721A6ED2B}" presName="spaceRect" presStyleCnt="0"/>
-      <dgm:spPr/>
-    </dgm:pt>
-    <dgm:pt modelId="{6144A311-3351-4D21-B869-865C83060DEE}" type="pres">
-      <dgm:prSet presAssocID="{D4153E79-C6CA-490D-B9E6-939721A6ED2B}" presName="parTx" presStyleLbl="revTx" presStyleIdx="0" presStyleCnt="3">
-        <dgm:presLayoutVars>
-          <dgm:chMax val="0"/>
-          <dgm:chPref val="0"/>
-        </dgm:presLayoutVars>
-      </dgm:prSet>
-      <dgm:spPr/>
-    </dgm:pt>
-    <dgm:pt modelId="{2703E319-EFFC-4969-B150-7D8CC7689E42}" type="pres">
-      <dgm:prSet presAssocID="{90F71957-3217-4179-9F41-B1464A1CDCC0}" presName="sibTrans" presStyleCnt="0"/>
-      <dgm:spPr/>
-    </dgm:pt>
-    <dgm:pt modelId="{7C7CA3D4-2538-4B50-8009-397782F8116C}" type="pres">
-      <dgm:prSet presAssocID="{CA619A36-1763-4F38-BBA4-E3F6D0E8486C}" presName="compNode" presStyleCnt="0"/>
-      <dgm:spPr/>
-    </dgm:pt>
-    <dgm:pt modelId="{D014E90A-54B9-4E34-B1B9-C22D3C7BD3E6}" type="pres">
-      <dgm:prSet presAssocID="{CA619A36-1763-4F38-BBA4-E3F6D0E8486C}" presName="bgRect" presStyleLbl="bgShp" presStyleIdx="1" presStyleCnt="3"/>
-      <dgm:spPr/>
-    </dgm:pt>
-    <dgm:pt modelId="{63158641-D62D-4D09-86F6-798B1746D1B1}" type="pres">
-      <dgm:prSet presAssocID="{CA619A36-1763-4F38-BBA4-E3F6D0E8486C}" presName="iconRect" presStyleLbl="node1" presStyleIdx="1" presStyleCnt="3"/>
-      <dgm:spPr>
-        <a:blipFill>
-          <a:blip xmlns:r="http://schemas.openxmlformats.org/officeDocument/2006/relationships" r:embed="rId3">
-            <a:extLst>
-              <a:ext uri="{28A0092B-C50C-407E-A947-70E740481C1C}">
-                <a14:useLocalDpi xmlns:a14="http://schemas.microsoft.com/office/drawing/2010/main" val="0"/>
-              </a:ext>
-              <a:ext uri="{96DAC541-7B7A-43D3-8B79-37D633B846F1}">
-                <asvg:svgBlip xmlns:asvg="http://schemas.microsoft.com/office/drawing/2016/SVG/main" r:embed="rId4"/>
-              </a:ext>
-            </a:extLst>
-          </a:blip>
-          <a:stretch>
-            <a:fillRect/>
-          </a:stretch>
-        </a:blipFill>
-        <a:ln>
-          <a:noFill/>
-        </a:ln>
-      </dgm:spPr>
-      <dgm:extLst>
-        <a:ext uri="{E40237B7-FDA0-4F09-8148-C483321AD2D9}">
-          <dgm14:cNvPr xmlns:dgm14="http://schemas.microsoft.com/office/drawing/2010/diagram" id="0" name="" descr="Maximize"/>
-        </a:ext>
-      </dgm:extLst>
-    </dgm:pt>
-    <dgm:pt modelId="{26021E75-11A2-4456-81A4-56737556A911}" type="pres">
-      <dgm:prSet presAssocID="{CA619A36-1763-4F38-BBA4-E3F6D0E8486C}" presName="spaceRect" presStyleCnt="0"/>
-      <dgm:spPr/>
-    </dgm:pt>
-    <dgm:pt modelId="{436B5D17-0034-47F4-BF68-BECDA14AA0A0}" type="pres">
-      <dgm:prSet presAssocID="{CA619A36-1763-4F38-BBA4-E3F6D0E8486C}" presName="parTx" presStyleLbl="revTx" presStyleIdx="1" presStyleCnt="3">
-        <dgm:presLayoutVars>
-          <dgm:chMax val="0"/>
-          <dgm:chPref val="0"/>
-        </dgm:presLayoutVars>
-      </dgm:prSet>
-      <dgm:spPr/>
-    </dgm:pt>
-    <dgm:pt modelId="{9DF4EB2E-4968-456B-A512-9214BAF1FF33}" type="pres">
-      <dgm:prSet presAssocID="{63E331BF-26A4-4608-A4D6-8B7CF7F9BDD0}" presName="sibTrans" presStyleCnt="0"/>
-      <dgm:spPr/>
-    </dgm:pt>
-    <dgm:pt modelId="{7AD05E95-E815-49D0-876F-29E8A116B330}" type="pres">
-      <dgm:prSet presAssocID="{1FCFF7A9-1B45-48B7-8236-CAE81BDEFDC7}" presName="compNode" presStyleCnt="0"/>
-      <dgm:spPr/>
-    </dgm:pt>
-    <dgm:pt modelId="{37C69B4C-5152-4957-8963-96632EF2E108}" type="pres">
-      <dgm:prSet presAssocID="{1FCFF7A9-1B45-48B7-8236-CAE81BDEFDC7}" presName="bgRect" presStyleLbl="bgShp" presStyleIdx="2" presStyleCnt="3"/>
-      <dgm:spPr/>
-    </dgm:pt>
-    <dgm:pt modelId="{7F8D9B6A-AA12-4164-A9A0-DFBD0A40AFCF}" type="pres">
-      <dgm:prSet presAssocID="{1FCFF7A9-1B45-48B7-8236-CAE81BDEFDC7}" presName="iconRect" presStyleLbl="node1" presStyleIdx="2" presStyleCnt="3"/>
-      <dgm:spPr>
-        <a:blipFill>
-          <a:blip xmlns:r="http://schemas.openxmlformats.org/officeDocument/2006/relationships" r:embed="rId5">
-            <a:extLst>
-              <a:ext uri="{28A0092B-C50C-407E-A947-70E740481C1C}">
-                <a14:useLocalDpi xmlns:a14="http://schemas.microsoft.com/office/drawing/2010/main" val="0"/>
-              </a:ext>
-              <a:ext uri="{96DAC541-7B7A-43D3-8B79-37D633B846F1}">
-                <asvg:svgBlip xmlns:asvg="http://schemas.microsoft.com/office/drawing/2016/SVG/main" r:embed="rId6"/>
-              </a:ext>
-            </a:extLst>
-          </a:blip>
-          <a:stretch>
-            <a:fillRect/>
-          </a:stretch>
-        </a:blipFill>
-        <a:ln>
-          <a:noFill/>
-        </a:ln>
-      </dgm:spPr>
-      <dgm:extLst>
-        <a:ext uri="{E40237B7-FDA0-4F09-8148-C483321AD2D9}">
-          <dgm14:cNvPr xmlns:dgm14="http://schemas.microsoft.com/office/drawing/2010/diagram" id="0" name="" descr="User"/>
-        </a:ext>
-      </dgm:extLst>
-    </dgm:pt>
-    <dgm:pt modelId="{CD715C7D-8847-49D9-A8AF-C4AA7B3811A1}" type="pres">
-      <dgm:prSet presAssocID="{1FCFF7A9-1B45-48B7-8236-CAE81BDEFDC7}" presName="spaceRect" presStyleCnt="0"/>
-      <dgm:spPr/>
-    </dgm:pt>
-    <dgm:pt modelId="{F539BFD9-8720-4269-8460-213D1E245F44}" type="pres">
-      <dgm:prSet presAssocID="{1FCFF7A9-1B45-48B7-8236-CAE81BDEFDC7}" presName="parTx" presStyleLbl="revTx" presStyleIdx="2" presStyleCnt="3">
-        <dgm:presLayoutVars>
-          <dgm:chMax val="0"/>
-          <dgm:chPref val="0"/>
-        </dgm:presLayoutVars>
-      </dgm:prSet>
-      <dgm:spPr/>
-    </dgm:pt>
-  </dgm:ptLst>
-  <dgm:cxnLst>
-    <dgm:cxn modelId="{DFE53C2A-2A45-4222-A4E3-D37FC0B4DC69}" type="presOf" srcId="{1FCFF7A9-1B45-48B7-8236-CAE81BDEFDC7}" destId="{F539BFD9-8720-4269-8460-213D1E245F44}" srcOrd="0" destOrd="0" presId="urn:microsoft.com/office/officeart/2018/2/layout/IconVerticalSolidList"/>
-    <dgm:cxn modelId="{BD420A74-657D-4617-865E-6DD969E24287}" srcId="{72ADE088-E18D-4D28-A617-C52D3CCCFAEA}" destId="{CA619A36-1763-4F38-BBA4-E3F6D0E8486C}" srcOrd="1" destOrd="0" parTransId="{10EAE7B0-8322-4BA2-99D1-41F49C573103}" sibTransId="{63E331BF-26A4-4608-A4D6-8B7CF7F9BDD0}"/>
-    <dgm:cxn modelId="{B1280181-AEEB-41E7-83E2-41AB34A3F4A8}" type="presOf" srcId="{72ADE088-E18D-4D28-A617-C52D3CCCFAEA}" destId="{98210746-A6CA-4440-A45A-2013BEB4CA2C}" srcOrd="0" destOrd="0" presId="urn:microsoft.com/office/officeart/2018/2/layout/IconVerticalSolidList"/>
-    <dgm:cxn modelId="{EABE1185-E109-4F97-AA3D-9E5A8134538A}" srcId="{72ADE088-E18D-4D28-A617-C52D3CCCFAEA}" destId="{1FCFF7A9-1B45-48B7-8236-CAE81BDEFDC7}" srcOrd="2" destOrd="0" parTransId="{B74D361A-6C9A-41F2-A708-0BD5D73009D5}" sibTransId="{76F6CEA6-93A2-4199-AD66-DFC67080C666}"/>
-    <dgm:cxn modelId="{94CE55C1-125B-4E2C-ACB1-9D55681E99C7}" srcId="{72ADE088-E18D-4D28-A617-C52D3CCCFAEA}" destId="{D4153E79-C6CA-490D-B9E6-939721A6ED2B}" srcOrd="0" destOrd="0" parTransId="{42D4F664-5CE8-4689-9690-1B4BC6D1CA84}" sibTransId="{90F71957-3217-4179-9F41-B1464A1CDCC0}"/>
-    <dgm:cxn modelId="{F80E47DE-F8EA-41FE-988E-EADC6B29062C}" type="presOf" srcId="{D4153E79-C6CA-490D-B9E6-939721A6ED2B}" destId="{6144A311-3351-4D21-B869-865C83060DEE}" srcOrd="0" destOrd="0" presId="urn:microsoft.com/office/officeart/2018/2/layout/IconVerticalSolidList"/>
-    <dgm:cxn modelId="{FCB2E6F5-2EC8-4D6D-92B2-65CC1D44AC4E}" type="presOf" srcId="{CA619A36-1763-4F38-BBA4-E3F6D0E8486C}" destId="{436B5D17-0034-47F4-BF68-BECDA14AA0A0}" srcOrd="0" destOrd="0" presId="urn:microsoft.com/office/officeart/2018/2/layout/IconVerticalSolidList"/>
-    <dgm:cxn modelId="{230B9034-6CAC-4387-9B6A-CD450DEBB24C}" type="presParOf" srcId="{98210746-A6CA-4440-A45A-2013BEB4CA2C}" destId="{42A3AAD6-3940-4A00-974E-8D97BF2AB910}" srcOrd="0" destOrd="0" presId="urn:microsoft.com/office/officeart/2018/2/layout/IconVerticalSolidList"/>
-    <dgm:cxn modelId="{D508A017-2866-44E8-9BBF-E470201E50E9}" type="presParOf" srcId="{42A3AAD6-3940-4A00-974E-8D97BF2AB910}" destId="{B37BE549-548A-4142-B701-DC9583868FB2}" srcOrd="0" destOrd="0" presId="urn:microsoft.com/office/officeart/2018/2/layout/IconVerticalSolidList"/>
-    <dgm:cxn modelId="{CE83D08E-D684-4942-A672-7BF7BC59B5C4}" type="presParOf" srcId="{42A3AAD6-3940-4A00-974E-8D97BF2AB910}" destId="{BD16894B-2431-41D1-8B04-113B15955E91}" srcOrd="1" destOrd="0" presId="urn:microsoft.com/office/officeart/2018/2/layout/IconVerticalSolidList"/>
-    <dgm:cxn modelId="{E5C5BD9C-E164-4A93-B920-2C6DD2DFB517}" type="presParOf" srcId="{42A3AAD6-3940-4A00-974E-8D97BF2AB910}" destId="{EA2BAF1A-7214-4726-8821-0634EA544CAF}" srcOrd="2" destOrd="0" presId="urn:microsoft.com/office/officeart/2018/2/layout/IconVerticalSolidList"/>
-    <dgm:cxn modelId="{02C621D9-38EC-41C0-9496-E3C49CABE4E7}" type="presParOf" srcId="{42A3AAD6-3940-4A00-974E-8D97BF2AB910}" destId="{6144A311-3351-4D21-B869-865C83060DEE}" srcOrd="3" destOrd="0" presId="urn:microsoft.com/office/officeart/2018/2/layout/IconVerticalSolidList"/>
-    <dgm:cxn modelId="{F92D0DA9-5BB7-40FD-A38C-67E5FA74E58A}" type="presParOf" srcId="{98210746-A6CA-4440-A45A-2013BEB4CA2C}" destId="{2703E319-EFFC-4969-B150-7D8CC7689E42}" srcOrd="1" destOrd="0" presId="urn:microsoft.com/office/officeart/2018/2/layout/IconVerticalSolidList"/>
-    <dgm:cxn modelId="{31FA1908-DB9C-4383-AF8F-9E69B0A5BF98}" type="presParOf" srcId="{98210746-A6CA-4440-A45A-2013BEB4CA2C}" destId="{7C7CA3D4-2538-4B50-8009-397782F8116C}" srcOrd="2" destOrd="0" presId="urn:microsoft.com/office/officeart/2018/2/layout/IconVerticalSolidList"/>
-    <dgm:cxn modelId="{BCABC262-64A8-4B1B-9D70-90C951815CF6}" type="presParOf" srcId="{7C7CA3D4-2538-4B50-8009-397782F8116C}" destId="{D014E90A-54B9-4E34-B1B9-C22D3C7BD3E6}" srcOrd="0" destOrd="0" presId="urn:microsoft.com/office/officeart/2018/2/layout/IconVerticalSolidList"/>
-    <dgm:cxn modelId="{A3DC3B0B-0C60-41F2-8CB7-943F2F985A0F}" type="presParOf" srcId="{7C7CA3D4-2538-4B50-8009-397782F8116C}" destId="{63158641-D62D-4D09-86F6-798B1746D1B1}" srcOrd="1" destOrd="0" presId="urn:microsoft.com/office/officeart/2018/2/layout/IconVerticalSolidList"/>
-    <dgm:cxn modelId="{05989D72-2824-4F5E-8F0F-0EE6A20ADA94}" type="presParOf" srcId="{7C7CA3D4-2538-4B50-8009-397782F8116C}" destId="{26021E75-11A2-4456-81A4-56737556A911}" srcOrd="2" destOrd="0" presId="urn:microsoft.com/office/officeart/2018/2/layout/IconVerticalSolidList"/>
-    <dgm:cxn modelId="{CD8B3626-0E79-4E00-955F-1914265F5FF8}" type="presParOf" srcId="{7C7CA3D4-2538-4B50-8009-397782F8116C}" destId="{436B5D17-0034-47F4-BF68-BECDA14AA0A0}" srcOrd="3" destOrd="0" presId="urn:microsoft.com/office/officeart/2018/2/layout/IconVerticalSolidList"/>
-    <dgm:cxn modelId="{C39BC357-83A2-47F4-999C-7187FCDFC294}" type="presParOf" srcId="{98210746-A6CA-4440-A45A-2013BEB4CA2C}" destId="{9DF4EB2E-4968-456B-A512-9214BAF1FF33}" srcOrd="3" destOrd="0" presId="urn:microsoft.com/office/officeart/2018/2/layout/IconVerticalSolidList"/>
-    <dgm:cxn modelId="{56A6BE05-1465-4520-9497-25DF61EFADE8}" type="presParOf" srcId="{98210746-A6CA-4440-A45A-2013BEB4CA2C}" destId="{7AD05E95-E815-49D0-876F-29E8A116B330}" srcOrd="4" destOrd="0" presId="urn:microsoft.com/office/officeart/2018/2/layout/IconVerticalSolidList"/>
-    <dgm:cxn modelId="{A89B3485-882C-4F53-825A-B9EA3ECCDC64}" type="presParOf" srcId="{7AD05E95-E815-49D0-876F-29E8A116B330}" destId="{37C69B4C-5152-4957-8963-96632EF2E108}" srcOrd="0" destOrd="0" presId="urn:microsoft.com/office/officeart/2018/2/layout/IconVerticalSolidList"/>
-    <dgm:cxn modelId="{0175DE75-1FD5-4103-B1DD-FA3434354DBB}" type="presParOf" srcId="{7AD05E95-E815-49D0-876F-29E8A116B330}" destId="{7F8D9B6A-AA12-4164-A9A0-DFBD0A40AFCF}" srcOrd="1" destOrd="0" presId="urn:microsoft.com/office/officeart/2018/2/layout/IconVerticalSolidList"/>
-    <dgm:cxn modelId="{21B5B584-DCD7-462D-8CFB-083108C36031}" type="presParOf" srcId="{7AD05E95-E815-49D0-876F-29E8A116B330}" destId="{CD715C7D-8847-49D9-A8AF-C4AA7B3811A1}" srcOrd="2" destOrd="0" presId="urn:microsoft.com/office/officeart/2018/2/layout/IconVerticalSolidList"/>
-    <dgm:cxn modelId="{F88D1D08-E389-49C9-9324-807A13BFC152}" type="presParOf" srcId="{7AD05E95-E815-49D0-876F-29E8A116B330}" destId="{F539BFD9-8720-4269-8460-213D1E245F44}" srcOrd="3" destOrd="0" presId="urn:microsoft.com/office/officeart/2018/2/layout/IconVerticalSolidList"/>
-  </dgm:cxnLst>
-  <dgm:bg/>
-  <dgm:whole/>
-  <dgm:extLst>
-    <a:ext uri="http://schemas.microsoft.com/office/drawing/2008/diagram">
-      <dsp:dataModelExt xmlns:dsp="http://schemas.microsoft.com/office/drawing/2008/diagram" relId="rId6" minVer="http://schemas.openxmlformats.org/drawingml/2006/diagram"/>
-    </a:ext>
-  </dgm:extLst>
-</dgm:dataModel>
-</file>
-
-<file path=ppt/diagrams/drawing1.xml><?xml version="1.0" encoding="utf-8"?>
-<dsp:drawing xmlns:dgm="http://schemas.openxmlformats.org/drawingml/2006/diagram" xmlns:dsp="http://schemas.microsoft.com/office/drawing/2008/diagram" xmlns:a="http://schemas.openxmlformats.org/drawingml/2006/main">
-  <dsp:spTree>
-    <dsp:nvGrpSpPr>
-      <dsp:cNvPr id="0" name=""/>
-      <dsp:cNvGrpSpPr/>
-    </dsp:nvGrpSpPr>
-    <dsp:grpSpPr/>
-    <dsp:sp modelId="{B37BE549-548A-4142-B701-DC9583868FB2}">
-      <dsp:nvSpPr>
-        <dsp:cNvPr id="0" name=""/>
-        <dsp:cNvSpPr/>
-      </dsp:nvSpPr>
-      <dsp:spPr>
-        <a:xfrm>
-          <a:off x="0" y="718"/>
-          <a:ext cx="6513603" cy="1681139"/>
-        </a:xfrm>
-        <a:prstGeom prst="roundRect">
-          <a:avLst>
-            <a:gd name="adj" fmla="val 10000"/>
-          </a:avLst>
-        </a:prstGeom>
-        <a:solidFill>
-          <a:schemeClr val="bg1">
-            <a:lumMod val="95000"/>
-            <a:hueOff val="0"/>
-            <a:satOff val="0"/>
-            <a:lumOff val="0"/>
-            <a:alphaOff val="0"/>
-          </a:schemeClr>
-        </a:solidFill>
-        <a:ln>
-          <a:noFill/>
-        </a:ln>
-        <a:effectLst/>
-      </dsp:spPr>
-      <dsp:style>
-        <a:lnRef idx="0">
-          <a:scrgbClr r="0" g="0" b="0"/>
-        </a:lnRef>
-        <a:fillRef idx="1">
-          <a:scrgbClr r="0" g="0" b="0"/>
-        </a:fillRef>
-        <a:effectRef idx="0">
-          <a:scrgbClr r="0" g="0" b="0"/>
-        </a:effectRef>
-        <a:fontRef idx="minor"/>
-      </dsp:style>
-    </dsp:sp>
-    <dsp:sp modelId="{BD16894B-2431-41D1-8B04-113B15955E91}">
-      <dsp:nvSpPr>
-        <dsp:cNvPr id="0" name=""/>
-        <dsp:cNvSpPr/>
-      </dsp:nvSpPr>
-      <dsp:spPr>
-        <a:xfrm>
-          <a:off x="508544" y="378974"/>
-          <a:ext cx="924626" cy="924626"/>
-        </a:xfrm>
-        <a:prstGeom prst="rect">
-          <a:avLst/>
-        </a:prstGeom>
-        <a:blipFill>
-          <a:blip xmlns:r="http://schemas.openxmlformats.org/officeDocument/2006/relationships" r:embed="rId1">
-            <a:extLst>
-              <a:ext uri="{28A0092B-C50C-407E-A947-70E740481C1C}">
-                <a14:useLocalDpi xmlns:a14="http://schemas.microsoft.com/office/drawing/2010/main" val="0"/>
-              </a:ext>
-              <a:ext uri="{96DAC541-7B7A-43D3-8B79-37D633B846F1}">
-                <asvg:svgBlip xmlns:asvg="http://schemas.microsoft.com/office/drawing/2016/SVG/main" r:embed="rId2"/>
-              </a:ext>
-            </a:extLst>
-          </a:blip>
-          <a:stretch>
-            <a:fillRect/>
-          </a:stretch>
-        </a:blipFill>
-        <a:ln w="12700" cap="flat" cmpd="sng" algn="ctr">
-          <a:noFill/>
-          <a:prstDash val="solid"/>
-          <a:miter lim="800000"/>
-        </a:ln>
-        <a:effectLst/>
-      </dsp:spPr>
-      <dsp:style>
-        <a:lnRef idx="2">
-          <a:scrgbClr r="0" g="0" b="0"/>
-        </a:lnRef>
-        <a:fillRef idx="1">
-          <a:scrgbClr r="0" g="0" b="0"/>
-        </a:fillRef>
-        <a:effectRef idx="0">
-          <a:scrgbClr r="0" g="0" b="0"/>
-        </a:effectRef>
-        <a:fontRef idx="minor">
-          <a:schemeClr val="lt1"/>
-        </a:fontRef>
-      </dsp:style>
-    </dsp:sp>
-    <dsp:sp modelId="{6144A311-3351-4D21-B869-865C83060DEE}">
-      <dsp:nvSpPr>
-        <dsp:cNvPr id="0" name=""/>
-        <dsp:cNvSpPr/>
-      </dsp:nvSpPr>
-      <dsp:spPr>
-        <a:xfrm>
-          <a:off x="1941716" y="718"/>
-          <a:ext cx="4571887" cy="1681139"/>
-        </a:xfrm>
-        <a:prstGeom prst="rect">
-          <a:avLst/>
-        </a:prstGeom>
-        <a:noFill/>
-        <a:ln>
-          <a:noFill/>
-        </a:ln>
-        <a:effectLst/>
-      </dsp:spPr>
-      <dsp:style>
-        <a:lnRef idx="0">
-          <a:scrgbClr r="0" g="0" b="0"/>
-        </a:lnRef>
-        <a:fillRef idx="0">
-          <a:scrgbClr r="0" g="0" b="0"/>
-        </a:fillRef>
-        <a:effectRef idx="0">
-          <a:scrgbClr r="0" g="0" b="0"/>
-        </a:effectRef>
-        <a:fontRef idx="minor"/>
-      </dsp:style>
-      <dsp:txBody>
-        <a:bodyPr spcFirstLastPara="0" vert="horz" wrap="square" lIns="177921" tIns="177921" rIns="177921" bIns="177921" numCol="1" spcCol="1270" anchor="ctr" anchorCtr="0">
-          <a:noAutofit/>
-        </a:bodyPr>
-        <a:lstStyle/>
-        <a:p>
-          <a:pPr marL="0" lvl="0" indent="0" algn="l" defTabSz="1111250">
-            <a:lnSpc>
-              <a:spcPct val="90000"/>
-            </a:lnSpc>
-            <a:spcBef>
-              <a:spcPct val="0"/>
-            </a:spcBef>
-            <a:spcAft>
-              <a:spcPct val="35000"/>
-            </a:spcAft>
-            <a:buNone/>
-          </a:pPr>
-          <a:r>
-            <a:rPr lang="en-GB" sz="2500" kern="1200"/>
-            <a:t>Teaching/Learning tool</a:t>
-          </a:r>
-          <a:endParaRPr lang="en-US" sz="2500" kern="1200"/>
-        </a:p>
-      </dsp:txBody>
-      <dsp:txXfrm>
-        <a:off x="1941716" y="718"/>
-        <a:ext cx="4571887" cy="1681139"/>
-      </dsp:txXfrm>
-    </dsp:sp>
-    <dsp:sp modelId="{D014E90A-54B9-4E34-B1B9-C22D3C7BD3E6}">
-      <dsp:nvSpPr>
-        <dsp:cNvPr id="0" name=""/>
-        <dsp:cNvSpPr/>
-      </dsp:nvSpPr>
-      <dsp:spPr>
-        <a:xfrm>
-          <a:off x="0" y="2102143"/>
-          <a:ext cx="6513603" cy="1681139"/>
-        </a:xfrm>
-        <a:prstGeom prst="roundRect">
-          <a:avLst>
-            <a:gd name="adj" fmla="val 10000"/>
-          </a:avLst>
-        </a:prstGeom>
-        <a:solidFill>
-          <a:schemeClr val="bg1">
-            <a:lumMod val="95000"/>
-            <a:hueOff val="0"/>
-            <a:satOff val="0"/>
-            <a:lumOff val="0"/>
-            <a:alphaOff val="0"/>
-          </a:schemeClr>
-        </a:solidFill>
-        <a:ln>
-          <a:noFill/>
-        </a:ln>
-        <a:effectLst/>
-      </dsp:spPr>
-      <dsp:style>
-        <a:lnRef idx="0">
-          <a:scrgbClr r="0" g="0" b="0"/>
-        </a:lnRef>
-        <a:fillRef idx="1">
-          <a:scrgbClr r="0" g="0" b="0"/>
-        </a:fillRef>
-        <a:effectRef idx="0">
-          <a:scrgbClr r="0" g="0" b="0"/>
-        </a:effectRef>
-        <a:fontRef idx="minor"/>
-      </dsp:style>
-    </dsp:sp>
-    <dsp:sp modelId="{63158641-D62D-4D09-86F6-798B1746D1B1}">
-      <dsp:nvSpPr>
-        <dsp:cNvPr id="0" name=""/>
-        <dsp:cNvSpPr/>
-      </dsp:nvSpPr>
-      <dsp:spPr>
-        <a:xfrm>
-          <a:off x="508544" y="2480399"/>
-          <a:ext cx="924626" cy="924626"/>
-        </a:xfrm>
-        <a:prstGeom prst="rect">
-          <a:avLst/>
-        </a:prstGeom>
-        <a:blipFill>
-          <a:blip xmlns:r="http://schemas.openxmlformats.org/officeDocument/2006/relationships" r:embed="rId3">
-            <a:extLst>
-              <a:ext uri="{28A0092B-C50C-407E-A947-70E740481C1C}">
-                <a14:useLocalDpi xmlns:a14="http://schemas.microsoft.com/office/drawing/2010/main" val="0"/>
-              </a:ext>
-              <a:ext uri="{96DAC541-7B7A-43D3-8B79-37D633B846F1}">
-                <asvg:svgBlip xmlns:asvg="http://schemas.microsoft.com/office/drawing/2016/SVG/main" r:embed="rId4"/>
-              </a:ext>
-            </a:extLst>
-          </a:blip>
-          <a:stretch>
-            <a:fillRect/>
-          </a:stretch>
-        </a:blipFill>
-        <a:ln w="12700" cap="flat" cmpd="sng" algn="ctr">
-          <a:noFill/>
-          <a:prstDash val="solid"/>
-          <a:miter lim="800000"/>
-        </a:ln>
-        <a:effectLst/>
-      </dsp:spPr>
-      <dsp:style>
-        <a:lnRef idx="2">
-          <a:scrgbClr r="0" g="0" b="0"/>
-        </a:lnRef>
-        <a:fillRef idx="1">
-          <a:scrgbClr r="0" g="0" b="0"/>
-        </a:fillRef>
-        <a:effectRef idx="0">
-          <a:scrgbClr r="0" g="0" b="0"/>
-        </a:effectRef>
-        <a:fontRef idx="minor">
-          <a:schemeClr val="lt1"/>
-        </a:fontRef>
-      </dsp:style>
-    </dsp:sp>
-    <dsp:sp modelId="{436B5D17-0034-47F4-BF68-BECDA14AA0A0}">
-      <dsp:nvSpPr>
-        <dsp:cNvPr id="0" name=""/>
-        <dsp:cNvSpPr/>
-      </dsp:nvSpPr>
-      <dsp:spPr>
-        <a:xfrm>
-          <a:off x="1941716" y="2102143"/>
-          <a:ext cx="4571887" cy="1681139"/>
-        </a:xfrm>
-        <a:prstGeom prst="rect">
-          <a:avLst/>
-        </a:prstGeom>
-        <a:noFill/>
-        <a:ln>
-          <a:noFill/>
-        </a:ln>
-        <a:effectLst/>
-      </dsp:spPr>
-      <dsp:style>
-        <a:lnRef idx="0">
-          <a:scrgbClr r="0" g="0" b="0"/>
-        </a:lnRef>
-        <a:fillRef idx="0">
-          <a:scrgbClr r="0" g="0" b="0"/>
-        </a:fillRef>
-        <a:effectRef idx="0">
-          <a:scrgbClr r="0" g="0" b="0"/>
-        </a:effectRef>
-        <a:fontRef idx="minor"/>
-      </dsp:style>
-      <dsp:txBody>
-        <a:bodyPr spcFirstLastPara="0" vert="horz" wrap="square" lIns="177921" tIns="177921" rIns="177921" bIns="177921" numCol="1" spcCol="1270" anchor="ctr" anchorCtr="0">
-          <a:noAutofit/>
-        </a:bodyPr>
-        <a:lstStyle/>
-        <a:p>
-          <a:pPr marL="0" lvl="0" indent="0" algn="l" defTabSz="1111250">
-            <a:lnSpc>
-              <a:spcPct val="90000"/>
-            </a:lnSpc>
-            <a:spcBef>
-              <a:spcPct val="0"/>
-            </a:spcBef>
-            <a:spcAft>
-              <a:spcPct val="35000"/>
-            </a:spcAft>
-            <a:buNone/>
-          </a:pPr>
-          <a:r>
-            <a:rPr lang="en-GB" sz="2500" kern="1200"/>
-            <a:t>Intuitive UI </a:t>
-          </a:r>
-          <a:endParaRPr lang="en-US" sz="2500" kern="1200"/>
-        </a:p>
-      </dsp:txBody>
-      <dsp:txXfrm>
-        <a:off x="1941716" y="2102143"/>
-        <a:ext cx="4571887" cy="1681139"/>
-      </dsp:txXfrm>
-    </dsp:sp>
-    <dsp:sp modelId="{37C69B4C-5152-4957-8963-96632EF2E108}">
-      <dsp:nvSpPr>
-        <dsp:cNvPr id="0" name=""/>
-        <dsp:cNvSpPr/>
-      </dsp:nvSpPr>
-      <dsp:spPr>
-        <a:xfrm>
-          <a:off x="0" y="4203567"/>
-          <a:ext cx="6513603" cy="1681139"/>
-        </a:xfrm>
-        <a:prstGeom prst="roundRect">
-          <a:avLst>
-            <a:gd name="adj" fmla="val 10000"/>
-          </a:avLst>
-        </a:prstGeom>
-        <a:solidFill>
-          <a:schemeClr val="bg1">
-            <a:lumMod val="95000"/>
-            <a:hueOff val="0"/>
-            <a:satOff val="0"/>
-            <a:lumOff val="0"/>
-            <a:alphaOff val="0"/>
-          </a:schemeClr>
-        </a:solidFill>
-        <a:ln>
-          <a:noFill/>
-        </a:ln>
-        <a:effectLst/>
-      </dsp:spPr>
-      <dsp:style>
-        <a:lnRef idx="0">
-          <a:scrgbClr r="0" g="0" b="0"/>
-        </a:lnRef>
-        <a:fillRef idx="1">
-          <a:scrgbClr r="0" g="0" b="0"/>
-        </a:fillRef>
-        <a:effectRef idx="0">
-          <a:scrgbClr r="0" g="0" b="0"/>
-        </a:effectRef>
-        <a:fontRef idx="minor"/>
-      </dsp:style>
-    </dsp:sp>
-    <dsp:sp modelId="{7F8D9B6A-AA12-4164-A9A0-DFBD0A40AFCF}">
-      <dsp:nvSpPr>
-        <dsp:cNvPr id="0" name=""/>
-        <dsp:cNvSpPr/>
-      </dsp:nvSpPr>
-      <dsp:spPr>
-        <a:xfrm>
-          <a:off x="508544" y="4581824"/>
-          <a:ext cx="924626" cy="924626"/>
-        </a:xfrm>
-        <a:prstGeom prst="rect">
-          <a:avLst/>
-        </a:prstGeom>
-        <a:blipFill>
-          <a:blip xmlns:r="http://schemas.openxmlformats.org/officeDocument/2006/relationships" r:embed="rId5">
-            <a:extLst>
-              <a:ext uri="{28A0092B-C50C-407E-A947-70E740481C1C}">
-                <a14:useLocalDpi xmlns:a14="http://schemas.microsoft.com/office/drawing/2010/main" val="0"/>
-              </a:ext>
-              <a:ext uri="{96DAC541-7B7A-43D3-8B79-37D633B846F1}">
-                <asvg:svgBlip xmlns:asvg="http://schemas.microsoft.com/office/drawing/2016/SVG/main" r:embed="rId6"/>
-              </a:ext>
-            </a:extLst>
-          </a:blip>
-          <a:stretch>
-            <a:fillRect/>
-          </a:stretch>
-        </a:blipFill>
-        <a:ln w="12700" cap="flat" cmpd="sng" algn="ctr">
-          <a:noFill/>
-          <a:prstDash val="solid"/>
-          <a:miter lim="800000"/>
-        </a:ln>
-        <a:effectLst/>
-      </dsp:spPr>
-      <dsp:style>
-        <a:lnRef idx="2">
-          <a:scrgbClr r="0" g="0" b="0"/>
-        </a:lnRef>
-        <a:fillRef idx="1">
-          <a:scrgbClr r="0" g="0" b="0"/>
-        </a:fillRef>
-        <a:effectRef idx="0">
-          <a:scrgbClr r="0" g="0" b="0"/>
-        </a:effectRef>
-        <a:fontRef idx="minor">
-          <a:schemeClr val="lt1"/>
-        </a:fontRef>
-      </dsp:style>
-    </dsp:sp>
-    <dsp:sp modelId="{F539BFD9-8720-4269-8460-213D1E245F44}">
-      <dsp:nvSpPr>
-        <dsp:cNvPr id="0" name=""/>
-        <dsp:cNvSpPr/>
-      </dsp:nvSpPr>
-      <dsp:spPr>
-        <a:xfrm>
-          <a:off x="1941716" y="4203567"/>
-          <a:ext cx="4571887" cy="1681139"/>
-        </a:xfrm>
-        <a:prstGeom prst="rect">
-          <a:avLst/>
-        </a:prstGeom>
-        <a:noFill/>
-        <a:ln>
-          <a:noFill/>
-        </a:ln>
-        <a:effectLst/>
-      </dsp:spPr>
-      <dsp:style>
-        <a:lnRef idx="0">
-          <a:scrgbClr r="0" g="0" b="0"/>
-        </a:lnRef>
-        <a:fillRef idx="0">
-          <a:scrgbClr r="0" g="0" b="0"/>
-        </a:fillRef>
-        <a:effectRef idx="0">
-          <a:scrgbClr r="0" g="0" b="0"/>
-        </a:effectRef>
-        <a:fontRef idx="minor"/>
-      </dsp:style>
-      <dsp:txBody>
-        <a:bodyPr spcFirstLastPara="0" vert="horz" wrap="square" lIns="177921" tIns="177921" rIns="177921" bIns="177921" numCol="1" spcCol="1270" anchor="ctr" anchorCtr="0">
-          <a:noAutofit/>
-        </a:bodyPr>
-        <a:lstStyle/>
-        <a:p>
-          <a:pPr marL="0" lvl="0" indent="0" algn="l" defTabSz="1111250">
-            <a:lnSpc>
-              <a:spcPct val="90000"/>
-            </a:lnSpc>
-            <a:spcBef>
-              <a:spcPct val="0"/>
-            </a:spcBef>
-            <a:spcAft>
-              <a:spcPct val="35000"/>
-            </a:spcAft>
-            <a:buNone/>
-          </a:pPr>
-          <a:r>
-            <a:rPr lang="en-GB" sz="2500" kern="1200"/>
-            <a:t>Versatility/control to the user</a:t>
-          </a:r>
-          <a:endParaRPr lang="en-US" sz="2500" kern="1200"/>
-        </a:p>
-      </dsp:txBody>
-      <dsp:txXfrm>
-        <a:off x="1941716" y="4203567"/>
-        <a:ext cx="4571887" cy="1681139"/>
-      </dsp:txXfrm>
-    </dsp:sp>
-  </dsp:spTree>
-</dsp:drawing>
-</file>
-
-<file path=ppt/diagrams/layout1.xml><?xml version="1.0" encoding="utf-8"?>
-<dgm:layoutDef xmlns:dgm="http://schemas.openxmlformats.org/drawingml/2006/diagram" xmlns:a="http://schemas.openxmlformats.org/drawingml/2006/main" uniqueId="urn:microsoft.com/office/officeart/2018/2/layout/IconVerticalSolidList">
-  <dgm:title val="Icon Vertical Solid List"/>
-  <dgm:desc val="Use to show a series of visuals from top to bottom with Level 1 or Level 1 and Level 2 text grouped in a shape. Works best with icons or small pictures with lengthier descriptions."/>
-  <dgm:catLst>
-    <dgm:cat type="icon" pri="500"/>
-  </dgm:catLst>
-  <dgm:sampData useDef="1">
-    <dgm:dataModel>
-      <dgm:ptLst/>
-      <dgm:bg/>
-      <dgm:whole/>
-    </dgm:dataModel>
-  </dgm:sampData>
-  <dgm:styleData useDef="1">
-    <dgm:dataModel>
-      <dgm:ptLst/>
-      <dgm:bg/>
-      <dgm:whole/>
-    </dgm:dataModel>
-  </dgm:styleData>
-  <dgm:clrData useDef="1">
-    <dgm:dataModel>
-      <dgm:ptLst/>
-      <dgm:bg/>
-      <dgm:whole/>
-    </dgm:dataModel>
-  </dgm:clrData>
-  <dgm:layoutNode name="root">
-    <dgm:varLst>
-      <dgm:dir/>
-      <dgm:resizeHandles val="exact"/>
-    </dgm:varLst>
-    <dgm:choose name="Name0">
-      <dgm:if name="Name1" axis="self" func="var" arg="dir" op="equ" val="norm">
-        <dgm:alg type="lin">
-          <dgm:param type="linDir" val="fromT"/>
-          <dgm:param type="nodeHorzAlign" val="l"/>
-        </dgm:alg>
-      </dgm:if>
-      <dgm:else name="Name2">
-        <dgm:alg type="lin">
-          <dgm:param type="linDir" val="fromT"/>
-          <dgm:param type="nodeHorzAlign" val="r"/>
-        </dgm:alg>
-      </dgm:else>
-    </dgm:choose>
-    <dgm:shape xmlns:r="http://schemas.openxmlformats.org/officeDocument/2006/relationships" r:blip="">
-      <dgm:adjLst/>
-    </dgm:shape>
-    <dgm:presOf/>
-    <dgm:choose name="Name3">
-      <dgm:if name="Name4" axis="ch" ptType="node" func="cnt" op="lte" val="3">
-        <dgm:constrLst>
-          <dgm:constr type="h" for="ch" forName="compNode" refType="h" fact="0.3"/>
-          <dgm:constr type="w" for="ch" forName="compNode" refType="w"/>
-          <dgm:constr type="h" for="ch" forName="sibTrans" refType="h" refFor="ch" refForName="compNode" fact="0.25"/>
-          <dgm:constr type="primFontSz" for="des" forName="parTx" val="25"/>
-          <dgm:constr type="primFontSz" for="des" forName="desTx" refType="primFontSz" refFor="des" refForName="parTx" op="lte" fact="0.75"/>
-          <dgm:constr type="h" for="des" forName="compNode" op="equ"/>
-          <dgm:constr type="h" for="des" forName="bgRect" op="equ"/>
-          <dgm:constr type="h" for="des" forName="iconRect" op="equ"/>
-          <dgm:constr type="w" for="des" forName="iconRect" op="equ"/>
-          <dgm:constr type="h" for="des" forName="spaceRect" op="equ"/>
-          <dgm:constr type="h" for="des" forName="parTx" op="equ"/>
-          <dgm:constr type="h" for="des" forName="desTx" op="equ"/>
-        </dgm:constrLst>
-      </dgm:if>
-      <dgm:if name="Name5" axis="ch" ptType="node" func="cnt" op="lte" val="4">
-        <dgm:constrLst>
-          <dgm:constr type="h" for="ch" forName="compNode" refType="h" fact="0.3"/>
-          <dgm:constr type="w" for="ch" forName="compNode" refType="w"/>
-          <dgm:constr type="h" for="ch" forName="sibTrans" refType="h" refFor="ch" refForName="compNode" fact="0.25"/>
-          <dgm:constr type="primFontSz" for="des" forName="parTx" val="22"/>
-          <dgm:constr type="primFontSz" for="des" forName="desTx" refType="primFontSz" refFor="des" refForName="parTx" op="lte" fact="0.75"/>
-          <dgm:constr type="h" for="des" forName="compNode" op="equ"/>
-          <dgm:constr type="h" for="des" forName="bgRect" op="equ"/>
-          <dgm:constr type="h" for="des" forName="iconRect" op="equ"/>
-          <dgm:constr type="w" for="des" forName="iconRect" op="equ"/>
-          <dgm:constr type="h" for="des" forName="spaceRect" op="equ"/>
-          <dgm:constr type="h" for="des" forName="parTx" op="equ"/>
-          <dgm:constr type="h" for="des" forName="desTx" op="equ"/>
-        </dgm:constrLst>
-      </dgm:if>
-      <dgm:if name="Name6" axis="ch" ptType="node" func="cnt" op="lte" val="6">
-        <dgm:constrLst>
-          <dgm:constr type="h" for="ch" forName="compNode" refType="h" fact="0.3"/>
-          <dgm:constr type="w" for="ch" forName="compNode" refType="w"/>
-          <dgm:constr type="h" for="ch" forName="sibTrans" refType="h" refFor="ch" refForName="compNode" fact="0.25"/>
-          <dgm:constr type="primFontSz" for="des" forName="parTx" val="19"/>
-          <dgm:constr type="primFontSz" for="des" forName="desTx" refType="primFontSz" refFor="des" refForName="parTx" op="lte" fact="0.75"/>
-          <dgm:constr type="h" for="des" forName="compNode" op="equ"/>
-          <dgm:constr type="h" for="des" forName="bgRect" op="equ"/>
-          <dgm:constr type="h" for="des" forName="iconRect" op="equ"/>
-          <dgm:constr type="w" for="des" forName="iconRect" op="equ"/>
-          <dgm:constr type="h" for="des" forName="spaceRect" op="equ"/>
-          <dgm:constr type="h" for="des" forName="parTx" op="equ"/>
-          <dgm:constr type="h" for="des" forName="desTx" op="equ"/>
-        </dgm:constrLst>
-      </dgm:if>
-      <dgm:else name="Name7">
-        <dgm:constrLst>
-          <dgm:constr type="h" for="ch" forName="compNode" refType="h" fact="0.3"/>
-          <dgm:constr type="w" for="ch" forName="compNode" refType="w"/>
-          <dgm:constr type="h" for="ch" forName="sibTrans" refType="h" refFor="ch" refForName="compNode" fact="0.25"/>
-          <dgm:constr type="primFontSz" for="des" forName="parTx" val="16"/>
-          <dgm:constr type="primFontSz" for="des" forName="desTx" refType="primFontSz" refFor="des" refForName="parTx" op="lte" fact="0.75"/>
-          <dgm:constr type="h" for="des" forName="compNode" op="equ"/>
-          <dgm:constr type="h" for="des" forName="bgRect" op="equ"/>
-          <dgm:constr type="h" for="des" forName="iconRect" op="equ"/>
-          <dgm:constr type="w" for="des" forName="iconRect" op="equ"/>
-          <dgm:constr type="h" for="des" forName="spaceRect" op="equ"/>
-          <dgm:constr type="h" for="des" forName="parTx" op="equ"/>
-          <dgm:constr type="h" for="des" forName="desTx" op="equ"/>
-        </dgm:constrLst>
-      </dgm:else>
-    </dgm:choose>
-    <dgm:ruleLst>
-      <dgm:rule type="h" for="ch" forName="compNode" val="0" fact="NaN" max="NaN"/>
-    </dgm:ruleLst>
-    <dgm:forEach name="Name8" axis="ch" ptType="node">
-      <dgm:layoutNode name="compNode">
-        <dgm:alg type="composite"/>
-        <dgm:shape xmlns:r="http://schemas.openxmlformats.org/officeDocument/2006/relationships" r:blip="">
-          <dgm:adjLst/>
-        </dgm:shape>
-        <dgm:presOf axis="self"/>
-        <dgm:choose name="Name9">
-          <dgm:if name="Name10" axis="ch" ptType="node" func="cnt" op="gte" val="1">
-            <dgm:constrLst>
-              <dgm:constr type="w" for="ch" forName="bgRect" refType="w"/>
-              <dgm:constr type="h" for="ch" forName="bgRect" refType="h"/>
-              <dgm:constr type="l" for="ch" forName="bgRect"/>
-              <dgm:constr type="t" for="ch" forName="bgRect"/>
-              <dgm:constr type="h" for="ch" forName="iconRect" refType="h" fact="0.55"/>
-              <dgm:constr type="w" for="ch" forName="iconRect" refType="h" refFor="ch" refForName="iconRect"/>
-              <dgm:constr type="l" for="ch" forName="iconRect" refType="h" refFor="ch" refForName="iconRect" fact="0.55"/>
-              <dgm:constr type="ctrY" for="ch" forName="iconRect" refType="ctrY" refFor="ch" refForName="bgRect"/>
-              <dgm:constr type="w" for="ch" forName="spaceRect" refType="l" refFor="ch" refForName="iconRect"/>
-              <dgm:constr type="h" for="ch" forName="spaceRect" refType="h"/>
-              <dgm:constr type="l" for="ch" forName="spaceRect" refType="r" refFor="ch" refForName="iconRect"/>
-              <dgm:constr type="t" for="ch" forName="spaceRect"/>
-              <dgm:constr type="w" for="ch" forName="parTx" refType="w" fact="0.45"/>
-              <dgm:constr type="h" for="ch" forName="parTx" refType="h"/>
-              <dgm:constr type="l" for="ch" forName="parTx" refType="r" refFor="ch" refForName="spaceRect"/>
-              <dgm:constr type="t" for="ch" forName="parTx"/>
-              <dgm:constr type="h" for="ch" forName="desTx" refType="h"/>
-              <dgm:constr type="l" for="ch" forName="desTx" refType="r" refFor="ch" refForName="parTx"/>
-              <dgm:constr type="t" for="ch" forName="desTx"/>
-            </dgm:constrLst>
-          </dgm:if>
-          <dgm:else name="Name11">
-            <dgm:constrLst>
-              <dgm:constr type="w" for="ch" forName="bgRect" refType="w"/>
-              <dgm:constr type="h" for="ch" forName="bgRect" refType="h"/>
-              <dgm:constr type="l" for="ch" forName="bgRect"/>
-              <dgm:constr type="t" for="ch" forName="bgRect"/>
-              <dgm:constr type="h" for="ch" forName="iconRect" refType="h" fact="0.55"/>
-              <dgm:constr type="w" for="ch" forName="iconRect" refType="h" refFor="ch" refForName="iconRect"/>
-              <dgm:constr type="l" for="ch" forName="iconRect" refType="h" refFor="ch" refForName="iconRect" fact="0.55"/>
-              <dgm:constr type="ctrY" for="ch" forName="iconRect" refType="ctrY" refFor="ch" refForName="bgRect"/>
-              <dgm:constr type="w" for="ch" forName="spaceRect" refType="l" refFor="ch" refForName="iconRect"/>
-              <dgm:constr type="h" for="ch" forName="spaceRect" refType="h"/>
-              <dgm:constr type="l" for="ch" forName="spaceRect" refType="r" refFor="ch" refForName="iconRect"/>
-              <dgm:constr type="t" for="ch" forName="spaceRect"/>
-              <dgm:constr type="h" for="ch" forName="parTx" refType="h"/>
-              <dgm:constr type="l" for="ch" forName="parTx" refType="r" refFor="ch" refForName="spaceRect"/>
-              <dgm:constr type="t" for="ch" forName="parTx"/>
-            </dgm:constrLst>
-          </dgm:else>
-        </dgm:choose>
-        <dgm:ruleLst>
-          <dgm:rule type="h" val="INF" fact="NaN" max="NaN"/>
-        </dgm:ruleLst>
-        <dgm:layoutNode name="bgRect" styleLbl="bgShp">
-          <dgm:alg type="sp"/>
-          <dgm:shape xmlns:r="http://schemas.openxmlformats.org/officeDocument/2006/relationships" type="roundRect" r:blip="">
-            <dgm:adjLst>
-              <dgm:adj idx="1" val="0.1"/>
-            </dgm:adjLst>
-          </dgm:shape>
-          <dgm:presOf/>
-          <dgm:constrLst/>
-          <dgm:ruleLst/>
-        </dgm:layoutNode>
-        <dgm:layoutNode name="iconRect" styleLbl="node1">
-          <dgm:alg type="sp"/>
-          <dgm:shape xmlns:r="http://schemas.openxmlformats.org/officeDocument/2006/relationships" type="rect" r:blip="" blipPhldr="1">
-            <dgm:adjLst/>
-          </dgm:shape>
-          <dgm:presOf/>
-          <dgm:constrLst/>
-          <dgm:ruleLst/>
-        </dgm:layoutNode>
-        <dgm:layoutNode name="spaceRect">
-          <dgm:alg type="sp"/>
-          <dgm:shape xmlns:r="http://schemas.openxmlformats.org/officeDocument/2006/relationships" r:blip="">
-            <dgm:adjLst/>
-          </dgm:shape>
-          <dgm:presOf/>
-          <dgm:constrLst/>
-          <dgm:ruleLst/>
-        </dgm:layoutNode>
-        <dgm:layoutNode name="parTx" styleLbl="revTx">
-          <dgm:varLst>
-            <dgm:chMax val="0"/>
-            <dgm:chPref val="0"/>
-          </dgm:varLst>
-          <dgm:alg type="tx">
-            <dgm:param type="txAnchorVert" val="mid"/>
-            <dgm:param type="parTxLTRAlign" val="l"/>
-            <dgm:param type="shpTxLTRAlignCh" val="l"/>
-            <dgm:param type="parTxRTLAlign" val="r"/>
-            <dgm:param type="shpTxRTLAlignCh" val="r"/>
-          </dgm:alg>
-          <dgm:shape xmlns:r="http://schemas.openxmlformats.org/officeDocument/2006/relationships" type="rect" r:blip="">
-            <dgm:adjLst/>
-          </dgm:shape>
-          <dgm:presOf axis="self" ptType="node"/>
-          <dgm:constrLst>
-            <dgm:constr type="lMarg" refType="h" fact="0.3"/>
-            <dgm:constr type="rMarg" refType="h" fact="0.3"/>
-            <dgm:constr type="tMarg" refType="h" fact="0.3"/>
-            <dgm:constr type="bMarg" refType="h" fact="0.3"/>
-          </dgm:constrLst>
-          <dgm:ruleLst>
-            <dgm:rule type="primFontSz" val="14" fact="NaN" max="NaN"/>
-            <dgm:rule type="h" val="INF" fact="NaN" max="NaN"/>
-          </dgm:ruleLst>
-        </dgm:layoutNode>
-        <dgm:choose name="Name12">
-          <dgm:if name="Name13" axis="ch" ptType="node" func="cnt" op="gte" val="1">
-            <dgm:layoutNode name="desTx" styleLbl="revTx">
-              <dgm:varLst/>
-              <dgm:alg type="tx">
-                <dgm:param type="txAnchorVertCh" val="mid"/>
-                <dgm:param type="parTxLTRAlign" val="l"/>
-                <dgm:param type="shpTxLTRAlignCh" val="l"/>
-                <dgm:param type="parTxRTLAlign" val="r"/>
-                <dgm:param type="shpTxRTLAlignCh" val="r"/>
-                <dgm:param type="stBulletLvl" val="0"/>
-              </dgm:alg>
-              <dgm:shape xmlns:r="http://schemas.openxmlformats.org/officeDocument/2006/relationships" type="rect" r:blip="">
-                <dgm:adjLst/>
-              </dgm:shape>
-              <dgm:presOf axis="des" ptType="node"/>
-              <dgm:constrLst>
-                <dgm:constr type="primFontSz" val="18"/>
-                <dgm:constr type="secFontSz" refType="primFontSz"/>
-                <dgm:constr type="lMarg" refType="h" fact="0.3"/>
-                <dgm:constr type="rMarg" refType="h" fact="0.3"/>
-                <dgm:constr type="tMarg" refType="h" fact="0.3"/>
-                <dgm:constr type="bMarg" refType="h" fact="0.3"/>
-              </dgm:constrLst>
-              <dgm:ruleLst>
-                <dgm:rule type="primFontSz" val="11" fact="NaN" max="NaN"/>
-              </dgm:ruleLst>
-            </dgm:layoutNode>
-          </dgm:if>
-          <dgm:else name="Name14"/>
-        </dgm:choose>
-      </dgm:layoutNode>
-      <dgm:forEach name="Name15" axis="followSib" ptType="sibTrans" cnt="1">
-        <dgm:layoutNode name="sibTrans">
-          <dgm:alg type="sp"/>
-          <dgm:shape xmlns:r="http://schemas.openxmlformats.org/officeDocument/2006/relationships" r:blip="">
-            <dgm:adjLst/>
-          </dgm:shape>
-          <dgm:presOf axis="self"/>
-          <dgm:constrLst/>
-          <dgm:ruleLst/>
-        </dgm:layoutNode>
-      </dgm:forEach>
-    </dgm:forEach>
-  </dgm:layoutNode>
-  <dgm:extLst>
-    <a:ext uri="{68A01E43-0DF5-4B5B-8FA6-DAF915123BFB}">
-      <dgm1612:lstStyle xmlns:dgm1612="http://schemas.microsoft.com/office/drawing/2016/12/diagram">
-        <a:lvl1pPr>
-          <a:lnSpc>
-            <a:spcPct val="100000"/>
-          </a:lnSpc>
-        </a:lvl1pPr>
-        <a:lvl2pPr>
-          <a:lnSpc>
-            <a:spcPct val="100000"/>
-          </a:lnSpc>
-        </a:lvl2pPr>
-      </dgm1612:lstStyle>
-    </a:ext>
-  </dgm:extLst>
-</dgm:layoutDef>
-</file>
-
-<file path=ppt/diagrams/quickStyle1.xml><?xml version="1.0" encoding="utf-8"?>
-<dgm:styleDef xmlns:dgm="http://schemas.openxmlformats.org/drawingml/2006/diagram" xmlns:a="http://schemas.openxmlformats.org/drawingml/2006/main" uniqueId="urn:microsoft.com/office/officeart/2005/8/quickstyle/simple1">
-  <dgm:title val=""/>
-  <dgm:desc val=""/>
-  <dgm:catLst>
-    <dgm:cat type="simple" pri="10100"/>
-  </dgm:catLst>
-  <dgm:scene3d>
-    <a:camera prst="orthographicFront"/>
-    <a:lightRig rig="threePt" dir="t"/>
-  </dgm:scene3d>
-  <dgm:styleLbl name="node0">
-    <dgm:scene3d>
-      <a:camera prst="orthographicFront"/>
-      <a:lightRig rig="threePt" dir="t"/>
-    </dgm:scene3d>
-    <dgm:sp3d/>
-    <dgm:txPr/>
-    <dgm:style>
-      <a:lnRef idx="2">
-        <a:scrgbClr r="0" g="0" b="0"/>
-      </a:lnRef>
-      <a:fillRef idx="1">
-        <a:scrgbClr r="0" g="0" b="0"/>
-      </a:fillRef>
-      <a:effectRef idx="0">
-        <a:scrgbClr r="0" g="0" b="0"/>
-      </a:effectRef>
-      <a:fontRef idx="minor">
-        <a:schemeClr val="lt1"/>
-      </a:fontRef>
-    </dgm:style>
-  </dgm:styleLbl>
-  <dgm:styleLbl name="lnNode1">
-    <dgm:scene3d>
-      <a:camera prst="orthographicFront"/>
-      <a:lightRig rig="threePt" dir="t"/>
-    </dgm:scene3d>
-    <dgm:sp3d/>
-    <dgm:txPr/>
-    <dgm:style>
-      <a:lnRef idx="2">
-        <a:scrgbClr r="0" g="0" b="0"/>
-      </a:lnRef>
-      <a:fillRef idx="1">
-        <a:scrgbClr r="0" g="0" b="0"/>
-      </a:fillRef>
-      <a:effectRef idx="0">
-        <a:scrgbClr r="0" g="0" b="0"/>
-      </a:effectRef>
-      <a:fontRef idx="minor">
-        <a:schemeClr val="lt1"/>
-      </a:fontRef>
-    </dgm:style>
-  </dgm:styleLbl>
-  <dgm:styleLbl name="vennNode1">
-    <dgm:scene3d>
-      <a:camera prst="orthographicFront"/>
-      <a:lightRig rig="threePt" dir="t"/>
-    </dgm:scene3d>
-    <dgm:sp3d/>
-    <dgm:txPr/>
-    <dgm:style>
-      <a:lnRef idx="2">
-        <a:scrgbClr r="0" g="0" b="0"/>
-      </a:lnRef>
-      <a:fillRef idx="1">
-        <a:scrgbClr r="0" g="0" b="0"/>
-      </a:fillRef>
-      <a:effectRef idx="0">
-        <a:scrgbClr r="0" g="0" b="0"/>
-      </a:effectRef>
-      <a:fontRef idx="minor">
-        <a:schemeClr val="tx1"/>
-      </a:fontRef>
-    </dgm:style>
-  </dgm:styleLbl>
-  <dgm:styleLbl name="alignNode1">
-    <dgm:scene3d>
-      <a:camera prst="orthographicFront"/>
-      <a:lightRig rig="threePt" dir="t"/>
-    </dgm:scene3d>
-    <dgm:sp3d/>
-    <dgm:txPr/>
-    <dgm:style>
-      <a:lnRef idx="2">
-        <a:scrgbClr r="0" g="0" b="0"/>
-      </a:lnRef>
-      <a:fillRef idx="1">
-        <a:scrgbClr r="0" g="0" b="0"/>
-      </a:fillRef>
-      <a:effectRef idx="0">
-        <a:scrgbClr r="0" g="0" b="0"/>
-      </a:effectRef>
-      <a:fontRef idx="minor">
-        <a:schemeClr val="lt1"/>
-      </a:fontRef>
-    </dgm:style>
-  </dgm:styleLbl>
-  <dgm:styleLbl name="node1">
-    <dgm:scene3d>
-      <a:camera prst="orthographicFront"/>
-      <a:lightRig rig="threePt" dir="t"/>
-    </dgm:scene3d>
-    <dgm:sp3d/>
-    <dgm:txPr/>
-    <dgm:style>
-      <a:lnRef idx="2">
-        <a:scrgbClr r="0" g="0" b="0"/>
-      </a:lnRef>
-      <a:fillRef idx="1">
-        <a:scrgbClr r="0" g="0" b="0"/>
-      </a:fillRef>
-      <a:effectRef idx="0">
-        <a:scrgbClr r="0" g="0" b="0"/>
-      </a:effectRef>
-      <a:fontRef idx="minor">
-        <a:schemeClr val="lt1"/>
-      </a:fontRef>
-    </dgm:style>
-  </dgm:styleLbl>
-  <dgm:styleLbl name="node2">
-    <dgm:scene3d>
-      <a:camera prst="orthographicFront"/>
-      <a:lightRig rig="threePt" dir="t"/>
-    </dgm:scene3d>
-    <dgm:sp3d/>
-    <dgm:txPr/>
-    <dgm:style>
-      <a:lnRef idx="2">
-        <a:scrgbClr r="0" g="0" b="0"/>
-      </a:lnRef>
-      <a:fillRef idx="1">
-        <a:scrgbClr r="0" g="0" b="0"/>
-      </a:fillRef>
-      <a:effectRef idx="0">
-        <a:scrgbClr r="0" g="0" b="0"/>
-      </a:effectRef>
-      <a:fontRef idx="minor">
-        <a:schemeClr val="lt1"/>
-      </a:fontRef>
-    </dgm:style>
-  </dgm:styleLbl>
-  <dgm:styleLbl name="node3">
-    <dgm:scene3d>
-      <a:camera prst="orthographicFront"/>
-      <a:lightRig rig="threePt" dir="t"/>
-    </dgm:scene3d>
-    <dgm:sp3d/>
-    <dgm:txPr/>
-    <dgm:style>
-      <a:lnRef idx="2">
-        <a:scrgbClr r="0" g="0" b="0"/>
-      </a:lnRef>
-      <a:fillRef idx="1">
-        <a:scrgbClr r="0" g="0" b="0"/>
-      </a:fillRef>
-      <a:effectRef idx="0">
-        <a:scrgbClr r="0" g="0" b="0"/>
-      </a:effectRef>
-      <a:fontRef idx="minor">
-        <a:schemeClr val="lt1"/>
-      </a:fontRef>
-    </dgm:style>
-  </dgm:styleLbl>
-  <dgm:styleLbl name="node4">
-    <dgm:scene3d>
-      <a:camera prst="orthographicFront"/>
-      <a:lightRig rig="threePt" dir="t"/>
-    </dgm:scene3d>
-    <dgm:sp3d/>
-    <dgm:txPr/>
-    <dgm:style>
-      <a:lnRef idx="2">
-        <a:scrgbClr r="0" g="0" b="0"/>
-      </a:lnRef>
-      <a:fillRef idx="1">
-        <a:scrgbClr r="0" g="0" b="0"/>
-      </a:fillRef>
-      <a:effectRef idx="0">
-        <a:scrgbClr r="0" g="0" b="0"/>
-      </a:effectRef>
-      <a:fontRef idx="minor">
-        <a:schemeClr val="lt1"/>
-      </a:fontRef>
-    </dgm:style>
-  </dgm:styleLbl>
-  <dgm:styleLbl name="fgImgPlace1">
-    <dgm:scene3d>
-      <a:camera prst="orthographicFront"/>
-      <a:lightRig rig="threePt" dir="t"/>
-    </dgm:scene3d>
-    <dgm:sp3d/>
-    <dgm:txPr/>
-    <dgm:style>
-      <a:lnRef idx="2">
-        <a:scrgbClr r="0" g="0" b="0"/>
-      </a:lnRef>
-      <a:fillRef idx="1">
-        <a:scrgbClr r="0" g="0" b="0"/>
-      </a:fillRef>
-      <a:effectRef idx="0">
-        <a:scrgbClr r="0" g="0" b="0"/>
-      </a:effectRef>
-      <a:fontRef idx="minor"/>
-    </dgm:style>
-  </dgm:styleLbl>
-  <dgm:styleLbl name="alignImgPlace1">
-    <dgm:scene3d>
-      <a:camera prst="orthographicFront"/>
-      <a:lightRig rig="threePt" dir="t"/>
-    </dgm:scene3d>
-    <dgm:sp3d/>
-    <dgm:txPr/>
-    <dgm:style>
-      <a:lnRef idx="2">
-        <a:scrgbClr r="0" g="0" b="0"/>
-      </a:lnRef>
-      <a:fillRef idx="1">
-        <a:scrgbClr r="0" g="0" b="0"/>
-      </a:fillRef>
-      <a:effectRef idx="0">
-        <a:scrgbClr r="0" g="0" b="0"/>
-      </a:effectRef>
-      <a:fontRef idx="minor"/>
-    </dgm:style>
-  </dgm:styleLbl>
-  <dgm:styleLbl name="bgImgPlace1">
-    <dgm:scene3d>
-      <a:camera prst="orthographicFront"/>
-      <a:lightRig rig="threePt" dir="t"/>
-    </dgm:scene3d>
-    <dgm:sp3d/>
-    <dgm:txPr/>
-    <dgm:style>
-      <a:lnRef idx="2">
-        <a:scrgbClr r="0" g="0" b="0"/>
-      </a:lnRef>
-      <a:fillRef idx="1">
-        <a:scrgbClr r="0" g="0" b="0"/>
-      </a:fillRef>
-      <a:effectRef idx="0">
-        <a:scrgbClr r="0" g="0" b="0"/>
-      </a:effectRef>
-      <a:fontRef idx="minor"/>
-    </dgm:style>
-  </dgm:styleLbl>
-  <dgm:styleLbl name="sibTrans2D1">
-    <dgm:scene3d>
-      <a:camera prst="orthographicFront"/>
-      <a:lightRig rig="threePt" dir="t"/>
-    </dgm:scene3d>
-    <dgm:sp3d/>
-    <dgm:txPr/>
-    <dgm:style>
-      <a:lnRef idx="0">
-        <a:scrgbClr r="0" g="0" b="0"/>
-      </a:lnRef>
-      <a:fillRef idx="1">
-        <a:scrgbClr r="0" g="0" b="0"/>
-      </a:fillRef>
-      <a:effectRef idx="0">
-        <a:scrgbClr r="0" g="0" b="0"/>
-      </a:effectRef>
-      <a:fontRef idx="minor">
-        <a:schemeClr val="lt1"/>
-      </a:fontRef>
-    </dgm:style>
-  </dgm:styleLbl>
-  <dgm:styleLbl name="fgSibTrans2D1">
-    <dgm:scene3d>
-      <a:camera prst="orthographicFront"/>
-      <a:lightRig rig="threePt" dir="t"/>
-    </dgm:scene3d>
-    <dgm:sp3d/>
-    <dgm:txPr/>
-    <dgm:style>
-      <a:lnRef idx="0">
-        <a:scrgbClr r="0" g="0" b="0"/>
-      </a:lnRef>
-      <a:fillRef idx="1">
-        <a:scrgbClr r="0" g="0" b="0"/>
-      </a:fillRef>
-      <a:effectRef idx="0">
-        <a:scrgbClr r="0" g="0" b="0"/>
-      </a:effectRef>
-      <a:fontRef idx="minor">
-        <a:schemeClr val="lt1"/>
-      </a:fontRef>
-    </dgm:style>
-  </dgm:styleLbl>
-  <dgm:styleLbl name="bgSibTrans2D1">
-    <dgm:scene3d>
-      <a:camera prst="orthographicFront"/>
-      <a:lightRig rig="threePt" dir="t"/>
-    </dgm:scene3d>
-    <dgm:sp3d/>
-    <dgm:txPr/>
-    <dgm:style>
-      <a:lnRef idx="0">
-        <a:scrgbClr r="0" g="0" b="0"/>
-      </a:lnRef>
-      <a:fillRef idx="1">
-        <a:scrgbClr r="0" g="0" b="0"/>
-      </a:fillRef>
-      <a:effectRef idx="0">
-        <a:scrgbClr r="0" g="0" b="0"/>
-      </a:effectRef>
-      <a:fontRef idx="minor">
-        <a:schemeClr val="lt1"/>
-      </a:fontRef>
-    </dgm:style>
-  </dgm:styleLbl>
-  <dgm:styleLbl name="sibTrans1D1">
-    <dgm:scene3d>
-      <a:camera prst="orthographicFront"/>
-      <a:lightRig rig="threePt" dir="t"/>
-    </dgm:scene3d>
-    <dgm:sp3d/>
-    <dgm:txPr/>
-    <dgm:style>
-      <a:lnRef idx="1">
-        <a:scrgbClr r="0" g="0" b="0"/>
-      </a:lnRef>
-      <a:fillRef idx="0">
-        <a:scrgbClr r="0" g="0" b="0"/>
-      </a:fillRef>
-      <a:effectRef idx="0">
-        <a:scrgbClr r="0" g="0" b="0"/>
-      </a:effectRef>
-      <a:fontRef idx="minor"/>
-    </dgm:style>
-  </dgm:styleLbl>
-  <dgm:styleLbl name="callout">
-    <dgm:scene3d>
-      <a:camera prst="orthographicFront"/>
-      <a:lightRig rig="threePt" dir="t"/>
-    </dgm:scene3d>
-    <dgm:sp3d/>
-    <dgm:txPr/>
-    <dgm:style>
-      <a:lnRef idx="2">
-        <a:scrgbClr r="0" g="0" b="0"/>
-      </a:lnRef>
-      <a:fillRef idx="1">
-        <a:scrgbClr r="0" g="0" b="0"/>
-      </a:fillRef>
-      <a:effectRef idx="0">
-        <a:scrgbClr r="0" g="0" b="0"/>
-      </a:effectRef>
-      <a:fontRef idx="minor"/>
-    </dgm:style>
-  </dgm:styleLbl>
-  <dgm:styleLbl name="asst0">
-    <dgm:scene3d>
-      <a:camera prst="orthographicFront"/>
-      <a:lightRig rig="threePt" dir="t"/>
-    </dgm:scene3d>
-    <dgm:sp3d/>
-    <dgm:txPr/>
-    <dgm:style>
-      <a:lnRef idx="2">
-        <a:scrgbClr r="0" g="0" b="0"/>
-      </a:lnRef>
-      <a:fillRef idx="1">
-        <a:scrgbClr r="0" g="0" b="0"/>
-      </a:fillRef>
-      <a:effectRef idx="0">
-        <a:scrgbClr r="0" g="0" b="0"/>
-      </a:effectRef>
-      <a:fontRef idx="minor">
-        <a:schemeClr val="lt1"/>
-      </a:fontRef>
-    </dgm:style>
-  </dgm:styleLbl>
-  <dgm:styleLbl name="asst1">
-    <dgm:scene3d>
-      <a:camera prst="orthographicFront"/>
-      <a:lightRig rig="threePt" dir="t"/>
-    </dgm:scene3d>
-    <dgm:sp3d/>
-    <dgm:txPr/>
-    <dgm:style>
-      <a:lnRef idx="2">
-        <a:scrgbClr r="0" g="0" b="0"/>
-      </a:lnRef>
-      <a:fillRef idx="1">
-        <a:scrgbClr r="0" g="0" b="0"/>
-      </a:fillRef>
-      <a:effectRef idx="0">
-        <a:scrgbClr r="0" g="0" b="0"/>
-      </a:effectRef>
-      <a:fontRef idx="minor">
-        <a:schemeClr val="lt1"/>
-      </a:fontRef>
-    </dgm:style>
-  </dgm:styleLbl>
-  <dgm:styleLbl name="asst2">
-    <dgm:scene3d>
-      <a:camera prst="orthographicFront"/>
-      <a:lightRig rig="threePt" dir="t"/>
-    </dgm:scene3d>
-    <dgm:sp3d/>
-    <dgm:txPr/>
-    <dgm:style>
-      <a:lnRef idx="2">
-        <a:scrgbClr r="0" g="0" b="0"/>
-      </a:lnRef>
-      <a:fillRef idx="1">
-        <a:scrgbClr r="0" g="0" b="0"/>
-      </a:fillRef>
-      <a:effectRef idx="0">
-        <a:scrgbClr r="0" g="0" b="0"/>
-      </a:effectRef>
-      <a:fontRef idx="minor">
-        <a:schemeClr val="lt1"/>
-      </a:fontRef>
-    </dgm:style>
-  </dgm:styleLbl>
-  <dgm:styleLbl name="asst3">
-    <dgm:scene3d>
-      <a:camera prst="orthographicFront"/>
-      <a:lightRig rig="threePt" dir="t"/>
-    </dgm:scene3d>
-    <dgm:sp3d/>
-    <dgm:txPr/>
-    <dgm:style>
-      <a:lnRef idx="2">
-        <a:scrgbClr r="0" g="0" b="0"/>
-      </a:lnRef>
-      <a:fillRef idx="1">
-        <a:scrgbClr r="0" g="0" b="0"/>
-      </a:fillRef>
-      <a:effectRef idx="0">
-        <a:scrgbClr r="0" g="0" b="0"/>
-      </a:effectRef>
-      <a:fontRef idx="minor">
-        <a:schemeClr val="lt1"/>
-      </a:fontRef>
-    </dgm:style>
-  </dgm:styleLbl>
-  <dgm:styleLbl name="asst4">
-    <dgm:scene3d>
-      <a:camera prst="orthographicFront"/>
-      <a:lightRig rig="threePt" dir="t"/>
-    </dgm:scene3d>
-    <dgm:sp3d/>
-    <dgm:txPr/>
-    <dgm:style>
-      <a:lnRef idx="2">
-        <a:scrgbClr r="0" g="0" b="0"/>
-      </a:lnRef>
-      <a:fillRef idx="1">
-        <a:scrgbClr r="0" g="0" b="0"/>
-      </a:fillRef>
-      <a:effectRef idx="0">
-        <a:scrgbClr r="0" g="0" b="0"/>
-      </a:effectRef>
-      <a:fontRef idx="minor">
-        <a:schemeClr val="lt1"/>
-      </a:fontRef>
-    </dgm:style>
-  </dgm:styleLbl>
-  <dgm:styleLbl name="parChTrans2D1">
-    <dgm:scene3d>
-      <a:camera prst="orthographicFront"/>
-      <a:lightRig rig="threePt" dir="t"/>
-    </dgm:scene3d>
-    <dgm:sp3d/>
-    <dgm:txPr/>
-    <dgm:style>
-      <a:lnRef idx="2">
-        <a:scrgbClr r="0" g="0" b="0"/>
-      </a:lnRef>
-      <a:fillRef idx="1">
-        <a:scrgbClr r="0" g="0" b="0"/>
-      </a:fillRef>
-      <a:effectRef idx="0">
-        <a:scrgbClr r="0" g="0" b="0"/>
-      </a:effectRef>
-      <a:fontRef idx="minor">
-        <a:schemeClr val="lt1"/>
-      </a:fontRef>
-    </dgm:style>
-  </dgm:styleLbl>
-  <dgm:styleLbl name="parChTrans2D2">
-    <dgm:scene3d>
-      <a:camera prst="orthographicFront"/>
-      <a:lightRig rig="threePt" dir="t"/>
-    </dgm:scene3d>
-    <dgm:sp3d/>
-    <dgm:txPr/>
-    <dgm:style>
-      <a:lnRef idx="2">
-        <a:scrgbClr r="0" g="0" b="0"/>
-      </a:lnRef>
-      <a:fillRef idx="1">
-        <a:scrgbClr r="0" g="0" b="0"/>
-      </a:fillRef>
-      <a:effectRef idx="0">
-        <a:scrgbClr r="0" g="0" b="0"/>
-      </a:effectRef>
-      <a:fontRef idx="minor">
-        <a:schemeClr val="lt1"/>
-      </a:fontRef>
-    </dgm:style>
-  </dgm:styleLbl>
-  <dgm:styleLbl name="parChTrans2D3">
-    <dgm:scene3d>
-      <a:camera prst="orthographicFront"/>
-      <a:lightRig rig="threePt" dir="t"/>
-    </dgm:scene3d>
-    <dgm:sp3d/>
-    <dgm:txPr/>
-    <dgm:style>
-      <a:lnRef idx="2">
-        <a:scrgbClr r="0" g="0" b="0"/>
-      </a:lnRef>
-      <a:fillRef idx="1">
-        <a:scrgbClr r="0" g="0" b="0"/>
-      </a:fillRef>
-      <a:effectRef idx="0">
-        <a:scrgbClr r="0" g="0" b="0"/>
-      </a:effectRef>
-      <a:fontRef idx="minor">
-        <a:schemeClr val="lt1"/>
-      </a:fontRef>
-    </dgm:style>
-  </dgm:styleLbl>
-  <dgm:styleLbl name="parChTrans2D4">
-    <dgm:scene3d>
-      <a:camera prst="orthographicFront"/>
-      <a:lightRig rig="threePt" dir="t"/>
-    </dgm:scene3d>
-    <dgm:sp3d/>
-    <dgm:txPr/>
-    <dgm:style>
-      <a:lnRef idx="2">
-        <a:scrgbClr r="0" g="0" b="0"/>
-      </a:lnRef>
-      <a:fillRef idx="1">
-        <a:scrgbClr r="0" g="0" b="0"/>
-      </a:fillRef>
-      <a:effectRef idx="0">
-        <a:scrgbClr r="0" g="0" b="0"/>
-      </a:effectRef>
-      <a:fontRef idx="minor">
-        <a:schemeClr val="lt1"/>
-      </a:fontRef>
-    </dgm:style>
-  </dgm:styleLbl>
-  <dgm:styleLbl name="parChTrans1D1">
-    <dgm:scene3d>
-      <a:camera prst="orthographicFront"/>
-      <a:lightRig rig="threePt" dir="t"/>
-    </dgm:scene3d>
-    <dgm:sp3d/>
-    <dgm:txPr/>
-    <dgm:style>
-      <a:lnRef idx="2">
-        <a:scrgbClr r="0" g="0" b="0"/>
-      </a:lnRef>
-      <a:fillRef idx="0">
-        <a:scrgbClr r="0" g="0" b="0"/>
-      </a:fillRef>
-      <a:effectRef idx="0">
-        <a:scrgbClr r="0" g="0" b="0"/>
-      </a:effectRef>
-      <a:fontRef idx="minor"/>
-    </dgm:style>
-  </dgm:styleLbl>
-  <dgm:styleLbl name="parChTrans1D2">
-    <dgm:scene3d>
-      <a:camera prst="orthographicFront"/>
-      <a:lightRig rig="threePt" dir="t"/>
-    </dgm:scene3d>
-    <dgm:sp3d/>
-    <dgm:txPr/>
-    <dgm:style>
-      <a:lnRef idx="2">
-        <a:scrgbClr r="0" g="0" b="0"/>
-      </a:lnRef>
-      <a:fillRef idx="0">
-        <a:scrgbClr r="0" g="0" b="0"/>
-      </a:fillRef>
-      <a:effectRef idx="0">
-        <a:scrgbClr r="0" g="0" b="0"/>
-      </a:effectRef>
-      <a:fontRef idx="minor"/>
-    </dgm:style>
-  </dgm:styleLbl>
-  <dgm:styleLbl name="parChTrans1D3">
-    <dgm:scene3d>
-      <a:camera prst="orthographicFront"/>
-      <a:lightRig rig="threePt" dir="t"/>
-    </dgm:scene3d>
-    <dgm:sp3d/>
-    <dgm:txPr/>
-    <dgm:style>
-      <a:lnRef idx="2">
-        <a:scrgbClr r="0" g="0" b="0"/>
-      </a:lnRef>
-      <a:fillRef idx="0">
-        <a:scrgbClr r="0" g="0" b="0"/>
-      </a:fillRef>
-      <a:effectRef idx="0">
-        <a:scrgbClr r="0" g="0" b="0"/>
-      </a:effectRef>
-      <a:fontRef idx="minor"/>
-    </dgm:style>
-  </dgm:styleLbl>
-  <dgm:styleLbl name="parChTrans1D4">
-    <dgm:scene3d>
-      <a:camera prst="orthographicFront"/>
-      <a:lightRig rig="threePt" dir="t"/>
-    </dgm:scene3d>
-    <dgm:sp3d/>
-    <dgm:txPr/>
-    <dgm:style>
-      <a:lnRef idx="2">
-        <a:scrgbClr r="0" g="0" b="0"/>
-      </a:lnRef>
-      <a:fillRef idx="0">
-        <a:scrgbClr r="0" g="0" b="0"/>
-      </a:fillRef>
-      <a:effectRef idx="0">
-        <a:scrgbClr r="0" g="0" b="0"/>
-      </a:effectRef>
-      <a:fontRef idx="minor"/>
-    </dgm:style>
-  </dgm:styleLbl>
-  <dgm:styleLbl name="fgAcc1">
-    <dgm:scene3d>
-      <a:camera prst="orthographicFront"/>
-      <a:lightRig rig="threePt" dir="t"/>
-    </dgm:scene3d>
-    <dgm:sp3d/>
-    <dgm:txPr/>
-    <dgm:style>
-      <a:lnRef idx="2">
-        <a:scrgbClr r="0" g="0" b="0"/>
-      </a:lnRef>
-      <a:fillRef idx="1">
-        <a:scrgbClr r="0" g="0" b="0"/>
-      </a:fillRef>
-      <a:effectRef idx="0">
-        <a:scrgbClr r="0" g="0" b="0"/>
-      </a:effectRef>
-      <a:fontRef idx="minor"/>
-    </dgm:style>
-  </dgm:styleLbl>
-  <dgm:styleLbl name="conFgAcc1">
-    <dgm:scene3d>
-      <a:camera prst="orthographicFront"/>
-      <a:lightRig rig="threePt" dir="t"/>
-    </dgm:scene3d>
-    <dgm:sp3d/>
-    <dgm:txPr/>
-    <dgm:style>
-      <a:lnRef idx="2">
-        <a:scrgbClr r="0" g="0" b="0"/>
-      </a:lnRef>
-      <a:fillRef idx="1">
-        <a:scrgbClr r="0" g="0" b="0"/>
-      </a:fillRef>
-      <a:effectRef idx="0">
-        <a:scrgbClr r="0" g="0" b="0"/>
-      </a:effectRef>
-      <a:fontRef idx="minor"/>
-    </dgm:style>
-  </dgm:styleLbl>
-  <dgm:styleLbl name="alignAcc1">
-    <dgm:scene3d>
-      <a:camera prst="orthographicFront"/>
-      <a:lightRig rig="threePt" dir="t"/>
-    </dgm:scene3d>
-    <dgm:sp3d/>
-    <dgm:txPr/>
-    <dgm:style>
-      <a:lnRef idx="2">
-        <a:scrgbClr r="0" g="0" b="0"/>
-      </a:lnRef>
-      <a:fillRef idx="1">
-        <a:scrgbClr r="0" g="0" b="0"/>
-      </a:fillRef>
-      <a:effectRef idx="0">
-        <a:scrgbClr r="0" g="0" b="0"/>
-      </a:effectRef>
-      <a:fontRef idx="minor"/>
-    </dgm:style>
-  </dgm:styleLbl>
-  <dgm:styleLbl name="trAlignAcc1">
-    <dgm:scene3d>
-      <a:camera prst="orthographicFront"/>
-      <a:lightRig rig="threePt" dir="t"/>
-    </dgm:scene3d>
-    <dgm:sp3d/>
-    <dgm:txPr/>
-    <dgm:style>
-      <a:lnRef idx="1">
-        <a:scrgbClr r="0" g="0" b="0"/>
-      </a:lnRef>
-      <a:fillRef idx="1">
-        <a:scrgbClr r="0" g="0" b="0"/>
-      </a:fillRef>
-      <a:effectRef idx="0">
-        <a:scrgbClr r="0" g="0" b="0"/>
-      </a:effectRef>
-      <a:fontRef idx="minor"/>
-    </dgm:style>
-  </dgm:styleLbl>
-  <dgm:styleLbl name="bgAcc1">
-    <dgm:scene3d>
-      <a:camera prst="orthographicFront"/>
-      <a:lightRig rig="threePt" dir="t"/>
-    </dgm:scene3d>
-    <dgm:sp3d/>
-    <dgm:txPr/>
-    <dgm:style>
-      <a:lnRef idx="2">
-        <a:scrgbClr r="0" g="0" b="0"/>
-      </a:lnRef>
-      <a:fillRef idx="1">
-        <a:scrgbClr r="0" g="0" b="0"/>
-      </a:fillRef>
-      <a:effectRef idx="0">
-        <a:scrgbClr r="0" g="0" b="0"/>
-      </a:effectRef>
-      <a:fontRef idx="minor"/>
-    </dgm:style>
-  </dgm:styleLbl>
-  <dgm:styleLbl name="solidFgAcc1">
-    <dgm:scene3d>
-      <a:camera prst="orthographicFront"/>
-      <a:lightRig rig="threePt" dir="t"/>
-    </dgm:scene3d>
-    <dgm:sp3d/>
-    <dgm:txPr/>
-    <dgm:style>
-      <a:lnRef idx="2">
-        <a:scrgbClr r="0" g="0" b="0"/>
-      </a:lnRef>
-      <a:fillRef idx="1">
-        <a:scrgbClr r="0" g="0" b="0"/>
-      </a:fillRef>
-      <a:effectRef idx="0">
-        <a:scrgbClr r="0" g="0" b="0"/>
-      </a:effectRef>
-      <a:fontRef idx="minor"/>
-    </dgm:style>
-  </dgm:styleLbl>
-  <dgm:styleLbl name="solidAlignAcc1">
-    <dgm:scene3d>
-      <a:camera prst="orthographicFront"/>
-      <a:lightRig rig="threePt" dir="t"/>
-    </dgm:scene3d>
-    <dgm:sp3d/>
-    <dgm:txPr/>
-    <dgm:style>
-      <a:lnRef idx="2">
-        <a:scrgbClr r="0" g="0" b="0"/>
-      </a:lnRef>
-      <a:fillRef idx="1">
-        <a:scrgbClr r="0" g="0" b="0"/>
-      </a:fillRef>
-      <a:effectRef idx="0">
-        <a:scrgbClr r="0" g="0" b="0"/>
-      </a:effectRef>
-      <a:fontRef idx="minor"/>
-    </dgm:style>
-  </dgm:styleLbl>
-  <dgm:styleLbl name="solidBgAcc1">
-    <dgm:scene3d>
-      <a:camera prst="orthographicFront"/>
-      <a:lightRig rig="threePt" dir="t"/>
-    </dgm:scene3d>
-    <dgm:sp3d/>
-    <dgm:txPr/>
-    <dgm:style>
-      <a:lnRef idx="2">
-        <a:scrgbClr r="0" g="0" b="0"/>
-      </a:lnRef>
-      <a:fillRef idx="1">
-        <a:scrgbClr r="0" g="0" b="0"/>
-      </a:fillRef>
-      <a:effectRef idx="0">
-        <a:scrgbClr r="0" g="0" b="0"/>
-      </a:effectRef>
-      <a:fontRef idx="minor"/>
-    </dgm:style>
-  </dgm:styleLbl>
-  <dgm:styleLbl name="fgAccFollowNode1">
-    <dgm:scene3d>
-      <a:camera prst="orthographicFront"/>
-      <a:lightRig rig="threePt" dir="t"/>
-    </dgm:scene3d>
-    <dgm:sp3d/>
-    <dgm:txPr/>
-    <dgm:style>
-      <a:lnRef idx="2">
-        <a:scrgbClr r="0" g="0" b="0"/>
-      </a:lnRef>
-      <a:fillRef idx="1">
-        <a:scrgbClr r="0" g="0" b="0"/>
-      </a:fillRef>
-      <a:effectRef idx="0">
-        <a:scrgbClr r="0" g="0" b="0"/>
-      </a:effectRef>
-      <a:fontRef idx="minor"/>
-    </dgm:style>
-  </dgm:styleLbl>
-  <dgm:styleLbl name="alignAccFollowNode1">
-    <dgm:scene3d>
-      <a:camera prst="orthographicFront"/>
-      <a:lightRig rig="threePt" dir="t"/>
-    </dgm:scene3d>
-    <dgm:sp3d/>
-    <dgm:txPr/>
-    <dgm:style>
-      <a:lnRef idx="2">
-        <a:scrgbClr r="0" g="0" b="0"/>
-      </a:lnRef>
-      <a:fillRef idx="1">
-        <a:scrgbClr r="0" g="0" b="0"/>
-      </a:fillRef>
-      <a:effectRef idx="0">
-        <a:scrgbClr r="0" g="0" b="0"/>
-      </a:effectRef>
-      <a:fontRef idx="minor"/>
-    </dgm:style>
-  </dgm:styleLbl>
-  <dgm:styleLbl name="bgAccFollowNode1">
-    <dgm:scene3d>
-      <a:camera prst="orthographicFront"/>
-      <a:lightRig rig="threePt" dir="t"/>
-    </dgm:scene3d>
-    <dgm:sp3d/>
-    <dgm:txPr/>
-    <dgm:style>
-      <a:lnRef idx="2">
-        <a:scrgbClr r="0" g="0" b="0"/>
-      </a:lnRef>
-      <a:fillRef idx="1">
-        <a:scrgbClr r="0" g="0" b="0"/>
-      </a:fillRef>
-      <a:effectRef idx="0">
-        <a:scrgbClr r="0" g="0" b="0"/>
-      </a:effectRef>
-      <a:fontRef idx="minor"/>
-    </dgm:style>
-  </dgm:styleLbl>
-  <dgm:styleLbl name="fgAcc0">
-    <dgm:scene3d>
-      <a:camera prst="orthographicFront"/>
-      <a:lightRig rig="threePt" dir="t"/>
-    </dgm:scene3d>
-    <dgm:sp3d/>
-    <dgm:txPr/>
-    <dgm:style>
-      <a:lnRef idx="2">
-        <a:scrgbClr r="0" g="0" b="0"/>
-      </a:lnRef>
-      <a:fillRef idx="1">
-        <a:scrgbClr r="0" g="0" b="0"/>
-      </a:fillRef>
-      <a:effectRef idx="0">
-        <a:scrgbClr r="0" g="0" b="0"/>
-      </a:effectRef>
-      <a:fontRef idx="minor"/>
-    </dgm:style>
-  </dgm:styleLbl>
-  <dgm:styleLbl name="fgAcc2">
-    <dgm:scene3d>
-      <a:camera prst="orthographicFront"/>
-      <a:lightRig rig="threePt" dir="t"/>
-    </dgm:scene3d>
-    <dgm:sp3d/>
-    <dgm:txPr/>
-    <dgm:style>
-      <a:lnRef idx="2">
-        <a:scrgbClr r="0" g="0" b="0"/>
-      </a:lnRef>
-      <a:fillRef idx="1">
-        <a:scrgbClr r="0" g="0" b="0"/>
-      </a:fillRef>
-      <a:effectRef idx="0">
-        <a:scrgbClr r="0" g="0" b="0"/>
-      </a:effectRef>
-      <a:fontRef idx="minor"/>
-    </dgm:style>
-  </dgm:styleLbl>
-  <dgm:styleLbl name="fgAcc3">
-    <dgm:scene3d>
-      <a:camera prst="orthographicFront"/>
-      <a:lightRig rig="threePt" dir="t"/>
-    </dgm:scene3d>
-    <dgm:sp3d/>
-    <dgm:txPr/>
-    <dgm:style>
-      <a:lnRef idx="2">
-        <a:scrgbClr r="0" g="0" b="0"/>
-      </a:lnRef>
-      <a:fillRef idx="1">
-        <a:scrgbClr r="0" g="0" b="0"/>
-      </a:fillRef>
-      <a:effectRef idx="0">
-        <a:scrgbClr r="0" g="0" b="0"/>
-      </a:effectRef>
-      <a:fontRef idx="minor"/>
-    </dgm:style>
-  </dgm:styleLbl>
-  <dgm:styleLbl name="fgAcc4">
-    <dgm:scene3d>
-      <a:camera prst="orthographicFront"/>
-      <a:lightRig rig="threePt" dir="t"/>
-    </dgm:scene3d>
-    <dgm:sp3d/>
-    <dgm:txPr/>
-    <dgm:style>
-      <a:lnRef idx="2">
-        <a:scrgbClr r="0" g="0" b="0"/>
-      </a:lnRef>
-      <a:fillRef idx="1">
-        <a:scrgbClr r="0" g="0" b="0"/>
-      </a:fillRef>
-      <a:effectRef idx="0">
-        <a:scrgbClr r="0" g="0" b="0"/>
-      </a:effectRef>
-      <a:fontRef idx="minor"/>
-    </dgm:style>
-  </dgm:styleLbl>
-  <dgm:styleLbl name="bgShp">
-    <dgm:scene3d>
-      <a:camera prst="orthographicFront"/>
-      <a:lightRig rig="threePt" dir="t"/>
-    </dgm:scene3d>
-    <dgm:sp3d/>
-    <dgm:txPr/>
-    <dgm:style>
-      <a:lnRef idx="0">
-        <a:scrgbClr r="0" g="0" b="0"/>
-      </a:lnRef>
-      <a:fillRef idx="1">
-        <a:scrgbClr r="0" g="0" b="0"/>
-      </a:fillRef>
-      <a:effectRef idx="0">
-        <a:scrgbClr r="0" g="0" b="0"/>
-      </a:effectRef>
-      <a:fontRef idx="minor"/>
-    </dgm:style>
-  </dgm:styleLbl>
-  <dgm:styleLbl name="dkBgShp">
-    <dgm:scene3d>
-      <a:camera prst="orthographicFront"/>
-      <a:lightRig rig="threePt" dir="t"/>
-    </dgm:scene3d>
-    <dgm:sp3d/>
-    <dgm:txPr/>
-    <dgm:style>
-      <a:lnRef idx="0">
-        <a:scrgbClr r="0" g="0" b="0"/>
-      </a:lnRef>
-      <a:fillRef idx="1">
-        <a:scrgbClr r="0" g="0" b="0"/>
-      </a:fillRef>
-      <a:effectRef idx="0">
-        <a:scrgbClr r="0" g="0" b="0"/>
-      </a:effectRef>
-      <a:fontRef idx="minor"/>
-    </dgm:style>
-  </dgm:styleLbl>
-  <dgm:styleLbl name="trBgShp">
-    <dgm:scene3d>
-      <a:camera prst="orthographicFront"/>
-      <a:lightRig rig="threePt" dir="t"/>
-    </dgm:scene3d>
-    <dgm:sp3d/>
-    <dgm:txPr/>
-    <dgm:style>
-      <a:lnRef idx="0">
-        <a:scrgbClr r="0" g="0" b="0"/>
-      </a:lnRef>
-      <a:fillRef idx="1">
-        <a:scrgbClr r="0" g="0" b="0"/>
-      </a:fillRef>
-      <a:effectRef idx="0">
-        <a:scrgbClr r="0" g="0" b="0"/>
-      </a:effectRef>
-      <a:fontRef idx="minor"/>
-    </dgm:style>
-  </dgm:styleLbl>
-  <dgm:styleLbl name="fgShp">
-    <dgm:scene3d>
-      <a:camera prst="orthographicFront"/>
-      <a:lightRig rig="threePt" dir="t"/>
-    </dgm:scene3d>
-    <dgm:sp3d/>
-    <dgm:txPr/>
-    <dgm:style>
-      <a:lnRef idx="2">
-        <a:scrgbClr r="0" g="0" b="0"/>
-      </a:lnRef>
-      <a:fillRef idx="1">
-        <a:scrgbClr r="0" g="0" b="0"/>
-      </a:fillRef>
-      <a:effectRef idx="0">
-        <a:scrgbClr r="0" g="0" b="0"/>
-      </a:effectRef>
-      <a:fontRef idx="minor"/>
-    </dgm:style>
-  </dgm:styleLbl>
-  <dgm:styleLbl name="revTx">
-    <dgm:scene3d>
-      <a:camera prst="orthographicFront"/>
-      <a:lightRig rig="threePt" dir="t"/>
-    </dgm:scene3d>
-    <dgm:sp3d/>
-    <dgm:txPr/>
-    <dgm:style>
-      <a:lnRef idx="0">
-        <a:scrgbClr r="0" g="0" b="0"/>
-      </a:lnRef>
-      <a:fillRef idx="0">
-        <a:scrgbClr r="0" g="0" b="0"/>
-      </a:fillRef>
-      <a:effectRef idx="0">
-        <a:scrgbClr r="0" g="0" b="0"/>
-      </a:effectRef>
-      <a:fontRef idx="minor"/>
-    </dgm:style>
-  </dgm:styleLbl>
-</dgm:styleDef>
 </file>
 
 <file path=ppt/slideLayouts/slideLayout1.xml><?xml version="1.0" encoding="utf-8"?>
@@ -6403,7 +3525,7 @@
           <a:lstStyle/>
           <a:p>
             <a:r>
-              <a:rPr lang="en-GB" sz="5800"/>
+              <a:rPr lang="en-GB" sz="5800" dirty="0"/>
               <a:t>Animating Network Flow</a:t>
             </a:r>
           </a:p>
@@ -6542,100 +3664,6 @@
       </p:grpSpPr>
       <p:sp>
         <p:nvSpPr>
-          <p:cNvPr id="61" name="Rectangle 60">
-            <a:extLst>
-              <a:ext uri="{FF2B5EF4-FFF2-40B4-BE49-F238E27FC236}">
-                <a16:creationId xmlns:a16="http://schemas.microsoft.com/office/drawing/2014/main" id="{823AC064-BC96-4F32-8AE1-B2FD38754823}"/>
-              </a:ext>
-              <a:ext uri="{C183D7F6-B498-43B3-948B-1728B52AA6E4}">
-                <adec:decorative xmlns:adec="http://schemas.microsoft.com/office/drawing/2017/decorative" val="1"/>
-              </a:ext>
-            </a:extLst>
-          </p:cNvPr>
-          <p:cNvSpPr>
-            <a:spLocks noGrp="1" noRot="1" noChangeAspect="1" noMove="1" noResize="1" noEditPoints="1" noAdjustHandles="1" noChangeArrowheads="1" noChangeShapeType="1" noTextEdit="1"/>
-          </p:cNvSpPr>
-          <p:nvPr>
-            <p:extLst>
-              <p:ext uri="{386F3935-93C4-4BCD-93E2-E3B085C9AB24}">
-                <p16:designElem xmlns:p16="http://schemas.microsoft.com/office/powerpoint/2015/main" val="1"/>
-              </p:ext>
-            </p:extLst>
-          </p:nvPr>
-        </p:nvSpPr>
-        <p:spPr bwMode="ltGray">
-          <a:xfrm>
-            <a:off x="378068" y="343486"/>
-            <a:ext cx="11438793" cy="1844256"/>
-          </a:xfrm>
-          <a:prstGeom prst="rect">
-            <a:avLst/>
-          </a:prstGeom>
-          <a:solidFill>
-            <a:srgbClr val="404040"/>
-          </a:solidFill>
-          <a:ln w="127000" cap="sq" cmpd="thinThick">
-            <a:solidFill>
-              <a:srgbClr val="404040"/>
-            </a:solidFill>
-          </a:ln>
-        </p:spPr>
-        <p:style>
-          <a:lnRef idx="2">
-            <a:schemeClr val="accent1">
-              <a:shade val="50000"/>
-            </a:schemeClr>
-          </a:lnRef>
-          <a:fillRef idx="1">
-            <a:schemeClr val="accent1"/>
-          </a:fillRef>
-          <a:effectRef idx="0">
-            <a:schemeClr val="accent1"/>
-          </a:effectRef>
-          <a:fontRef idx="minor">
-            <a:schemeClr val="lt1"/>
-          </a:fontRef>
-        </p:style>
-        <p:txBody>
-          <a:bodyPr rtlCol="0" anchor="ctr"/>
-          <a:lstStyle/>
-          <a:p>
-            <a:pPr marL="0" marR="0" lvl="0" indent="0" algn="ctr" defTabSz="914400" rtl="0" eaLnBrk="1" fontAlgn="auto" latinLnBrk="0" hangingPunct="1">
-              <a:lnSpc>
-                <a:spcPct val="100000"/>
-              </a:lnSpc>
-              <a:spcBef>
-                <a:spcPts val="0"/>
-              </a:spcBef>
-              <a:spcAft>
-                <a:spcPts val="0"/>
-              </a:spcAft>
-              <a:buClrTx/>
-              <a:buSzTx/>
-              <a:buFontTx/>
-              <a:buNone/>
-              <a:tabLst/>
-              <a:defRPr/>
-            </a:pPr>
-            <a:endParaRPr kumimoji="0" lang="en-US" sz="1800" b="0" i="0" u="none" strike="noStrike" kern="1200" cap="none" spc="0" normalizeH="0" baseline="0" noProof="0">
-              <a:ln>
-                <a:noFill/>
-              </a:ln>
-              <a:solidFill>
-                <a:prstClr val="white"/>
-              </a:solidFill>
-              <a:effectLst/>
-              <a:uLnTx/>
-              <a:uFillTx/>
-              <a:latin typeface="Calibri" panose="020F0502020204030204"/>
-              <a:ea typeface="+mn-ea"/>
-              <a:cs typeface="+mn-cs"/>
-            </a:endParaRPr>
-          </a:p>
-        </p:txBody>
-      </p:sp>
-      <p:sp>
-        <p:nvSpPr>
           <p:cNvPr id="2" name="Title 1">
             <a:extLst>
               <a:ext uri="{FF2B5EF4-FFF2-40B4-BE49-F238E27FC236}">
@@ -6650,88 +3678,18 @@
             <p:ph type="title"/>
           </p:nvPr>
         </p:nvSpPr>
-        <p:spPr>
-          <a:xfrm>
-            <a:off x="526073" y="466578"/>
-            <a:ext cx="11139854" cy="930447"/>
-          </a:xfrm>
-          <a:prstGeom prst="ellipse">
-            <a:avLst/>
-          </a:prstGeom>
-        </p:spPr>
-        <p:txBody>
-          <a:bodyPr vert="horz" lIns="91440" tIns="45720" rIns="91440" bIns="45720" rtlCol="0" anchor="b">
-            <a:normAutofit/>
-          </a:bodyPr>
-          <a:lstStyle/>
-          <a:p>
-            <a:pPr algn="ctr"/>
-            <a:r>
-              <a:rPr lang="en-US" sz="3800" kern="1200">
-                <a:solidFill>
-                  <a:srgbClr val="FFFFFF"/>
-                </a:solidFill>
-                <a:latin typeface="+mj-lt"/>
-                <a:ea typeface="+mj-ea"/>
-                <a:cs typeface="+mj-cs"/>
-              </a:rPr>
+        <p:spPr/>
+        <p:txBody>
+          <a:bodyPr/>
+          <a:lstStyle/>
+          <a:p>
+            <a:r>
+              <a:rPr lang="en-US"/>
               <a:t>Network Flow</a:t>
             </a:r>
           </a:p>
         </p:txBody>
       </p:sp>
-      <p:cxnSp>
-        <p:nvCxnSpPr>
-          <p:cNvPr id="63" name="Straight Connector 62">
-            <a:extLst>
-              <a:ext uri="{FF2B5EF4-FFF2-40B4-BE49-F238E27FC236}">
-                <a16:creationId xmlns:a16="http://schemas.microsoft.com/office/drawing/2014/main" id="{7E7C77BC-7138-40B1-A15B-20F57A494629}"/>
-              </a:ext>
-              <a:ext uri="{C183D7F6-B498-43B3-948B-1728B52AA6E4}">
-                <adec:decorative xmlns:adec="http://schemas.microsoft.com/office/drawing/2017/decorative" val="1"/>
-              </a:ext>
-            </a:extLst>
-          </p:cNvPr>
-          <p:cNvCxnSpPr>
-            <a:cxnSpLocks noGrp="1" noRot="1" noChangeAspect="1" noMove="1" noResize="1" noEditPoints="1" noAdjustHandles="1" noChangeArrowheads="1" noChangeShapeType="1"/>
-          </p:cNvCxnSpPr>
-          <p:nvPr>
-            <p:extLst>
-              <p:ext uri="{386F3935-93C4-4BCD-93E2-E3B085C9AB24}">
-                <p16:designElem xmlns:p16="http://schemas.microsoft.com/office/powerpoint/2015/main" val="1"/>
-              </p:ext>
-            </p:extLst>
-          </p:nvPr>
-        </p:nvCxnSpPr>
-        <p:spPr>
-          <a:xfrm>
-            <a:off x="2209800" y="1448631"/>
-            <a:ext cx="7772400" cy="0"/>
-          </a:xfrm>
-          <a:prstGeom prst="line">
-            <a:avLst/>
-          </a:prstGeom>
-          <a:ln w="22225">
-            <a:solidFill>
-              <a:srgbClr val="D9D9D9"/>
-            </a:solidFill>
-          </a:ln>
-        </p:spPr>
-        <p:style>
-          <a:lnRef idx="1">
-            <a:schemeClr val="accent1"/>
-          </a:lnRef>
-          <a:fillRef idx="0">
-            <a:schemeClr val="accent1"/>
-          </a:fillRef>
-          <a:effectRef idx="0">
-            <a:schemeClr val="accent1"/>
-          </a:effectRef>
-          <a:fontRef idx="minor">
-            <a:schemeClr val="tx1"/>
-          </a:fontRef>
-        </p:style>
-      </p:cxnSp>
       <p:pic>
         <p:nvPicPr>
           <p:cNvPr id="9" name="Content Placeholder 8">
@@ -6762,12 +3720,9 @@
         </p:blipFill>
         <p:spPr>
           <a:xfrm>
-            <a:off x="1420036" y="2509911"/>
-            <a:ext cx="9296828" cy="3997637"/>
+            <a:off x="2271173" y="2503050"/>
+            <a:ext cx="7649653" cy="3291261"/>
           </a:xfrm>
-          <a:prstGeom prst="rect">
-            <a:avLst/>
-          </a:prstGeom>
         </p:spPr>
       </p:pic>
     </p:spTree>
@@ -6810,100 +3765,6 @@
       </p:grpSpPr>
       <p:sp>
         <p:nvSpPr>
-          <p:cNvPr id="20" name="Rectangle 19">
-            <a:extLst>
-              <a:ext uri="{FF2B5EF4-FFF2-40B4-BE49-F238E27FC236}">
-                <a16:creationId xmlns:a16="http://schemas.microsoft.com/office/drawing/2014/main" id="{823AC064-BC96-4F32-8AE1-B2FD38754823}"/>
-              </a:ext>
-              <a:ext uri="{C183D7F6-B498-43B3-948B-1728B52AA6E4}">
-                <adec:decorative xmlns:adec="http://schemas.microsoft.com/office/drawing/2017/decorative" val="1"/>
-              </a:ext>
-            </a:extLst>
-          </p:cNvPr>
-          <p:cNvSpPr>
-            <a:spLocks noGrp="1" noRot="1" noChangeAspect="1" noMove="1" noResize="1" noEditPoints="1" noAdjustHandles="1" noChangeArrowheads="1" noChangeShapeType="1" noTextEdit="1"/>
-          </p:cNvSpPr>
-          <p:nvPr>
-            <p:extLst>
-              <p:ext uri="{386F3935-93C4-4BCD-93E2-E3B085C9AB24}">
-                <p16:designElem xmlns:p16="http://schemas.microsoft.com/office/powerpoint/2015/main" val="1"/>
-              </p:ext>
-            </p:extLst>
-          </p:nvPr>
-        </p:nvSpPr>
-        <p:spPr bwMode="ltGray">
-          <a:xfrm>
-            <a:off x="378068" y="343486"/>
-            <a:ext cx="11438793" cy="1844256"/>
-          </a:xfrm>
-          <a:prstGeom prst="rect">
-            <a:avLst/>
-          </a:prstGeom>
-          <a:solidFill>
-            <a:srgbClr val="404040"/>
-          </a:solidFill>
-          <a:ln w="127000" cap="sq" cmpd="thinThick">
-            <a:solidFill>
-              <a:srgbClr val="404040"/>
-            </a:solidFill>
-          </a:ln>
-        </p:spPr>
-        <p:style>
-          <a:lnRef idx="2">
-            <a:schemeClr val="accent1">
-              <a:shade val="50000"/>
-            </a:schemeClr>
-          </a:lnRef>
-          <a:fillRef idx="1">
-            <a:schemeClr val="accent1"/>
-          </a:fillRef>
-          <a:effectRef idx="0">
-            <a:schemeClr val="accent1"/>
-          </a:effectRef>
-          <a:fontRef idx="minor">
-            <a:schemeClr val="lt1"/>
-          </a:fontRef>
-        </p:style>
-        <p:txBody>
-          <a:bodyPr rtlCol="0" anchor="ctr"/>
-          <a:lstStyle/>
-          <a:p>
-            <a:pPr marL="0" marR="0" lvl="0" indent="0" algn="ctr" defTabSz="914400" rtl="0" eaLnBrk="1" fontAlgn="auto" latinLnBrk="0" hangingPunct="1">
-              <a:lnSpc>
-                <a:spcPct val="100000"/>
-              </a:lnSpc>
-              <a:spcBef>
-                <a:spcPts val="0"/>
-              </a:spcBef>
-              <a:spcAft>
-                <a:spcPts val="0"/>
-              </a:spcAft>
-              <a:buClrTx/>
-              <a:buSzTx/>
-              <a:buFontTx/>
-              <a:buNone/>
-              <a:tabLst/>
-              <a:defRPr/>
-            </a:pPr>
-            <a:endParaRPr kumimoji="0" lang="en-US" sz="1800" b="0" i="0" u="none" strike="noStrike" kern="1200" cap="none" spc="0" normalizeH="0" baseline="0" noProof="0">
-              <a:ln>
-                <a:noFill/>
-              </a:ln>
-              <a:solidFill>
-                <a:prstClr val="white"/>
-              </a:solidFill>
-              <a:effectLst/>
-              <a:uLnTx/>
-              <a:uFillTx/>
-              <a:latin typeface="Calibri" panose="020F0502020204030204"/>
-              <a:ea typeface="+mn-ea"/>
-              <a:cs typeface="+mn-cs"/>
-            </a:endParaRPr>
-          </a:p>
-        </p:txBody>
-      </p:sp>
-      <p:sp>
-        <p:nvSpPr>
           <p:cNvPr id="2" name="Title 1">
             <a:extLst>
               <a:ext uri="{FF2B5EF4-FFF2-40B4-BE49-F238E27FC236}">
@@ -6918,88 +3779,18 @@
             <p:ph type="title"/>
           </p:nvPr>
         </p:nvSpPr>
-        <p:spPr>
-          <a:xfrm>
-            <a:off x="526073" y="466578"/>
-            <a:ext cx="11139854" cy="930447"/>
-          </a:xfrm>
-          <a:prstGeom prst="ellipse">
-            <a:avLst/>
-          </a:prstGeom>
-        </p:spPr>
-        <p:txBody>
-          <a:bodyPr vert="horz" lIns="91440" tIns="45720" rIns="91440" bIns="45720" rtlCol="0" anchor="b">
-            <a:normAutofit/>
-          </a:bodyPr>
-          <a:lstStyle/>
-          <a:p>
-            <a:pPr algn="ctr"/>
-            <a:r>
-              <a:rPr lang="en-US" sz="3800" kern="1200">
-                <a:solidFill>
-                  <a:srgbClr val="FFFFFF"/>
-                </a:solidFill>
-                <a:latin typeface="+mj-lt"/>
-                <a:ea typeface="+mj-ea"/>
-                <a:cs typeface="+mj-cs"/>
-              </a:rPr>
+        <p:spPr/>
+        <p:txBody>
+          <a:bodyPr/>
+          <a:lstStyle/>
+          <a:p>
+            <a:r>
+              <a:rPr lang="en-US"/>
               <a:t>Augmenting path</a:t>
             </a:r>
           </a:p>
         </p:txBody>
       </p:sp>
-      <p:cxnSp>
-        <p:nvCxnSpPr>
-          <p:cNvPr id="22" name="Straight Connector 21">
-            <a:extLst>
-              <a:ext uri="{FF2B5EF4-FFF2-40B4-BE49-F238E27FC236}">
-                <a16:creationId xmlns:a16="http://schemas.microsoft.com/office/drawing/2014/main" id="{7E7C77BC-7138-40B1-A15B-20F57A494629}"/>
-              </a:ext>
-              <a:ext uri="{C183D7F6-B498-43B3-948B-1728B52AA6E4}">
-                <adec:decorative xmlns:adec="http://schemas.microsoft.com/office/drawing/2017/decorative" val="1"/>
-              </a:ext>
-            </a:extLst>
-          </p:cNvPr>
-          <p:cNvCxnSpPr>
-            <a:cxnSpLocks noGrp="1" noRot="1" noChangeAspect="1" noMove="1" noResize="1" noEditPoints="1" noAdjustHandles="1" noChangeArrowheads="1" noChangeShapeType="1"/>
-          </p:cNvCxnSpPr>
-          <p:nvPr>
-            <p:extLst>
-              <p:ext uri="{386F3935-93C4-4BCD-93E2-E3B085C9AB24}">
-                <p16:designElem xmlns:p16="http://schemas.microsoft.com/office/powerpoint/2015/main" val="1"/>
-              </p:ext>
-            </p:extLst>
-          </p:nvPr>
-        </p:nvCxnSpPr>
-        <p:spPr>
-          <a:xfrm>
-            <a:off x="2209800" y="1448631"/>
-            <a:ext cx="7772400" cy="0"/>
-          </a:xfrm>
-          <a:prstGeom prst="line">
-            <a:avLst/>
-          </a:prstGeom>
-          <a:ln w="22225">
-            <a:solidFill>
-              <a:srgbClr val="D9D9D9"/>
-            </a:solidFill>
-          </a:ln>
-        </p:spPr>
-        <p:style>
-          <a:lnRef idx="1">
-            <a:schemeClr val="accent1"/>
-          </a:lnRef>
-          <a:fillRef idx="0">
-            <a:schemeClr val="accent1"/>
-          </a:fillRef>
-          <a:effectRef idx="0">
-            <a:schemeClr val="accent1"/>
-          </a:effectRef>
-          <a:fontRef idx="minor">
-            <a:schemeClr val="tx1"/>
-          </a:fontRef>
-        </p:style>
-      </p:cxnSp>
       <p:pic>
         <p:nvPicPr>
           <p:cNvPr id="5" name="Picture 4">
@@ -7028,7 +3819,7 @@
         </p:blipFill>
         <p:spPr>
           <a:xfrm>
-            <a:off x="1675443" y="2509911"/>
+            <a:off x="1414186" y="2015388"/>
             <a:ext cx="8786015" cy="3997637"/>
           </a:xfrm>
           <a:prstGeom prst="rect">
@@ -7076,71 +3867,6 @@
       </p:grpSpPr>
       <p:sp>
         <p:nvSpPr>
-          <p:cNvPr id="32" name="Rectangle 25">
-            <a:extLst>
-              <a:ext uri="{FF2B5EF4-FFF2-40B4-BE49-F238E27FC236}">
-                <a16:creationId xmlns:a16="http://schemas.microsoft.com/office/drawing/2014/main" id="{823AC064-BC96-4F32-8AE1-B2FD38754823}"/>
-              </a:ext>
-              <a:ext uri="{C183D7F6-B498-43B3-948B-1728B52AA6E4}">
-                <adec:decorative xmlns:adec="http://schemas.microsoft.com/office/drawing/2017/decorative" val="1"/>
-              </a:ext>
-            </a:extLst>
-          </p:cNvPr>
-          <p:cNvSpPr>
-            <a:spLocks noGrp="1" noRot="1" noChangeAspect="1" noMove="1" noResize="1" noEditPoints="1" noAdjustHandles="1" noChangeArrowheads="1" noChangeShapeType="1" noTextEdit="1"/>
-          </p:cNvSpPr>
-          <p:nvPr>
-            <p:extLst>
-              <p:ext uri="{386F3935-93C4-4BCD-93E2-E3B085C9AB24}">
-                <p16:designElem xmlns:p16="http://schemas.microsoft.com/office/powerpoint/2015/main" val="1"/>
-              </p:ext>
-            </p:extLst>
-          </p:nvPr>
-        </p:nvSpPr>
-        <p:spPr bwMode="ltGray">
-          <a:xfrm>
-            <a:off x="396882" y="280374"/>
-            <a:ext cx="11438793" cy="1844256"/>
-          </a:xfrm>
-          <a:prstGeom prst="rect">
-            <a:avLst/>
-          </a:prstGeom>
-          <a:solidFill>
-            <a:srgbClr val="404040"/>
-          </a:solidFill>
-          <a:ln w="127000" cap="sq" cmpd="thinThick">
-            <a:solidFill>
-              <a:srgbClr val="404040"/>
-            </a:solidFill>
-          </a:ln>
-        </p:spPr>
-        <p:style>
-          <a:lnRef idx="2">
-            <a:schemeClr val="accent1">
-              <a:shade val="50000"/>
-            </a:schemeClr>
-          </a:lnRef>
-          <a:fillRef idx="1">
-            <a:schemeClr val="accent1"/>
-          </a:fillRef>
-          <a:effectRef idx="0">
-            <a:schemeClr val="accent1"/>
-          </a:effectRef>
-          <a:fontRef idx="minor">
-            <a:schemeClr val="lt1"/>
-          </a:fontRef>
-        </p:style>
-        <p:txBody>
-          <a:bodyPr rtlCol="0" anchor="ctr"/>
-          <a:lstStyle/>
-          <a:p>
-            <a:pPr algn="ctr"/>
-            <a:endParaRPr lang="en-US"/>
-          </a:p>
-        </p:txBody>
-      </p:sp>
-      <p:sp>
-        <p:nvSpPr>
           <p:cNvPr id="2" name="Title 1">
             <a:extLst>
               <a:ext uri="{FF2B5EF4-FFF2-40B4-BE49-F238E27FC236}">
@@ -7155,82 +3881,53 @@
             <p:ph type="title"/>
           </p:nvPr>
         </p:nvSpPr>
+        <p:spPr/>
+        <p:txBody>
+          <a:bodyPr/>
+          <a:lstStyle/>
+          <a:p>
+            <a:r>
+              <a:rPr lang="en-US"/>
+              <a:t>Residual graph</a:t>
+            </a:r>
+          </a:p>
+        </p:txBody>
+      </p:sp>
+      <p:pic>
+        <p:nvPicPr>
+          <p:cNvPr id="5" name="Content Placeholder 4">
+            <a:extLst>
+              <a:ext uri="{FF2B5EF4-FFF2-40B4-BE49-F238E27FC236}">
+                <a16:creationId xmlns:a16="http://schemas.microsoft.com/office/drawing/2014/main" id="{52A761A0-A1DE-482C-8C09-2CBE832D66EC}"/>
+              </a:ext>
+            </a:extLst>
+          </p:cNvPr>
+          <p:cNvPicPr>
+            <a:picLocks noGrp="1" noChangeAspect="1"/>
+          </p:cNvPicPr>
+          <p:nvPr>
+            <p:ph idx="1"/>
+          </p:nvPr>
+        </p:nvPicPr>
+        <p:blipFill>
+          <a:blip r:embed="rId2">
+            <a:extLst>
+              <a:ext uri="{28A0092B-C50C-407E-A947-70E740481C1C}">
+                <a14:useLocalDpi xmlns:a14="http://schemas.microsoft.com/office/drawing/2010/main" val="0"/>
+              </a:ext>
+            </a:extLst>
+          </a:blip>
+          <a:stretch>
+            <a:fillRect/>
+          </a:stretch>
+        </p:blipFill>
         <p:spPr>
           <a:xfrm>
-            <a:off x="546351" y="433545"/>
-            <a:ext cx="11139854" cy="930447"/>
+            <a:off x="124420" y="2625784"/>
+            <a:ext cx="6080259" cy="2772258"/>
           </a:xfrm>
         </p:spPr>
-        <p:txBody>
-          <a:bodyPr vert="horz" lIns="91440" tIns="45720" rIns="91440" bIns="45720" rtlCol="0" anchor="b">
-            <a:normAutofit/>
-          </a:bodyPr>
-          <a:lstStyle/>
-          <a:p>
-            <a:pPr algn="ctr"/>
-            <a:r>
-              <a:rPr lang="en-US" sz="5400">
-                <a:solidFill>
-                  <a:srgbClr val="FFFFFF"/>
-                </a:solidFill>
-              </a:rPr>
-              <a:t>Residual graph</a:t>
-            </a:r>
-          </a:p>
-        </p:txBody>
-      </p:sp>
-      <p:cxnSp>
-        <p:nvCxnSpPr>
-          <p:cNvPr id="33" name="Straight Connector 27">
-            <a:extLst>
-              <a:ext uri="{FF2B5EF4-FFF2-40B4-BE49-F238E27FC236}">
-                <a16:creationId xmlns:a16="http://schemas.microsoft.com/office/drawing/2014/main" id="{7E7C77BC-7138-40B1-A15B-20F57A494629}"/>
-              </a:ext>
-              <a:ext uri="{C183D7F6-B498-43B3-948B-1728B52AA6E4}">
-                <adec:decorative xmlns:adec="http://schemas.microsoft.com/office/drawing/2017/decorative" val="1"/>
-              </a:ext>
-            </a:extLst>
-          </p:cNvPr>
-          <p:cNvCxnSpPr>
-            <a:cxnSpLocks noGrp="1" noRot="1" noChangeAspect="1" noMove="1" noResize="1" noEditPoints="1" noAdjustHandles="1" noChangeArrowheads="1" noChangeShapeType="1"/>
-          </p:cNvCxnSpPr>
-          <p:nvPr>
-            <p:extLst>
-              <p:ext uri="{386F3935-93C4-4BCD-93E2-E3B085C9AB24}">
-                <p16:designElem xmlns:p16="http://schemas.microsoft.com/office/powerpoint/2015/main" val="1"/>
-              </p:ext>
-            </p:extLst>
-          </p:nvPr>
-        </p:nvCxnSpPr>
-        <p:spPr>
-          <a:xfrm>
-            <a:off x="2230078" y="1522292"/>
-            <a:ext cx="7772400" cy="0"/>
-          </a:xfrm>
-          <a:prstGeom prst="line">
-            <a:avLst/>
-          </a:prstGeom>
-          <a:ln w="22225">
-            <a:solidFill>
-              <a:srgbClr val="D9D9D9"/>
-            </a:solidFill>
-          </a:ln>
-        </p:spPr>
-        <p:style>
-          <a:lnRef idx="1">
-            <a:schemeClr val="accent1"/>
-          </a:lnRef>
-          <a:fillRef idx="0">
-            <a:schemeClr val="accent1"/>
-          </a:fillRef>
-          <a:effectRef idx="0">
-            <a:schemeClr val="accent1"/>
-          </a:effectRef>
-          <a:fontRef idx="minor">
-            <a:schemeClr val="tx1"/>
-          </a:fontRef>
-        </p:style>
-      </p:cxnSp>
+      </p:pic>
       <p:pic>
         <p:nvPicPr>
           <p:cNvPr id="7" name="Picture 6">
@@ -7246,7 +3943,7 @@
           <p:nvPr/>
         </p:nvPicPr>
         <p:blipFill>
-          <a:blip r:embed="rId2">
+          <a:blip r:embed="rId3">
             <a:extLst>
               <a:ext uri="{28A0092B-C50C-407E-A947-70E740481C1C}">
                 <a14:useLocalDpi xmlns:a14="http://schemas.microsoft.com/office/drawing/2010/main" val="0"/>
@@ -7261,96 +3958,6 @@
           <a:xfrm>
             <a:off x="6204679" y="2850205"/>
             <a:ext cx="5987322" cy="2739199"/>
-          </a:xfrm>
-          <a:prstGeom prst="rect">
-            <a:avLst/>
-          </a:prstGeom>
-        </p:spPr>
-      </p:pic>
-      <p:cxnSp>
-        <p:nvCxnSpPr>
-          <p:cNvPr id="34" name="Straight Connector 29">
-            <a:extLst>
-              <a:ext uri="{FF2B5EF4-FFF2-40B4-BE49-F238E27FC236}">
-                <a16:creationId xmlns:a16="http://schemas.microsoft.com/office/drawing/2014/main" id="{DB146403-F3D6-484B-B2ED-97F9565D0370}"/>
-              </a:ext>
-              <a:ext uri="{C183D7F6-B498-43B3-948B-1728B52AA6E4}">
-                <adec:decorative xmlns:adec="http://schemas.microsoft.com/office/drawing/2017/decorative" val="1"/>
-              </a:ext>
-            </a:extLst>
-          </p:cNvPr>
-          <p:cNvCxnSpPr>
-            <a:cxnSpLocks noGrp="1" noRot="1" noChangeAspect="1" noMove="1" noResize="1" noEditPoints="1" noAdjustHandles="1" noChangeArrowheads="1" noChangeShapeType="1"/>
-          </p:cNvCxnSpPr>
-          <p:nvPr>
-            <p:extLst>
-              <p:ext uri="{386F3935-93C4-4BCD-93E2-E3B085C9AB24}">
-                <p16:designElem xmlns:p16="http://schemas.microsoft.com/office/powerpoint/2015/main" val="1"/>
-              </p:ext>
-            </p:extLst>
-          </p:nvPr>
-        </p:nvCxnSpPr>
-        <p:spPr>
-          <a:xfrm>
-            <a:off x="6116278" y="2596836"/>
-            <a:ext cx="0" cy="3657600"/>
-          </a:xfrm>
-          <a:prstGeom prst="line">
-            <a:avLst/>
-          </a:prstGeom>
-          <a:ln w="101600" cmpd="dbl">
-            <a:solidFill>
-              <a:srgbClr val="595959"/>
-            </a:solidFill>
-          </a:ln>
-        </p:spPr>
-        <p:style>
-          <a:lnRef idx="1">
-            <a:schemeClr val="accent1"/>
-          </a:lnRef>
-          <a:fillRef idx="0">
-            <a:schemeClr val="accent1"/>
-          </a:fillRef>
-          <a:effectRef idx="0">
-            <a:schemeClr val="accent1"/>
-          </a:effectRef>
-          <a:fontRef idx="minor">
-            <a:schemeClr val="tx1"/>
-          </a:fontRef>
-        </p:style>
-      </p:cxnSp>
-      <p:pic>
-        <p:nvPicPr>
-          <p:cNvPr id="5" name="Content Placeholder 4">
-            <a:extLst>
-              <a:ext uri="{FF2B5EF4-FFF2-40B4-BE49-F238E27FC236}">
-                <a16:creationId xmlns:a16="http://schemas.microsoft.com/office/drawing/2014/main" id="{52A761A0-A1DE-482C-8C09-2CBE832D66EC}"/>
-              </a:ext>
-            </a:extLst>
-          </p:cNvPr>
-          <p:cNvPicPr>
-            <a:picLocks noGrp="1" noChangeAspect="1"/>
-          </p:cNvPicPr>
-          <p:nvPr>
-            <p:ph idx="1"/>
-          </p:nvPr>
-        </p:nvPicPr>
-        <p:blipFill>
-          <a:blip r:embed="rId3">
-            <a:extLst>
-              <a:ext uri="{28A0092B-C50C-407E-A947-70E740481C1C}">
-                <a14:useLocalDpi xmlns:a14="http://schemas.microsoft.com/office/drawing/2010/main" val="0"/>
-              </a:ext>
-            </a:extLst>
-          </a:blip>
-          <a:stretch>
-            <a:fillRect/>
-          </a:stretch>
-        </p:blipFill>
-        <p:spPr>
-          <a:xfrm>
-            <a:off x="7660" y="2850204"/>
-            <a:ext cx="6020218" cy="2739199"/>
           </a:xfrm>
           <a:prstGeom prst="rect">
             <a:avLst/>
@@ -7397,77 +4004,6 @@
       </p:grpSpPr>
       <p:sp>
         <p:nvSpPr>
-          <p:cNvPr id="15" name="Rectangle 14">
-            <a:extLst>
-              <a:ext uri="{FF2B5EF4-FFF2-40B4-BE49-F238E27FC236}">
-                <a16:creationId xmlns:a16="http://schemas.microsoft.com/office/drawing/2014/main" id="{F98ED85F-DCEE-4B50-802E-71A6E3E12B04}"/>
-              </a:ext>
-              <a:ext uri="{C183D7F6-B498-43B3-948B-1728B52AA6E4}">
-                <adec:decorative xmlns:adec="http://schemas.microsoft.com/office/drawing/2017/decorative" val="1"/>
-              </a:ext>
-            </a:extLst>
-          </p:cNvPr>
-          <p:cNvSpPr>
-            <a:spLocks noGrp="1" noRot="1" noChangeAspect="1" noMove="1" noResize="1" noEditPoints="1" noAdjustHandles="1" noChangeArrowheads="1" noChangeShapeType="1" noTextEdit="1"/>
-          </p:cNvSpPr>
-          <p:nvPr>
-            <p:extLst>
-              <p:ext uri="{386F3935-93C4-4BCD-93E2-E3B085C9AB24}">
-                <p16:designElem xmlns:p16="http://schemas.microsoft.com/office/powerpoint/2015/main" val="1"/>
-              </p:ext>
-            </p:extLst>
-          </p:nvPr>
-        </p:nvSpPr>
-        <p:spPr bwMode="ltGray">
-          <a:xfrm>
-            <a:off x="321564" y="320040"/>
-            <a:ext cx="11548872" cy="6217920"/>
-          </a:xfrm>
-          <a:prstGeom prst="rect">
-            <a:avLst/>
-          </a:prstGeom>
-          <a:solidFill>
-            <a:schemeClr val="tx1">
-              <a:alpha val="14000"/>
-            </a:schemeClr>
-          </a:solidFill>
-          <a:ln w="127000" cap="sq" cmpd="thinThick">
-            <a:solidFill>
-              <a:schemeClr val="tx1">
-                <a:lumMod val="85000"/>
-                <a:lumOff val="15000"/>
-                <a:alpha val="15000"/>
-              </a:schemeClr>
-            </a:solidFill>
-          </a:ln>
-        </p:spPr>
-        <p:style>
-          <a:lnRef idx="2">
-            <a:schemeClr val="accent1">
-              <a:shade val="50000"/>
-            </a:schemeClr>
-          </a:lnRef>
-          <a:fillRef idx="1">
-            <a:schemeClr val="accent1"/>
-          </a:fillRef>
-          <a:effectRef idx="0">
-            <a:schemeClr val="accent1"/>
-          </a:effectRef>
-          <a:fontRef idx="minor">
-            <a:schemeClr val="lt1"/>
-          </a:fontRef>
-        </p:style>
-        <p:txBody>
-          <a:bodyPr rtlCol="0" anchor="ctr"/>
-          <a:lstStyle/>
-          <a:p>
-            <a:pPr algn="ctr"/>
-            <a:endParaRPr lang="en-US"/>
-          </a:p>
-        </p:txBody>
-      </p:sp>
-      <p:sp>
-        <p:nvSpPr>
           <p:cNvPr id="2" name="Title 1">
             <a:extLst>
               <a:ext uri="{FF2B5EF4-FFF2-40B4-BE49-F238E27FC236}">
@@ -7482,16 +4018,9 @@
             <p:ph type="title"/>
           </p:nvPr>
         </p:nvSpPr>
-        <p:spPr>
-          <a:xfrm>
-            <a:off x="838200" y="631825"/>
-            <a:ext cx="10515600" cy="1325563"/>
-          </a:xfrm>
-        </p:spPr>
-        <p:txBody>
-          <a:bodyPr>
-            <a:normAutofit/>
-          </a:bodyPr>
+        <p:spPr/>
+        <p:txBody>
+          <a:bodyPr/>
           <a:lstStyle/>
           <a:p>
             <a:r>
@@ -7517,15 +4046,10 @@
             <p:ph idx="1"/>
           </p:nvPr>
         </p:nvSpPr>
-        <p:spPr>
-          <a:xfrm>
-            <a:off x="838200" y="2057400"/>
-            <a:ext cx="10515600" cy="3871762"/>
-          </a:xfrm>
-        </p:spPr>
+        <p:spPr/>
         <p:txBody>
           <a:bodyPr>
-            <a:normAutofit/>
+            <a:normAutofit fontScale="55000" lnSpcReduction="20000"/>
           </a:bodyPr>
           <a:lstStyle/>
           <a:p>
@@ -7533,49 +4057,44 @@
               <a:buNone/>
             </a:pPr>
             <a:r>
-              <a:rPr lang="en-GB" sz="2000" dirty="0">
-                <a:cs typeface="Courier New" panose="02070309020205020404" pitchFamily="49" charset="0"/>
-              </a:rPr>
+              <a:rPr lang="en-GB" sz="3300" dirty="0"/>
               <a:t>Given a graph G=(V,E) with a source S and a sink T</a:t>
             </a:r>
           </a:p>
           <a:p>
             <a:pPr marL="0" indent="0">
-              <a:lnSpc>
-                <a:spcPct val="50000"/>
-              </a:lnSpc>
               <a:buNone/>
             </a:pPr>
             <a:r>
-              <a:rPr lang="en-GB" sz="1600" dirty="0">
+              <a:rPr lang="en-GB" dirty="0">
                 <a:latin typeface="Courier New" panose="02070309020205020404" pitchFamily="49" charset="0"/>
                 <a:cs typeface="Courier New" panose="02070309020205020404" pitchFamily="49" charset="0"/>
               </a:rPr>
               <a:t>For((</a:t>
             </a:r>
             <a:r>
-              <a:rPr lang="en-GB" sz="1600" dirty="0" err="1">
+              <a:rPr lang="en-GB" dirty="0" err="1">
                 <a:latin typeface="Courier New" panose="02070309020205020404" pitchFamily="49" charset="0"/>
                 <a:cs typeface="Courier New" panose="02070309020205020404" pitchFamily="49" charset="0"/>
               </a:rPr>
               <a:t>u,v</a:t>
             </a:r>
             <a:r>
-              <a:rPr lang="en-GB" sz="1600" dirty="0">
+              <a:rPr lang="en-GB" dirty="0">
                 <a:latin typeface="Courier New" panose="02070309020205020404" pitchFamily="49" charset="0"/>
                 <a:cs typeface="Courier New" panose="02070309020205020404" pitchFamily="49" charset="0"/>
               </a:rPr>
               <a:t>) in E) f(</a:t>
             </a:r>
             <a:r>
-              <a:rPr lang="en-GB" sz="1600" dirty="0" err="1">
+              <a:rPr lang="en-GB" dirty="0" err="1">
                 <a:latin typeface="Courier New" panose="02070309020205020404" pitchFamily="49" charset="0"/>
                 <a:cs typeface="Courier New" panose="02070309020205020404" pitchFamily="49" charset="0"/>
               </a:rPr>
               <a:t>u,v</a:t>
             </a:r>
             <a:r>
-              <a:rPr lang="en-GB" sz="1600" dirty="0">
+              <a:rPr lang="en-GB" dirty="0">
                 <a:latin typeface="Courier New" panose="02070309020205020404" pitchFamily="49" charset="0"/>
                 <a:cs typeface="Courier New" panose="02070309020205020404" pitchFamily="49" charset="0"/>
               </a:rPr>
@@ -7584,13 +4103,10 @@
           </a:p>
           <a:p>
             <a:pPr marL="0" indent="0">
-              <a:lnSpc>
-                <a:spcPct val="50000"/>
-              </a:lnSpc>
               <a:buNone/>
             </a:pPr>
             <a:r>
-              <a:rPr lang="en-GB" sz="1600" dirty="0">
+              <a:rPr lang="en-GB" dirty="0">
                 <a:latin typeface="Courier New" panose="02070309020205020404" pitchFamily="49" charset="0"/>
                 <a:cs typeface="Courier New" panose="02070309020205020404" pitchFamily="49" charset="0"/>
               </a:rPr>
@@ -7599,13 +4115,10 @@
           </a:p>
           <a:p>
             <a:pPr marL="0" indent="0">
-              <a:lnSpc>
-                <a:spcPct val="50000"/>
-              </a:lnSpc>
               <a:buNone/>
             </a:pPr>
             <a:r>
-              <a:rPr lang="en-GB" sz="1600" dirty="0">
+              <a:rPr lang="en-GB" dirty="0">
                 <a:latin typeface="Courier New" panose="02070309020205020404" pitchFamily="49" charset="0"/>
                 <a:cs typeface="Courier New" panose="02070309020205020404" pitchFamily="49" charset="0"/>
               </a:rPr>
@@ -7614,41 +4127,38 @@
           </a:p>
           <a:p>
             <a:pPr marL="0" indent="0">
-              <a:lnSpc>
-                <a:spcPct val="50000"/>
-              </a:lnSpc>
               <a:buNone/>
             </a:pPr>
             <a:r>
-              <a:rPr lang="en-GB" sz="1600" dirty="0">
+              <a:rPr lang="en-GB" dirty="0">
                 <a:latin typeface="Courier New" panose="02070309020205020404" pitchFamily="49" charset="0"/>
                 <a:cs typeface="Courier New" panose="02070309020205020404" pitchFamily="49" charset="0"/>
               </a:rPr>
               <a:t>	m = minimum slack (c(</a:t>
             </a:r>
             <a:r>
-              <a:rPr lang="en-GB" sz="1600" dirty="0" err="1">
+              <a:rPr lang="en-GB" dirty="0" err="1">
                 <a:latin typeface="Courier New" panose="02070309020205020404" pitchFamily="49" charset="0"/>
                 <a:cs typeface="Courier New" panose="02070309020205020404" pitchFamily="49" charset="0"/>
               </a:rPr>
               <a:t>u,v</a:t>
             </a:r>
             <a:r>
-              <a:rPr lang="en-GB" sz="1600" dirty="0">
+              <a:rPr lang="en-GB" dirty="0">
                 <a:latin typeface="Courier New" panose="02070309020205020404" pitchFamily="49" charset="0"/>
                 <a:cs typeface="Courier New" panose="02070309020205020404" pitchFamily="49" charset="0"/>
               </a:rPr>
               <a:t>) – f(</a:t>
             </a:r>
             <a:r>
-              <a:rPr lang="en-GB" sz="1600" dirty="0" err="1">
+              <a:rPr lang="en-GB" dirty="0" err="1">
                 <a:latin typeface="Courier New" panose="02070309020205020404" pitchFamily="49" charset="0"/>
                 <a:cs typeface="Courier New" panose="02070309020205020404" pitchFamily="49" charset="0"/>
               </a:rPr>
               <a:t>u,v</a:t>
             </a:r>
             <a:r>
-              <a:rPr lang="en-GB" sz="1600" dirty="0">
+              <a:rPr lang="en-GB" dirty="0">
                 <a:latin typeface="Courier New" panose="02070309020205020404" pitchFamily="49" charset="0"/>
                 <a:cs typeface="Courier New" panose="02070309020205020404" pitchFamily="49" charset="0"/>
               </a:rPr>
@@ -7657,27 +4167,24 @@
           </a:p>
           <a:p>
             <a:pPr marL="0" indent="0">
-              <a:lnSpc>
-                <a:spcPct val="50000"/>
-              </a:lnSpc>
               <a:buNone/>
             </a:pPr>
             <a:r>
-              <a:rPr lang="en-GB" sz="1600" dirty="0">
+              <a:rPr lang="en-GB" dirty="0">
                 <a:latin typeface="Courier New" panose="02070309020205020404" pitchFamily="49" charset="0"/>
                 <a:cs typeface="Courier New" panose="02070309020205020404" pitchFamily="49" charset="0"/>
               </a:rPr>
               <a:t>	for((</a:t>
             </a:r>
             <a:r>
-              <a:rPr lang="en-GB" sz="1600" dirty="0" err="1">
+              <a:rPr lang="en-GB" dirty="0" err="1">
                 <a:latin typeface="Courier New" panose="02070309020205020404" pitchFamily="49" charset="0"/>
                 <a:cs typeface="Courier New" panose="02070309020205020404" pitchFamily="49" charset="0"/>
               </a:rPr>
               <a:t>u,v</a:t>
             </a:r>
             <a:r>
-              <a:rPr lang="en-GB" sz="1600" dirty="0">
+              <a:rPr lang="en-GB" dirty="0">
                 <a:latin typeface="Courier New" panose="02070309020205020404" pitchFamily="49" charset="0"/>
                 <a:cs typeface="Courier New" panose="02070309020205020404" pitchFamily="49" charset="0"/>
               </a:rPr>
@@ -7686,34 +4193,31 @@
           </a:p>
           <a:p>
             <a:pPr marL="0" indent="0">
-              <a:lnSpc>
-                <a:spcPct val="50000"/>
-              </a:lnSpc>
               <a:buNone/>
             </a:pPr>
             <a:r>
-              <a:rPr lang="en-GB" sz="1600" dirty="0">
+              <a:rPr lang="en-GB" dirty="0">
                 <a:latin typeface="Courier New" panose="02070309020205020404" pitchFamily="49" charset="0"/>
                 <a:cs typeface="Courier New" panose="02070309020205020404" pitchFamily="49" charset="0"/>
               </a:rPr>
               <a:t>		if((</a:t>
             </a:r>
             <a:r>
-              <a:rPr lang="en-GB" sz="1600" dirty="0" err="1">
+              <a:rPr lang="en-GB" dirty="0" err="1">
                 <a:latin typeface="Courier New" panose="02070309020205020404" pitchFamily="49" charset="0"/>
                 <a:cs typeface="Courier New" panose="02070309020205020404" pitchFamily="49" charset="0"/>
               </a:rPr>
               <a:t>u,v</a:t>
             </a:r>
             <a:r>
-              <a:rPr lang="en-GB" sz="1600" dirty="0">
+              <a:rPr lang="en-GB" dirty="0">
                 <a:latin typeface="Courier New" panose="02070309020205020404" pitchFamily="49" charset="0"/>
                 <a:cs typeface="Courier New" panose="02070309020205020404" pitchFamily="49" charset="0"/>
               </a:rPr>
               <a:t>)</a:t>
             </a:r>
             <a:r>
-              <a:rPr lang="en-US" altLang="en-US" sz="1600" dirty="0">
+              <a:rPr lang="en-US" altLang="en-US" dirty="0">
                 <a:latin typeface="Courier New" panose="02070309020205020404" pitchFamily="49" charset="0"/>
                 <a:cs typeface="Courier New" panose="02070309020205020404" pitchFamily="49" charset="0"/>
                 <a:sym typeface="Symbol" panose="05050102010706020507" pitchFamily="18" charset="2"/>
@@ -7721,21 +4225,21 @@
               <a:t> E</a:t>
             </a:r>
             <a:r>
-              <a:rPr lang="en-GB" sz="1600" dirty="0">
+              <a:rPr lang="en-GB" dirty="0">
                 <a:latin typeface="Courier New" panose="02070309020205020404" pitchFamily="49" charset="0"/>
                 <a:cs typeface="Courier New" panose="02070309020205020404" pitchFamily="49" charset="0"/>
               </a:rPr>
               <a:t>) 		// (</a:t>
             </a:r>
             <a:r>
-              <a:rPr lang="en-GB" sz="1600" dirty="0" err="1">
+              <a:rPr lang="en-GB" dirty="0" err="1">
                 <a:latin typeface="Courier New" panose="02070309020205020404" pitchFamily="49" charset="0"/>
                 <a:cs typeface="Courier New" panose="02070309020205020404" pitchFamily="49" charset="0"/>
               </a:rPr>
               <a:t>u,v</a:t>
             </a:r>
             <a:r>
-              <a:rPr lang="en-GB" sz="1600" dirty="0">
+              <a:rPr lang="en-GB" dirty="0">
                 <a:latin typeface="Courier New" panose="02070309020205020404" pitchFamily="49" charset="0"/>
                 <a:cs typeface="Courier New" panose="02070309020205020404" pitchFamily="49" charset="0"/>
               </a:rPr>
@@ -7744,27 +4248,24 @@
           </a:p>
           <a:p>
             <a:pPr marL="0" indent="0">
-              <a:lnSpc>
-                <a:spcPct val="50000"/>
-              </a:lnSpc>
               <a:buNone/>
             </a:pPr>
             <a:r>
-              <a:rPr lang="en-GB" sz="1600" dirty="0">
+              <a:rPr lang="en-GB" dirty="0">
                 <a:latin typeface="Courier New" panose="02070309020205020404" pitchFamily="49" charset="0"/>
                 <a:cs typeface="Courier New" panose="02070309020205020404" pitchFamily="49" charset="0"/>
               </a:rPr>
               <a:t>			f(</a:t>
             </a:r>
             <a:r>
-              <a:rPr lang="en-GB" sz="1600" dirty="0" err="1">
+              <a:rPr lang="en-GB" dirty="0" err="1">
                 <a:latin typeface="Courier New" panose="02070309020205020404" pitchFamily="49" charset="0"/>
                 <a:cs typeface="Courier New" panose="02070309020205020404" pitchFamily="49" charset="0"/>
               </a:rPr>
               <a:t>u,v</a:t>
             </a:r>
             <a:r>
-              <a:rPr lang="en-GB" sz="1600" dirty="0">
+              <a:rPr lang="en-GB" dirty="0">
                 <a:latin typeface="Courier New" panose="02070309020205020404" pitchFamily="49" charset="0"/>
                 <a:cs typeface="Courier New" panose="02070309020205020404" pitchFamily="49" charset="0"/>
               </a:rPr>
@@ -7773,34 +4274,31 @@
           </a:p>
           <a:p>
             <a:pPr marL="0" indent="0">
-              <a:lnSpc>
-                <a:spcPct val="50000"/>
-              </a:lnSpc>
               <a:buNone/>
             </a:pPr>
             <a:r>
-              <a:rPr lang="en-GB" sz="1600" dirty="0">
+              <a:rPr lang="en-GB" dirty="0">
                 <a:latin typeface="Courier New" panose="02070309020205020404" pitchFamily="49" charset="0"/>
                 <a:cs typeface="Courier New" panose="02070309020205020404" pitchFamily="49" charset="0"/>
               </a:rPr>
               <a:t>		else if ((</a:t>
             </a:r>
             <a:r>
-              <a:rPr lang="en-GB" sz="1600" dirty="0" err="1">
+              <a:rPr lang="en-GB" dirty="0" err="1">
                 <a:latin typeface="Courier New" panose="02070309020205020404" pitchFamily="49" charset="0"/>
                 <a:cs typeface="Courier New" panose="02070309020205020404" pitchFamily="49" charset="0"/>
               </a:rPr>
               <a:t>v,u</a:t>
             </a:r>
             <a:r>
-              <a:rPr lang="en-GB" sz="1600" dirty="0">
+              <a:rPr lang="en-GB" dirty="0">
                 <a:latin typeface="Courier New" panose="02070309020205020404" pitchFamily="49" charset="0"/>
                 <a:cs typeface="Courier New" panose="02070309020205020404" pitchFamily="49" charset="0"/>
               </a:rPr>
               <a:t>)</a:t>
             </a:r>
             <a:r>
-              <a:rPr lang="en-US" altLang="en-US" sz="1600" dirty="0">
+              <a:rPr lang="en-US" altLang="en-US" dirty="0">
                 <a:latin typeface="Courier New" panose="02070309020205020404" pitchFamily="49" charset="0"/>
                 <a:cs typeface="Courier New" panose="02070309020205020404" pitchFamily="49" charset="0"/>
                 <a:sym typeface="Symbol" panose="05050102010706020507" pitchFamily="18" charset="2"/>
@@ -7808,21 +4306,21 @@
               <a:t> E</a:t>
             </a:r>
             <a:r>
-              <a:rPr lang="en-GB" sz="1600" dirty="0">
+              <a:rPr lang="en-GB" dirty="0">
                 <a:latin typeface="Courier New" panose="02070309020205020404" pitchFamily="49" charset="0"/>
                 <a:cs typeface="Courier New" panose="02070309020205020404" pitchFamily="49" charset="0"/>
               </a:rPr>
               <a:t>) 	// (</a:t>
             </a:r>
             <a:r>
-              <a:rPr lang="en-GB" sz="1600" dirty="0" err="1">
+              <a:rPr lang="en-GB" dirty="0" err="1">
                 <a:latin typeface="Courier New" panose="02070309020205020404" pitchFamily="49" charset="0"/>
                 <a:cs typeface="Courier New" panose="02070309020205020404" pitchFamily="49" charset="0"/>
               </a:rPr>
               <a:t>u,v</a:t>
             </a:r>
             <a:r>
-              <a:rPr lang="en-GB" sz="1600" dirty="0">
+              <a:rPr lang="en-GB" dirty="0">
                 <a:latin typeface="Courier New" panose="02070309020205020404" pitchFamily="49" charset="0"/>
                 <a:cs typeface="Courier New" panose="02070309020205020404" pitchFamily="49" charset="0"/>
               </a:rPr>
@@ -7831,27 +4329,24 @@
           </a:p>
           <a:p>
             <a:pPr marL="0" indent="0">
-              <a:lnSpc>
-                <a:spcPct val="50000"/>
-              </a:lnSpc>
               <a:buNone/>
             </a:pPr>
             <a:r>
-              <a:rPr lang="en-GB" sz="1600" dirty="0">
+              <a:rPr lang="en-GB" dirty="0">
                 <a:latin typeface="Courier New" panose="02070309020205020404" pitchFamily="49" charset="0"/>
                 <a:cs typeface="Courier New" panose="02070309020205020404" pitchFamily="49" charset="0"/>
               </a:rPr>
               <a:t>			f(</a:t>
             </a:r>
             <a:r>
-              <a:rPr lang="en-GB" sz="1600" dirty="0" err="1">
+              <a:rPr lang="en-GB" dirty="0" err="1">
                 <a:latin typeface="Courier New" panose="02070309020205020404" pitchFamily="49" charset="0"/>
                 <a:cs typeface="Courier New" panose="02070309020205020404" pitchFamily="49" charset="0"/>
               </a:rPr>
               <a:t>v,u</a:t>
             </a:r>
             <a:r>
-              <a:rPr lang="en-GB" sz="1600" dirty="0">
+              <a:rPr lang="en-GB" dirty="0">
                 <a:latin typeface="Courier New" panose="02070309020205020404" pitchFamily="49" charset="0"/>
                 <a:cs typeface="Courier New" panose="02070309020205020404" pitchFamily="49" charset="0"/>
               </a:rPr>
@@ -7860,13 +4355,10 @@
           </a:p>
           <a:p>
             <a:pPr marL="0" indent="0">
-              <a:lnSpc>
-                <a:spcPct val="50000"/>
-              </a:lnSpc>
               <a:buNone/>
             </a:pPr>
             <a:r>
-              <a:rPr lang="en-GB" sz="1600" dirty="0">
+              <a:rPr lang="en-GB" dirty="0">
                 <a:latin typeface="Courier New" panose="02070309020205020404" pitchFamily="49" charset="0"/>
                 <a:cs typeface="Courier New" panose="02070309020205020404" pitchFamily="49" charset="0"/>
               </a:rPr>
@@ -7875,13 +4367,10 @@
           </a:p>
           <a:p>
             <a:pPr marL="0" indent="0">
-              <a:lnSpc>
-                <a:spcPct val="50000"/>
-              </a:lnSpc>
               <a:buNone/>
             </a:pPr>
             <a:r>
-              <a:rPr lang="en-GB" sz="1600" dirty="0">
+              <a:rPr lang="en-GB" dirty="0">
                 <a:latin typeface="Courier New" panose="02070309020205020404" pitchFamily="49" charset="0"/>
                 <a:cs typeface="Courier New" panose="02070309020205020404" pitchFamily="49" charset="0"/>
               </a:rPr>
@@ -7890,13 +4379,10 @@
           </a:p>
           <a:p>
             <a:pPr marL="0" indent="0">
-              <a:lnSpc>
-                <a:spcPct val="50000"/>
-              </a:lnSpc>
               <a:buNone/>
             </a:pPr>
             <a:r>
-              <a:rPr lang="en-GB" sz="1600" dirty="0">
+              <a:rPr lang="en-GB" dirty="0">
                 <a:latin typeface="Courier New" panose="02070309020205020404" pitchFamily="49" charset="0"/>
                 <a:cs typeface="Courier New" panose="02070309020205020404" pitchFamily="49" charset="0"/>
               </a:rPr>
@@ -7905,13 +4391,10 @@
           </a:p>
           <a:p>
             <a:pPr marL="0" indent="0">
-              <a:lnSpc>
-                <a:spcPct val="50000"/>
-              </a:lnSpc>
               <a:buNone/>
             </a:pPr>
             <a:r>
-              <a:rPr lang="en-GB" sz="1600" dirty="0">
+              <a:rPr lang="en-GB" dirty="0">
                 <a:latin typeface="Courier New" panose="02070309020205020404" pitchFamily="49" charset="0"/>
                 <a:cs typeface="Courier New" panose="02070309020205020404" pitchFamily="49" charset="0"/>
               </a:rPr>
@@ -7960,487 +4443,6 @@
       </p:grpSpPr>
       <p:sp>
         <p:nvSpPr>
-          <p:cNvPr id="17" name="Freeform: Shape 16">
-            <a:extLst>
-              <a:ext uri="{FF2B5EF4-FFF2-40B4-BE49-F238E27FC236}">
-                <a16:creationId xmlns:a16="http://schemas.microsoft.com/office/drawing/2014/main" id="{46C2E80F-49A6-4372-B103-219D417A55ED}"/>
-              </a:ext>
-              <a:ext uri="{C183D7F6-B498-43B3-948B-1728B52AA6E4}">
-                <adec:decorative xmlns:adec="http://schemas.microsoft.com/office/drawing/2017/decorative" val="1"/>
-              </a:ext>
-            </a:extLst>
-          </p:cNvPr>
-          <p:cNvSpPr>
-            <a:spLocks noGrp="1" noRot="1" noChangeAspect="1" noMove="1" noResize="1" noEditPoints="1" noAdjustHandles="1" noChangeArrowheads="1" noChangeShapeType="1" noTextEdit="1"/>
-          </p:cNvSpPr>
-          <p:nvPr>
-            <p:extLst>
-              <p:ext uri="{386F3935-93C4-4BCD-93E2-E3B085C9AB24}">
-                <p16:designElem xmlns:p16="http://schemas.microsoft.com/office/powerpoint/2015/main" val="1"/>
-              </p:ext>
-            </p:extLst>
-          </p:nvPr>
-        </p:nvSpPr>
-        <p:spPr>
-          <a:xfrm>
-            <a:off x="484096" y="470925"/>
-            <a:ext cx="4381009" cy="5892104"/>
-          </a:xfrm>
-          <a:custGeom>
-            <a:avLst/>
-            <a:gdLst>
-              <a:gd name="connsiteX0" fmla="*/ 0 w 4381009"/>
-              <a:gd name="connsiteY0" fmla="*/ 0 h 5892104"/>
-              <a:gd name="connsiteX1" fmla="*/ 4157628 w 4381009"/>
-              <a:gd name="connsiteY1" fmla="*/ 0 h 5892104"/>
-              <a:gd name="connsiteX2" fmla="*/ 4169302 w 4381009"/>
-              <a:gd name="connsiteY2" fmla="*/ 68659 h 5892104"/>
-              <a:gd name="connsiteX3" fmla="*/ 4191571 w 4381009"/>
-              <a:gd name="connsiteY3" fmla="*/ 205472 h 5892104"/>
-              <a:gd name="connsiteX4" fmla="*/ 4213368 w 4381009"/>
-              <a:gd name="connsiteY4" fmla="*/ 342890 h 5892104"/>
-              <a:gd name="connsiteX5" fmla="*/ 4232030 w 4381009"/>
-              <a:gd name="connsiteY5" fmla="*/ 480913 h 5892104"/>
-              <a:gd name="connsiteX6" fmla="*/ 4250848 w 4381009"/>
-              <a:gd name="connsiteY6" fmla="*/ 618332 h 5892104"/>
-              <a:gd name="connsiteX7" fmla="*/ 4268412 w 4381009"/>
-              <a:gd name="connsiteY7" fmla="*/ 756355 h 5892104"/>
-              <a:gd name="connsiteX8" fmla="*/ 4283467 w 4381009"/>
-              <a:gd name="connsiteY8" fmla="*/ 892563 h 5892104"/>
-              <a:gd name="connsiteX9" fmla="*/ 4297737 w 4381009"/>
-              <a:gd name="connsiteY9" fmla="*/ 1030587 h 5892104"/>
-              <a:gd name="connsiteX10" fmla="*/ 4310754 w 4381009"/>
-              <a:gd name="connsiteY10" fmla="*/ 1168005 h 5892104"/>
-              <a:gd name="connsiteX11" fmla="*/ 4322045 w 4381009"/>
-              <a:gd name="connsiteY11" fmla="*/ 1303002 h 5892104"/>
-              <a:gd name="connsiteX12" fmla="*/ 4333336 w 4381009"/>
-              <a:gd name="connsiteY12" fmla="*/ 1439815 h 5892104"/>
-              <a:gd name="connsiteX13" fmla="*/ 4342745 w 4381009"/>
-              <a:gd name="connsiteY13" fmla="*/ 1574812 h 5892104"/>
-              <a:gd name="connsiteX14" fmla="*/ 4350115 w 4381009"/>
-              <a:gd name="connsiteY14" fmla="*/ 1709808 h 5892104"/>
-              <a:gd name="connsiteX15" fmla="*/ 4357799 w 4381009"/>
-              <a:gd name="connsiteY15" fmla="*/ 1844200 h 5892104"/>
-              <a:gd name="connsiteX16" fmla="*/ 4364229 w 4381009"/>
-              <a:gd name="connsiteY16" fmla="*/ 1977381 h 5892104"/>
-              <a:gd name="connsiteX17" fmla="*/ 4368777 w 4381009"/>
-              <a:gd name="connsiteY17" fmla="*/ 2109351 h 5892104"/>
-              <a:gd name="connsiteX18" fmla="*/ 4372697 w 4381009"/>
-              <a:gd name="connsiteY18" fmla="*/ 2241321 h 5892104"/>
-              <a:gd name="connsiteX19" fmla="*/ 4376461 w 4381009"/>
-              <a:gd name="connsiteY19" fmla="*/ 2372080 h 5892104"/>
-              <a:gd name="connsiteX20" fmla="*/ 4378186 w 4381009"/>
-              <a:gd name="connsiteY20" fmla="*/ 2501023 h 5892104"/>
-              <a:gd name="connsiteX21" fmla="*/ 4380068 w 4381009"/>
-              <a:gd name="connsiteY21" fmla="*/ 2629966 h 5892104"/>
-              <a:gd name="connsiteX22" fmla="*/ 4381009 w 4381009"/>
-              <a:gd name="connsiteY22" fmla="*/ 2757093 h 5892104"/>
-              <a:gd name="connsiteX23" fmla="*/ 4380068 w 4381009"/>
-              <a:gd name="connsiteY23" fmla="*/ 2883010 h 5892104"/>
-              <a:gd name="connsiteX24" fmla="*/ 4380068 w 4381009"/>
-              <a:gd name="connsiteY24" fmla="*/ 3007715 h 5892104"/>
-              <a:gd name="connsiteX25" fmla="*/ 4378186 w 4381009"/>
-              <a:gd name="connsiteY25" fmla="*/ 3131210 h 5892104"/>
-              <a:gd name="connsiteX26" fmla="*/ 4375363 w 4381009"/>
-              <a:gd name="connsiteY26" fmla="*/ 3252283 h 5892104"/>
-              <a:gd name="connsiteX27" fmla="*/ 4372697 w 4381009"/>
-              <a:gd name="connsiteY27" fmla="*/ 3372146 h 5892104"/>
-              <a:gd name="connsiteX28" fmla="*/ 4369718 w 4381009"/>
-              <a:gd name="connsiteY28" fmla="*/ 3489587 h 5892104"/>
-              <a:gd name="connsiteX29" fmla="*/ 4365170 w 4381009"/>
-              <a:gd name="connsiteY29" fmla="*/ 3606423 h 5892104"/>
-              <a:gd name="connsiteX30" fmla="*/ 4360309 w 4381009"/>
-              <a:gd name="connsiteY30" fmla="*/ 3721443 h 5892104"/>
-              <a:gd name="connsiteX31" fmla="*/ 4355918 w 4381009"/>
-              <a:gd name="connsiteY31" fmla="*/ 3834041 h 5892104"/>
-              <a:gd name="connsiteX32" fmla="*/ 4343529 w 4381009"/>
-              <a:gd name="connsiteY32" fmla="*/ 4053789 h 5892104"/>
-              <a:gd name="connsiteX33" fmla="*/ 4330356 w 4381009"/>
-              <a:gd name="connsiteY33" fmla="*/ 4264457 h 5892104"/>
-              <a:gd name="connsiteX34" fmla="*/ 4316556 w 4381009"/>
-              <a:gd name="connsiteY34" fmla="*/ 4466650 h 5892104"/>
-              <a:gd name="connsiteX35" fmla="*/ 4301344 w 4381009"/>
-              <a:gd name="connsiteY35" fmla="*/ 4657946 h 5892104"/>
-              <a:gd name="connsiteX36" fmla="*/ 4285506 w 4381009"/>
-              <a:gd name="connsiteY36" fmla="*/ 4840767 h 5892104"/>
-              <a:gd name="connsiteX37" fmla="*/ 4268412 w 4381009"/>
-              <a:gd name="connsiteY37" fmla="*/ 5010269 h 5892104"/>
-              <a:gd name="connsiteX38" fmla="*/ 4251633 w 4381009"/>
-              <a:gd name="connsiteY38" fmla="*/ 5169481 h 5892104"/>
-              <a:gd name="connsiteX39" fmla="*/ 4234853 w 4381009"/>
-              <a:gd name="connsiteY39" fmla="*/ 5315980 h 5892104"/>
-              <a:gd name="connsiteX40" fmla="*/ 4219014 w 4381009"/>
-              <a:gd name="connsiteY40" fmla="*/ 5450371 h 5892104"/>
-              <a:gd name="connsiteX41" fmla="*/ 4203959 w 4381009"/>
-              <a:gd name="connsiteY41" fmla="*/ 5569628 h 5892104"/>
-              <a:gd name="connsiteX42" fmla="*/ 4189689 w 4381009"/>
-              <a:gd name="connsiteY42" fmla="*/ 5677384 h 5892104"/>
-              <a:gd name="connsiteX43" fmla="*/ 4177770 w 4381009"/>
-              <a:gd name="connsiteY43" fmla="*/ 5768189 h 5892104"/>
-              <a:gd name="connsiteX44" fmla="*/ 4166479 w 4381009"/>
-              <a:gd name="connsiteY44" fmla="*/ 5844465 h 5892104"/>
-              <a:gd name="connsiteX45" fmla="*/ 4159132 w 4381009"/>
-              <a:gd name="connsiteY45" fmla="*/ 5892104 h 5892104"/>
-              <a:gd name="connsiteX46" fmla="*/ 0 w 4381009"/>
-              <a:gd name="connsiteY46" fmla="*/ 5892104 h 5892104"/>
-            </a:gdLst>
-            <a:ahLst/>
-            <a:cxnLst>
-              <a:cxn ang="0">
-                <a:pos x="connsiteX0" y="connsiteY0"/>
-              </a:cxn>
-              <a:cxn ang="0">
-                <a:pos x="connsiteX1" y="connsiteY1"/>
-              </a:cxn>
-              <a:cxn ang="0">
-                <a:pos x="connsiteX2" y="connsiteY2"/>
-              </a:cxn>
-              <a:cxn ang="0">
-                <a:pos x="connsiteX3" y="connsiteY3"/>
-              </a:cxn>
-              <a:cxn ang="0">
-                <a:pos x="connsiteX4" y="connsiteY4"/>
-              </a:cxn>
-              <a:cxn ang="0">
-                <a:pos x="connsiteX5" y="connsiteY5"/>
-              </a:cxn>
-              <a:cxn ang="0">
-                <a:pos x="connsiteX6" y="connsiteY6"/>
-              </a:cxn>
-              <a:cxn ang="0">
-                <a:pos x="connsiteX7" y="connsiteY7"/>
-              </a:cxn>
-              <a:cxn ang="0">
-                <a:pos x="connsiteX8" y="connsiteY8"/>
-              </a:cxn>
-              <a:cxn ang="0">
-                <a:pos x="connsiteX9" y="connsiteY9"/>
-              </a:cxn>
-              <a:cxn ang="0">
-                <a:pos x="connsiteX10" y="connsiteY10"/>
-              </a:cxn>
-              <a:cxn ang="0">
-                <a:pos x="connsiteX11" y="connsiteY11"/>
-              </a:cxn>
-              <a:cxn ang="0">
-                <a:pos x="connsiteX12" y="connsiteY12"/>
-              </a:cxn>
-              <a:cxn ang="0">
-                <a:pos x="connsiteX13" y="connsiteY13"/>
-              </a:cxn>
-              <a:cxn ang="0">
-                <a:pos x="connsiteX14" y="connsiteY14"/>
-              </a:cxn>
-              <a:cxn ang="0">
-                <a:pos x="connsiteX15" y="connsiteY15"/>
-              </a:cxn>
-              <a:cxn ang="0">
-                <a:pos x="connsiteX16" y="connsiteY16"/>
-              </a:cxn>
-              <a:cxn ang="0">
-                <a:pos x="connsiteX17" y="connsiteY17"/>
-              </a:cxn>
-              <a:cxn ang="0">
-                <a:pos x="connsiteX18" y="connsiteY18"/>
-              </a:cxn>
-              <a:cxn ang="0">
-                <a:pos x="connsiteX19" y="connsiteY19"/>
-              </a:cxn>
-              <a:cxn ang="0">
-                <a:pos x="connsiteX20" y="connsiteY20"/>
-              </a:cxn>
-              <a:cxn ang="0">
-                <a:pos x="connsiteX21" y="connsiteY21"/>
-              </a:cxn>
-              <a:cxn ang="0">
-                <a:pos x="connsiteX22" y="connsiteY22"/>
-              </a:cxn>
-              <a:cxn ang="0">
-                <a:pos x="connsiteX23" y="connsiteY23"/>
-              </a:cxn>
-              <a:cxn ang="0">
-                <a:pos x="connsiteX24" y="connsiteY24"/>
-              </a:cxn>
-              <a:cxn ang="0">
-                <a:pos x="connsiteX25" y="connsiteY25"/>
-              </a:cxn>
-              <a:cxn ang="0">
-                <a:pos x="connsiteX26" y="connsiteY26"/>
-              </a:cxn>
-              <a:cxn ang="0">
-                <a:pos x="connsiteX27" y="connsiteY27"/>
-              </a:cxn>
-              <a:cxn ang="0">
-                <a:pos x="connsiteX28" y="connsiteY28"/>
-              </a:cxn>
-              <a:cxn ang="0">
-                <a:pos x="connsiteX29" y="connsiteY29"/>
-              </a:cxn>
-              <a:cxn ang="0">
-                <a:pos x="connsiteX30" y="connsiteY30"/>
-              </a:cxn>
-              <a:cxn ang="0">
-                <a:pos x="connsiteX31" y="connsiteY31"/>
-              </a:cxn>
-              <a:cxn ang="0">
-                <a:pos x="connsiteX32" y="connsiteY32"/>
-              </a:cxn>
-              <a:cxn ang="0">
-                <a:pos x="connsiteX33" y="connsiteY33"/>
-              </a:cxn>
-              <a:cxn ang="0">
-                <a:pos x="connsiteX34" y="connsiteY34"/>
-              </a:cxn>
-              <a:cxn ang="0">
-                <a:pos x="connsiteX35" y="connsiteY35"/>
-              </a:cxn>
-              <a:cxn ang="0">
-                <a:pos x="connsiteX36" y="connsiteY36"/>
-              </a:cxn>
-              <a:cxn ang="0">
-                <a:pos x="connsiteX37" y="connsiteY37"/>
-              </a:cxn>
-              <a:cxn ang="0">
-                <a:pos x="connsiteX38" y="connsiteY38"/>
-              </a:cxn>
-              <a:cxn ang="0">
-                <a:pos x="connsiteX39" y="connsiteY39"/>
-              </a:cxn>
-              <a:cxn ang="0">
-                <a:pos x="connsiteX40" y="connsiteY40"/>
-              </a:cxn>
-              <a:cxn ang="0">
-                <a:pos x="connsiteX41" y="connsiteY41"/>
-              </a:cxn>
-              <a:cxn ang="0">
-                <a:pos x="connsiteX42" y="connsiteY42"/>
-              </a:cxn>
-              <a:cxn ang="0">
-                <a:pos x="connsiteX43" y="connsiteY43"/>
-              </a:cxn>
-              <a:cxn ang="0">
-                <a:pos x="connsiteX44" y="connsiteY44"/>
-              </a:cxn>
-              <a:cxn ang="0">
-                <a:pos x="connsiteX45" y="connsiteY45"/>
-              </a:cxn>
-              <a:cxn ang="0">
-                <a:pos x="connsiteX46" y="connsiteY46"/>
-              </a:cxn>
-            </a:cxnLst>
-            <a:rect l="l" t="t" r="r" b="b"/>
-            <a:pathLst>
-              <a:path w="4381009" h="5892104">
-                <a:moveTo>
-                  <a:pt x="0" y="0"/>
-                </a:moveTo>
-                <a:lnTo>
-                  <a:pt x="4157628" y="0"/>
-                </a:lnTo>
-                <a:lnTo>
-                  <a:pt x="4169302" y="68659"/>
-                </a:lnTo>
-                <a:lnTo>
-                  <a:pt x="4191571" y="205472"/>
-                </a:lnTo>
-                <a:lnTo>
-                  <a:pt x="4213368" y="342890"/>
-                </a:lnTo>
-                <a:lnTo>
-                  <a:pt x="4232030" y="480913"/>
-                </a:lnTo>
-                <a:lnTo>
-                  <a:pt x="4250848" y="618332"/>
-                </a:lnTo>
-                <a:lnTo>
-                  <a:pt x="4268412" y="756355"/>
-                </a:lnTo>
-                <a:lnTo>
-                  <a:pt x="4283467" y="892563"/>
-                </a:lnTo>
-                <a:lnTo>
-                  <a:pt x="4297737" y="1030587"/>
-                </a:lnTo>
-                <a:lnTo>
-                  <a:pt x="4310754" y="1168005"/>
-                </a:lnTo>
-                <a:lnTo>
-                  <a:pt x="4322045" y="1303002"/>
-                </a:lnTo>
-                <a:lnTo>
-                  <a:pt x="4333336" y="1439815"/>
-                </a:lnTo>
-                <a:lnTo>
-                  <a:pt x="4342745" y="1574812"/>
-                </a:lnTo>
-                <a:lnTo>
-                  <a:pt x="4350115" y="1709808"/>
-                </a:lnTo>
-                <a:lnTo>
-                  <a:pt x="4357799" y="1844200"/>
-                </a:lnTo>
-                <a:lnTo>
-                  <a:pt x="4364229" y="1977381"/>
-                </a:lnTo>
-                <a:lnTo>
-                  <a:pt x="4368777" y="2109351"/>
-                </a:lnTo>
-                <a:lnTo>
-                  <a:pt x="4372697" y="2241321"/>
-                </a:lnTo>
-                <a:lnTo>
-                  <a:pt x="4376461" y="2372080"/>
-                </a:lnTo>
-                <a:lnTo>
-                  <a:pt x="4378186" y="2501023"/>
-                </a:lnTo>
-                <a:lnTo>
-                  <a:pt x="4380068" y="2629966"/>
-                </a:lnTo>
-                <a:lnTo>
-                  <a:pt x="4381009" y="2757093"/>
-                </a:lnTo>
-                <a:lnTo>
-                  <a:pt x="4380068" y="2883010"/>
-                </a:lnTo>
-                <a:lnTo>
-                  <a:pt x="4380068" y="3007715"/>
-                </a:lnTo>
-                <a:lnTo>
-                  <a:pt x="4378186" y="3131210"/>
-                </a:lnTo>
-                <a:lnTo>
-                  <a:pt x="4375363" y="3252283"/>
-                </a:lnTo>
-                <a:lnTo>
-                  <a:pt x="4372697" y="3372146"/>
-                </a:lnTo>
-                <a:lnTo>
-                  <a:pt x="4369718" y="3489587"/>
-                </a:lnTo>
-                <a:lnTo>
-                  <a:pt x="4365170" y="3606423"/>
-                </a:lnTo>
-                <a:lnTo>
-                  <a:pt x="4360309" y="3721443"/>
-                </a:lnTo>
-                <a:lnTo>
-                  <a:pt x="4355918" y="3834041"/>
-                </a:lnTo>
-                <a:lnTo>
-                  <a:pt x="4343529" y="4053789"/>
-                </a:lnTo>
-                <a:lnTo>
-                  <a:pt x="4330356" y="4264457"/>
-                </a:lnTo>
-                <a:lnTo>
-                  <a:pt x="4316556" y="4466650"/>
-                </a:lnTo>
-                <a:lnTo>
-                  <a:pt x="4301344" y="4657946"/>
-                </a:lnTo>
-                <a:lnTo>
-                  <a:pt x="4285506" y="4840767"/>
-                </a:lnTo>
-                <a:lnTo>
-                  <a:pt x="4268412" y="5010269"/>
-                </a:lnTo>
-                <a:lnTo>
-                  <a:pt x="4251633" y="5169481"/>
-                </a:lnTo>
-                <a:lnTo>
-                  <a:pt x="4234853" y="5315980"/>
-                </a:lnTo>
-                <a:lnTo>
-                  <a:pt x="4219014" y="5450371"/>
-                </a:lnTo>
-                <a:lnTo>
-                  <a:pt x="4203959" y="5569628"/>
-                </a:lnTo>
-                <a:lnTo>
-                  <a:pt x="4189689" y="5677384"/>
-                </a:lnTo>
-                <a:lnTo>
-                  <a:pt x="4177770" y="5768189"/>
-                </a:lnTo>
-                <a:lnTo>
-                  <a:pt x="4166479" y="5844465"/>
-                </a:lnTo>
-                <a:lnTo>
-                  <a:pt x="4159132" y="5892104"/>
-                </a:lnTo>
-                <a:lnTo>
-                  <a:pt x="0" y="5892104"/>
-                </a:lnTo>
-                <a:close/>
-              </a:path>
-            </a:pathLst>
-          </a:custGeom>
-          <a:solidFill>
-            <a:srgbClr val="404040"/>
-          </a:solidFill>
-          <a:ln>
-            <a:noFill/>
-          </a:ln>
-        </p:spPr>
-        <p:style>
-          <a:lnRef idx="2">
-            <a:schemeClr val="accent1">
-              <a:shade val="50000"/>
-            </a:schemeClr>
-          </a:lnRef>
-          <a:fillRef idx="1">
-            <a:schemeClr val="accent1"/>
-          </a:fillRef>
-          <a:effectRef idx="0">
-            <a:schemeClr val="accent1"/>
-          </a:effectRef>
-          <a:fontRef idx="minor">
-            <a:schemeClr val="lt1"/>
-          </a:fontRef>
-        </p:style>
-        <p:txBody>
-          <a:bodyPr wrap="square" rtlCol="0" anchor="ctr">
-            <a:noAutofit/>
-          </a:bodyPr>
-          <a:lstStyle/>
-          <a:p>
-            <a:pPr marL="0" marR="0" lvl="0" indent="0" algn="ctr" defTabSz="457200" rtl="0" eaLnBrk="1" fontAlgn="auto" latinLnBrk="0" hangingPunct="1">
-              <a:lnSpc>
-                <a:spcPct val="100000"/>
-              </a:lnSpc>
-              <a:spcBef>
-                <a:spcPts val="0"/>
-              </a:spcBef>
-              <a:spcAft>
-                <a:spcPts val="0"/>
-              </a:spcAft>
-              <a:buClrTx/>
-              <a:buSzTx/>
-              <a:buFontTx/>
-              <a:buNone/>
-              <a:tabLst/>
-              <a:defRPr/>
-            </a:pPr>
-            <a:endParaRPr kumimoji="0" lang="en-US" sz="1800" b="0" i="0" u="none" strike="noStrike" kern="1200" cap="none" spc="0" normalizeH="0" baseline="0" noProof="0">
-              <a:ln>
-                <a:noFill/>
-              </a:ln>
-              <a:solidFill>
-                <a:prstClr val="white"/>
-              </a:solidFill>
-              <a:effectLst/>
-              <a:uLnTx/>
-              <a:uFillTx/>
-              <a:latin typeface="Calibri" panose="020F0502020204030204"/>
-              <a:ea typeface="+mn-ea"/>
-              <a:cs typeface="+mn-cs"/>
-            </a:endParaRPr>
-          </a:p>
-        </p:txBody>
-      </p:sp>
-      <p:sp>
-        <p:nvSpPr>
           <p:cNvPr id="2" name="Title 1">
             <a:extLst>
               <a:ext uri="{FF2B5EF4-FFF2-40B4-BE49-F238E27FC236}">
@@ -8455,60 +4457,58 @@
             <p:ph type="title"/>
           </p:nvPr>
         </p:nvSpPr>
-        <p:spPr>
-          <a:xfrm>
-            <a:off x="863029" y="1012004"/>
-            <a:ext cx="3416158" cy="4795408"/>
-          </a:xfrm>
-        </p:spPr>
-        <p:txBody>
-          <a:bodyPr>
-            <a:normAutofit/>
-          </a:bodyPr>
-          <a:lstStyle/>
-          <a:p>
-            <a:r>
-              <a:rPr lang="en-GB">
-                <a:solidFill>
-                  <a:srgbClr val="FFFFFF"/>
-                </a:solidFill>
-              </a:rPr>
+        <p:spPr/>
+        <p:txBody>
+          <a:bodyPr/>
+          <a:lstStyle/>
+          <a:p>
+            <a:r>
+              <a:rPr lang="en-GB"/>
               <a:t>Aims of the project</a:t>
             </a:r>
           </a:p>
         </p:txBody>
       </p:sp>
-      <p:graphicFrame>
-        <p:nvGraphicFramePr>
-          <p:cNvPr id="12" name="Content Placeholder 2">
-            <a:extLst>
-              <a:ext uri="{FF2B5EF4-FFF2-40B4-BE49-F238E27FC236}">
-                <a16:creationId xmlns:a16="http://schemas.microsoft.com/office/drawing/2014/main" id="{6D6AC4FF-B8C9-4E27-8635-918FF5EE7D53}"/>
-              </a:ext>
-            </a:extLst>
-          </p:cNvPr>
-          <p:cNvGraphicFramePr>
-            <a:graphicFrameLocks noGrp="1"/>
-          </p:cNvGraphicFramePr>
+      <p:sp>
+        <p:nvSpPr>
+          <p:cNvPr id="5" name="Content Placeholder 4">
+            <a:extLst>
+              <a:ext uri="{FF2B5EF4-FFF2-40B4-BE49-F238E27FC236}">
+                <a16:creationId xmlns:a16="http://schemas.microsoft.com/office/drawing/2014/main" id="{F0E5CFE6-4090-4A2A-B376-C83FFC131C48}"/>
+              </a:ext>
+            </a:extLst>
+          </p:cNvPr>
+          <p:cNvSpPr>
+            <a:spLocks noGrp="1"/>
+          </p:cNvSpPr>
           <p:nvPr>
             <p:ph idx="1"/>
-            <p:extLst>
-              <p:ext uri="{D42A27DB-BD31-4B8C-83A1-F6EECF244321}">
-                <p14:modId xmlns:p14="http://schemas.microsoft.com/office/powerpoint/2010/main" val="211374840"/>
-              </p:ext>
-            </p:extLst>
-          </p:nvPr>
-        </p:nvGraphicFramePr>
-        <p:xfrm>
-          <a:off x="5194300" y="470924"/>
-          <a:ext cx="6513604" cy="5885426"/>
-        </p:xfrm>
-        <a:graphic>
-          <a:graphicData uri="http://schemas.openxmlformats.org/drawingml/2006/diagram">
-            <dgm:relIds xmlns:dgm="http://schemas.openxmlformats.org/drawingml/2006/diagram" xmlns:r="http://schemas.openxmlformats.org/officeDocument/2006/relationships" r:dm="rId2" r:lo="rId3" r:qs="rId4" r:cs="rId5"/>
-          </a:graphicData>
-        </a:graphic>
-      </p:graphicFrame>
+          </p:nvPr>
+        </p:nvSpPr>
+        <p:spPr/>
+        <p:txBody>
+          <a:bodyPr/>
+          <a:lstStyle/>
+          <a:p>
+            <a:r>
+              <a:rPr lang="en-GB" dirty="0"/>
+              <a:t>Teaching/Learning tool</a:t>
+            </a:r>
+          </a:p>
+          <a:p>
+            <a:r>
+              <a:rPr lang="en-GB" dirty="0"/>
+              <a:t>Easy to use layout</a:t>
+            </a:r>
+          </a:p>
+          <a:p>
+            <a:r>
+              <a:rPr lang="en-GB" dirty="0"/>
+              <a:t>Versatility to the user</a:t>
+            </a:r>
+          </a:p>
+        </p:txBody>
+      </p:sp>
     </p:spTree>
     <p:extLst>
       <p:ext uri="{BB962C8B-B14F-4D97-AF65-F5344CB8AC3E}">

--- a/presentation-slides.pptx
+++ b/presentation-slides.pptx
@@ -4,15 +4,21 @@
   <p:sldMasterIdLst>
     <p:sldMasterId id="2147483648" r:id="rId1"/>
   </p:sldMasterIdLst>
+  <p:notesMasterIdLst>
+    <p:notesMasterId r:id="rId13"/>
+  </p:notesMasterIdLst>
   <p:sldIdLst>
     <p:sldId id="256" r:id="rId2"/>
-    <p:sldId id="257" r:id="rId3"/>
-    <p:sldId id="261" r:id="rId4"/>
-    <p:sldId id="262" r:id="rId5"/>
-    <p:sldId id="263" r:id="rId6"/>
-    <p:sldId id="258" r:id="rId7"/>
-    <p:sldId id="259" r:id="rId8"/>
-    <p:sldId id="260" r:id="rId9"/>
+    <p:sldId id="265" r:id="rId3"/>
+    <p:sldId id="257" r:id="rId4"/>
+    <p:sldId id="261" r:id="rId5"/>
+    <p:sldId id="262" r:id="rId6"/>
+    <p:sldId id="263" r:id="rId7"/>
+    <p:sldId id="266" r:id="rId8"/>
+    <p:sldId id="267" r:id="rId9"/>
+    <p:sldId id="259" r:id="rId10"/>
+    <p:sldId id="270" r:id="rId11"/>
+    <p:sldId id="260" r:id="rId12"/>
   </p:sldIdLst>
   <p:sldSz cx="12192000" cy="6858000"/>
   <p:notesSz cx="6858000" cy="9144000"/>
@@ -119,6 +125,961 @@
 </p:presentation>
 </file>
 
+<file path=ppt/notesMasters/notesMaster1.xml><?xml version="1.0" encoding="utf-8"?>
+<p:notesMaster xmlns:a="http://schemas.openxmlformats.org/drawingml/2006/main" xmlns:r="http://schemas.openxmlformats.org/officeDocument/2006/relationships" xmlns:p="http://schemas.openxmlformats.org/presentationml/2006/main">
+  <p:cSld>
+    <p:bg>
+      <p:bgRef idx="1001">
+        <a:schemeClr val="bg1"/>
+      </p:bgRef>
+    </p:bg>
+    <p:spTree>
+      <p:nvGrpSpPr>
+        <p:cNvPr id="1" name=""/>
+        <p:cNvGrpSpPr/>
+        <p:nvPr/>
+      </p:nvGrpSpPr>
+      <p:grpSpPr>
+        <a:xfrm>
+          <a:off x="0" y="0"/>
+          <a:ext cx="0" cy="0"/>
+          <a:chOff x="0" y="0"/>
+          <a:chExt cx="0" cy="0"/>
+        </a:xfrm>
+      </p:grpSpPr>
+      <p:sp>
+        <p:nvSpPr>
+          <p:cNvPr id="2" name="Header Placeholder 1"/>
+          <p:cNvSpPr>
+            <a:spLocks noGrp="1"/>
+          </p:cNvSpPr>
+          <p:nvPr>
+            <p:ph type="hdr" sz="quarter"/>
+          </p:nvPr>
+        </p:nvSpPr>
+        <p:spPr>
+          <a:xfrm>
+            <a:off x="0" y="0"/>
+            <a:ext cx="2971800" cy="458788"/>
+          </a:xfrm>
+          <a:prstGeom prst="rect">
+            <a:avLst/>
+          </a:prstGeom>
+        </p:spPr>
+        <p:txBody>
+          <a:bodyPr vert="horz" lIns="91440" tIns="45720" rIns="91440" bIns="45720" rtlCol="0"/>
+          <a:lstStyle>
+            <a:lvl1pPr algn="l">
+              <a:defRPr sz="1200"/>
+            </a:lvl1pPr>
+          </a:lstStyle>
+          <a:p>
+            <a:endParaRPr lang="en-GB"/>
+          </a:p>
+        </p:txBody>
+      </p:sp>
+      <p:sp>
+        <p:nvSpPr>
+          <p:cNvPr id="3" name="Date Placeholder 2"/>
+          <p:cNvSpPr>
+            <a:spLocks noGrp="1"/>
+          </p:cNvSpPr>
+          <p:nvPr>
+            <p:ph type="dt" idx="1"/>
+          </p:nvPr>
+        </p:nvSpPr>
+        <p:spPr>
+          <a:xfrm>
+            <a:off x="3884613" y="0"/>
+            <a:ext cx="2971800" cy="458788"/>
+          </a:xfrm>
+          <a:prstGeom prst="rect">
+            <a:avLst/>
+          </a:prstGeom>
+        </p:spPr>
+        <p:txBody>
+          <a:bodyPr vert="horz" lIns="91440" tIns="45720" rIns="91440" bIns="45720" rtlCol="0"/>
+          <a:lstStyle>
+            <a:lvl1pPr algn="r">
+              <a:defRPr sz="1200"/>
+            </a:lvl1pPr>
+          </a:lstStyle>
+          <a:p>
+            <a:fld id="{06A04C1D-9A98-4580-BD8A-581D2361555D}" type="datetimeFigureOut">
+              <a:rPr lang="en-GB" smtClean="0"/>
+              <a:t>21/03/2019</a:t>
+            </a:fld>
+            <a:endParaRPr lang="en-GB"/>
+          </a:p>
+        </p:txBody>
+      </p:sp>
+      <p:sp>
+        <p:nvSpPr>
+          <p:cNvPr id="4" name="Slide Image Placeholder 3"/>
+          <p:cNvSpPr>
+            <a:spLocks noGrp="1" noRot="1" noChangeAspect="1"/>
+          </p:cNvSpPr>
+          <p:nvPr>
+            <p:ph type="sldImg" idx="2"/>
+          </p:nvPr>
+        </p:nvSpPr>
+        <p:spPr>
+          <a:xfrm>
+            <a:off x="685800" y="1143000"/>
+            <a:ext cx="5486400" cy="3086100"/>
+          </a:xfrm>
+          <a:prstGeom prst="rect">
+            <a:avLst/>
+          </a:prstGeom>
+          <a:noFill/>
+          <a:ln w="12700">
+            <a:solidFill>
+              <a:prstClr val="black"/>
+            </a:solidFill>
+          </a:ln>
+        </p:spPr>
+        <p:txBody>
+          <a:bodyPr vert="horz" lIns="91440" tIns="45720" rIns="91440" bIns="45720" rtlCol="0" anchor="ctr"/>
+          <a:lstStyle/>
+          <a:p>
+            <a:endParaRPr lang="en-GB"/>
+          </a:p>
+        </p:txBody>
+      </p:sp>
+      <p:sp>
+        <p:nvSpPr>
+          <p:cNvPr id="5" name="Notes Placeholder 4"/>
+          <p:cNvSpPr>
+            <a:spLocks noGrp="1"/>
+          </p:cNvSpPr>
+          <p:nvPr>
+            <p:ph type="body" sz="quarter" idx="3"/>
+          </p:nvPr>
+        </p:nvSpPr>
+        <p:spPr>
+          <a:xfrm>
+            <a:off x="685800" y="4400550"/>
+            <a:ext cx="5486400" cy="3600450"/>
+          </a:xfrm>
+          <a:prstGeom prst="rect">
+            <a:avLst/>
+          </a:prstGeom>
+        </p:spPr>
+        <p:txBody>
+          <a:bodyPr vert="horz" lIns="91440" tIns="45720" rIns="91440" bIns="45720" rtlCol="0"/>
+          <a:lstStyle/>
+          <a:p>
+            <a:pPr lvl="0"/>
+            <a:r>
+              <a:rPr lang="en-US"/>
+              <a:t>Click to edit Master text styles</a:t>
+            </a:r>
+          </a:p>
+          <a:p>
+            <a:pPr lvl="1"/>
+            <a:r>
+              <a:rPr lang="en-US"/>
+              <a:t>Second level</a:t>
+            </a:r>
+          </a:p>
+          <a:p>
+            <a:pPr lvl="2"/>
+            <a:r>
+              <a:rPr lang="en-US"/>
+              <a:t>Third level</a:t>
+            </a:r>
+          </a:p>
+          <a:p>
+            <a:pPr lvl="3"/>
+            <a:r>
+              <a:rPr lang="en-US"/>
+              <a:t>Fourth level</a:t>
+            </a:r>
+          </a:p>
+          <a:p>
+            <a:pPr lvl="4"/>
+            <a:r>
+              <a:rPr lang="en-US"/>
+              <a:t>Fifth level</a:t>
+            </a:r>
+            <a:endParaRPr lang="en-GB"/>
+          </a:p>
+        </p:txBody>
+      </p:sp>
+      <p:sp>
+        <p:nvSpPr>
+          <p:cNvPr id="6" name="Footer Placeholder 5"/>
+          <p:cNvSpPr>
+            <a:spLocks noGrp="1"/>
+          </p:cNvSpPr>
+          <p:nvPr>
+            <p:ph type="ftr" sz="quarter" idx="4"/>
+          </p:nvPr>
+        </p:nvSpPr>
+        <p:spPr>
+          <a:xfrm>
+            <a:off x="0" y="8685213"/>
+            <a:ext cx="2971800" cy="458787"/>
+          </a:xfrm>
+          <a:prstGeom prst="rect">
+            <a:avLst/>
+          </a:prstGeom>
+        </p:spPr>
+        <p:txBody>
+          <a:bodyPr vert="horz" lIns="91440" tIns="45720" rIns="91440" bIns="45720" rtlCol="0" anchor="b"/>
+          <a:lstStyle>
+            <a:lvl1pPr algn="l">
+              <a:defRPr sz="1200"/>
+            </a:lvl1pPr>
+          </a:lstStyle>
+          <a:p>
+            <a:endParaRPr lang="en-GB"/>
+          </a:p>
+        </p:txBody>
+      </p:sp>
+      <p:sp>
+        <p:nvSpPr>
+          <p:cNvPr id="7" name="Slide Number Placeholder 6"/>
+          <p:cNvSpPr>
+            <a:spLocks noGrp="1"/>
+          </p:cNvSpPr>
+          <p:nvPr>
+            <p:ph type="sldNum" sz="quarter" idx="5"/>
+          </p:nvPr>
+        </p:nvSpPr>
+        <p:spPr>
+          <a:xfrm>
+            <a:off x="3884613" y="8685213"/>
+            <a:ext cx="2971800" cy="458787"/>
+          </a:xfrm>
+          <a:prstGeom prst="rect">
+            <a:avLst/>
+          </a:prstGeom>
+        </p:spPr>
+        <p:txBody>
+          <a:bodyPr vert="horz" lIns="91440" tIns="45720" rIns="91440" bIns="45720" rtlCol="0" anchor="b"/>
+          <a:lstStyle>
+            <a:lvl1pPr algn="r">
+              <a:defRPr sz="1200"/>
+            </a:lvl1pPr>
+          </a:lstStyle>
+          <a:p>
+            <a:fld id="{D5376842-B598-49AB-8E72-4DEC92A9DF1D}" type="slidenum">
+              <a:rPr lang="en-GB" smtClean="0"/>
+              <a:t>‹#›</a:t>
+            </a:fld>
+            <a:endParaRPr lang="en-GB"/>
+          </a:p>
+        </p:txBody>
+      </p:sp>
+    </p:spTree>
+    <p:extLst>
+      <p:ext uri="{BB962C8B-B14F-4D97-AF65-F5344CB8AC3E}">
+        <p14:creationId xmlns:p14="http://schemas.microsoft.com/office/powerpoint/2010/main" val="3273340501"/>
+      </p:ext>
+    </p:extLst>
+  </p:cSld>
+  <p:clrMap bg1="lt1" tx1="dk1" bg2="lt2" tx2="dk2" accent1="accent1" accent2="accent2" accent3="accent3" accent4="accent4" accent5="accent5" accent6="accent6" hlink="hlink" folHlink="folHlink"/>
+  <p:notesStyle>
+    <a:lvl1pPr marL="0" algn="l" defTabSz="914400" rtl="0" eaLnBrk="1" latinLnBrk="0" hangingPunct="1">
+      <a:defRPr sz="1200" kern="1200">
+        <a:solidFill>
+          <a:schemeClr val="tx1"/>
+        </a:solidFill>
+        <a:latin typeface="+mn-lt"/>
+        <a:ea typeface="+mn-ea"/>
+        <a:cs typeface="+mn-cs"/>
+      </a:defRPr>
+    </a:lvl1pPr>
+    <a:lvl2pPr marL="457200" algn="l" defTabSz="914400" rtl="0" eaLnBrk="1" latinLnBrk="0" hangingPunct="1">
+      <a:defRPr sz="1200" kern="1200">
+        <a:solidFill>
+          <a:schemeClr val="tx1"/>
+        </a:solidFill>
+        <a:latin typeface="+mn-lt"/>
+        <a:ea typeface="+mn-ea"/>
+        <a:cs typeface="+mn-cs"/>
+      </a:defRPr>
+    </a:lvl2pPr>
+    <a:lvl3pPr marL="914400" algn="l" defTabSz="914400" rtl="0" eaLnBrk="1" latinLnBrk="0" hangingPunct="1">
+      <a:defRPr sz="1200" kern="1200">
+        <a:solidFill>
+          <a:schemeClr val="tx1"/>
+        </a:solidFill>
+        <a:latin typeface="+mn-lt"/>
+        <a:ea typeface="+mn-ea"/>
+        <a:cs typeface="+mn-cs"/>
+      </a:defRPr>
+    </a:lvl3pPr>
+    <a:lvl4pPr marL="1371600" algn="l" defTabSz="914400" rtl="0" eaLnBrk="1" latinLnBrk="0" hangingPunct="1">
+      <a:defRPr sz="1200" kern="1200">
+        <a:solidFill>
+          <a:schemeClr val="tx1"/>
+        </a:solidFill>
+        <a:latin typeface="+mn-lt"/>
+        <a:ea typeface="+mn-ea"/>
+        <a:cs typeface="+mn-cs"/>
+      </a:defRPr>
+    </a:lvl4pPr>
+    <a:lvl5pPr marL="1828800" algn="l" defTabSz="914400" rtl="0" eaLnBrk="1" latinLnBrk="0" hangingPunct="1">
+      <a:defRPr sz="1200" kern="1200">
+        <a:solidFill>
+          <a:schemeClr val="tx1"/>
+        </a:solidFill>
+        <a:latin typeface="+mn-lt"/>
+        <a:ea typeface="+mn-ea"/>
+        <a:cs typeface="+mn-cs"/>
+      </a:defRPr>
+    </a:lvl5pPr>
+    <a:lvl6pPr marL="2286000" algn="l" defTabSz="914400" rtl="0" eaLnBrk="1" latinLnBrk="0" hangingPunct="1">
+      <a:defRPr sz="1200" kern="1200">
+        <a:solidFill>
+          <a:schemeClr val="tx1"/>
+        </a:solidFill>
+        <a:latin typeface="+mn-lt"/>
+        <a:ea typeface="+mn-ea"/>
+        <a:cs typeface="+mn-cs"/>
+      </a:defRPr>
+    </a:lvl6pPr>
+    <a:lvl7pPr marL="2743200" algn="l" defTabSz="914400" rtl="0" eaLnBrk="1" latinLnBrk="0" hangingPunct="1">
+      <a:defRPr sz="1200" kern="1200">
+        <a:solidFill>
+          <a:schemeClr val="tx1"/>
+        </a:solidFill>
+        <a:latin typeface="+mn-lt"/>
+        <a:ea typeface="+mn-ea"/>
+        <a:cs typeface="+mn-cs"/>
+      </a:defRPr>
+    </a:lvl7pPr>
+    <a:lvl8pPr marL="3200400" algn="l" defTabSz="914400" rtl="0" eaLnBrk="1" latinLnBrk="0" hangingPunct="1">
+      <a:defRPr sz="1200" kern="1200">
+        <a:solidFill>
+          <a:schemeClr val="tx1"/>
+        </a:solidFill>
+        <a:latin typeface="+mn-lt"/>
+        <a:ea typeface="+mn-ea"/>
+        <a:cs typeface="+mn-cs"/>
+      </a:defRPr>
+    </a:lvl8pPr>
+    <a:lvl9pPr marL="3657600" algn="l" defTabSz="914400" rtl="0" eaLnBrk="1" latinLnBrk="0" hangingPunct="1">
+      <a:defRPr sz="1200" kern="1200">
+        <a:solidFill>
+          <a:schemeClr val="tx1"/>
+        </a:solidFill>
+        <a:latin typeface="+mn-lt"/>
+        <a:ea typeface="+mn-ea"/>
+        <a:cs typeface="+mn-cs"/>
+      </a:defRPr>
+    </a:lvl9pPr>
+  </p:notesStyle>
+</p:notesMaster>
+</file>
+
+<file path=ppt/notesSlides/notesSlide1.xml><?xml version="1.0" encoding="utf-8"?>
+<p:notes xmlns:a="http://schemas.openxmlformats.org/drawingml/2006/main" xmlns:r="http://schemas.openxmlformats.org/officeDocument/2006/relationships" xmlns:p="http://schemas.openxmlformats.org/presentationml/2006/main">
+  <p:cSld>
+    <p:spTree>
+      <p:nvGrpSpPr>
+        <p:cNvPr id="1" name=""/>
+        <p:cNvGrpSpPr/>
+        <p:nvPr/>
+      </p:nvGrpSpPr>
+      <p:grpSpPr>
+        <a:xfrm>
+          <a:off x="0" y="0"/>
+          <a:ext cx="0" cy="0"/>
+          <a:chOff x="0" y="0"/>
+          <a:chExt cx="0" cy="0"/>
+        </a:xfrm>
+      </p:grpSpPr>
+      <p:sp>
+        <p:nvSpPr>
+          <p:cNvPr id="2" name="Slide Image Placeholder 1"/>
+          <p:cNvSpPr>
+            <a:spLocks noGrp="1" noRot="1" noChangeAspect="1"/>
+          </p:cNvSpPr>
+          <p:nvPr>
+            <p:ph type="sldImg"/>
+          </p:nvPr>
+        </p:nvSpPr>
+        <p:spPr/>
+      </p:sp>
+      <p:sp>
+        <p:nvSpPr>
+          <p:cNvPr id="3" name="Notes Placeholder 2"/>
+          <p:cNvSpPr>
+            <a:spLocks noGrp="1"/>
+          </p:cNvSpPr>
+          <p:nvPr>
+            <p:ph type="body" idx="1"/>
+          </p:nvPr>
+        </p:nvSpPr>
+        <p:spPr/>
+        <p:txBody>
+          <a:bodyPr/>
+          <a:lstStyle/>
+          <a:p>
+            <a:r>
+              <a:rPr lang="en-GB" dirty="0"/>
+              <a:t>So why animate algorithms? </a:t>
+            </a:r>
+          </a:p>
+          <a:p>
+            <a:r>
+              <a:rPr lang="en-GB" dirty="0"/>
+              <a:t>Teaching purposes, visualisation teaches in an intuitive way before delving into details. </a:t>
+            </a:r>
+          </a:p>
+          <a:p>
+            <a:r>
+              <a:rPr lang="en-GB" dirty="0"/>
+              <a:t>Many different examples of animated algorithms (show them), but only one of network flow.</a:t>
+            </a:r>
+          </a:p>
+          <a:p>
+            <a:pPr marL="0" marR="0" lvl="0" indent="0" algn="l" defTabSz="914400" rtl="0" eaLnBrk="1" fontAlgn="auto" latinLnBrk="0" hangingPunct="1">
+              <a:lnSpc>
+                <a:spcPct val="100000"/>
+              </a:lnSpc>
+              <a:spcBef>
+                <a:spcPts val="0"/>
+              </a:spcBef>
+              <a:spcAft>
+                <a:spcPts val="0"/>
+              </a:spcAft>
+              <a:buClrTx/>
+              <a:buSzTx/>
+              <a:buFontTx/>
+              <a:buNone/>
+              <a:tabLst/>
+              <a:defRPr/>
+            </a:pPr>
+            <a:r>
+              <a:rPr lang="en-GB" dirty="0"/>
+              <a:t>Can be applied to transportation, resource allocation, network connectivity, and many more, so a shame that visualising it has been avoided.</a:t>
+            </a:r>
+          </a:p>
+        </p:txBody>
+      </p:sp>
+      <p:sp>
+        <p:nvSpPr>
+          <p:cNvPr id="4" name="Slide Number Placeholder 3"/>
+          <p:cNvSpPr>
+            <a:spLocks noGrp="1"/>
+          </p:cNvSpPr>
+          <p:nvPr>
+            <p:ph type="sldNum" sz="quarter" idx="5"/>
+          </p:nvPr>
+        </p:nvSpPr>
+        <p:spPr/>
+        <p:txBody>
+          <a:bodyPr/>
+          <a:lstStyle/>
+          <a:p>
+            <a:fld id="{D5376842-B598-49AB-8E72-4DEC92A9DF1D}" type="slidenum">
+              <a:rPr lang="en-GB" smtClean="0"/>
+              <a:t>2</a:t>
+            </a:fld>
+            <a:endParaRPr lang="en-GB"/>
+          </a:p>
+        </p:txBody>
+      </p:sp>
+    </p:spTree>
+    <p:extLst>
+      <p:ext uri="{BB962C8B-B14F-4D97-AF65-F5344CB8AC3E}">
+        <p14:creationId xmlns:p14="http://schemas.microsoft.com/office/powerpoint/2010/main" val="502114004"/>
+      </p:ext>
+    </p:extLst>
+  </p:cSld>
+  <p:clrMapOvr>
+    <a:masterClrMapping/>
+  </p:clrMapOvr>
+</p:notes>
+</file>
+
+<file path=ppt/notesSlides/notesSlide2.xml><?xml version="1.0" encoding="utf-8"?>
+<p:notes xmlns:a="http://schemas.openxmlformats.org/drawingml/2006/main" xmlns:r="http://schemas.openxmlformats.org/officeDocument/2006/relationships" xmlns:p="http://schemas.openxmlformats.org/presentationml/2006/main">
+  <p:cSld>
+    <p:spTree>
+      <p:nvGrpSpPr>
+        <p:cNvPr id="1" name=""/>
+        <p:cNvGrpSpPr/>
+        <p:nvPr/>
+      </p:nvGrpSpPr>
+      <p:grpSpPr>
+        <a:xfrm>
+          <a:off x="0" y="0"/>
+          <a:ext cx="0" cy="0"/>
+          <a:chOff x="0" y="0"/>
+          <a:chExt cx="0" cy="0"/>
+        </a:xfrm>
+      </p:grpSpPr>
+      <p:sp>
+        <p:nvSpPr>
+          <p:cNvPr id="2" name="Slide Image Placeholder 1"/>
+          <p:cNvSpPr>
+            <a:spLocks noGrp="1" noRot="1" noChangeAspect="1"/>
+          </p:cNvSpPr>
+          <p:nvPr>
+            <p:ph type="sldImg"/>
+          </p:nvPr>
+        </p:nvSpPr>
+        <p:spPr/>
+      </p:sp>
+      <p:sp>
+        <p:nvSpPr>
+          <p:cNvPr id="3" name="Notes Placeholder 2"/>
+          <p:cNvSpPr>
+            <a:spLocks noGrp="1"/>
+          </p:cNvSpPr>
+          <p:nvPr>
+            <p:ph type="body" idx="1"/>
+          </p:nvPr>
+        </p:nvSpPr>
+        <p:spPr/>
+        <p:txBody>
+          <a:bodyPr/>
+          <a:lstStyle/>
+          <a:p>
+            <a:r>
+              <a:rPr lang="en-GB" dirty="0"/>
+              <a:t>Directed graph with S and T. </a:t>
+            </a:r>
+          </a:p>
+          <a:p>
+            <a:r>
+              <a:rPr lang="en-GB" dirty="0"/>
+              <a:t>Each edge has a capacity, and network has a flow.</a:t>
+            </a:r>
+          </a:p>
+          <a:p>
+            <a:r>
+              <a:rPr lang="en-GB" dirty="0"/>
+              <a:t>Capacity constraint and flow conservation constraint.</a:t>
+            </a:r>
+          </a:p>
+          <a:p>
+            <a:r>
+              <a:rPr lang="en-GB" dirty="0"/>
+              <a:t>This flow isn’t at a maximum, we can increase it with….</a:t>
+            </a:r>
+          </a:p>
+        </p:txBody>
+      </p:sp>
+      <p:sp>
+        <p:nvSpPr>
+          <p:cNvPr id="4" name="Slide Number Placeholder 3"/>
+          <p:cNvSpPr>
+            <a:spLocks noGrp="1"/>
+          </p:cNvSpPr>
+          <p:nvPr>
+            <p:ph type="sldNum" sz="quarter" idx="5"/>
+          </p:nvPr>
+        </p:nvSpPr>
+        <p:spPr/>
+        <p:txBody>
+          <a:bodyPr/>
+          <a:lstStyle/>
+          <a:p>
+            <a:fld id="{D5376842-B598-49AB-8E72-4DEC92A9DF1D}" type="slidenum">
+              <a:rPr lang="en-GB" smtClean="0"/>
+              <a:t>3</a:t>
+            </a:fld>
+            <a:endParaRPr lang="en-GB"/>
+          </a:p>
+        </p:txBody>
+      </p:sp>
+    </p:spTree>
+    <p:extLst>
+      <p:ext uri="{BB962C8B-B14F-4D97-AF65-F5344CB8AC3E}">
+        <p14:creationId xmlns:p14="http://schemas.microsoft.com/office/powerpoint/2010/main" val="447210458"/>
+      </p:ext>
+    </p:extLst>
+  </p:cSld>
+  <p:clrMapOvr>
+    <a:masterClrMapping/>
+  </p:clrMapOvr>
+</p:notes>
+</file>
+
+<file path=ppt/notesSlides/notesSlide3.xml><?xml version="1.0" encoding="utf-8"?>
+<p:notes xmlns:a="http://schemas.openxmlformats.org/drawingml/2006/main" xmlns:r="http://schemas.openxmlformats.org/officeDocument/2006/relationships" xmlns:p="http://schemas.openxmlformats.org/presentationml/2006/main">
+  <p:cSld>
+    <p:spTree>
+      <p:nvGrpSpPr>
+        <p:cNvPr id="1" name=""/>
+        <p:cNvGrpSpPr/>
+        <p:nvPr/>
+      </p:nvGrpSpPr>
+      <p:grpSpPr>
+        <a:xfrm>
+          <a:off x="0" y="0"/>
+          <a:ext cx="0" cy="0"/>
+          <a:chOff x="0" y="0"/>
+          <a:chExt cx="0" cy="0"/>
+        </a:xfrm>
+      </p:grpSpPr>
+      <p:sp>
+        <p:nvSpPr>
+          <p:cNvPr id="2" name="Slide Image Placeholder 1"/>
+          <p:cNvSpPr>
+            <a:spLocks noGrp="1" noRot="1" noChangeAspect="1"/>
+          </p:cNvSpPr>
+          <p:nvPr>
+            <p:ph type="sldImg"/>
+          </p:nvPr>
+        </p:nvSpPr>
+        <p:spPr/>
+      </p:sp>
+      <p:sp>
+        <p:nvSpPr>
+          <p:cNvPr id="3" name="Notes Placeholder 2"/>
+          <p:cNvSpPr>
+            <a:spLocks noGrp="1"/>
+          </p:cNvSpPr>
+          <p:nvPr>
+            <p:ph type="body" idx="1"/>
+          </p:nvPr>
+        </p:nvSpPr>
+        <p:spPr/>
+        <p:txBody>
+          <a:bodyPr/>
+          <a:lstStyle/>
+          <a:p>
+            <a:r>
+              <a:rPr lang="en-GB" dirty="0"/>
+              <a:t>Path from S to T, not necessarily directed in the same way as our network.</a:t>
+            </a:r>
+          </a:p>
+          <a:p>
+            <a:r>
+              <a:rPr lang="en-GB" dirty="0"/>
+              <a:t>Forwards edge, same direction, flow &lt; cap</a:t>
+            </a:r>
+          </a:p>
+          <a:p>
+            <a:r>
+              <a:rPr lang="en-GB" dirty="0"/>
+              <a:t>Backwards edge, opposite direction, flow &gt; 0</a:t>
+            </a:r>
+          </a:p>
+        </p:txBody>
+      </p:sp>
+      <p:sp>
+        <p:nvSpPr>
+          <p:cNvPr id="4" name="Slide Number Placeholder 3"/>
+          <p:cNvSpPr>
+            <a:spLocks noGrp="1"/>
+          </p:cNvSpPr>
+          <p:nvPr>
+            <p:ph type="sldNum" sz="quarter" idx="5"/>
+          </p:nvPr>
+        </p:nvSpPr>
+        <p:spPr/>
+        <p:txBody>
+          <a:bodyPr/>
+          <a:lstStyle/>
+          <a:p>
+            <a:fld id="{D5376842-B598-49AB-8E72-4DEC92A9DF1D}" type="slidenum">
+              <a:rPr lang="en-GB" smtClean="0"/>
+              <a:t>4</a:t>
+            </a:fld>
+            <a:endParaRPr lang="en-GB"/>
+          </a:p>
+        </p:txBody>
+      </p:sp>
+    </p:spTree>
+    <p:extLst>
+      <p:ext uri="{BB962C8B-B14F-4D97-AF65-F5344CB8AC3E}">
+        <p14:creationId xmlns:p14="http://schemas.microsoft.com/office/powerpoint/2010/main" val="4156431599"/>
+      </p:ext>
+    </p:extLst>
+  </p:cSld>
+  <p:clrMapOvr>
+    <a:masterClrMapping/>
+  </p:clrMapOvr>
+</p:notes>
+</file>
+
+<file path=ppt/notesSlides/notesSlide4.xml><?xml version="1.0" encoding="utf-8"?>
+<p:notes xmlns:a="http://schemas.openxmlformats.org/drawingml/2006/main" xmlns:r="http://schemas.openxmlformats.org/officeDocument/2006/relationships" xmlns:p="http://schemas.openxmlformats.org/presentationml/2006/main">
+  <p:cSld>
+    <p:spTree>
+      <p:nvGrpSpPr>
+        <p:cNvPr id="1" name=""/>
+        <p:cNvGrpSpPr/>
+        <p:nvPr/>
+      </p:nvGrpSpPr>
+      <p:grpSpPr>
+        <a:xfrm>
+          <a:off x="0" y="0"/>
+          <a:ext cx="0" cy="0"/>
+          <a:chOff x="0" y="0"/>
+          <a:chExt cx="0" cy="0"/>
+        </a:xfrm>
+      </p:grpSpPr>
+      <p:sp>
+        <p:nvSpPr>
+          <p:cNvPr id="2" name="Slide Image Placeholder 1"/>
+          <p:cNvSpPr>
+            <a:spLocks noGrp="1" noRot="1" noChangeAspect="1"/>
+          </p:cNvSpPr>
+          <p:nvPr>
+            <p:ph type="sldImg"/>
+          </p:nvPr>
+        </p:nvSpPr>
+        <p:spPr/>
+      </p:sp>
+      <p:sp>
+        <p:nvSpPr>
+          <p:cNvPr id="3" name="Notes Placeholder 2"/>
+          <p:cNvSpPr>
+            <a:spLocks noGrp="1"/>
+          </p:cNvSpPr>
+          <p:nvPr>
+            <p:ph type="body" idx="1"/>
+          </p:nvPr>
+        </p:nvSpPr>
+        <p:spPr/>
+        <p:txBody>
+          <a:bodyPr/>
+          <a:lstStyle/>
+          <a:p>
+            <a:r>
+              <a:rPr lang="en-GB" dirty="0"/>
+              <a:t>Residual graph construction</a:t>
+            </a:r>
+          </a:p>
+          <a:p>
+            <a:r>
+              <a:rPr lang="en-GB" dirty="0"/>
+              <a:t>Forwards edge is “slack”, cap – flow</a:t>
+            </a:r>
+          </a:p>
+          <a:p>
+            <a:r>
+              <a:rPr lang="en-GB" dirty="0"/>
+              <a:t>Backwards edge is flow</a:t>
+            </a:r>
+          </a:p>
+        </p:txBody>
+      </p:sp>
+      <p:sp>
+        <p:nvSpPr>
+          <p:cNvPr id="4" name="Slide Number Placeholder 3"/>
+          <p:cNvSpPr>
+            <a:spLocks noGrp="1"/>
+          </p:cNvSpPr>
+          <p:nvPr>
+            <p:ph type="sldNum" sz="quarter" idx="5"/>
+          </p:nvPr>
+        </p:nvSpPr>
+        <p:spPr/>
+        <p:txBody>
+          <a:bodyPr/>
+          <a:lstStyle/>
+          <a:p>
+            <a:fld id="{D5376842-B598-49AB-8E72-4DEC92A9DF1D}" type="slidenum">
+              <a:rPr lang="en-GB" smtClean="0"/>
+              <a:t>5</a:t>
+            </a:fld>
+            <a:endParaRPr lang="en-GB"/>
+          </a:p>
+        </p:txBody>
+      </p:sp>
+    </p:spTree>
+    <p:extLst>
+      <p:ext uri="{BB962C8B-B14F-4D97-AF65-F5344CB8AC3E}">
+        <p14:creationId xmlns:p14="http://schemas.microsoft.com/office/powerpoint/2010/main" val="2583357924"/>
+      </p:ext>
+    </p:extLst>
+  </p:cSld>
+  <p:clrMapOvr>
+    <a:masterClrMapping/>
+  </p:clrMapOvr>
+</p:notes>
+</file>
+
+<file path=ppt/notesSlides/notesSlide5.xml><?xml version="1.0" encoding="utf-8"?>
+<p:notes xmlns:a="http://schemas.openxmlformats.org/drawingml/2006/main" xmlns:r="http://schemas.openxmlformats.org/officeDocument/2006/relationships" xmlns:p="http://schemas.openxmlformats.org/presentationml/2006/main">
+  <p:cSld>
+    <p:spTree>
+      <p:nvGrpSpPr>
+        <p:cNvPr id="1" name=""/>
+        <p:cNvGrpSpPr/>
+        <p:nvPr/>
+      </p:nvGrpSpPr>
+      <p:grpSpPr>
+        <a:xfrm>
+          <a:off x="0" y="0"/>
+          <a:ext cx="0" cy="0"/>
+          <a:chOff x="0" y="0"/>
+          <a:chExt cx="0" cy="0"/>
+        </a:xfrm>
+      </p:grpSpPr>
+      <p:sp>
+        <p:nvSpPr>
+          <p:cNvPr id="2" name="Slide Image Placeholder 1"/>
+          <p:cNvSpPr>
+            <a:spLocks noGrp="1" noRot="1" noChangeAspect="1"/>
+          </p:cNvSpPr>
+          <p:nvPr>
+            <p:ph type="sldImg"/>
+          </p:nvPr>
+        </p:nvSpPr>
+        <p:spPr/>
+      </p:sp>
+      <p:sp>
+        <p:nvSpPr>
+          <p:cNvPr id="3" name="Notes Placeholder 2"/>
+          <p:cNvSpPr>
+            <a:spLocks noGrp="1"/>
+          </p:cNvSpPr>
+          <p:nvPr>
+            <p:ph type="body" idx="1"/>
+          </p:nvPr>
+        </p:nvSpPr>
+        <p:spPr/>
+        <p:txBody>
+          <a:bodyPr/>
+          <a:lstStyle/>
+          <a:p>
+            <a:r>
+              <a:rPr lang="en-GB" dirty="0"/>
+              <a:t>Keep consistency with other animation software, big canvas for graphs, some pseudocode, detailed traceback, playback buttons</a:t>
+            </a:r>
+          </a:p>
+        </p:txBody>
+      </p:sp>
+      <p:sp>
+        <p:nvSpPr>
+          <p:cNvPr id="4" name="Slide Number Placeholder 3"/>
+          <p:cNvSpPr>
+            <a:spLocks noGrp="1"/>
+          </p:cNvSpPr>
+          <p:nvPr>
+            <p:ph type="sldNum" sz="quarter" idx="5"/>
+          </p:nvPr>
+        </p:nvSpPr>
+        <p:spPr/>
+        <p:txBody>
+          <a:bodyPr/>
+          <a:lstStyle/>
+          <a:p>
+            <a:fld id="{D5376842-B598-49AB-8E72-4DEC92A9DF1D}" type="slidenum">
+              <a:rPr lang="en-GB" smtClean="0"/>
+              <a:t>7</a:t>
+            </a:fld>
+            <a:endParaRPr lang="en-GB"/>
+          </a:p>
+        </p:txBody>
+      </p:sp>
+    </p:spTree>
+    <p:extLst>
+      <p:ext uri="{BB962C8B-B14F-4D97-AF65-F5344CB8AC3E}">
+        <p14:creationId xmlns:p14="http://schemas.microsoft.com/office/powerpoint/2010/main" val="3028888980"/>
+      </p:ext>
+    </p:extLst>
+  </p:cSld>
+  <p:clrMapOvr>
+    <a:masterClrMapping/>
+  </p:clrMapOvr>
+</p:notes>
+</file>
+
+<file path=ppt/notesSlides/notesSlide6.xml><?xml version="1.0" encoding="utf-8"?>
+<p:notes xmlns:a="http://schemas.openxmlformats.org/drawingml/2006/main" xmlns:r="http://schemas.openxmlformats.org/officeDocument/2006/relationships" xmlns:p="http://schemas.openxmlformats.org/presentationml/2006/main">
+  <p:cSld>
+    <p:spTree>
+      <p:nvGrpSpPr>
+        <p:cNvPr id="1" name=""/>
+        <p:cNvGrpSpPr/>
+        <p:nvPr/>
+      </p:nvGrpSpPr>
+      <p:grpSpPr>
+        <a:xfrm>
+          <a:off x="0" y="0"/>
+          <a:ext cx="0" cy="0"/>
+          <a:chOff x="0" y="0"/>
+          <a:chExt cx="0" cy="0"/>
+        </a:xfrm>
+      </p:grpSpPr>
+      <p:sp>
+        <p:nvSpPr>
+          <p:cNvPr id="2" name="Slide Image Placeholder 1"/>
+          <p:cNvSpPr>
+            <a:spLocks noGrp="1" noRot="1" noChangeAspect="1"/>
+          </p:cNvSpPr>
+          <p:nvPr>
+            <p:ph type="sldImg"/>
+          </p:nvPr>
+        </p:nvSpPr>
+        <p:spPr/>
+      </p:sp>
+      <p:sp>
+        <p:nvSpPr>
+          <p:cNvPr id="3" name="Notes Placeholder 2"/>
+          <p:cNvSpPr>
+            <a:spLocks noGrp="1"/>
+          </p:cNvSpPr>
+          <p:nvPr>
+            <p:ph type="body" idx="1"/>
+          </p:nvPr>
+        </p:nvSpPr>
+        <p:spPr/>
+        <p:txBody>
+          <a:bodyPr/>
+          <a:lstStyle/>
+          <a:p>
+            <a:r>
+              <a:rPr lang="en-GB" dirty="0"/>
+              <a:t>Can download current graph on screen as a json file in this format. 0 is S, last is T.</a:t>
+            </a:r>
+          </a:p>
+          <a:p>
+            <a:r>
+              <a:rPr lang="en-GB" dirty="0"/>
+              <a:t>Wanted to balance detail of graph without making it hard to write.</a:t>
+            </a:r>
+          </a:p>
+        </p:txBody>
+      </p:sp>
+      <p:sp>
+        <p:nvSpPr>
+          <p:cNvPr id="4" name="Slide Number Placeholder 3"/>
+          <p:cNvSpPr>
+            <a:spLocks noGrp="1"/>
+          </p:cNvSpPr>
+          <p:nvPr>
+            <p:ph type="sldNum" sz="quarter" idx="5"/>
+          </p:nvPr>
+        </p:nvSpPr>
+        <p:spPr/>
+        <p:txBody>
+          <a:bodyPr/>
+          <a:lstStyle/>
+          <a:p>
+            <a:fld id="{D5376842-B598-49AB-8E72-4DEC92A9DF1D}" type="slidenum">
+              <a:rPr lang="en-GB" smtClean="0"/>
+              <a:t>8</a:t>
+            </a:fld>
+            <a:endParaRPr lang="en-GB"/>
+          </a:p>
+        </p:txBody>
+      </p:sp>
+    </p:spTree>
+    <p:extLst>
+      <p:ext uri="{BB962C8B-B14F-4D97-AF65-F5344CB8AC3E}">
+        <p14:creationId xmlns:p14="http://schemas.microsoft.com/office/powerpoint/2010/main" val="2988088831"/>
+      </p:ext>
+    </p:extLst>
+  </p:cSld>
+  <p:clrMapOvr>
+    <a:masterClrMapping/>
+  </p:clrMapOvr>
+</p:notes>
+</file>
+
 <file path=ppt/slideLayouts/slideLayout1.xml><?xml version="1.0" encoding="utf-8"?>
 <p:sldLayout xmlns:a="http://schemas.openxmlformats.org/drawingml/2006/main" xmlns:r="http://schemas.openxmlformats.org/officeDocument/2006/relationships" xmlns:p="http://schemas.openxmlformats.org/presentationml/2006/main" type="title" preserve="1">
   <p:cSld name="Title Slide">
@@ -268,7 +1229,7 @@
           <a:p>
             <a:fld id="{95CC1E09-2AAD-4397-9E81-9899D9D5BB82}" type="datetimeFigureOut">
               <a:rPr lang="en-GB" smtClean="0"/>
-              <a:t>20/03/2019</a:t>
+              <a:t>21/03/2019</a:t>
             </a:fld>
             <a:endParaRPr lang="en-GB"/>
           </a:p>
@@ -468,7 +1429,7 @@
           <a:p>
             <a:fld id="{95CC1E09-2AAD-4397-9E81-9899D9D5BB82}" type="datetimeFigureOut">
               <a:rPr lang="en-GB" smtClean="0"/>
-              <a:t>20/03/2019</a:t>
+              <a:t>21/03/2019</a:t>
             </a:fld>
             <a:endParaRPr lang="en-GB"/>
           </a:p>
@@ -678,7 +1639,7 @@
           <a:p>
             <a:fld id="{95CC1E09-2AAD-4397-9E81-9899D9D5BB82}" type="datetimeFigureOut">
               <a:rPr lang="en-GB" smtClean="0"/>
-              <a:t>20/03/2019</a:t>
+              <a:t>21/03/2019</a:t>
             </a:fld>
             <a:endParaRPr lang="en-GB"/>
           </a:p>
@@ -878,7 +1839,7 @@
           <a:p>
             <a:fld id="{95CC1E09-2AAD-4397-9E81-9899D9D5BB82}" type="datetimeFigureOut">
               <a:rPr lang="en-GB" smtClean="0"/>
-              <a:t>20/03/2019</a:t>
+              <a:t>21/03/2019</a:t>
             </a:fld>
             <a:endParaRPr lang="en-GB"/>
           </a:p>
@@ -1154,7 +2115,7 @@
           <a:p>
             <a:fld id="{95CC1E09-2AAD-4397-9E81-9899D9D5BB82}" type="datetimeFigureOut">
               <a:rPr lang="en-GB" smtClean="0"/>
-              <a:t>20/03/2019</a:t>
+              <a:t>21/03/2019</a:t>
             </a:fld>
             <a:endParaRPr lang="en-GB"/>
           </a:p>
@@ -1422,7 +2383,7 @@
           <a:p>
             <a:fld id="{95CC1E09-2AAD-4397-9E81-9899D9D5BB82}" type="datetimeFigureOut">
               <a:rPr lang="en-GB" smtClean="0"/>
-              <a:t>20/03/2019</a:t>
+              <a:t>21/03/2019</a:t>
             </a:fld>
             <a:endParaRPr lang="en-GB"/>
           </a:p>
@@ -1837,7 +2798,7 @@
           <a:p>
             <a:fld id="{95CC1E09-2AAD-4397-9E81-9899D9D5BB82}" type="datetimeFigureOut">
               <a:rPr lang="en-GB" smtClean="0"/>
-              <a:t>20/03/2019</a:t>
+              <a:t>21/03/2019</a:t>
             </a:fld>
             <a:endParaRPr lang="en-GB"/>
           </a:p>
@@ -1979,7 +2940,7 @@
           <a:p>
             <a:fld id="{95CC1E09-2AAD-4397-9E81-9899D9D5BB82}" type="datetimeFigureOut">
               <a:rPr lang="en-GB" smtClean="0"/>
-              <a:t>20/03/2019</a:t>
+              <a:t>21/03/2019</a:t>
             </a:fld>
             <a:endParaRPr lang="en-GB"/>
           </a:p>
@@ -2092,7 +3053,7 @@
           <a:p>
             <a:fld id="{95CC1E09-2AAD-4397-9E81-9899D9D5BB82}" type="datetimeFigureOut">
               <a:rPr lang="en-GB" smtClean="0"/>
-              <a:t>20/03/2019</a:t>
+              <a:t>21/03/2019</a:t>
             </a:fld>
             <a:endParaRPr lang="en-GB"/>
           </a:p>
@@ -2405,7 +3366,7 @@
           <a:p>
             <a:fld id="{95CC1E09-2AAD-4397-9E81-9899D9D5BB82}" type="datetimeFigureOut">
               <a:rPr lang="en-GB" smtClean="0"/>
-              <a:t>20/03/2019</a:t>
+              <a:t>21/03/2019</a:t>
             </a:fld>
             <a:endParaRPr lang="en-GB"/>
           </a:p>
@@ -2694,7 +3655,7 @@
           <a:p>
             <a:fld id="{95CC1E09-2AAD-4397-9E81-9899D9D5BB82}" type="datetimeFigureOut">
               <a:rPr lang="en-GB" smtClean="0"/>
-              <a:t>20/03/2019</a:t>
+              <a:t>21/03/2019</a:t>
             </a:fld>
             <a:endParaRPr lang="en-GB"/>
           </a:p>
@@ -2937,7 +3898,7 @@
           <a:p>
             <a:fld id="{95CC1E09-2AAD-4397-9E81-9899D9D5BB82}" type="datetimeFigureOut">
               <a:rPr lang="en-GB" smtClean="0"/>
-              <a:t>20/03/2019</a:t>
+              <a:t>21/03/2019</a:t>
             </a:fld>
             <a:endParaRPr lang="en-GB"/>
           </a:p>
@@ -3343,7 +4304,7 @@
     <p:bg>
       <p:bgPr>
         <a:solidFill>
-          <a:schemeClr val="tx1"/>
+          <a:schemeClr val="bg1"/>
         </a:solidFill>
         <a:effectLst/>
       </p:bgPr>
@@ -3362,12 +4323,12 @@
           <a:chExt cx="0" cy="0"/>
         </a:xfrm>
       </p:grpSpPr>
-      <p:sp>
-        <p:nvSpPr>
-          <p:cNvPr id="8" name="Rectangle 7">
-            <a:extLst>
-              <a:ext uri="{FF2B5EF4-FFF2-40B4-BE49-F238E27FC236}">
-                <a16:creationId xmlns:a16="http://schemas.microsoft.com/office/drawing/2014/main" id="{2A8AA5BC-4F7A-4226-8F99-6D824B226A97}"/>
+      <p:sp useBgFill="1">
+        <p:nvSpPr>
+          <p:cNvPr id="22" name="Rectangle 16">
+            <a:extLst>
+              <a:ext uri="{FF2B5EF4-FFF2-40B4-BE49-F238E27FC236}">
+                <a16:creationId xmlns:a16="http://schemas.microsoft.com/office/drawing/2014/main" id="{559AE206-7EBA-4D33-8BC9-9D8158553F0E}"/>
               </a:ext>
               <a:ext uri="{C183D7F6-B498-43B3-948B-1728B52AA6E4}">
                 <adec:decorative xmlns:adec="http://schemas.microsoft.com/office/drawing/2017/decorative" val="1"/>
@@ -3387,14 +4348,175 @@
         </p:nvSpPr>
         <p:spPr>
           <a:xfrm>
-            <a:off x="0" y="-3324"/>
-            <a:ext cx="12192000" cy="6861324"/>
+            <a:off x="0" y="0"/>
+            <a:ext cx="12192000" cy="6858000"/>
           </a:xfrm>
           <a:prstGeom prst="rect">
             <a:avLst/>
           </a:prstGeom>
+          <a:ln>
+            <a:noFill/>
+          </a:ln>
+        </p:spPr>
+        <p:style>
+          <a:lnRef idx="2">
+            <a:schemeClr val="accent1">
+              <a:shade val="50000"/>
+            </a:schemeClr>
+          </a:lnRef>
+          <a:fillRef idx="1">
+            <a:schemeClr val="accent1"/>
+          </a:fillRef>
+          <a:effectRef idx="0">
+            <a:schemeClr val="accent1"/>
+          </a:effectRef>
+          <a:fontRef idx="minor">
+            <a:schemeClr val="lt1"/>
+          </a:fontRef>
+        </p:style>
+        <p:txBody>
+          <a:bodyPr rtlCol="0" anchor="ctr"/>
+          <a:lstStyle/>
+          <a:p>
+            <a:pPr marL="0" marR="0" lvl="0" indent="0" algn="ctr" defTabSz="914400" rtl="0" eaLnBrk="1" fontAlgn="auto" latinLnBrk="0" hangingPunct="1">
+              <a:lnSpc>
+                <a:spcPct val="100000"/>
+              </a:lnSpc>
+              <a:spcBef>
+                <a:spcPts val="0"/>
+              </a:spcBef>
+              <a:spcAft>
+                <a:spcPts val="0"/>
+              </a:spcAft>
+              <a:buClrTx/>
+              <a:buSzTx/>
+              <a:buFontTx/>
+              <a:buNone/>
+              <a:tabLst/>
+              <a:defRPr/>
+            </a:pPr>
+            <a:endParaRPr kumimoji="0" lang="en-US" sz="1800" b="0" i="0" u="none" strike="noStrike" kern="1200" cap="none" spc="0" normalizeH="0" baseline="0" noProof="0">
+              <a:ln>
+                <a:noFill/>
+              </a:ln>
+              <a:solidFill>
+                <a:prstClr val="white"/>
+              </a:solidFill>
+              <a:effectLst/>
+              <a:uLnTx/>
+              <a:uFillTx/>
+              <a:latin typeface="Calibri" panose="020F0502020204030204"/>
+              <a:ea typeface="+mn-ea"/>
+              <a:cs typeface="+mn-cs"/>
+            </a:endParaRPr>
+          </a:p>
+        </p:txBody>
+      </p:sp>
+      <p:sp>
+        <p:nvSpPr>
+          <p:cNvPr id="2" name="Title 1">
+            <a:extLst>
+              <a:ext uri="{FF2B5EF4-FFF2-40B4-BE49-F238E27FC236}">
+                <a16:creationId xmlns:a16="http://schemas.microsoft.com/office/drawing/2014/main" id="{4A2E7387-B6D5-4164-96D9-A30EC725F2CC}"/>
+              </a:ext>
+            </a:extLst>
+          </p:cNvPr>
+          <p:cNvSpPr>
+            <a:spLocks noGrp="1"/>
+          </p:cNvSpPr>
+          <p:nvPr>
+            <p:ph type="ctrTitle"/>
+          </p:nvPr>
+        </p:nvSpPr>
+        <p:spPr>
+          <a:xfrm>
+            <a:off x="838199" y="4525347"/>
+            <a:ext cx="6801321" cy="1737360"/>
+          </a:xfrm>
+        </p:spPr>
+        <p:txBody>
+          <a:bodyPr anchor="ctr">
+            <a:normAutofit/>
+          </a:bodyPr>
+          <a:lstStyle/>
+          <a:p>
+            <a:pPr algn="r"/>
+            <a:r>
+              <a:rPr lang="en-GB" dirty="0"/>
+              <a:t>Animating Network Flow</a:t>
+            </a:r>
+          </a:p>
+        </p:txBody>
+      </p:sp>
+      <p:sp>
+        <p:nvSpPr>
+          <p:cNvPr id="3" name="Subtitle 2">
+            <a:extLst>
+              <a:ext uri="{FF2B5EF4-FFF2-40B4-BE49-F238E27FC236}">
+                <a16:creationId xmlns:a16="http://schemas.microsoft.com/office/drawing/2014/main" id="{32C63E7B-F557-410E-8D74-4078B2A2CBC3}"/>
+              </a:ext>
+            </a:extLst>
+          </p:cNvPr>
+          <p:cNvSpPr>
+            <a:spLocks noGrp="1"/>
+          </p:cNvSpPr>
+          <p:nvPr>
+            <p:ph type="subTitle" idx="1"/>
+          </p:nvPr>
+        </p:nvSpPr>
+        <p:spPr>
+          <a:xfrm>
+            <a:off x="7961258" y="4525347"/>
+            <a:ext cx="3258675" cy="1737360"/>
+          </a:xfrm>
+        </p:spPr>
+        <p:txBody>
+          <a:bodyPr anchor="ctr">
+            <a:normAutofit/>
+          </a:bodyPr>
+          <a:lstStyle/>
+          <a:p>
+            <a:pPr algn="l"/>
+            <a:r>
+              <a:rPr lang="en-GB"/>
+              <a:t>Lucy MacPhail 2183332m</a:t>
+            </a:r>
+          </a:p>
+        </p:txBody>
+      </p:sp>
+      <p:sp>
+        <p:nvSpPr>
+          <p:cNvPr id="24" name="Oval 18">
+            <a:extLst>
+              <a:ext uri="{FF2B5EF4-FFF2-40B4-BE49-F238E27FC236}">
+                <a16:creationId xmlns:a16="http://schemas.microsoft.com/office/drawing/2014/main" id="{6437D937-A7F1-4011-92B4-328E5BE1B166}"/>
+              </a:ext>
+              <a:ext uri="{C183D7F6-B498-43B3-948B-1728B52AA6E4}">
+                <adec:decorative xmlns:adec="http://schemas.microsoft.com/office/drawing/2017/decorative" val="1"/>
+              </a:ext>
+            </a:extLst>
+          </p:cNvPr>
+          <p:cNvSpPr>
+            <a:spLocks noGrp="1" noRot="1" noChangeAspect="1" noMove="1" noResize="1" noEditPoints="1" noAdjustHandles="1" noChangeArrowheads="1" noChangeShapeType="1" noTextEdit="1"/>
+          </p:cNvSpPr>
+          <p:nvPr>
+            <p:extLst>
+              <p:ext uri="{386F3935-93C4-4BCD-93E2-E3B085C9AB24}">
+                <p16:designElem xmlns:p16="http://schemas.microsoft.com/office/powerpoint/2015/main" val="1"/>
+              </p:ext>
+            </p:extLst>
+          </p:nvPr>
+        </p:nvSpPr>
+        <p:spPr>
+          <a:xfrm>
+            <a:off x="588567" y="620480"/>
+            <a:ext cx="2243800" cy="2243796"/>
+          </a:xfrm>
+          <a:prstGeom prst="ellipse">
+            <a:avLst/>
+          </a:prstGeom>
           <a:solidFill>
-            <a:schemeClr val="tx1"/>
+            <a:schemeClr val="accent5"/>
           </a:solidFill>
           <a:ln>
             <a:noFill/>
@@ -3420,17 +4542,46 @@
           <a:bodyPr rtlCol="0" anchor="ctr"/>
           <a:lstStyle/>
           <a:p>
-            <a:pPr algn="ctr"/>
-            <a:endParaRPr lang="en-US"/>
-          </a:p>
-        </p:txBody>
-      </p:sp>
-      <p:sp>
-        <p:nvSpPr>
-          <p:cNvPr id="10" name="Rectangle 9">
-            <a:extLst>
-              <a:ext uri="{FF2B5EF4-FFF2-40B4-BE49-F238E27FC236}">
-                <a16:creationId xmlns:a16="http://schemas.microsoft.com/office/drawing/2014/main" id="{3E5445C6-DD42-4979-86FF-03730E8C6DB0}"/>
+            <a:pPr marL="0" marR="0" lvl="0" indent="0" algn="ctr" defTabSz="914400" rtl="0" eaLnBrk="1" fontAlgn="auto" latinLnBrk="0" hangingPunct="1">
+              <a:lnSpc>
+                <a:spcPct val="100000"/>
+              </a:lnSpc>
+              <a:spcBef>
+                <a:spcPts val="0"/>
+              </a:spcBef>
+              <a:spcAft>
+                <a:spcPts val="0"/>
+              </a:spcAft>
+              <a:buClrTx/>
+              <a:buSzTx/>
+              <a:buFontTx/>
+              <a:buNone/>
+              <a:tabLst/>
+              <a:defRPr/>
+            </a:pPr>
+            <a:endParaRPr kumimoji="0" lang="en-US" sz="1800" b="0" i="0" u="none" strike="noStrike" kern="1200" cap="none" spc="0" normalizeH="0" baseline="0" noProof="0">
+              <a:ln>
+                <a:noFill/>
+              </a:ln>
+              <a:solidFill>
+                <a:prstClr val="white"/>
+              </a:solidFill>
+              <a:effectLst/>
+              <a:uLnTx/>
+              <a:uFillTx/>
+              <a:latin typeface="Calibri" panose="020F0502020204030204"/>
+              <a:ea typeface="+mn-ea"/>
+              <a:cs typeface="+mn-cs"/>
+            </a:endParaRPr>
+          </a:p>
+        </p:txBody>
+      </p:sp>
+      <p:sp>
+        <p:nvSpPr>
+          <p:cNvPr id="21" name="Oval 20">
+            <a:extLst>
+              <a:ext uri="{FF2B5EF4-FFF2-40B4-BE49-F238E27FC236}">
+                <a16:creationId xmlns:a16="http://schemas.microsoft.com/office/drawing/2014/main" id="{B672F332-AF08-46C6-94F0-77684310D7B7}"/>
               </a:ext>
               <a:ext uri="{C183D7F6-B498-43B3-948B-1728B52AA6E4}">
                 <adec:decorative xmlns:adec="http://schemas.microsoft.com/office/drawing/2017/decorative" val="1"/>
@@ -3448,27 +4599,19 @@
             </p:extLst>
           </p:nvPr>
         </p:nvSpPr>
-        <p:spPr bwMode="ltGray">
+        <p:spPr>
           <a:xfrm>
-            <a:off x="321734" y="321733"/>
-            <a:ext cx="11573488" cy="6214534"/>
+            <a:off x="3395001" y="2466604"/>
+            <a:ext cx="962395" cy="962395"/>
           </a:xfrm>
-          <a:prstGeom prst="rect">
+          <a:prstGeom prst="ellipse">
             <a:avLst/>
           </a:prstGeom>
           <a:solidFill>
-            <a:schemeClr val="bg1">
-              <a:lumMod val="75000"/>
-              <a:lumOff val="25000"/>
-            </a:schemeClr>
+            <a:schemeClr val="accent4"/>
           </a:solidFill>
-          <a:ln w="127000" cap="sq" cmpd="thinThick">
-            <a:solidFill>
-              <a:schemeClr val="bg1">
-                <a:lumMod val="75000"/>
-                <a:lumOff val="25000"/>
-              </a:schemeClr>
-            </a:solidFill>
+          <a:ln>
+            <a:noFill/>
           </a:ln>
         </p:spPr>
         <p:style>
@@ -3491,100 +4634,55 @@
           <a:bodyPr rtlCol="0" anchor="ctr"/>
           <a:lstStyle/>
           <a:p>
-            <a:pPr algn="ctr"/>
-            <a:endParaRPr lang="en-US"/>
-          </a:p>
-        </p:txBody>
-      </p:sp>
-      <p:sp>
-        <p:nvSpPr>
-          <p:cNvPr id="2" name="Title 1">
-            <a:extLst>
-              <a:ext uri="{FF2B5EF4-FFF2-40B4-BE49-F238E27FC236}">
-                <a16:creationId xmlns:a16="http://schemas.microsoft.com/office/drawing/2014/main" id="{4A2E7387-B6D5-4164-96D9-A30EC725F2CC}"/>
-              </a:ext>
-            </a:extLst>
-          </p:cNvPr>
-          <p:cNvSpPr>
-            <a:spLocks noGrp="1"/>
-          </p:cNvSpPr>
-          <p:nvPr>
-            <p:ph type="ctrTitle"/>
-          </p:nvPr>
-        </p:nvSpPr>
-        <p:spPr>
-          <a:xfrm>
-            <a:off x="1524000" y="1122362"/>
-            <a:ext cx="9144000" cy="2840037"/>
-          </a:xfrm>
-        </p:spPr>
-        <p:txBody>
-          <a:bodyPr>
-            <a:normAutofit/>
-          </a:bodyPr>
-          <a:lstStyle/>
-          <a:p>
-            <a:r>
-              <a:rPr lang="en-GB" sz="5800" dirty="0"/>
-              <a:t>Animating Network Flow</a:t>
-            </a:r>
-          </a:p>
-        </p:txBody>
-      </p:sp>
-      <p:sp>
-        <p:nvSpPr>
-          <p:cNvPr id="3" name="Subtitle 2">
-            <a:extLst>
-              <a:ext uri="{FF2B5EF4-FFF2-40B4-BE49-F238E27FC236}">
-                <a16:creationId xmlns:a16="http://schemas.microsoft.com/office/drawing/2014/main" id="{32C63E7B-F557-410E-8D74-4078B2A2CBC3}"/>
-              </a:ext>
-            </a:extLst>
-          </p:cNvPr>
-          <p:cNvSpPr>
-            <a:spLocks noGrp="1"/>
-          </p:cNvSpPr>
-          <p:nvPr>
-            <p:ph type="subTitle" idx="1"/>
-          </p:nvPr>
-        </p:nvSpPr>
-        <p:spPr>
-          <a:xfrm>
-            <a:off x="1524000" y="4256436"/>
-            <a:ext cx="9144000" cy="1600818"/>
-          </a:xfrm>
-        </p:spPr>
-        <p:txBody>
-          <a:bodyPr>
-            <a:normAutofit/>
-          </a:bodyPr>
-          <a:lstStyle/>
-          <a:p>
-            <a:r>
-              <a:rPr lang="en-GB">
-                <a:solidFill>
-                  <a:schemeClr val="accent1"/>
-                </a:solidFill>
-              </a:rPr>
-              <a:t>Lucy MacPhail 2183332m</a:t>
-            </a:r>
-          </a:p>
-        </p:txBody>
-      </p:sp>
-      <p:cxnSp>
-        <p:nvCxnSpPr>
-          <p:cNvPr id="12" name="Straight Connector 11">
-            <a:extLst>
-              <a:ext uri="{FF2B5EF4-FFF2-40B4-BE49-F238E27FC236}">
-                <a16:creationId xmlns:a16="http://schemas.microsoft.com/office/drawing/2014/main" id="{45000665-DFC7-417E-8FD7-516A0F15C975}"/>
+            <a:pPr marL="0" marR="0" lvl="0" indent="0" algn="ctr" defTabSz="914400" rtl="0" eaLnBrk="1" fontAlgn="auto" latinLnBrk="0" hangingPunct="1">
+              <a:lnSpc>
+                <a:spcPct val="100000"/>
+              </a:lnSpc>
+              <a:spcBef>
+                <a:spcPts val="0"/>
+              </a:spcBef>
+              <a:spcAft>
+                <a:spcPts val="0"/>
+              </a:spcAft>
+              <a:buClrTx/>
+              <a:buSzTx/>
+              <a:buFontTx/>
+              <a:buNone/>
+              <a:tabLst/>
+              <a:defRPr/>
+            </a:pPr>
+            <a:endParaRPr kumimoji="0" lang="en-US" sz="1800" b="0" i="0" u="none" strike="noStrike" kern="1200" cap="none" spc="0" normalizeH="0" baseline="0" noProof="0">
+              <a:ln>
+                <a:noFill/>
+              </a:ln>
+              <a:solidFill>
+                <a:prstClr val="white"/>
+              </a:solidFill>
+              <a:effectLst/>
+              <a:uLnTx/>
+              <a:uFillTx/>
+              <a:latin typeface="Calibri" panose="020F0502020204030204"/>
+              <a:ea typeface="+mn-ea"/>
+              <a:cs typeface="+mn-cs"/>
+            </a:endParaRPr>
+          </a:p>
+        </p:txBody>
+      </p:sp>
+      <p:sp>
+        <p:nvSpPr>
+          <p:cNvPr id="23" name="Oval 22">
+            <a:extLst>
+              <a:ext uri="{FF2B5EF4-FFF2-40B4-BE49-F238E27FC236}">
+                <a16:creationId xmlns:a16="http://schemas.microsoft.com/office/drawing/2014/main" id="{34244EF8-D73A-40E1-BE73-D46E6B4B04ED}"/>
               </a:ext>
               <a:ext uri="{C183D7F6-B498-43B3-948B-1728B52AA6E4}">
                 <adec:decorative xmlns:adec="http://schemas.microsoft.com/office/drawing/2017/decorative" val="1"/>
               </a:ext>
             </a:extLst>
           </p:cNvPr>
-          <p:cNvCxnSpPr>
-            <a:cxnSpLocks noGrp="1" noRot="1" noChangeAspect="1" noMove="1" noResize="1" noEditPoints="1" noAdjustHandles="1" noChangeArrowheads="1" noChangeShapeType="1"/>
-          </p:cNvCxnSpPr>
+          <p:cNvSpPr>
+            <a:spLocks noGrp="1" noRot="1" noChangeAspect="1" noMove="1" noResize="1" noEditPoints="1" noAdjustHandles="1" noChangeArrowheads="1" noChangeShapeType="1" noTextEdit="1"/>
+          </p:cNvSpPr>
           <p:nvPr>
             <p:extLst>
               <p:ext uri="{386F3935-93C4-4BCD-93E2-E3B085C9AB24}">
@@ -3592,20 +4690,265 @@
               </p:ext>
             </p:extLst>
           </p:nvPr>
+        </p:nvSpPr>
+        <p:spPr>
+          <a:xfrm>
+            <a:off x="5125829" y="2327988"/>
+            <a:ext cx="293695" cy="293695"/>
+          </a:xfrm>
+          <a:prstGeom prst="ellipse">
+            <a:avLst/>
+          </a:prstGeom>
+          <a:solidFill>
+            <a:schemeClr val="accent3"/>
+          </a:solidFill>
+          <a:ln>
+            <a:noFill/>
+          </a:ln>
+        </p:spPr>
+        <p:style>
+          <a:lnRef idx="2">
+            <a:schemeClr val="accent1">
+              <a:shade val="50000"/>
+            </a:schemeClr>
+          </a:lnRef>
+          <a:fillRef idx="1">
+            <a:schemeClr val="accent1"/>
+          </a:fillRef>
+          <a:effectRef idx="0">
+            <a:schemeClr val="accent1"/>
+          </a:effectRef>
+          <a:fontRef idx="minor">
+            <a:schemeClr val="lt1"/>
+          </a:fontRef>
+        </p:style>
+        <p:txBody>
+          <a:bodyPr rtlCol="0" anchor="ctr"/>
+          <a:lstStyle/>
+          <a:p>
+            <a:pPr marL="0" marR="0" lvl="0" indent="0" algn="ctr" defTabSz="914400" rtl="0" eaLnBrk="1" fontAlgn="auto" latinLnBrk="0" hangingPunct="1">
+              <a:lnSpc>
+                <a:spcPct val="100000"/>
+              </a:lnSpc>
+              <a:spcBef>
+                <a:spcPts val="0"/>
+              </a:spcBef>
+              <a:spcAft>
+                <a:spcPts val="0"/>
+              </a:spcAft>
+              <a:buClrTx/>
+              <a:buSzTx/>
+              <a:buFontTx/>
+              <a:buNone/>
+              <a:tabLst/>
+              <a:defRPr/>
+            </a:pPr>
+            <a:endParaRPr kumimoji="0" lang="en-US" sz="1800" b="0" i="0" u="none" strike="noStrike" kern="1200" cap="none" spc="0" normalizeH="0" baseline="0" noProof="0">
+              <a:ln>
+                <a:noFill/>
+              </a:ln>
+              <a:solidFill>
+                <a:prstClr val="white"/>
+              </a:solidFill>
+              <a:effectLst/>
+              <a:uLnTx/>
+              <a:uFillTx/>
+              <a:latin typeface="Calibri" panose="020F0502020204030204"/>
+              <a:ea typeface="+mn-ea"/>
+              <a:cs typeface="+mn-cs"/>
+            </a:endParaRPr>
+          </a:p>
+        </p:txBody>
+      </p:sp>
+      <p:sp>
+        <p:nvSpPr>
+          <p:cNvPr id="25" name="Freeform: Shape 24">
+            <a:extLst>
+              <a:ext uri="{FF2B5EF4-FFF2-40B4-BE49-F238E27FC236}">
+                <a16:creationId xmlns:a16="http://schemas.microsoft.com/office/drawing/2014/main" id="{AB84D7E8-4ECB-42D7-ADBF-01689B0F24AE}"/>
+              </a:ext>
+              <a:ext uri="{C183D7F6-B498-43B3-948B-1728B52AA6E4}">
+                <adec:decorative xmlns:adec="http://schemas.microsoft.com/office/drawing/2017/decorative" val="1"/>
+              </a:ext>
+            </a:extLst>
+          </p:cNvPr>
+          <p:cNvSpPr>
+            <a:spLocks noGrp="1" noRot="1" noChangeAspect="1" noMove="1" noResize="1" noEditPoints="1" noAdjustHandles="1" noChangeArrowheads="1" noChangeShapeType="1" noTextEdit="1"/>
+          </p:cNvSpPr>
+          <p:nvPr>
+            <p:extLst>
+              <p:ext uri="{386F3935-93C4-4BCD-93E2-E3B085C9AB24}">
+                <p16:designElem xmlns:p16="http://schemas.microsoft.com/office/powerpoint/2015/main" val="1"/>
+              </p:ext>
+            </p:extLst>
+          </p:nvPr>
+        </p:nvSpPr>
+        <p:spPr>
+          <a:xfrm>
+            <a:off x="6492113" y="0"/>
+            <a:ext cx="5699887" cy="4059244"/>
+          </a:xfrm>
+          <a:custGeom>
+            <a:avLst/>
+            <a:gdLst>
+              <a:gd name="connsiteX0" fmla="*/ 0 w 5699887"/>
+              <a:gd name="connsiteY0" fmla="*/ 0 h 4059244"/>
+              <a:gd name="connsiteX1" fmla="*/ 5699887 w 5699887"/>
+              <a:gd name="connsiteY1" fmla="*/ 0 h 4059244"/>
+              <a:gd name="connsiteX2" fmla="*/ 5699887 w 5699887"/>
+              <a:gd name="connsiteY2" fmla="*/ 3944096 h 4059244"/>
+              <a:gd name="connsiteX3" fmla="*/ 5525775 w 5699887"/>
+              <a:gd name="connsiteY3" fmla="*/ 3980429 h 4059244"/>
+              <a:gd name="connsiteX4" fmla="*/ 4663256 w 5699887"/>
+              <a:gd name="connsiteY4" fmla="*/ 4059244 h 4059244"/>
+              <a:gd name="connsiteX5" fmla="*/ 8566 w 5699887"/>
+              <a:gd name="connsiteY5" fmla="*/ 67422 h 4059244"/>
+            </a:gdLst>
+            <a:ahLst/>
+            <a:cxnLst>
+              <a:cxn ang="0">
+                <a:pos x="connsiteX0" y="connsiteY0"/>
+              </a:cxn>
+              <a:cxn ang="0">
+                <a:pos x="connsiteX1" y="connsiteY1"/>
+              </a:cxn>
+              <a:cxn ang="0">
+                <a:pos x="connsiteX2" y="connsiteY2"/>
+              </a:cxn>
+              <a:cxn ang="0">
+                <a:pos x="connsiteX3" y="connsiteY3"/>
+              </a:cxn>
+              <a:cxn ang="0">
+                <a:pos x="connsiteX4" y="connsiteY4"/>
+              </a:cxn>
+              <a:cxn ang="0">
+                <a:pos x="connsiteX5" y="connsiteY5"/>
+              </a:cxn>
+            </a:cxnLst>
+            <a:rect l="l" t="t" r="r" b="b"/>
+            <a:pathLst>
+              <a:path w="5699887" h="4059244">
+                <a:moveTo>
+                  <a:pt x="0" y="0"/>
+                </a:moveTo>
+                <a:lnTo>
+                  <a:pt x="5699887" y="0"/>
+                </a:lnTo>
+                <a:lnTo>
+                  <a:pt x="5699887" y="3944096"/>
+                </a:lnTo>
+                <a:lnTo>
+                  <a:pt x="5525775" y="3980429"/>
+                </a:lnTo>
+                <a:cubicBezTo>
+                  <a:pt x="5246154" y="4032190"/>
+                  <a:pt x="4957865" y="4059244"/>
+                  <a:pt x="4663256" y="4059244"/>
+                </a:cubicBezTo>
+                <a:cubicBezTo>
+                  <a:pt x="2306390" y="4059244"/>
+                  <a:pt x="353936" y="2327747"/>
+                  <a:pt x="8566" y="67422"/>
+                </a:cubicBezTo>
+                <a:close/>
+              </a:path>
+            </a:pathLst>
+          </a:custGeom>
+          <a:solidFill>
+            <a:srgbClr val="595959"/>
+          </a:solidFill>
+          <a:ln>
+            <a:noFill/>
+          </a:ln>
+        </p:spPr>
+        <p:style>
+          <a:lnRef idx="2">
+            <a:schemeClr val="accent1">
+              <a:shade val="50000"/>
+            </a:schemeClr>
+          </a:lnRef>
+          <a:fillRef idx="1">
+            <a:schemeClr val="accent1"/>
+          </a:fillRef>
+          <a:effectRef idx="0">
+            <a:schemeClr val="accent1"/>
+          </a:effectRef>
+          <a:fontRef idx="minor">
+            <a:schemeClr val="lt1"/>
+          </a:fontRef>
+        </p:style>
+        <p:txBody>
+          <a:bodyPr rtlCol="0" anchor="ctr"/>
+          <a:lstStyle/>
+          <a:p>
+            <a:pPr marL="0" marR="0" lvl="0" indent="0" algn="ctr" defTabSz="914400" rtl="0" eaLnBrk="1" fontAlgn="auto" latinLnBrk="0" hangingPunct="1">
+              <a:lnSpc>
+                <a:spcPct val="100000"/>
+              </a:lnSpc>
+              <a:spcBef>
+                <a:spcPts val="0"/>
+              </a:spcBef>
+              <a:spcAft>
+                <a:spcPts val="0"/>
+              </a:spcAft>
+              <a:buClrTx/>
+              <a:buSzTx/>
+              <a:buFontTx/>
+              <a:buNone/>
+              <a:tabLst/>
+              <a:defRPr/>
+            </a:pPr>
+            <a:endParaRPr kumimoji="0" lang="en-US" sz="1800" b="0" i="0" u="none" strike="noStrike" kern="1200" cap="none" spc="0" normalizeH="0" baseline="0" noProof="0">
+              <a:ln>
+                <a:noFill/>
+              </a:ln>
+              <a:solidFill>
+                <a:prstClr val="white"/>
+              </a:solidFill>
+              <a:effectLst/>
+              <a:uLnTx/>
+              <a:uFillTx/>
+              <a:latin typeface="Calibri" panose="020F0502020204030204"/>
+              <a:ea typeface="+mn-ea"/>
+              <a:cs typeface="+mn-cs"/>
+            </a:endParaRPr>
+          </a:p>
+        </p:txBody>
+      </p:sp>
+      <p:cxnSp>
+        <p:nvCxnSpPr>
+          <p:cNvPr id="27" name="Straight Connector 26">
+            <a:extLst>
+              <a:ext uri="{FF2B5EF4-FFF2-40B4-BE49-F238E27FC236}">
+                <a16:creationId xmlns:a16="http://schemas.microsoft.com/office/drawing/2014/main" id="{9E8E38ED-369A-44C2-B635-0BED0E48A6E8}"/>
+              </a:ext>
+              <a:ext uri="{C183D7F6-B498-43B3-948B-1728B52AA6E4}">
+                <adec:decorative xmlns:adec="http://schemas.microsoft.com/office/drawing/2017/decorative" val="1"/>
+              </a:ext>
+            </a:extLst>
+          </p:cNvPr>
+          <p:cNvCxnSpPr>
+            <a:cxnSpLocks noGrp="1" noRot="1" noChangeAspect="1" noMove="1" noResize="1" noEditPoints="1" noAdjustHandles="1" noChangeArrowheads="1" noChangeShapeType="1"/>
+          </p:cNvCxnSpPr>
+          <p:nvPr>
+            <p:extLst>
+              <p:ext uri="{386F3935-93C4-4BCD-93E2-E3B085C9AB24}">
+                <p16:designElem xmlns:p16="http://schemas.microsoft.com/office/powerpoint/2015/main" val="1"/>
+              </p:ext>
+            </p:extLst>
+          </p:nvPr>
         </p:nvCxnSpPr>
         <p:spPr>
           <a:xfrm>
-            <a:off x="4724400" y="4109417"/>
-            <a:ext cx="2743200" cy="0"/>
+            <a:off x="7800392" y="4525347"/>
+            <a:ext cx="0" cy="1737360"/>
           </a:xfrm>
           <a:prstGeom prst="line">
             <a:avLst/>
           </a:prstGeom>
-          <a:ln w="12700">
+          <a:ln w="19050" cap="sq">
             <a:solidFill>
-              <a:schemeClr val="tx1">
-                <a:lumMod val="85000"/>
-              </a:schemeClr>
+              <a:schemeClr val="tx1"/>
             </a:solidFill>
           </a:ln>
         </p:spPr>
@@ -3632,12 +4975,685 @@
     </p:extLst>
   </p:cSld>
   <p:clrMapOvr>
-    <a:overrideClrMapping bg1="dk1" tx1="lt1" bg2="dk2" tx2="lt2" accent1="accent1" accent2="accent2" accent3="accent3" accent4="accent4" accent5="accent5" accent6="accent6" hlink="hlink" folHlink="folHlink"/>
+    <a:masterClrMapping/>
   </p:clrMapOvr>
 </p:sld>
 </file>
 
-<file path=ppt/slides/slide2.xml><?xml version="1.0" encoding="utf-8"?>
+<file path=ppt/slides/slide10.xml><?xml version="1.0" encoding="utf-8"?>
+<p:sld xmlns:a="http://schemas.openxmlformats.org/drawingml/2006/main" xmlns:r="http://schemas.openxmlformats.org/officeDocument/2006/relationships" xmlns:p="http://schemas.openxmlformats.org/presentationml/2006/main">
+  <p:cSld>
+    <p:spTree>
+      <p:nvGrpSpPr>
+        <p:cNvPr id="1" name=""/>
+        <p:cNvGrpSpPr/>
+        <p:nvPr/>
+      </p:nvGrpSpPr>
+      <p:grpSpPr>
+        <a:xfrm>
+          <a:off x="0" y="0"/>
+          <a:ext cx="0" cy="0"/>
+          <a:chOff x="0" y="0"/>
+          <a:chExt cx="0" cy="0"/>
+        </a:xfrm>
+      </p:grpSpPr>
+      <p:sp>
+        <p:nvSpPr>
+          <p:cNvPr id="2" name="Title 1">
+            <a:extLst>
+              <a:ext uri="{FF2B5EF4-FFF2-40B4-BE49-F238E27FC236}">
+                <a16:creationId xmlns:a16="http://schemas.microsoft.com/office/drawing/2014/main" id="{694FCA29-E5CA-4076-9B15-4B7007022E3E}"/>
+              </a:ext>
+            </a:extLst>
+          </p:cNvPr>
+          <p:cNvSpPr>
+            <a:spLocks noGrp="1"/>
+          </p:cNvSpPr>
+          <p:nvPr>
+            <p:ph type="title"/>
+          </p:nvPr>
+        </p:nvSpPr>
+        <p:spPr/>
+        <p:txBody>
+          <a:bodyPr/>
+          <a:lstStyle/>
+          <a:p>
+            <a:r>
+              <a:rPr lang="en-GB" dirty="0"/>
+              <a:t>Evaluation</a:t>
+            </a:r>
+          </a:p>
+        </p:txBody>
+      </p:sp>
+      <p:sp>
+        <p:nvSpPr>
+          <p:cNvPr id="3" name="Text Placeholder 2">
+            <a:extLst>
+              <a:ext uri="{FF2B5EF4-FFF2-40B4-BE49-F238E27FC236}">
+                <a16:creationId xmlns:a16="http://schemas.microsoft.com/office/drawing/2014/main" id="{518348F3-1DD7-49A0-B4DA-EA183243C17D}"/>
+              </a:ext>
+            </a:extLst>
+          </p:cNvPr>
+          <p:cNvSpPr>
+            <a:spLocks noGrp="1"/>
+          </p:cNvSpPr>
+          <p:nvPr>
+            <p:ph type="body" idx="1"/>
+          </p:nvPr>
+        </p:nvSpPr>
+        <p:spPr/>
+        <p:txBody>
+          <a:bodyPr/>
+          <a:lstStyle/>
+          <a:p>
+            <a:r>
+              <a:rPr lang="en-GB" dirty="0"/>
+              <a:t>Likes</a:t>
+            </a:r>
+          </a:p>
+        </p:txBody>
+      </p:sp>
+      <p:sp>
+        <p:nvSpPr>
+          <p:cNvPr id="4" name="Content Placeholder 3">
+            <a:extLst>
+              <a:ext uri="{FF2B5EF4-FFF2-40B4-BE49-F238E27FC236}">
+                <a16:creationId xmlns:a16="http://schemas.microsoft.com/office/drawing/2014/main" id="{1098B63A-1EA1-4E4C-9D45-BFC671184706}"/>
+              </a:ext>
+            </a:extLst>
+          </p:cNvPr>
+          <p:cNvSpPr>
+            <a:spLocks noGrp="1"/>
+          </p:cNvSpPr>
+          <p:nvPr>
+            <p:ph sz="half" idx="2"/>
+          </p:nvPr>
+        </p:nvSpPr>
+        <p:spPr/>
+        <p:txBody>
+          <a:bodyPr/>
+          <a:lstStyle/>
+          <a:p>
+            <a:r>
+              <a:rPr lang="en-GB" dirty="0"/>
+              <a:t>Clear visuals</a:t>
+            </a:r>
+          </a:p>
+          <a:p>
+            <a:r>
+              <a:rPr lang="en-GB" dirty="0"/>
+              <a:t>Intuitive interface</a:t>
+            </a:r>
+          </a:p>
+          <a:p>
+            <a:r>
+              <a:rPr lang="en-GB" dirty="0"/>
+              <a:t>Stepping forwards/backwards</a:t>
+            </a:r>
+          </a:p>
+        </p:txBody>
+      </p:sp>
+      <p:sp>
+        <p:nvSpPr>
+          <p:cNvPr id="5" name="Text Placeholder 4">
+            <a:extLst>
+              <a:ext uri="{FF2B5EF4-FFF2-40B4-BE49-F238E27FC236}">
+                <a16:creationId xmlns:a16="http://schemas.microsoft.com/office/drawing/2014/main" id="{A32C54A0-C2AE-4CFD-B5B4-1A20E87DB000}"/>
+              </a:ext>
+            </a:extLst>
+          </p:cNvPr>
+          <p:cNvSpPr>
+            <a:spLocks noGrp="1"/>
+          </p:cNvSpPr>
+          <p:nvPr>
+            <p:ph type="body" sz="quarter" idx="3"/>
+          </p:nvPr>
+        </p:nvSpPr>
+        <p:spPr/>
+        <p:txBody>
+          <a:bodyPr/>
+          <a:lstStyle/>
+          <a:p>
+            <a:r>
+              <a:rPr lang="en-GB" dirty="0"/>
+              <a:t>Dislikes</a:t>
+            </a:r>
+          </a:p>
+        </p:txBody>
+      </p:sp>
+      <p:sp>
+        <p:nvSpPr>
+          <p:cNvPr id="6" name="Content Placeholder 5">
+            <a:extLst>
+              <a:ext uri="{FF2B5EF4-FFF2-40B4-BE49-F238E27FC236}">
+                <a16:creationId xmlns:a16="http://schemas.microsoft.com/office/drawing/2014/main" id="{E2EAACBD-CC26-4C38-B1A0-0EB37F1DB2B1}"/>
+              </a:ext>
+            </a:extLst>
+          </p:cNvPr>
+          <p:cNvSpPr>
+            <a:spLocks noGrp="1"/>
+          </p:cNvSpPr>
+          <p:nvPr>
+            <p:ph sz="quarter" idx="4"/>
+          </p:nvPr>
+        </p:nvSpPr>
+        <p:spPr/>
+        <p:txBody>
+          <a:bodyPr/>
+          <a:lstStyle/>
+          <a:p>
+            <a:r>
+              <a:rPr lang="en-GB" dirty="0"/>
+              <a:t>Execution trace not obvious</a:t>
+            </a:r>
+          </a:p>
+          <a:p>
+            <a:r>
+              <a:rPr lang="en-GB" dirty="0"/>
+              <a:t>Playback not always clear</a:t>
+            </a:r>
+          </a:p>
+          <a:p>
+            <a:r>
+              <a:rPr lang="en-GB" dirty="0"/>
+              <a:t>Aspects of graph drawing</a:t>
+            </a:r>
+          </a:p>
+        </p:txBody>
+      </p:sp>
+      <p:pic>
+        <p:nvPicPr>
+          <p:cNvPr id="7" name="Picture 6">
+            <a:extLst>
+              <a:ext uri="{FF2B5EF4-FFF2-40B4-BE49-F238E27FC236}">
+                <a16:creationId xmlns:a16="http://schemas.microsoft.com/office/drawing/2014/main" id="{5E019891-2F0A-46C0-A499-D8A3AAD1E44E}"/>
+              </a:ext>
+            </a:extLst>
+          </p:cNvPr>
+          <p:cNvPicPr>
+            <a:picLocks noChangeAspect="1"/>
+          </p:cNvPicPr>
+          <p:nvPr/>
+        </p:nvPicPr>
+        <p:blipFill>
+          <a:blip r:embed="rId2"/>
+          <a:stretch>
+            <a:fillRect/>
+          </a:stretch>
+        </p:blipFill>
+        <p:spPr>
+          <a:xfrm>
+            <a:off x="836612" y="4136088"/>
+            <a:ext cx="10189454" cy="2356787"/>
+          </a:xfrm>
+          <a:prstGeom prst="rect">
+            <a:avLst/>
+          </a:prstGeom>
+        </p:spPr>
+      </p:pic>
+    </p:spTree>
+    <p:extLst>
+      <p:ext uri="{BB962C8B-B14F-4D97-AF65-F5344CB8AC3E}">
+        <p14:creationId xmlns:p14="http://schemas.microsoft.com/office/powerpoint/2010/main" val="2804970087"/>
+      </p:ext>
+    </p:extLst>
+  </p:cSld>
+  <p:clrMapOvr>
+    <a:masterClrMapping/>
+  </p:clrMapOvr>
+  <p:timing>
+    <p:tnLst>
+      <p:par>
+        <p:cTn id="1" dur="indefinite" restart="never" nodeType="tmRoot">
+          <p:childTnLst>
+            <p:seq concurrent="1" nextAc="seek">
+              <p:cTn id="2" dur="indefinite" nodeType="mainSeq">
+                <p:childTnLst>
+                  <p:par>
+                    <p:cTn id="3" fill="hold">
+                      <p:stCondLst>
+                        <p:cond delay="indefinite"/>
+                      </p:stCondLst>
+                      <p:childTnLst>
+                        <p:par>
+                          <p:cTn id="4" fill="hold">
+                            <p:stCondLst>
+                              <p:cond delay="0"/>
+                            </p:stCondLst>
+                            <p:childTnLst>
+                              <p:par>
+                                <p:cTn id="5" presetID="10" presetClass="entr" presetSubtype="0" fill="hold" nodeType="clickEffect">
+                                  <p:stCondLst>
+                                    <p:cond delay="0"/>
+                                  </p:stCondLst>
+                                  <p:childTnLst>
+                                    <p:set>
+                                      <p:cBhvr>
+                                        <p:cTn id="6" dur="1" fill="hold">
+                                          <p:stCondLst>
+                                            <p:cond delay="0"/>
+                                          </p:stCondLst>
+                                        </p:cTn>
+                                        <p:tgtEl>
+                                          <p:spTgt spid="4">
+                                            <p:txEl>
+                                              <p:pRg st="0" end="0"/>
+                                            </p:txEl>
+                                          </p:spTgt>
+                                        </p:tgtEl>
+                                        <p:attrNameLst>
+                                          <p:attrName>style.visibility</p:attrName>
+                                        </p:attrNameLst>
+                                      </p:cBhvr>
+                                      <p:to>
+                                        <p:strVal val="visible"/>
+                                      </p:to>
+                                    </p:set>
+                                    <p:animEffect transition="in" filter="fade">
+                                      <p:cBhvr>
+                                        <p:cTn id="7" dur="500"/>
+                                        <p:tgtEl>
+                                          <p:spTgt spid="4">
+                                            <p:txEl>
+                                              <p:pRg st="0" end="0"/>
+                                            </p:txEl>
+                                          </p:spTgt>
+                                        </p:tgtEl>
+                                      </p:cBhvr>
+                                    </p:animEffect>
+                                  </p:childTnLst>
+                                </p:cTn>
+                              </p:par>
+                            </p:childTnLst>
+                          </p:cTn>
+                        </p:par>
+                      </p:childTnLst>
+                    </p:cTn>
+                  </p:par>
+                  <p:par>
+                    <p:cTn id="8" fill="hold">
+                      <p:stCondLst>
+                        <p:cond delay="indefinite"/>
+                      </p:stCondLst>
+                      <p:childTnLst>
+                        <p:par>
+                          <p:cTn id="9" fill="hold">
+                            <p:stCondLst>
+                              <p:cond delay="0"/>
+                            </p:stCondLst>
+                            <p:childTnLst>
+                              <p:par>
+                                <p:cTn id="10" presetID="10" presetClass="entr" presetSubtype="0" fill="hold" nodeType="clickEffect">
+                                  <p:stCondLst>
+                                    <p:cond delay="0"/>
+                                  </p:stCondLst>
+                                  <p:childTnLst>
+                                    <p:set>
+                                      <p:cBhvr>
+                                        <p:cTn id="11" dur="1" fill="hold">
+                                          <p:stCondLst>
+                                            <p:cond delay="0"/>
+                                          </p:stCondLst>
+                                        </p:cTn>
+                                        <p:tgtEl>
+                                          <p:spTgt spid="4">
+                                            <p:txEl>
+                                              <p:pRg st="1" end="1"/>
+                                            </p:txEl>
+                                          </p:spTgt>
+                                        </p:tgtEl>
+                                        <p:attrNameLst>
+                                          <p:attrName>style.visibility</p:attrName>
+                                        </p:attrNameLst>
+                                      </p:cBhvr>
+                                      <p:to>
+                                        <p:strVal val="visible"/>
+                                      </p:to>
+                                    </p:set>
+                                    <p:animEffect transition="in" filter="fade">
+                                      <p:cBhvr>
+                                        <p:cTn id="12" dur="500"/>
+                                        <p:tgtEl>
+                                          <p:spTgt spid="4">
+                                            <p:txEl>
+                                              <p:pRg st="1" end="1"/>
+                                            </p:txEl>
+                                          </p:spTgt>
+                                        </p:tgtEl>
+                                      </p:cBhvr>
+                                    </p:animEffect>
+                                  </p:childTnLst>
+                                </p:cTn>
+                              </p:par>
+                            </p:childTnLst>
+                          </p:cTn>
+                        </p:par>
+                      </p:childTnLst>
+                    </p:cTn>
+                  </p:par>
+                  <p:par>
+                    <p:cTn id="13" fill="hold">
+                      <p:stCondLst>
+                        <p:cond delay="indefinite"/>
+                      </p:stCondLst>
+                      <p:childTnLst>
+                        <p:par>
+                          <p:cTn id="14" fill="hold">
+                            <p:stCondLst>
+                              <p:cond delay="0"/>
+                            </p:stCondLst>
+                            <p:childTnLst>
+                              <p:par>
+                                <p:cTn id="15" presetID="10" presetClass="entr" presetSubtype="0" fill="hold" nodeType="clickEffect">
+                                  <p:stCondLst>
+                                    <p:cond delay="0"/>
+                                  </p:stCondLst>
+                                  <p:childTnLst>
+                                    <p:set>
+                                      <p:cBhvr>
+                                        <p:cTn id="16" dur="1" fill="hold">
+                                          <p:stCondLst>
+                                            <p:cond delay="0"/>
+                                          </p:stCondLst>
+                                        </p:cTn>
+                                        <p:tgtEl>
+                                          <p:spTgt spid="4">
+                                            <p:txEl>
+                                              <p:pRg st="2" end="2"/>
+                                            </p:txEl>
+                                          </p:spTgt>
+                                        </p:tgtEl>
+                                        <p:attrNameLst>
+                                          <p:attrName>style.visibility</p:attrName>
+                                        </p:attrNameLst>
+                                      </p:cBhvr>
+                                      <p:to>
+                                        <p:strVal val="visible"/>
+                                      </p:to>
+                                    </p:set>
+                                    <p:animEffect transition="in" filter="fade">
+                                      <p:cBhvr>
+                                        <p:cTn id="17" dur="500"/>
+                                        <p:tgtEl>
+                                          <p:spTgt spid="4">
+                                            <p:txEl>
+                                              <p:pRg st="2" end="2"/>
+                                            </p:txEl>
+                                          </p:spTgt>
+                                        </p:tgtEl>
+                                      </p:cBhvr>
+                                    </p:animEffect>
+                                  </p:childTnLst>
+                                </p:cTn>
+                              </p:par>
+                            </p:childTnLst>
+                          </p:cTn>
+                        </p:par>
+                      </p:childTnLst>
+                    </p:cTn>
+                  </p:par>
+                  <p:par>
+                    <p:cTn id="18" fill="hold">
+                      <p:stCondLst>
+                        <p:cond delay="indefinite"/>
+                      </p:stCondLst>
+                      <p:childTnLst>
+                        <p:par>
+                          <p:cTn id="19" fill="hold">
+                            <p:stCondLst>
+                              <p:cond delay="0"/>
+                            </p:stCondLst>
+                            <p:childTnLst>
+                              <p:par>
+                                <p:cTn id="20" presetID="10" presetClass="entr" presetSubtype="0" fill="hold" nodeType="clickEffect">
+                                  <p:stCondLst>
+                                    <p:cond delay="0"/>
+                                  </p:stCondLst>
+                                  <p:childTnLst>
+                                    <p:set>
+                                      <p:cBhvr>
+                                        <p:cTn id="21" dur="1" fill="hold">
+                                          <p:stCondLst>
+                                            <p:cond delay="0"/>
+                                          </p:stCondLst>
+                                        </p:cTn>
+                                        <p:tgtEl>
+                                          <p:spTgt spid="6">
+                                            <p:txEl>
+                                              <p:pRg st="0" end="0"/>
+                                            </p:txEl>
+                                          </p:spTgt>
+                                        </p:tgtEl>
+                                        <p:attrNameLst>
+                                          <p:attrName>style.visibility</p:attrName>
+                                        </p:attrNameLst>
+                                      </p:cBhvr>
+                                      <p:to>
+                                        <p:strVal val="visible"/>
+                                      </p:to>
+                                    </p:set>
+                                    <p:animEffect transition="in" filter="fade">
+                                      <p:cBhvr>
+                                        <p:cTn id="22" dur="500"/>
+                                        <p:tgtEl>
+                                          <p:spTgt spid="6">
+                                            <p:txEl>
+                                              <p:pRg st="0" end="0"/>
+                                            </p:txEl>
+                                          </p:spTgt>
+                                        </p:tgtEl>
+                                      </p:cBhvr>
+                                    </p:animEffect>
+                                  </p:childTnLst>
+                                </p:cTn>
+                              </p:par>
+                            </p:childTnLst>
+                          </p:cTn>
+                        </p:par>
+                      </p:childTnLst>
+                    </p:cTn>
+                  </p:par>
+                  <p:par>
+                    <p:cTn id="23" fill="hold">
+                      <p:stCondLst>
+                        <p:cond delay="indefinite"/>
+                      </p:stCondLst>
+                      <p:childTnLst>
+                        <p:par>
+                          <p:cTn id="24" fill="hold">
+                            <p:stCondLst>
+                              <p:cond delay="0"/>
+                            </p:stCondLst>
+                            <p:childTnLst>
+                              <p:par>
+                                <p:cTn id="25" presetID="10" presetClass="entr" presetSubtype="0" fill="hold" nodeType="clickEffect">
+                                  <p:stCondLst>
+                                    <p:cond delay="0"/>
+                                  </p:stCondLst>
+                                  <p:childTnLst>
+                                    <p:set>
+                                      <p:cBhvr>
+                                        <p:cTn id="26" dur="1" fill="hold">
+                                          <p:stCondLst>
+                                            <p:cond delay="0"/>
+                                          </p:stCondLst>
+                                        </p:cTn>
+                                        <p:tgtEl>
+                                          <p:spTgt spid="6">
+                                            <p:txEl>
+                                              <p:pRg st="1" end="1"/>
+                                            </p:txEl>
+                                          </p:spTgt>
+                                        </p:tgtEl>
+                                        <p:attrNameLst>
+                                          <p:attrName>style.visibility</p:attrName>
+                                        </p:attrNameLst>
+                                      </p:cBhvr>
+                                      <p:to>
+                                        <p:strVal val="visible"/>
+                                      </p:to>
+                                    </p:set>
+                                    <p:animEffect transition="in" filter="fade">
+                                      <p:cBhvr>
+                                        <p:cTn id="27" dur="500"/>
+                                        <p:tgtEl>
+                                          <p:spTgt spid="6">
+                                            <p:txEl>
+                                              <p:pRg st="1" end="1"/>
+                                            </p:txEl>
+                                          </p:spTgt>
+                                        </p:tgtEl>
+                                      </p:cBhvr>
+                                    </p:animEffect>
+                                  </p:childTnLst>
+                                </p:cTn>
+                              </p:par>
+                            </p:childTnLst>
+                          </p:cTn>
+                        </p:par>
+                      </p:childTnLst>
+                    </p:cTn>
+                  </p:par>
+                  <p:par>
+                    <p:cTn id="28" fill="hold">
+                      <p:stCondLst>
+                        <p:cond delay="indefinite"/>
+                      </p:stCondLst>
+                      <p:childTnLst>
+                        <p:par>
+                          <p:cTn id="29" fill="hold">
+                            <p:stCondLst>
+                              <p:cond delay="0"/>
+                            </p:stCondLst>
+                            <p:childTnLst>
+                              <p:par>
+                                <p:cTn id="30" presetID="10" presetClass="entr" presetSubtype="0" fill="hold" nodeType="clickEffect">
+                                  <p:stCondLst>
+                                    <p:cond delay="0"/>
+                                  </p:stCondLst>
+                                  <p:childTnLst>
+                                    <p:set>
+                                      <p:cBhvr>
+                                        <p:cTn id="31" dur="1" fill="hold">
+                                          <p:stCondLst>
+                                            <p:cond delay="0"/>
+                                          </p:stCondLst>
+                                        </p:cTn>
+                                        <p:tgtEl>
+                                          <p:spTgt spid="6">
+                                            <p:txEl>
+                                              <p:pRg st="2" end="2"/>
+                                            </p:txEl>
+                                          </p:spTgt>
+                                        </p:tgtEl>
+                                        <p:attrNameLst>
+                                          <p:attrName>style.visibility</p:attrName>
+                                        </p:attrNameLst>
+                                      </p:cBhvr>
+                                      <p:to>
+                                        <p:strVal val="visible"/>
+                                      </p:to>
+                                    </p:set>
+                                    <p:animEffect transition="in" filter="fade">
+                                      <p:cBhvr>
+                                        <p:cTn id="32" dur="500"/>
+                                        <p:tgtEl>
+                                          <p:spTgt spid="6">
+                                            <p:txEl>
+                                              <p:pRg st="2" end="2"/>
+                                            </p:txEl>
+                                          </p:spTgt>
+                                        </p:tgtEl>
+                                      </p:cBhvr>
+                                    </p:animEffect>
+                                  </p:childTnLst>
+                                </p:cTn>
+                              </p:par>
+                            </p:childTnLst>
+                          </p:cTn>
+                        </p:par>
+                      </p:childTnLst>
+                    </p:cTn>
+                  </p:par>
+                  <p:par>
+                    <p:cTn id="33" fill="hold">
+                      <p:stCondLst>
+                        <p:cond delay="indefinite"/>
+                      </p:stCondLst>
+                      <p:childTnLst>
+                        <p:par>
+                          <p:cTn id="34" fill="hold">
+                            <p:stCondLst>
+                              <p:cond delay="0"/>
+                            </p:stCondLst>
+                            <p:childTnLst>
+                              <p:par>
+                                <p:cTn id="35" presetID="10" presetClass="entr" presetSubtype="0" fill="hold" nodeType="clickEffect">
+                                  <p:stCondLst>
+                                    <p:cond delay="0"/>
+                                  </p:stCondLst>
+                                  <p:childTnLst>
+                                    <p:set>
+                                      <p:cBhvr>
+                                        <p:cTn id="36" dur="1" fill="hold">
+                                          <p:stCondLst>
+                                            <p:cond delay="0"/>
+                                          </p:stCondLst>
+                                        </p:cTn>
+                                        <p:tgtEl>
+                                          <p:spTgt spid="7"/>
+                                        </p:tgtEl>
+                                        <p:attrNameLst>
+                                          <p:attrName>style.visibility</p:attrName>
+                                        </p:attrNameLst>
+                                      </p:cBhvr>
+                                      <p:to>
+                                        <p:strVal val="visible"/>
+                                      </p:to>
+                                    </p:set>
+                                    <p:animEffect transition="in" filter="fade">
+                                      <p:cBhvr>
+                                        <p:cTn id="37" dur="500"/>
+                                        <p:tgtEl>
+                                          <p:spTgt spid="7"/>
+                                        </p:tgtEl>
+                                      </p:cBhvr>
+                                    </p:animEffect>
+                                  </p:childTnLst>
+                                </p:cTn>
+                              </p:par>
+                            </p:childTnLst>
+                          </p:cTn>
+                        </p:par>
+                      </p:childTnLst>
+                    </p:cTn>
+                  </p:par>
+                </p:childTnLst>
+              </p:cTn>
+              <p:prevCondLst>
+                <p:cond evt="onPrev" delay="0">
+                  <p:tgtEl>
+                    <p:sldTgt/>
+                  </p:tgtEl>
+                </p:cond>
+              </p:prevCondLst>
+              <p:nextCondLst>
+                <p:cond evt="onNext" delay="0">
+                  <p:tgtEl>
+                    <p:sldTgt/>
+                  </p:tgtEl>
+                </p:cond>
+              </p:nextCondLst>
+            </p:seq>
+          </p:childTnLst>
+        </p:cTn>
+      </p:par>
+    </p:tnLst>
+  </p:timing>
+</p:sld>
+</file>
+
+<file path=ppt/slides/slide11.xml><?xml version="1.0" encoding="utf-8"?>
 <p:sld xmlns:a="http://schemas.openxmlformats.org/drawingml/2006/main" xmlns:r="http://schemas.openxmlformats.org/officeDocument/2006/relationships" xmlns:p="http://schemas.openxmlformats.org/presentationml/2006/main">
   <p:cSld>
     <p:bg>
@@ -3662,12 +5678,101 @@
           <a:chExt cx="0" cy="0"/>
         </a:xfrm>
       </p:grpSpPr>
+      <p:sp useBgFill="1">
+        <p:nvSpPr>
+          <p:cNvPr id="8" name="Rectangle 7">
+            <a:extLst>
+              <a:ext uri="{FF2B5EF4-FFF2-40B4-BE49-F238E27FC236}">
+                <a16:creationId xmlns:a16="http://schemas.microsoft.com/office/drawing/2014/main" id="{559AE206-7EBA-4D33-8BC9-9D8158553F0E}"/>
+              </a:ext>
+              <a:ext uri="{C183D7F6-B498-43B3-948B-1728B52AA6E4}">
+                <adec:decorative xmlns:adec="http://schemas.microsoft.com/office/drawing/2017/decorative" val="1"/>
+              </a:ext>
+            </a:extLst>
+          </p:cNvPr>
+          <p:cNvSpPr>
+            <a:spLocks noGrp="1" noRot="1" noChangeAspect="1" noMove="1" noResize="1" noEditPoints="1" noAdjustHandles="1" noChangeArrowheads="1" noChangeShapeType="1" noTextEdit="1"/>
+          </p:cNvSpPr>
+          <p:nvPr>
+            <p:extLst>
+              <p:ext uri="{386F3935-93C4-4BCD-93E2-E3B085C9AB24}">
+                <p16:designElem xmlns:p16="http://schemas.microsoft.com/office/powerpoint/2015/main" val="1"/>
+              </p:ext>
+            </p:extLst>
+          </p:nvPr>
+        </p:nvSpPr>
+        <p:spPr>
+          <a:xfrm>
+            <a:off x="0" y="0"/>
+            <a:ext cx="12192000" cy="6858000"/>
+          </a:xfrm>
+          <a:prstGeom prst="rect">
+            <a:avLst/>
+          </a:prstGeom>
+          <a:ln>
+            <a:noFill/>
+          </a:ln>
+        </p:spPr>
+        <p:style>
+          <a:lnRef idx="2">
+            <a:schemeClr val="accent1">
+              <a:shade val="50000"/>
+            </a:schemeClr>
+          </a:lnRef>
+          <a:fillRef idx="1">
+            <a:schemeClr val="accent1"/>
+          </a:fillRef>
+          <a:effectRef idx="0">
+            <a:schemeClr val="accent1"/>
+          </a:effectRef>
+          <a:fontRef idx="minor">
+            <a:schemeClr val="lt1"/>
+          </a:fontRef>
+        </p:style>
+        <p:txBody>
+          <a:bodyPr rtlCol="0" anchor="ctr"/>
+          <a:lstStyle/>
+          <a:p>
+            <a:pPr marL="0" marR="0" lvl="0" indent="0" algn="ctr" defTabSz="914400" rtl="0" eaLnBrk="1" fontAlgn="auto" latinLnBrk="0" hangingPunct="1">
+              <a:lnSpc>
+                <a:spcPct val="100000"/>
+              </a:lnSpc>
+              <a:spcBef>
+                <a:spcPts val="0"/>
+              </a:spcBef>
+              <a:spcAft>
+                <a:spcPts val="0"/>
+              </a:spcAft>
+              <a:buClrTx/>
+              <a:buSzTx/>
+              <a:buFontTx/>
+              <a:buNone/>
+              <a:tabLst/>
+              <a:defRPr/>
+            </a:pPr>
+            <a:endParaRPr kumimoji="0" lang="en-US" sz="1800" b="0" i="0" u="none" strike="noStrike" kern="1200" cap="none" spc="0" normalizeH="0" baseline="0" noProof="0">
+              <a:ln>
+                <a:noFill/>
+              </a:ln>
+              <a:solidFill>
+                <a:prstClr val="white"/>
+              </a:solidFill>
+              <a:effectLst/>
+              <a:uLnTx/>
+              <a:uFillTx/>
+              <a:latin typeface="Calibri" panose="020F0502020204030204"/>
+              <a:ea typeface="+mn-ea"/>
+              <a:cs typeface="+mn-cs"/>
+            </a:endParaRPr>
+          </a:p>
+        </p:txBody>
+      </p:sp>
       <p:sp>
         <p:nvSpPr>
           <p:cNvPr id="2" name="Title 1">
             <a:extLst>
               <a:ext uri="{FF2B5EF4-FFF2-40B4-BE49-F238E27FC236}">
-                <a16:creationId xmlns:a16="http://schemas.microsoft.com/office/drawing/2014/main" id="{6A372FEF-5185-4883-B8C4-D63C81C6C8B5}"/>
+                <a16:creationId xmlns:a16="http://schemas.microsoft.com/office/drawing/2014/main" id="{5C19D5D2-88DC-457C-A3F1-383813778371}"/>
               </a:ext>
             </a:extLst>
           </p:cNvPr>
@@ -3678,63 +5783,917 @@
             <p:ph type="title"/>
           </p:nvPr>
         </p:nvSpPr>
-        <p:spPr/>
-        <p:txBody>
-          <a:bodyPr/>
-          <a:lstStyle/>
-          <a:p>
-            <a:r>
-              <a:rPr lang="en-US"/>
-              <a:t>Network Flow</a:t>
+        <p:spPr>
+          <a:xfrm>
+            <a:off x="838199" y="4525347"/>
+            <a:ext cx="6801321" cy="1737360"/>
+          </a:xfrm>
+        </p:spPr>
+        <p:txBody>
+          <a:bodyPr vert="horz" lIns="91440" tIns="45720" rIns="91440" bIns="45720" rtlCol="0" anchor="ctr">
+            <a:normAutofit/>
+          </a:bodyPr>
+          <a:lstStyle/>
+          <a:p>
+            <a:pPr algn="r"/>
+            <a:r>
+              <a:rPr lang="en-US" sz="6000" kern="1200">
+                <a:solidFill>
+                  <a:schemeClr val="tx1"/>
+                </a:solidFill>
+                <a:latin typeface="+mj-lt"/>
+                <a:ea typeface="+mj-ea"/>
+                <a:cs typeface="+mj-cs"/>
+              </a:rPr>
+              <a:t>Thanks for listening</a:t>
+            </a:r>
+          </a:p>
+        </p:txBody>
+      </p:sp>
+      <p:sp>
+        <p:nvSpPr>
+          <p:cNvPr id="3" name="Content Placeholder 2">
+            <a:extLst>
+              <a:ext uri="{FF2B5EF4-FFF2-40B4-BE49-F238E27FC236}">
+                <a16:creationId xmlns:a16="http://schemas.microsoft.com/office/drawing/2014/main" id="{442C619A-0196-4D45-A31E-765A6633F3DE}"/>
+              </a:ext>
+            </a:extLst>
+          </p:cNvPr>
+          <p:cNvSpPr>
+            <a:spLocks noGrp="1"/>
+          </p:cNvSpPr>
+          <p:nvPr>
+            <p:ph idx="1"/>
+          </p:nvPr>
+        </p:nvSpPr>
+        <p:spPr>
+          <a:xfrm>
+            <a:off x="7961258" y="4525347"/>
+            <a:ext cx="3258675" cy="1737360"/>
+          </a:xfrm>
+        </p:spPr>
+        <p:txBody>
+          <a:bodyPr vert="horz" lIns="91440" tIns="45720" rIns="91440" bIns="45720" rtlCol="0" anchor="ctr">
+            <a:normAutofit/>
+          </a:bodyPr>
+          <a:lstStyle/>
+          <a:p>
+            <a:pPr marL="0" indent="0">
+              <a:buNone/>
+            </a:pPr>
+            <a:r>
+              <a:rPr lang="en-US" sz="2400" kern="1200" dirty="0">
+                <a:solidFill>
+                  <a:schemeClr val="tx1"/>
+                </a:solidFill>
+                <a:latin typeface="+mn-lt"/>
+                <a:ea typeface="+mn-ea"/>
+                <a:cs typeface="+mn-cs"/>
+              </a:rPr>
+              <a:t>Questions?</a:t>
+            </a:r>
+          </a:p>
+        </p:txBody>
+      </p:sp>
+      <p:sp>
+        <p:nvSpPr>
+          <p:cNvPr id="10" name="Oval 9">
+            <a:extLst>
+              <a:ext uri="{FF2B5EF4-FFF2-40B4-BE49-F238E27FC236}">
+                <a16:creationId xmlns:a16="http://schemas.microsoft.com/office/drawing/2014/main" id="{6437D937-A7F1-4011-92B4-328E5BE1B166}"/>
+              </a:ext>
+              <a:ext uri="{C183D7F6-B498-43B3-948B-1728B52AA6E4}">
+                <adec:decorative xmlns:adec="http://schemas.microsoft.com/office/drawing/2017/decorative" val="1"/>
+              </a:ext>
+            </a:extLst>
+          </p:cNvPr>
+          <p:cNvSpPr>
+            <a:spLocks noGrp="1" noRot="1" noChangeAspect="1" noMove="1" noResize="1" noEditPoints="1" noAdjustHandles="1" noChangeArrowheads="1" noChangeShapeType="1" noTextEdit="1"/>
+          </p:cNvSpPr>
+          <p:nvPr>
+            <p:extLst>
+              <p:ext uri="{386F3935-93C4-4BCD-93E2-E3B085C9AB24}">
+                <p16:designElem xmlns:p16="http://schemas.microsoft.com/office/powerpoint/2015/main" val="1"/>
+              </p:ext>
+            </p:extLst>
+          </p:nvPr>
+        </p:nvSpPr>
+        <p:spPr>
+          <a:xfrm>
+            <a:off x="588567" y="620480"/>
+            <a:ext cx="2243800" cy="2243796"/>
+          </a:xfrm>
+          <a:prstGeom prst="ellipse">
+            <a:avLst/>
+          </a:prstGeom>
+          <a:solidFill>
+            <a:schemeClr val="accent5"/>
+          </a:solidFill>
+          <a:ln>
+            <a:noFill/>
+          </a:ln>
+        </p:spPr>
+        <p:style>
+          <a:lnRef idx="2">
+            <a:schemeClr val="accent1">
+              <a:shade val="50000"/>
+            </a:schemeClr>
+          </a:lnRef>
+          <a:fillRef idx="1">
+            <a:schemeClr val="accent1"/>
+          </a:fillRef>
+          <a:effectRef idx="0">
+            <a:schemeClr val="accent1"/>
+          </a:effectRef>
+          <a:fontRef idx="minor">
+            <a:schemeClr val="lt1"/>
+          </a:fontRef>
+        </p:style>
+        <p:txBody>
+          <a:bodyPr rtlCol="0" anchor="ctr"/>
+          <a:lstStyle/>
+          <a:p>
+            <a:pPr marL="0" marR="0" lvl="0" indent="0" algn="ctr" defTabSz="914400" rtl="0" eaLnBrk="1" fontAlgn="auto" latinLnBrk="0" hangingPunct="1">
+              <a:lnSpc>
+                <a:spcPct val="100000"/>
+              </a:lnSpc>
+              <a:spcBef>
+                <a:spcPts val="0"/>
+              </a:spcBef>
+              <a:spcAft>
+                <a:spcPts val="0"/>
+              </a:spcAft>
+              <a:buClrTx/>
+              <a:buSzTx/>
+              <a:buFontTx/>
+              <a:buNone/>
+              <a:tabLst/>
+              <a:defRPr/>
+            </a:pPr>
+            <a:endParaRPr kumimoji="0" lang="en-US" sz="1800" b="0" i="0" u="none" strike="noStrike" kern="1200" cap="none" spc="0" normalizeH="0" baseline="0" noProof="0">
+              <a:ln>
+                <a:noFill/>
+              </a:ln>
+              <a:solidFill>
+                <a:prstClr val="white"/>
+              </a:solidFill>
+              <a:effectLst/>
+              <a:uLnTx/>
+              <a:uFillTx/>
+              <a:latin typeface="Calibri" panose="020F0502020204030204"/>
+              <a:ea typeface="+mn-ea"/>
+              <a:cs typeface="+mn-cs"/>
+            </a:endParaRPr>
+          </a:p>
+        </p:txBody>
+      </p:sp>
+      <p:sp>
+        <p:nvSpPr>
+          <p:cNvPr id="12" name="Oval 11">
+            <a:extLst>
+              <a:ext uri="{FF2B5EF4-FFF2-40B4-BE49-F238E27FC236}">
+                <a16:creationId xmlns:a16="http://schemas.microsoft.com/office/drawing/2014/main" id="{B672F332-AF08-46C6-94F0-77684310D7B7}"/>
+              </a:ext>
+              <a:ext uri="{C183D7F6-B498-43B3-948B-1728B52AA6E4}">
+                <adec:decorative xmlns:adec="http://schemas.microsoft.com/office/drawing/2017/decorative" val="1"/>
+              </a:ext>
+            </a:extLst>
+          </p:cNvPr>
+          <p:cNvSpPr>
+            <a:spLocks noGrp="1" noRot="1" noChangeAspect="1" noMove="1" noResize="1" noEditPoints="1" noAdjustHandles="1" noChangeArrowheads="1" noChangeShapeType="1" noTextEdit="1"/>
+          </p:cNvSpPr>
+          <p:nvPr>
+            <p:extLst>
+              <p:ext uri="{386F3935-93C4-4BCD-93E2-E3B085C9AB24}">
+                <p16:designElem xmlns:p16="http://schemas.microsoft.com/office/powerpoint/2015/main" val="1"/>
+              </p:ext>
+            </p:extLst>
+          </p:nvPr>
+        </p:nvSpPr>
+        <p:spPr>
+          <a:xfrm>
+            <a:off x="3395001" y="2466604"/>
+            <a:ext cx="962395" cy="962395"/>
+          </a:xfrm>
+          <a:prstGeom prst="ellipse">
+            <a:avLst/>
+          </a:prstGeom>
+          <a:solidFill>
+            <a:schemeClr val="accent4"/>
+          </a:solidFill>
+          <a:ln>
+            <a:noFill/>
+          </a:ln>
+        </p:spPr>
+        <p:style>
+          <a:lnRef idx="2">
+            <a:schemeClr val="accent1">
+              <a:shade val="50000"/>
+            </a:schemeClr>
+          </a:lnRef>
+          <a:fillRef idx="1">
+            <a:schemeClr val="accent1"/>
+          </a:fillRef>
+          <a:effectRef idx="0">
+            <a:schemeClr val="accent1"/>
+          </a:effectRef>
+          <a:fontRef idx="minor">
+            <a:schemeClr val="lt1"/>
+          </a:fontRef>
+        </p:style>
+        <p:txBody>
+          <a:bodyPr rtlCol="0" anchor="ctr"/>
+          <a:lstStyle/>
+          <a:p>
+            <a:pPr marL="0" marR="0" lvl="0" indent="0" algn="ctr" defTabSz="914400" rtl="0" eaLnBrk="1" fontAlgn="auto" latinLnBrk="0" hangingPunct="1">
+              <a:lnSpc>
+                <a:spcPct val="100000"/>
+              </a:lnSpc>
+              <a:spcBef>
+                <a:spcPts val="0"/>
+              </a:spcBef>
+              <a:spcAft>
+                <a:spcPts val="0"/>
+              </a:spcAft>
+              <a:buClrTx/>
+              <a:buSzTx/>
+              <a:buFontTx/>
+              <a:buNone/>
+              <a:tabLst/>
+              <a:defRPr/>
+            </a:pPr>
+            <a:endParaRPr kumimoji="0" lang="en-US" sz="1800" b="0" i="0" u="none" strike="noStrike" kern="1200" cap="none" spc="0" normalizeH="0" baseline="0" noProof="0">
+              <a:ln>
+                <a:noFill/>
+              </a:ln>
+              <a:solidFill>
+                <a:prstClr val="white"/>
+              </a:solidFill>
+              <a:effectLst/>
+              <a:uLnTx/>
+              <a:uFillTx/>
+              <a:latin typeface="Calibri" panose="020F0502020204030204"/>
+              <a:ea typeface="+mn-ea"/>
+              <a:cs typeface="+mn-cs"/>
+            </a:endParaRPr>
+          </a:p>
+        </p:txBody>
+      </p:sp>
+      <p:sp>
+        <p:nvSpPr>
+          <p:cNvPr id="14" name="Oval 13">
+            <a:extLst>
+              <a:ext uri="{FF2B5EF4-FFF2-40B4-BE49-F238E27FC236}">
+                <a16:creationId xmlns:a16="http://schemas.microsoft.com/office/drawing/2014/main" id="{34244EF8-D73A-40E1-BE73-D46E6B4B04ED}"/>
+              </a:ext>
+              <a:ext uri="{C183D7F6-B498-43B3-948B-1728B52AA6E4}">
+                <adec:decorative xmlns:adec="http://schemas.microsoft.com/office/drawing/2017/decorative" val="1"/>
+              </a:ext>
+            </a:extLst>
+          </p:cNvPr>
+          <p:cNvSpPr>
+            <a:spLocks noGrp="1" noRot="1" noChangeAspect="1" noMove="1" noResize="1" noEditPoints="1" noAdjustHandles="1" noChangeArrowheads="1" noChangeShapeType="1" noTextEdit="1"/>
+          </p:cNvSpPr>
+          <p:nvPr>
+            <p:extLst>
+              <p:ext uri="{386F3935-93C4-4BCD-93E2-E3B085C9AB24}">
+                <p16:designElem xmlns:p16="http://schemas.microsoft.com/office/powerpoint/2015/main" val="1"/>
+              </p:ext>
+            </p:extLst>
+          </p:nvPr>
+        </p:nvSpPr>
+        <p:spPr>
+          <a:xfrm>
+            <a:off x="5125829" y="2327988"/>
+            <a:ext cx="293695" cy="293695"/>
+          </a:xfrm>
+          <a:prstGeom prst="ellipse">
+            <a:avLst/>
+          </a:prstGeom>
+          <a:solidFill>
+            <a:schemeClr val="accent3"/>
+          </a:solidFill>
+          <a:ln>
+            <a:noFill/>
+          </a:ln>
+        </p:spPr>
+        <p:style>
+          <a:lnRef idx="2">
+            <a:schemeClr val="accent1">
+              <a:shade val="50000"/>
+            </a:schemeClr>
+          </a:lnRef>
+          <a:fillRef idx="1">
+            <a:schemeClr val="accent1"/>
+          </a:fillRef>
+          <a:effectRef idx="0">
+            <a:schemeClr val="accent1"/>
+          </a:effectRef>
+          <a:fontRef idx="minor">
+            <a:schemeClr val="lt1"/>
+          </a:fontRef>
+        </p:style>
+        <p:txBody>
+          <a:bodyPr rtlCol="0" anchor="ctr"/>
+          <a:lstStyle/>
+          <a:p>
+            <a:pPr marL="0" marR="0" lvl="0" indent="0" algn="ctr" defTabSz="914400" rtl="0" eaLnBrk="1" fontAlgn="auto" latinLnBrk="0" hangingPunct="1">
+              <a:lnSpc>
+                <a:spcPct val="100000"/>
+              </a:lnSpc>
+              <a:spcBef>
+                <a:spcPts val="0"/>
+              </a:spcBef>
+              <a:spcAft>
+                <a:spcPts val="0"/>
+              </a:spcAft>
+              <a:buClrTx/>
+              <a:buSzTx/>
+              <a:buFontTx/>
+              <a:buNone/>
+              <a:tabLst/>
+              <a:defRPr/>
+            </a:pPr>
+            <a:endParaRPr kumimoji="0" lang="en-US" sz="1800" b="0" i="0" u="none" strike="noStrike" kern="1200" cap="none" spc="0" normalizeH="0" baseline="0" noProof="0">
+              <a:ln>
+                <a:noFill/>
+              </a:ln>
+              <a:solidFill>
+                <a:prstClr val="white"/>
+              </a:solidFill>
+              <a:effectLst/>
+              <a:uLnTx/>
+              <a:uFillTx/>
+              <a:latin typeface="Calibri" panose="020F0502020204030204"/>
+              <a:ea typeface="+mn-ea"/>
+              <a:cs typeface="+mn-cs"/>
+            </a:endParaRPr>
+          </a:p>
+        </p:txBody>
+      </p:sp>
+      <p:sp>
+        <p:nvSpPr>
+          <p:cNvPr id="16" name="Freeform: Shape 15">
+            <a:extLst>
+              <a:ext uri="{FF2B5EF4-FFF2-40B4-BE49-F238E27FC236}">
+                <a16:creationId xmlns:a16="http://schemas.microsoft.com/office/drawing/2014/main" id="{AB84D7E8-4ECB-42D7-ADBF-01689B0F24AE}"/>
+              </a:ext>
+              <a:ext uri="{C183D7F6-B498-43B3-948B-1728B52AA6E4}">
+                <adec:decorative xmlns:adec="http://schemas.microsoft.com/office/drawing/2017/decorative" val="1"/>
+              </a:ext>
+            </a:extLst>
+          </p:cNvPr>
+          <p:cNvSpPr>
+            <a:spLocks noGrp="1" noRot="1" noChangeAspect="1" noMove="1" noResize="1" noEditPoints="1" noAdjustHandles="1" noChangeArrowheads="1" noChangeShapeType="1" noTextEdit="1"/>
+          </p:cNvSpPr>
+          <p:nvPr>
+            <p:extLst>
+              <p:ext uri="{386F3935-93C4-4BCD-93E2-E3B085C9AB24}">
+                <p16:designElem xmlns:p16="http://schemas.microsoft.com/office/powerpoint/2015/main" val="1"/>
+              </p:ext>
+            </p:extLst>
+          </p:nvPr>
+        </p:nvSpPr>
+        <p:spPr>
+          <a:xfrm>
+            <a:off x="6492113" y="0"/>
+            <a:ext cx="5699887" cy="4059244"/>
+          </a:xfrm>
+          <a:custGeom>
+            <a:avLst/>
+            <a:gdLst>
+              <a:gd name="connsiteX0" fmla="*/ 0 w 5699887"/>
+              <a:gd name="connsiteY0" fmla="*/ 0 h 4059244"/>
+              <a:gd name="connsiteX1" fmla="*/ 5699887 w 5699887"/>
+              <a:gd name="connsiteY1" fmla="*/ 0 h 4059244"/>
+              <a:gd name="connsiteX2" fmla="*/ 5699887 w 5699887"/>
+              <a:gd name="connsiteY2" fmla="*/ 3944096 h 4059244"/>
+              <a:gd name="connsiteX3" fmla="*/ 5525775 w 5699887"/>
+              <a:gd name="connsiteY3" fmla="*/ 3980429 h 4059244"/>
+              <a:gd name="connsiteX4" fmla="*/ 4663256 w 5699887"/>
+              <a:gd name="connsiteY4" fmla="*/ 4059244 h 4059244"/>
+              <a:gd name="connsiteX5" fmla="*/ 8566 w 5699887"/>
+              <a:gd name="connsiteY5" fmla="*/ 67422 h 4059244"/>
+            </a:gdLst>
+            <a:ahLst/>
+            <a:cxnLst>
+              <a:cxn ang="0">
+                <a:pos x="connsiteX0" y="connsiteY0"/>
+              </a:cxn>
+              <a:cxn ang="0">
+                <a:pos x="connsiteX1" y="connsiteY1"/>
+              </a:cxn>
+              <a:cxn ang="0">
+                <a:pos x="connsiteX2" y="connsiteY2"/>
+              </a:cxn>
+              <a:cxn ang="0">
+                <a:pos x="connsiteX3" y="connsiteY3"/>
+              </a:cxn>
+              <a:cxn ang="0">
+                <a:pos x="connsiteX4" y="connsiteY4"/>
+              </a:cxn>
+              <a:cxn ang="0">
+                <a:pos x="connsiteX5" y="connsiteY5"/>
+              </a:cxn>
+            </a:cxnLst>
+            <a:rect l="l" t="t" r="r" b="b"/>
+            <a:pathLst>
+              <a:path w="5699887" h="4059244">
+                <a:moveTo>
+                  <a:pt x="0" y="0"/>
+                </a:moveTo>
+                <a:lnTo>
+                  <a:pt x="5699887" y="0"/>
+                </a:lnTo>
+                <a:lnTo>
+                  <a:pt x="5699887" y="3944096"/>
+                </a:lnTo>
+                <a:lnTo>
+                  <a:pt x="5525775" y="3980429"/>
+                </a:lnTo>
+                <a:cubicBezTo>
+                  <a:pt x="5246154" y="4032190"/>
+                  <a:pt x="4957865" y="4059244"/>
+                  <a:pt x="4663256" y="4059244"/>
+                </a:cubicBezTo>
+                <a:cubicBezTo>
+                  <a:pt x="2306390" y="4059244"/>
+                  <a:pt x="353936" y="2327747"/>
+                  <a:pt x="8566" y="67422"/>
+                </a:cubicBezTo>
+                <a:close/>
+              </a:path>
+            </a:pathLst>
+          </a:custGeom>
+          <a:solidFill>
+            <a:srgbClr val="595959"/>
+          </a:solidFill>
+          <a:ln>
+            <a:noFill/>
+          </a:ln>
+        </p:spPr>
+        <p:style>
+          <a:lnRef idx="2">
+            <a:schemeClr val="accent1">
+              <a:shade val="50000"/>
+            </a:schemeClr>
+          </a:lnRef>
+          <a:fillRef idx="1">
+            <a:schemeClr val="accent1"/>
+          </a:fillRef>
+          <a:effectRef idx="0">
+            <a:schemeClr val="accent1"/>
+          </a:effectRef>
+          <a:fontRef idx="minor">
+            <a:schemeClr val="lt1"/>
+          </a:fontRef>
+        </p:style>
+        <p:txBody>
+          <a:bodyPr rtlCol="0" anchor="ctr"/>
+          <a:lstStyle/>
+          <a:p>
+            <a:pPr marL="0" marR="0" lvl="0" indent="0" algn="ctr" defTabSz="914400" rtl="0" eaLnBrk="1" fontAlgn="auto" latinLnBrk="0" hangingPunct="1">
+              <a:lnSpc>
+                <a:spcPct val="100000"/>
+              </a:lnSpc>
+              <a:spcBef>
+                <a:spcPts val="0"/>
+              </a:spcBef>
+              <a:spcAft>
+                <a:spcPts val="0"/>
+              </a:spcAft>
+              <a:buClrTx/>
+              <a:buSzTx/>
+              <a:buFontTx/>
+              <a:buNone/>
+              <a:tabLst/>
+              <a:defRPr/>
+            </a:pPr>
+            <a:endParaRPr kumimoji="0" lang="en-US" sz="1800" b="0" i="0" u="none" strike="noStrike" kern="1200" cap="none" spc="0" normalizeH="0" baseline="0" noProof="0">
+              <a:ln>
+                <a:noFill/>
+              </a:ln>
+              <a:solidFill>
+                <a:prstClr val="white"/>
+              </a:solidFill>
+              <a:effectLst/>
+              <a:uLnTx/>
+              <a:uFillTx/>
+              <a:latin typeface="Calibri" panose="020F0502020204030204"/>
+              <a:ea typeface="+mn-ea"/>
+              <a:cs typeface="+mn-cs"/>
+            </a:endParaRPr>
+          </a:p>
+        </p:txBody>
+      </p:sp>
+      <p:cxnSp>
+        <p:nvCxnSpPr>
+          <p:cNvPr id="18" name="Straight Connector 17">
+            <a:extLst>
+              <a:ext uri="{FF2B5EF4-FFF2-40B4-BE49-F238E27FC236}">
+                <a16:creationId xmlns:a16="http://schemas.microsoft.com/office/drawing/2014/main" id="{9E8E38ED-369A-44C2-B635-0BED0E48A6E8}"/>
+              </a:ext>
+              <a:ext uri="{C183D7F6-B498-43B3-948B-1728B52AA6E4}">
+                <adec:decorative xmlns:adec="http://schemas.microsoft.com/office/drawing/2017/decorative" val="1"/>
+              </a:ext>
+            </a:extLst>
+          </p:cNvPr>
+          <p:cNvCxnSpPr>
+            <a:cxnSpLocks noGrp="1" noRot="1" noChangeAspect="1" noMove="1" noResize="1" noEditPoints="1" noAdjustHandles="1" noChangeArrowheads="1" noChangeShapeType="1"/>
+          </p:cNvCxnSpPr>
+          <p:nvPr>
+            <p:extLst>
+              <p:ext uri="{386F3935-93C4-4BCD-93E2-E3B085C9AB24}">
+                <p16:designElem xmlns:p16="http://schemas.microsoft.com/office/powerpoint/2015/main" val="1"/>
+              </p:ext>
+            </p:extLst>
+          </p:nvPr>
+        </p:nvCxnSpPr>
+        <p:spPr>
+          <a:xfrm>
+            <a:off x="7800392" y="4525347"/>
+            <a:ext cx="0" cy="1737360"/>
+          </a:xfrm>
+          <a:prstGeom prst="line">
+            <a:avLst/>
+          </a:prstGeom>
+          <a:ln w="19050" cap="sq">
+            <a:solidFill>
+              <a:schemeClr val="tx1"/>
+            </a:solidFill>
+          </a:ln>
+        </p:spPr>
+        <p:style>
+          <a:lnRef idx="1">
+            <a:schemeClr val="accent1"/>
+          </a:lnRef>
+          <a:fillRef idx="0">
+            <a:schemeClr val="accent1"/>
+          </a:fillRef>
+          <a:effectRef idx="0">
+            <a:schemeClr val="accent1"/>
+          </a:effectRef>
+          <a:fontRef idx="minor">
+            <a:schemeClr val="tx1"/>
+          </a:fontRef>
+        </p:style>
+      </p:cxnSp>
+    </p:spTree>
+    <p:extLst>
+      <p:ext uri="{BB962C8B-B14F-4D97-AF65-F5344CB8AC3E}">
+        <p14:creationId xmlns:p14="http://schemas.microsoft.com/office/powerpoint/2010/main" val="3253146610"/>
+      </p:ext>
+    </p:extLst>
+  </p:cSld>
+  <p:clrMapOvr>
+    <a:masterClrMapping/>
+  </p:clrMapOvr>
+</p:sld>
+</file>
+
+<file path=ppt/slides/slide2.xml><?xml version="1.0" encoding="utf-8"?>
+<p:sld xmlns:a="http://schemas.openxmlformats.org/drawingml/2006/main" xmlns:r="http://schemas.openxmlformats.org/officeDocument/2006/relationships" xmlns:p="http://schemas.openxmlformats.org/presentationml/2006/main">
+  <p:cSld>
+    <p:spTree>
+      <p:nvGrpSpPr>
+        <p:cNvPr id="1" name=""/>
+        <p:cNvGrpSpPr/>
+        <p:nvPr/>
+      </p:nvGrpSpPr>
+      <p:grpSpPr>
+        <a:xfrm>
+          <a:off x="0" y="0"/>
+          <a:ext cx="0" cy="0"/>
+          <a:chOff x="0" y="0"/>
+          <a:chExt cx="0" cy="0"/>
+        </a:xfrm>
+      </p:grpSpPr>
+      <p:sp>
+        <p:nvSpPr>
+          <p:cNvPr id="2" name="Title 1">
+            <a:extLst>
+              <a:ext uri="{FF2B5EF4-FFF2-40B4-BE49-F238E27FC236}">
+                <a16:creationId xmlns:a16="http://schemas.microsoft.com/office/drawing/2014/main" id="{2DE32849-B974-45FA-90FB-160EF461E980}"/>
+              </a:ext>
+            </a:extLst>
+          </p:cNvPr>
+          <p:cNvSpPr>
+            <a:spLocks noGrp="1"/>
+          </p:cNvSpPr>
+          <p:nvPr>
+            <p:ph type="title"/>
+          </p:nvPr>
+        </p:nvSpPr>
+        <p:spPr>
+          <a:xfrm>
+            <a:off x="0" y="1"/>
+            <a:ext cx="12192000" cy="1420426"/>
+          </a:xfrm>
+          <a:solidFill>
+            <a:schemeClr val="bg1"/>
+          </a:solidFill>
+        </p:spPr>
+        <p:txBody>
+          <a:bodyPr anchor="b"/>
+          <a:lstStyle/>
+          <a:p>
+            <a:pPr algn="ctr"/>
+            <a:r>
+              <a:rPr lang="en-GB" dirty="0"/>
+              <a:t>Animating algorithms in education</a:t>
             </a:r>
           </a:p>
         </p:txBody>
       </p:sp>
       <p:pic>
         <p:nvPicPr>
-          <p:cNvPr id="9" name="Content Placeholder 8">
-            <a:extLst>
-              <a:ext uri="{FF2B5EF4-FFF2-40B4-BE49-F238E27FC236}">
-                <a16:creationId xmlns:a16="http://schemas.microsoft.com/office/drawing/2014/main" id="{4D587089-1539-44B0-8CE9-9592882FDA59}"/>
+          <p:cNvPr id="6" name="Picture 5">
+            <a:extLst>
+              <a:ext uri="{FF2B5EF4-FFF2-40B4-BE49-F238E27FC236}">
+                <a16:creationId xmlns:a16="http://schemas.microsoft.com/office/drawing/2014/main" id="{3B59D3A8-2707-426F-AEE8-52424741885E}"/>
               </a:ext>
             </a:extLst>
           </p:cNvPr>
           <p:cNvPicPr>
-            <a:picLocks noGrp="1" noChangeAspect="1"/>
+            <a:picLocks noChangeAspect="1"/>
           </p:cNvPicPr>
-          <p:nvPr>
-            <p:ph idx="1"/>
-          </p:nvPr>
+          <p:nvPr/>
         </p:nvPicPr>
         <p:blipFill>
-          <a:blip r:embed="rId2">
-            <a:extLst>
-              <a:ext uri="{28A0092B-C50C-407E-A947-70E740481C1C}">
-                <a14:useLocalDpi xmlns:a14="http://schemas.microsoft.com/office/drawing/2010/main" val="0"/>
-              </a:ext>
-            </a:extLst>
-          </a:blip>
+          <a:blip r:embed="rId3"/>
           <a:stretch>
             <a:fillRect/>
           </a:stretch>
         </p:blipFill>
         <p:spPr>
           <a:xfrm>
-            <a:off x="2271173" y="2503050"/>
-            <a:ext cx="7649653" cy="3291261"/>
+            <a:off x="123170" y="1690689"/>
+            <a:ext cx="7242364" cy="4035131"/>
           </a:xfrm>
+          <a:prstGeom prst="rect">
+            <a:avLst/>
+          </a:prstGeom>
+        </p:spPr>
+      </p:pic>
+      <p:pic>
+        <p:nvPicPr>
+          <p:cNvPr id="5" name="Picture 4">
+            <a:extLst>
+              <a:ext uri="{FF2B5EF4-FFF2-40B4-BE49-F238E27FC236}">
+                <a16:creationId xmlns:a16="http://schemas.microsoft.com/office/drawing/2014/main" id="{C529BAA3-3F08-4746-A8CA-4401CF715850}"/>
+              </a:ext>
+            </a:extLst>
+          </p:cNvPr>
+          <p:cNvPicPr>
+            <a:picLocks noChangeAspect="1"/>
+          </p:cNvPicPr>
+          <p:nvPr/>
+        </p:nvPicPr>
+        <p:blipFill>
+          <a:blip r:embed="rId4"/>
+          <a:stretch>
+            <a:fillRect/>
+          </a:stretch>
+        </p:blipFill>
+        <p:spPr>
+          <a:xfrm>
+            <a:off x="2030696" y="2177539"/>
+            <a:ext cx="7491292" cy="4351338"/>
+          </a:xfrm>
+          <a:prstGeom prst="rect">
+            <a:avLst/>
+          </a:prstGeom>
+        </p:spPr>
+      </p:pic>
+      <p:pic>
+        <p:nvPicPr>
+          <p:cNvPr id="4" name="Picture 3">
+            <a:extLst>
+              <a:ext uri="{FF2B5EF4-FFF2-40B4-BE49-F238E27FC236}">
+                <a16:creationId xmlns:a16="http://schemas.microsoft.com/office/drawing/2014/main" id="{D5B32877-A966-49DD-B1D0-BC0896494DA8}"/>
+              </a:ext>
+            </a:extLst>
+          </p:cNvPr>
+          <p:cNvPicPr>
+            <a:picLocks noChangeAspect="1"/>
+          </p:cNvPicPr>
+          <p:nvPr/>
+        </p:nvPicPr>
+        <p:blipFill>
+          <a:blip r:embed="rId5"/>
+          <a:stretch>
+            <a:fillRect/>
+          </a:stretch>
+        </p:blipFill>
+        <p:spPr>
+          <a:xfrm>
+            <a:off x="4711045" y="1690689"/>
+            <a:ext cx="6860195" cy="3986476"/>
+          </a:xfrm>
+          <a:prstGeom prst="rect">
+            <a:avLst/>
+          </a:prstGeom>
         </p:spPr>
       </p:pic>
     </p:spTree>
     <p:extLst>
       <p:ext uri="{BB962C8B-B14F-4D97-AF65-F5344CB8AC3E}">
-        <p14:creationId xmlns:p14="http://schemas.microsoft.com/office/powerpoint/2010/main" val="3367122690"/>
+        <p14:creationId xmlns:p14="http://schemas.microsoft.com/office/powerpoint/2010/main" val="218124296"/>
       </p:ext>
     </p:extLst>
   </p:cSld>
   <p:clrMapOvr>
     <a:masterClrMapping/>
   </p:clrMapOvr>
+  <p:timing>
+    <p:tnLst>
+      <p:par>
+        <p:cTn id="1" dur="indefinite" restart="never" nodeType="tmRoot">
+          <p:childTnLst>
+            <p:seq concurrent="1" nextAc="seek">
+              <p:cTn id="2" dur="indefinite" nodeType="mainSeq">
+                <p:childTnLst>
+                  <p:par>
+                    <p:cTn id="3" fill="hold">
+                      <p:stCondLst>
+                        <p:cond delay="indefinite"/>
+                      </p:stCondLst>
+                      <p:childTnLst>
+                        <p:par>
+                          <p:cTn id="4" fill="hold">
+                            <p:stCondLst>
+                              <p:cond delay="0"/>
+                            </p:stCondLst>
+                            <p:childTnLst>
+                              <p:par>
+                                <p:cTn id="5" presetID="10" presetClass="entr" presetSubtype="0" fill="hold" nodeType="clickEffect">
+                                  <p:stCondLst>
+                                    <p:cond delay="0"/>
+                                  </p:stCondLst>
+                                  <p:childTnLst>
+                                    <p:set>
+                                      <p:cBhvr>
+                                        <p:cTn id="6" dur="1" fill="hold">
+                                          <p:stCondLst>
+                                            <p:cond delay="0"/>
+                                          </p:stCondLst>
+                                        </p:cTn>
+                                        <p:tgtEl>
+                                          <p:spTgt spid="6"/>
+                                        </p:tgtEl>
+                                        <p:attrNameLst>
+                                          <p:attrName>style.visibility</p:attrName>
+                                        </p:attrNameLst>
+                                      </p:cBhvr>
+                                      <p:to>
+                                        <p:strVal val="visible"/>
+                                      </p:to>
+                                    </p:set>
+                                    <p:animEffect transition="in" filter="fade">
+                                      <p:cBhvr>
+                                        <p:cTn id="7" dur="500"/>
+                                        <p:tgtEl>
+                                          <p:spTgt spid="6"/>
+                                        </p:tgtEl>
+                                      </p:cBhvr>
+                                    </p:animEffect>
+                                  </p:childTnLst>
+                                </p:cTn>
+                              </p:par>
+                            </p:childTnLst>
+                          </p:cTn>
+                        </p:par>
+                      </p:childTnLst>
+                    </p:cTn>
+                  </p:par>
+                  <p:par>
+                    <p:cTn id="8" fill="hold">
+                      <p:stCondLst>
+                        <p:cond delay="indefinite"/>
+                      </p:stCondLst>
+                      <p:childTnLst>
+                        <p:par>
+                          <p:cTn id="9" fill="hold">
+                            <p:stCondLst>
+                              <p:cond delay="0"/>
+                            </p:stCondLst>
+                            <p:childTnLst>
+                              <p:par>
+                                <p:cTn id="10" presetID="10" presetClass="entr" presetSubtype="0" fill="hold" nodeType="clickEffect">
+                                  <p:stCondLst>
+                                    <p:cond delay="0"/>
+                                  </p:stCondLst>
+                                  <p:childTnLst>
+                                    <p:set>
+                                      <p:cBhvr>
+                                        <p:cTn id="11" dur="1" fill="hold">
+                                          <p:stCondLst>
+                                            <p:cond delay="0"/>
+                                          </p:stCondLst>
+                                        </p:cTn>
+                                        <p:tgtEl>
+                                          <p:spTgt spid="5"/>
+                                        </p:tgtEl>
+                                        <p:attrNameLst>
+                                          <p:attrName>style.visibility</p:attrName>
+                                        </p:attrNameLst>
+                                      </p:cBhvr>
+                                      <p:to>
+                                        <p:strVal val="visible"/>
+                                      </p:to>
+                                    </p:set>
+                                    <p:animEffect transition="in" filter="fade">
+                                      <p:cBhvr>
+                                        <p:cTn id="12" dur="500"/>
+                                        <p:tgtEl>
+                                          <p:spTgt spid="5"/>
+                                        </p:tgtEl>
+                                      </p:cBhvr>
+                                    </p:animEffect>
+                                  </p:childTnLst>
+                                </p:cTn>
+                              </p:par>
+                            </p:childTnLst>
+                          </p:cTn>
+                        </p:par>
+                      </p:childTnLst>
+                    </p:cTn>
+                  </p:par>
+                  <p:par>
+                    <p:cTn id="13" fill="hold">
+                      <p:stCondLst>
+                        <p:cond delay="indefinite"/>
+                      </p:stCondLst>
+                      <p:childTnLst>
+                        <p:par>
+                          <p:cTn id="14" fill="hold">
+                            <p:stCondLst>
+                              <p:cond delay="0"/>
+                            </p:stCondLst>
+                            <p:childTnLst>
+                              <p:par>
+                                <p:cTn id="15" presetID="10" presetClass="entr" presetSubtype="0" fill="hold" nodeType="clickEffect">
+                                  <p:stCondLst>
+                                    <p:cond delay="0"/>
+                                  </p:stCondLst>
+                                  <p:childTnLst>
+                                    <p:set>
+                                      <p:cBhvr>
+                                        <p:cTn id="16" dur="1" fill="hold">
+                                          <p:stCondLst>
+                                            <p:cond delay="0"/>
+                                          </p:stCondLst>
+                                        </p:cTn>
+                                        <p:tgtEl>
+                                          <p:spTgt spid="4"/>
+                                        </p:tgtEl>
+                                        <p:attrNameLst>
+                                          <p:attrName>style.visibility</p:attrName>
+                                        </p:attrNameLst>
+                                      </p:cBhvr>
+                                      <p:to>
+                                        <p:strVal val="visible"/>
+                                      </p:to>
+                                    </p:set>
+                                    <p:animEffect transition="in" filter="fade">
+                                      <p:cBhvr>
+                                        <p:cTn id="17" dur="500"/>
+                                        <p:tgtEl>
+                                          <p:spTgt spid="4"/>
+                                        </p:tgtEl>
+                                      </p:cBhvr>
+                                    </p:animEffect>
+                                  </p:childTnLst>
+                                </p:cTn>
+                              </p:par>
+                            </p:childTnLst>
+                          </p:cTn>
+                        </p:par>
+                      </p:childTnLst>
+                    </p:cTn>
+                  </p:par>
+                </p:childTnLst>
+              </p:cTn>
+              <p:prevCondLst>
+                <p:cond evt="onPrev" delay="0">
+                  <p:tgtEl>
+                    <p:sldTgt/>
+                  </p:tgtEl>
+                </p:cond>
+              </p:prevCondLst>
+              <p:nextCondLst>
+                <p:cond evt="onNext" delay="0">
+                  <p:tgtEl>
+                    <p:sldTgt/>
+                  </p:tgtEl>
+                </p:cond>
+              </p:nextCondLst>
+            </p:seq>
+          </p:childTnLst>
+        </p:cTn>
+      </p:par>
+    </p:tnLst>
+  </p:timing>
 </p:sld>
 </file>
 
@@ -3768,7 +6727,7 @@
           <p:cNvPr id="2" name="Title 1">
             <a:extLst>
               <a:ext uri="{FF2B5EF4-FFF2-40B4-BE49-F238E27FC236}">
-                <a16:creationId xmlns:a16="http://schemas.microsoft.com/office/drawing/2014/main" id="{D5CFB963-4B6C-48F2-84A0-45CC93F95ABD}"/>
+                <a16:creationId xmlns:a16="http://schemas.microsoft.com/office/drawing/2014/main" id="{6A372FEF-5185-4883-B8C4-D63C81C6C8B5}"/>
               </a:ext>
             </a:extLst>
           </p:cNvPr>
@@ -3779,34 +6738,45 @@
             <p:ph type="title"/>
           </p:nvPr>
         </p:nvSpPr>
-        <p:spPr/>
-        <p:txBody>
-          <a:bodyPr/>
-          <a:lstStyle/>
-          <a:p>
-            <a:r>
-              <a:rPr lang="en-US"/>
-              <a:t>Augmenting path</a:t>
+        <p:spPr>
+          <a:xfrm>
+            <a:off x="0" y="0"/>
+            <a:ext cx="12192000" cy="1690689"/>
+          </a:xfrm>
+          <a:solidFill>
+            <a:schemeClr val="bg1"/>
+          </a:solidFill>
+        </p:spPr>
+        <p:txBody>
+          <a:bodyPr anchor="b"/>
+          <a:lstStyle/>
+          <a:p>
+            <a:pPr algn="ctr"/>
+            <a:r>
+              <a:rPr lang="en-US" dirty="0"/>
+              <a:t>Network Flow</a:t>
             </a:r>
           </a:p>
         </p:txBody>
       </p:sp>
       <p:pic>
         <p:nvPicPr>
-          <p:cNvPr id="5" name="Picture 4">
-            <a:extLst>
-              <a:ext uri="{FF2B5EF4-FFF2-40B4-BE49-F238E27FC236}">
-                <a16:creationId xmlns:a16="http://schemas.microsoft.com/office/drawing/2014/main" id="{C169B965-CD4B-4100-A6F1-F47018D52807}"/>
+          <p:cNvPr id="9" name="Content Placeholder 8">
+            <a:extLst>
+              <a:ext uri="{FF2B5EF4-FFF2-40B4-BE49-F238E27FC236}">
+                <a16:creationId xmlns:a16="http://schemas.microsoft.com/office/drawing/2014/main" id="{4D587089-1539-44B0-8CE9-9592882FDA59}"/>
               </a:ext>
             </a:extLst>
           </p:cNvPr>
           <p:cNvPicPr>
-            <a:picLocks noChangeAspect="1"/>
+            <a:picLocks noGrp="1" noChangeAspect="1"/>
           </p:cNvPicPr>
-          <p:nvPr/>
+          <p:nvPr>
+            <p:ph idx="1"/>
+          </p:nvPr>
         </p:nvPicPr>
         <p:blipFill>
-          <a:blip r:embed="rId2">
+          <a:blip r:embed="rId3">
             <a:extLst>
               <a:ext uri="{28A0092B-C50C-407E-A947-70E740481C1C}">
                 <a14:useLocalDpi xmlns:a14="http://schemas.microsoft.com/office/drawing/2010/main" val="0"/>
@@ -3819,18 +6789,15 @@
         </p:blipFill>
         <p:spPr>
           <a:xfrm>
-            <a:off x="1414186" y="2015388"/>
-            <a:ext cx="8786015" cy="3997637"/>
+            <a:off x="2271173" y="2503050"/>
+            <a:ext cx="7649653" cy="3291261"/>
           </a:xfrm>
-          <a:prstGeom prst="rect">
-            <a:avLst/>
-          </a:prstGeom>
         </p:spPr>
       </p:pic>
     </p:spTree>
     <p:extLst>
       <p:ext uri="{BB962C8B-B14F-4D97-AF65-F5344CB8AC3E}">
-        <p14:creationId xmlns:p14="http://schemas.microsoft.com/office/powerpoint/2010/main" val="1503093149"/>
+        <p14:creationId xmlns:p14="http://schemas.microsoft.com/office/powerpoint/2010/main" val="3367122690"/>
       </p:ext>
     </p:extLst>
   </p:cSld>
@@ -3870,7 +6837,7 @@
           <p:cNvPr id="2" name="Title 1">
             <a:extLst>
               <a:ext uri="{FF2B5EF4-FFF2-40B4-BE49-F238E27FC236}">
-                <a16:creationId xmlns:a16="http://schemas.microsoft.com/office/drawing/2014/main" id="{4D474F70-4350-41F5-8CD9-E04F6107E9AA}"/>
+                <a16:creationId xmlns:a16="http://schemas.microsoft.com/office/drawing/2014/main" id="{D5CFB963-4B6C-48F2-84A0-45CC93F95ABD}"/>
               </a:ext>
             </a:extLst>
           </p:cNvPr>
@@ -3881,36 +6848,43 @@
             <p:ph type="title"/>
           </p:nvPr>
         </p:nvSpPr>
-        <p:spPr/>
-        <p:txBody>
-          <a:bodyPr/>
-          <a:lstStyle/>
-          <a:p>
-            <a:r>
-              <a:rPr lang="en-US"/>
-              <a:t>Residual graph</a:t>
+        <p:spPr>
+          <a:xfrm>
+            <a:off x="0" y="0"/>
+            <a:ext cx="12192000" cy="1690689"/>
+          </a:xfrm>
+          <a:solidFill>
+            <a:schemeClr val="bg1"/>
+          </a:solidFill>
+        </p:spPr>
+        <p:txBody>
+          <a:bodyPr anchor="b"/>
+          <a:lstStyle/>
+          <a:p>
+            <a:pPr algn="ctr"/>
+            <a:r>
+              <a:rPr lang="en-US" dirty="0"/>
+              <a:t>Augmenting path</a:t>
             </a:r>
           </a:p>
         </p:txBody>
       </p:sp>
       <p:pic>
         <p:nvPicPr>
-          <p:cNvPr id="5" name="Content Placeholder 4">
-            <a:extLst>
-              <a:ext uri="{FF2B5EF4-FFF2-40B4-BE49-F238E27FC236}">
-                <a16:creationId xmlns:a16="http://schemas.microsoft.com/office/drawing/2014/main" id="{52A761A0-A1DE-482C-8C09-2CBE832D66EC}"/>
+          <p:cNvPr id="5" name="Picture 4">
+            <a:extLst>
+              <a:ext uri="{FF2B5EF4-FFF2-40B4-BE49-F238E27FC236}">
+                <a16:creationId xmlns:a16="http://schemas.microsoft.com/office/drawing/2014/main" id="{C169B965-CD4B-4100-A6F1-F47018D52807}"/>
               </a:ext>
             </a:extLst>
           </p:cNvPr>
           <p:cNvPicPr>
-            <a:picLocks noGrp="1" noChangeAspect="1"/>
+            <a:picLocks noChangeAspect="1"/>
           </p:cNvPicPr>
-          <p:nvPr>
-            <p:ph idx="1"/>
-          </p:nvPr>
+          <p:nvPr/>
         </p:nvPicPr>
         <p:blipFill>
-          <a:blip r:embed="rId2">
+          <a:blip r:embed="rId3">
             <a:extLst>
               <a:ext uri="{28A0092B-C50C-407E-A947-70E740481C1C}">
                 <a14:useLocalDpi xmlns:a14="http://schemas.microsoft.com/office/drawing/2010/main" val="0"/>
@@ -3923,41 +6897,8 @@
         </p:blipFill>
         <p:spPr>
           <a:xfrm>
-            <a:off x="124420" y="2625784"/>
-            <a:ext cx="6080259" cy="2772258"/>
-          </a:xfrm>
-        </p:spPr>
-      </p:pic>
-      <p:pic>
-        <p:nvPicPr>
-          <p:cNvPr id="7" name="Picture 6">
-            <a:extLst>
-              <a:ext uri="{FF2B5EF4-FFF2-40B4-BE49-F238E27FC236}">
-                <a16:creationId xmlns:a16="http://schemas.microsoft.com/office/drawing/2014/main" id="{876A8935-43B4-49FE-BF1A-E7CFA043C7E9}"/>
-              </a:ext>
-            </a:extLst>
-          </p:cNvPr>
-          <p:cNvPicPr>
-            <a:picLocks noChangeAspect="1"/>
-          </p:cNvPicPr>
-          <p:nvPr/>
-        </p:nvPicPr>
-        <p:blipFill>
-          <a:blip r:embed="rId3">
-            <a:extLst>
-              <a:ext uri="{28A0092B-C50C-407E-A947-70E740481C1C}">
-                <a14:useLocalDpi xmlns:a14="http://schemas.microsoft.com/office/drawing/2010/main" val="0"/>
-              </a:ext>
-            </a:extLst>
-          </a:blip>
-          <a:stretch>
-            <a:fillRect/>
-          </a:stretch>
-        </p:blipFill>
-        <p:spPr>
-          <a:xfrm>
-            <a:off x="6204679" y="2850205"/>
-            <a:ext cx="5987322" cy="2739199"/>
+            <a:off x="1414186" y="2015388"/>
+            <a:ext cx="8786015" cy="3997637"/>
           </a:xfrm>
           <a:prstGeom prst="rect">
             <a:avLst/>
@@ -3967,7 +6908,7 @@
     </p:spTree>
     <p:extLst>
       <p:ext uri="{BB962C8B-B14F-4D97-AF65-F5344CB8AC3E}">
-        <p14:creationId xmlns:p14="http://schemas.microsoft.com/office/powerpoint/2010/main" val="3765440210"/>
+        <p14:creationId xmlns:p14="http://schemas.microsoft.com/office/powerpoint/2010/main" val="1503093149"/>
       </p:ext>
     </p:extLst>
   </p:cSld>
@@ -4007,7 +6948,7 @@
           <p:cNvPr id="2" name="Title 1">
             <a:extLst>
               <a:ext uri="{FF2B5EF4-FFF2-40B4-BE49-F238E27FC236}">
-                <a16:creationId xmlns:a16="http://schemas.microsoft.com/office/drawing/2014/main" id="{140F2301-3E54-4F38-A13C-69DA65C8D3BE}"/>
+                <a16:creationId xmlns:a16="http://schemas.microsoft.com/office/drawing/2014/main" id="{4D474F70-4350-41F5-8CD9-E04F6107E9AA}"/>
               </a:ext>
             </a:extLst>
           </p:cNvPr>
@@ -4018,395 +6959,102 @@
             <p:ph type="title"/>
           </p:nvPr>
         </p:nvSpPr>
-        <p:spPr/>
+        <p:spPr>
+          <a:xfrm>
+            <a:off x="177555" y="1780391"/>
+            <a:ext cx="4048216" cy="2654424"/>
+          </a:xfrm>
+          <a:solidFill>
+            <a:schemeClr val="bg1"/>
+          </a:solidFill>
+        </p:spPr>
         <p:txBody>
           <a:bodyPr/>
           <a:lstStyle/>
           <a:p>
-            <a:r>
-              <a:rPr lang="en-GB" dirty="0"/>
-              <a:t>Ford-Fulkerson algorithm</a:t>
-            </a:r>
-          </a:p>
-        </p:txBody>
-      </p:sp>
-      <p:sp>
-        <p:nvSpPr>
-          <p:cNvPr id="3" name="Content Placeholder 2">
-            <a:extLst>
-              <a:ext uri="{FF2B5EF4-FFF2-40B4-BE49-F238E27FC236}">
-                <a16:creationId xmlns:a16="http://schemas.microsoft.com/office/drawing/2014/main" id="{F7FA9719-0AB7-4333-B184-EC4142F78AA9}"/>
-              </a:ext>
-            </a:extLst>
-          </p:cNvPr>
-          <p:cNvSpPr>
-            <a:spLocks noGrp="1"/>
-          </p:cNvSpPr>
+            <a:pPr algn="r"/>
+            <a:r>
+              <a:rPr lang="en-US" dirty="0"/>
+              <a:t>Residual graph</a:t>
+            </a:r>
+          </a:p>
+        </p:txBody>
+      </p:sp>
+      <p:pic>
+        <p:nvPicPr>
+          <p:cNvPr id="5" name="Content Placeholder 4">
+            <a:extLst>
+              <a:ext uri="{FF2B5EF4-FFF2-40B4-BE49-F238E27FC236}">
+                <a16:creationId xmlns:a16="http://schemas.microsoft.com/office/drawing/2014/main" id="{52A761A0-A1DE-482C-8C09-2CBE832D66EC}"/>
+              </a:ext>
+            </a:extLst>
+          </p:cNvPr>
+          <p:cNvPicPr>
+            <a:picLocks noGrp="1" noChangeAspect="1"/>
+          </p:cNvPicPr>
           <p:nvPr>
             <p:ph idx="1"/>
           </p:nvPr>
-        </p:nvSpPr>
-        <p:spPr/>
-        <p:txBody>
-          <a:bodyPr>
-            <a:normAutofit fontScale="55000" lnSpcReduction="20000"/>
-          </a:bodyPr>
-          <a:lstStyle/>
-          <a:p>
-            <a:pPr marL="0" indent="0">
-              <a:buNone/>
-            </a:pPr>
-            <a:r>
-              <a:rPr lang="en-GB" sz="3300" dirty="0"/>
-              <a:t>Given a graph G=(V,E) with a source S and a sink T</a:t>
-            </a:r>
-          </a:p>
-          <a:p>
-            <a:pPr marL="0" indent="0">
-              <a:buNone/>
-            </a:pPr>
-            <a:r>
-              <a:rPr lang="en-GB" dirty="0">
-                <a:latin typeface="Courier New" panose="02070309020205020404" pitchFamily="49" charset="0"/>
-                <a:cs typeface="Courier New" panose="02070309020205020404" pitchFamily="49" charset="0"/>
-              </a:rPr>
-              <a:t>For((</a:t>
-            </a:r>
-            <a:r>
-              <a:rPr lang="en-GB" dirty="0" err="1">
-                <a:latin typeface="Courier New" panose="02070309020205020404" pitchFamily="49" charset="0"/>
-                <a:cs typeface="Courier New" panose="02070309020205020404" pitchFamily="49" charset="0"/>
-              </a:rPr>
-              <a:t>u,v</a:t>
-            </a:r>
-            <a:r>
-              <a:rPr lang="en-GB" dirty="0">
-                <a:latin typeface="Courier New" panose="02070309020205020404" pitchFamily="49" charset="0"/>
-                <a:cs typeface="Courier New" panose="02070309020205020404" pitchFamily="49" charset="0"/>
-              </a:rPr>
-              <a:t>) in E) f(</a:t>
-            </a:r>
-            <a:r>
-              <a:rPr lang="en-GB" dirty="0" err="1">
-                <a:latin typeface="Courier New" panose="02070309020205020404" pitchFamily="49" charset="0"/>
-                <a:cs typeface="Courier New" panose="02070309020205020404" pitchFamily="49" charset="0"/>
-              </a:rPr>
-              <a:t>u,v</a:t>
-            </a:r>
-            <a:r>
-              <a:rPr lang="en-GB" dirty="0">
-                <a:latin typeface="Courier New" panose="02070309020205020404" pitchFamily="49" charset="0"/>
-                <a:cs typeface="Courier New" panose="02070309020205020404" pitchFamily="49" charset="0"/>
-              </a:rPr>
-              <a:t>) = 0</a:t>
-            </a:r>
-          </a:p>
-          <a:p>
-            <a:pPr marL="0" indent="0">
-              <a:buNone/>
-            </a:pPr>
-            <a:r>
-              <a:rPr lang="en-GB" dirty="0">
-                <a:latin typeface="Courier New" panose="02070309020205020404" pitchFamily="49" charset="0"/>
-                <a:cs typeface="Courier New" panose="02070309020205020404" pitchFamily="49" charset="0"/>
-              </a:rPr>
-              <a:t>Build residual graph G’=(V’,E’)</a:t>
-            </a:r>
-          </a:p>
-          <a:p>
-            <a:pPr marL="0" indent="0">
-              <a:buNone/>
-            </a:pPr>
-            <a:r>
-              <a:rPr lang="en-GB" dirty="0">
-                <a:latin typeface="Courier New" panose="02070309020205020404" pitchFamily="49" charset="0"/>
-                <a:cs typeface="Courier New" panose="02070309020205020404" pitchFamily="49" charset="0"/>
-              </a:rPr>
-              <a:t>While(there is a path P from S to T in G’){</a:t>
-            </a:r>
-          </a:p>
-          <a:p>
-            <a:pPr marL="0" indent="0">
-              <a:buNone/>
-            </a:pPr>
-            <a:r>
-              <a:rPr lang="en-GB" dirty="0">
-                <a:latin typeface="Courier New" panose="02070309020205020404" pitchFamily="49" charset="0"/>
-                <a:cs typeface="Courier New" panose="02070309020205020404" pitchFamily="49" charset="0"/>
-              </a:rPr>
-              <a:t>	m = minimum slack (c(</a:t>
-            </a:r>
-            <a:r>
-              <a:rPr lang="en-GB" dirty="0" err="1">
-                <a:latin typeface="Courier New" panose="02070309020205020404" pitchFamily="49" charset="0"/>
-                <a:cs typeface="Courier New" panose="02070309020205020404" pitchFamily="49" charset="0"/>
-              </a:rPr>
-              <a:t>u,v</a:t>
-            </a:r>
-            <a:r>
-              <a:rPr lang="en-GB" dirty="0">
-                <a:latin typeface="Courier New" panose="02070309020205020404" pitchFamily="49" charset="0"/>
-                <a:cs typeface="Courier New" panose="02070309020205020404" pitchFamily="49" charset="0"/>
-              </a:rPr>
-              <a:t>) – f(</a:t>
-            </a:r>
-            <a:r>
-              <a:rPr lang="en-GB" dirty="0" err="1">
-                <a:latin typeface="Courier New" panose="02070309020205020404" pitchFamily="49" charset="0"/>
-                <a:cs typeface="Courier New" panose="02070309020205020404" pitchFamily="49" charset="0"/>
-              </a:rPr>
-              <a:t>u,v</a:t>
-            </a:r>
-            <a:r>
-              <a:rPr lang="en-GB" dirty="0">
-                <a:latin typeface="Courier New" panose="02070309020205020404" pitchFamily="49" charset="0"/>
-                <a:cs typeface="Courier New" panose="02070309020205020404" pitchFamily="49" charset="0"/>
-              </a:rPr>
-              <a:t>)) of P</a:t>
-            </a:r>
-          </a:p>
-          <a:p>
-            <a:pPr marL="0" indent="0">
-              <a:buNone/>
-            </a:pPr>
-            <a:r>
-              <a:rPr lang="en-GB" dirty="0">
-                <a:latin typeface="Courier New" panose="02070309020205020404" pitchFamily="49" charset="0"/>
-                <a:cs typeface="Courier New" panose="02070309020205020404" pitchFamily="49" charset="0"/>
-              </a:rPr>
-              <a:t>	for((</a:t>
-            </a:r>
-            <a:r>
-              <a:rPr lang="en-GB" dirty="0" err="1">
-                <a:latin typeface="Courier New" panose="02070309020205020404" pitchFamily="49" charset="0"/>
-                <a:cs typeface="Courier New" panose="02070309020205020404" pitchFamily="49" charset="0"/>
-              </a:rPr>
-              <a:t>u,v</a:t>
-            </a:r>
-            <a:r>
-              <a:rPr lang="en-GB" dirty="0">
-                <a:latin typeface="Courier New" panose="02070309020205020404" pitchFamily="49" charset="0"/>
-                <a:cs typeface="Courier New" panose="02070309020205020404" pitchFamily="49" charset="0"/>
-              </a:rPr>
-              <a:t>) in P){</a:t>
-            </a:r>
-          </a:p>
-          <a:p>
-            <a:pPr marL="0" indent="0">
-              <a:buNone/>
-            </a:pPr>
-            <a:r>
-              <a:rPr lang="en-GB" dirty="0">
-                <a:latin typeface="Courier New" panose="02070309020205020404" pitchFamily="49" charset="0"/>
-                <a:cs typeface="Courier New" panose="02070309020205020404" pitchFamily="49" charset="0"/>
-              </a:rPr>
-              <a:t>		if((</a:t>
-            </a:r>
-            <a:r>
-              <a:rPr lang="en-GB" dirty="0" err="1">
-                <a:latin typeface="Courier New" panose="02070309020205020404" pitchFamily="49" charset="0"/>
-                <a:cs typeface="Courier New" panose="02070309020205020404" pitchFamily="49" charset="0"/>
-              </a:rPr>
-              <a:t>u,v</a:t>
-            </a:r>
-            <a:r>
-              <a:rPr lang="en-GB" dirty="0">
-                <a:latin typeface="Courier New" panose="02070309020205020404" pitchFamily="49" charset="0"/>
-                <a:cs typeface="Courier New" panose="02070309020205020404" pitchFamily="49" charset="0"/>
-              </a:rPr>
-              <a:t>)</a:t>
-            </a:r>
-            <a:r>
-              <a:rPr lang="en-US" altLang="en-US" dirty="0">
-                <a:latin typeface="Courier New" panose="02070309020205020404" pitchFamily="49" charset="0"/>
-                <a:cs typeface="Courier New" panose="02070309020205020404" pitchFamily="49" charset="0"/>
-                <a:sym typeface="Symbol" panose="05050102010706020507" pitchFamily="18" charset="2"/>
-              </a:rPr>
-              <a:t> E</a:t>
-            </a:r>
-            <a:r>
-              <a:rPr lang="en-GB" dirty="0">
-                <a:latin typeface="Courier New" panose="02070309020205020404" pitchFamily="49" charset="0"/>
-                <a:cs typeface="Courier New" panose="02070309020205020404" pitchFamily="49" charset="0"/>
-              </a:rPr>
-              <a:t>) 		// (</a:t>
-            </a:r>
-            <a:r>
-              <a:rPr lang="en-GB" dirty="0" err="1">
-                <a:latin typeface="Courier New" panose="02070309020205020404" pitchFamily="49" charset="0"/>
-                <a:cs typeface="Courier New" panose="02070309020205020404" pitchFamily="49" charset="0"/>
-              </a:rPr>
-              <a:t>u,v</a:t>
-            </a:r>
-            <a:r>
-              <a:rPr lang="en-GB" dirty="0">
-                <a:latin typeface="Courier New" panose="02070309020205020404" pitchFamily="49" charset="0"/>
-                <a:cs typeface="Courier New" panose="02070309020205020404" pitchFamily="49" charset="0"/>
-              </a:rPr>
-              <a:t>) is a forwards edge</a:t>
-            </a:r>
-          </a:p>
-          <a:p>
-            <a:pPr marL="0" indent="0">
-              <a:buNone/>
-            </a:pPr>
-            <a:r>
-              <a:rPr lang="en-GB" dirty="0">
-                <a:latin typeface="Courier New" panose="02070309020205020404" pitchFamily="49" charset="0"/>
-                <a:cs typeface="Courier New" panose="02070309020205020404" pitchFamily="49" charset="0"/>
-              </a:rPr>
-              <a:t>			f(</a:t>
-            </a:r>
-            <a:r>
-              <a:rPr lang="en-GB" dirty="0" err="1">
-                <a:latin typeface="Courier New" panose="02070309020205020404" pitchFamily="49" charset="0"/>
-                <a:cs typeface="Courier New" panose="02070309020205020404" pitchFamily="49" charset="0"/>
-              </a:rPr>
-              <a:t>u,v</a:t>
-            </a:r>
-            <a:r>
-              <a:rPr lang="en-GB" dirty="0">
-                <a:latin typeface="Courier New" panose="02070309020205020404" pitchFamily="49" charset="0"/>
-                <a:cs typeface="Courier New" panose="02070309020205020404" pitchFamily="49" charset="0"/>
-              </a:rPr>
-              <a:t>) += m</a:t>
-            </a:r>
-          </a:p>
-          <a:p>
-            <a:pPr marL="0" indent="0">
-              <a:buNone/>
-            </a:pPr>
-            <a:r>
-              <a:rPr lang="en-GB" dirty="0">
-                <a:latin typeface="Courier New" panose="02070309020205020404" pitchFamily="49" charset="0"/>
-                <a:cs typeface="Courier New" panose="02070309020205020404" pitchFamily="49" charset="0"/>
-              </a:rPr>
-              <a:t>		else if ((</a:t>
-            </a:r>
-            <a:r>
-              <a:rPr lang="en-GB" dirty="0" err="1">
-                <a:latin typeface="Courier New" panose="02070309020205020404" pitchFamily="49" charset="0"/>
-                <a:cs typeface="Courier New" panose="02070309020205020404" pitchFamily="49" charset="0"/>
-              </a:rPr>
-              <a:t>v,u</a:t>
-            </a:r>
-            <a:r>
-              <a:rPr lang="en-GB" dirty="0">
-                <a:latin typeface="Courier New" panose="02070309020205020404" pitchFamily="49" charset="0"/>
-                <a:cs typeface="Courier New" panose="02070309020205020404" pitchFamily="49" charset="0"/>
-              </a:rPr>
-              <a:t>)</a:t>
-            </a:r>
-            <a:r>
-              <a:rPr lang="en-US" altLang="en-US" dirty="0">
-                <a:latin typeface="Courier New" panose="02070309020205020404" pitchFamily="49" charset="0"/>
-                <a:cs typeface="Courier New" panose="02070309020205020404" pitchFamily="49" charset="0"/>
-                <a:sym typeface="Symbol" panose="05050102010706020507" pitchFamily="18" charset="2"/>
-              </a:rPr>
-              <a:t> E</a:t>
-            </a:r>
-            <a:r>
-              <a:rPr lang="en-GB" dirty="0">
-                <a:latin typeface="Courier New" panose="02070309020205020404" pitchFamily="49" charset="0"/>
-                <a:cs typeface="Courier New" panose="02070309020205020404" pitchFamily="49" charset="0"/>
-              </a:rPr>
-              <a:t>) 	// (</a:t>
-            </a:r>
-            <a:r>
-              <a:rPr lang="en-GB" dirty="0" err="1">
-                <a:latin typeface="Courier New" panose="02070309020205020404" pitchFamily="49" charset="0"/>
-                <a:cs typeface="Courier New" panose="02070309020205020404" pitchFamily="49" charset="0"/>
-              </a:rPr>
-              <a:t>u,v</a:t>
-            </a:r>
-            <a:r>
-              <a:rPr lang="en-GB" dirty="0">
-                <a:latin typeface="Courier New" panose="02070309020205020404" pitchFamily="49" charset="0"/>
-                <a:cs typeface="Courier New" panose="02070309020205020404" pitchFamily="49" charset="0"/>
-              </a:rPr>
-              <a:t>) is a backwards edge</a:t>
-            </a:r>
-          </a:p>
-          <a:p>
-            <a:pPr marL="0" indent="0">
-              <a:buNone/>
-            </a:pPr>
-            <a:r>
-              <a:rPr lang="en-GB" dirty="0">
-                <a:latin typeface="Courier New" panose="02070309020205020404" pitchFamily="49" charset="0"/>
-                <a:cs typeface="Courier New" panose="02070309020205020404" pitchFamily="49" charset="0"/>
-              </a:rPr>
-              <a:t>			f(</a:t>
-            </a:r>
-            <a:r>
-              <a:rPr lang="en-GB" dirty="0" err="1">
-                <a:latin typeface="Courier New" panose="02070309020205020404" pitchFamily="49" charset="0"/>
-                <a:cs typeface="Courier New" panose="02070309020205020404" pitchFamily="49" charset="0"/>
-              </a:rPr>
-              <a:t>v,u</a:t>
-            </a:r>
-            <a:r>
-              <a:rPr lang="en-GB" dirty="0">
-                <a:latin typeface="Courier New" panose="02070309020205020404" pitchFamily="49" charset="0"/>
-                <a:cs typeface="Courier New" panose="02070309020205020404" pitchFamily="49" charset="0"/>
-              </a:rPr>
-              <a:t>) -= m</a:t>
-            </a:r>
-          </a:p>
-          <a:p>
-            <a:pPr marL="0" indent="0">
-              <a:buNone/>
-            </a:pPr>
-            <a:r>
-              <a:rPr lang="en-GB" dirty="0">
-                <a:latin typeface="Courier New" panose="02070309020205020404" pitchFamily="49" charset="0"/>
-                <a:cs typeface="Courier New" panose="02070309020205020404" pitchFamily="49" charset="0"/>
-              </a:rPr>
-              <a:t>	}</a:t>
-            </a:r>
-          </a:p>
-          <a:p>
-            <a:pPr marL="0" indent="0">
-              <a:buNone/>
-            </a:pPr>
-            <a:r>
-              <a:rPr lang="en-GB" dirty="0">
-                <a:latin typeface="Courier New" panose="02070309020205020404" pitchFamily="49" charset="0"/>
-                <a:cs typeface="Courier New" panose="02070309020205020404" pitchFamily="49" charset="0"/>
-              </a:rPr>
-              <a:t>	update residual graph</a:t>
-            </a:r>
-          </a:p>
-          <a:p>
-            <a:pPr marL="0" indent="0">
-              <a:buNone/>
-            </a:pPr>
-            <a:r>
-              <a:rPr lang="en-GB" dirty="0">
-                <a:latin typeface="Courier New" panose="02070309020205020404" pitchFamily="49" charset="0"/>
-                <a:cs typeface="Courier New" panose="02070309020205020404" pitchFamily="49" charset="0"/>
-              </a:rPr>
-              <a:t>}</a:t>
-            </a:r>
-          </a:p>
-          <a:p>
-            <a:pPr marL="0" indent="0">
-              <a:buNone/>
-            </a:pPr>
-            <a:r>
-              <a:rPr lang="en-GB" dirty="0">
-                <a:latin typeface="Courier New" panose="02070309020205020404" pitchFamily="49" charset="0"/>
-                <a:cs typeface="Courier New" panose="02070309020205020404" pitchFamily="49" charset="0"/>
-              </a:rPr>
-              <a:t>Maximum flow found</a:t>
-            </a:r>
-          </a:p>
-        </p:txBody>
-      </p:sp>
+        </p:nvPicPr>
+        <p:blipFill>
+          <a:blip r:embed="rId3">
+            <a:extLst>
+              <a:ext uri="{28A0092B-C50C-407E-A947-70E740481C1C}">
+                <a14:useLocalDpi xmlns:a14="http://schemas.microsoft.com/office/drawing/2010/main" val="0"/>
+              </a:ext>
+            </a:extLst>
+          </a:blip>
+          <a:stretch>
+            <a:fillRect/>
+          </a:stretch>
+        </p:blipFill>
+        <p:spPr>
+          <a:xfrm>
+            <a:off x="5009699" y="335345"/>
+            <a:ext cx="6080259" cy="2772258"/>
+          </a:xfrm>
+        </p:spPr>
+      </p:pic>
+      <p:pic>
+        <p:nvPicPr>
+          <p:cNvPr id="7" name="Picture 6">
+            <a:extLst>
+              <a:ext uri="{FF2B5EF4-FFF2-40B4-BE49-F238E27FC236}">
+                <a16:creationId xmlns:a16="http://schemas.microsoft.com/office/drawing/2014/main" id="{876A8935-43B4-49FE-BF1A-E7CFA043C7E9}"/>
+              </a:ext>
+            </a:extLst>
+          </p:cNvPr>
+          <p:cNvPicPr>
+            <a:picLocks noChangeAspect="1"/>
+          </p:cNvPicPr>
+          <p:nvPr/>
+        </p:nvPicPr>
+        <p:blipFill>
+          <a:blip r:embed="rId4">
+            <a:extLst>
+              <a:ext uri="{28A0092B-C50C-407E-A947-70E740481C1C}">
+                <a14:useLocalDpi xmlns:a14="http://schemas.microsoft.com/office/drawing/2010/main" val="0"/>
+              </a:ext>
+            </a:extLst>
+          </a:blip>
+          <a:stretch>
+            <a:fillRect/>
+          </a:stretch>
+        </p:blipFill>
+        <p:spPr>
+          <a:xfrm>
+            <a:off x="5009699" y="3750398"/>
+            <a:ext cx="5987322" cy="2739199"/>
+          </a:xfrm>
+          <a:prstGeom prst="rect">
+            <a:avLst/>
+          </a:prstGeom>
+        </p:spPr>
+      </p:pic>
     </p:spTree>
     <p:extLst>
       <p:ext uri="{BB962C8B-B14F-4D97-AF65-F5344CB8AC3E}">
-        <p14:creationId xmlns:p14="http://schemas.microsoft.com/office/powerpoint/2010/main" val="338734394"/>
+        <p14:creationId xmlns:p14="http://schemas.microsoft.com/office/powerpoint/2010/main" val="3765440210"/>
       </p:ext>
     </p:extLst>
   </p:cSld>
@@ -4446,7 +7094,7 @@
           <p:cNvPr id="2" name="Title 1">
             <a:extLst>
               <a:ext uri="{FF2B5EF4-FFF2-40B4-BE49-F238E27FC236}">
-                <a16:creationId xmlns:a16="http://schemas.microsoft.com/office/drawing/2014/main" id="{8AA1CAE1-1F8B-4EBD-A648-24B26305F114}"/>
+                <a16:creationId xmlns:a16="http://schemas.microsoft.com/office/drawing/2014/main" id="{140F2301-3E54-4F38-A13C-69DA65C8D3BE}"/>
               </a:ext>
             </a:extLst>
           </p:cNvPr>
@@ -4459,22 +7107,23 @@
         </p:nvSpPr>
         <p:spPr/>
         <p:txBody>
-          <a:bodyPr/>
-          <a:lstStyle/>
-          <a:p>
-            <a:r>
-              <a:rPr lang="en-GB"/>
-              <a:t>Aims of the project</a:t>
-            </a:r>
-          </a:p>
-        </p:txBody>
-      </p:sp>
-      <p:sp>
-        <p:nvSpPr>
-          <p:cNvPr id="5" name="Content Placeholder 4">
-            <a:extLst>
-              <a:ext uri="{FF2B5EF4-FFF2-40B4-BE49-F238E27FC236}">
-                <a16:creationId xmlns:a16="http://schemas.microsoft.com/office/drawing/2014/main" id="{F0E5CFE6-4090-4A2A-B376-C83FFC131C48}"/>
+          <a:bodyPr anchor="b"/>
+          <a:lstStyle/>
+          <a:p>
+            <a:pPr algn="ctr"/>
+            <a:r>
+              <a:rPr lang="en-GB" dirty="0"/>
+              <a:t>Ford-Fulkerson algorithm</a:t>
+            </a:r>
+          </a:p>
+        </p:txBody>
+      </p:sp>
+      <p:sp>
+        <p:nvSpPr>
+          <p:cNvPr id="3" name="Content Placeholder 2">
+            <a:extLst>
+              <a:ext uri="{FF2B5EF4-FFF2-40B4-BE49-F238E27FC236}">
+                <a16:creationId xmlns:a16="http://schemas.microsoft.com/office/drawing/2014/main" id="{F7FA9719-0AB7-4333-B184-EC4142F78AA9}"/>
               </a:ext>
             </a:extLst>
           </p:cNvPr>
@@ -4487,24 +7136,357 @@
         </p:nvSpPr>
         <p:spPr/>
         <p:txBody>
-          <a:bodyPr/>
-          <a:lstStyle/>
-          <a:p>
-            <a:r>
-              <a:rPr lang="en-GB" dirty="0"/>
-              <a:t>Teaching/Learning tool</a:t>
-            </a:r>
-          </a:p>
-          <a:p>
-            <a:r>
-              <a:rPr lang="en-GB" dirty="0"/>
-              <a:t>Easy to use layout</a:t>
-            </a:r>
-          </a:p>
-          <a:p>
-            <a:r>
-              <a:rPr lang="en-GB" dirty="0"/>
-              <a:t>Versatility to the user</a:t>
+          <a:bodyPr>
+            <a:normAutofit fontScale="55000" lnSpcReduction="20000"/>
+          </a:bodyPr>
+          <a:lstStyle/>
+          <a:p>
+            <a:pPr marL="0" indent="0">
+              <a:buNone/>
+            </a:pPr>
+            <a:r>
+              <a:rPr lang="en-GB" sz="3300" dirty="0"/>
+              <a:t>Given a graph G=(V,E) with a source S and a sink T</a:t>
+            </a:r>
+          </a:p>
+          <a:p>
+            <a:pPr marL="0" indent="0">
+              <a:buNone/>
+            </a:pPr>
+            <a:r>
+              <a:rPr lang="en-GB" dirty="0">
+                <a:latin typeface="Courier New" panose="02070309020205020404" pitchFamily="49" charset="0"/>
+                <a:cs typeface="Courier New" panose="02070309020205020404" pitchFamily="49" charset="0"/>
+              </a:rPr>
+              <a:t>For((</a:t>
+            </a:r>
+            <a:r>
+              <a:rPr lang="en-GB" dirty="0" err="1">
+                <a:latin typeface="Courier New" panose="02070309020205020404" pitchFamily="49" charset="0"/>
+                <a:cs typeface="Courier New" panose="02070309020205020404" pitchFamily="49" charset="0"/>
+              </a:rPr>
+              <a:t>u,v</a:t>
+            </a:r>
+            <a:r>
+              <a:rPr lang="en-GB" dirty="0">
+                <a:latin typeface="Courier New" panose="02070309020205020404" pitchFamily="49" charset="0"/>
+                <a:cs typeface="Courier New" panose="02070309020205020404" pitchFamily="49" charset="0"/>
+              </a:rPr>
+              <a:t>) in E) f(</a:t>
+            </a:r>
+            <a:r>
+              <a:rPr lang="en-GB" dirty="0" err="1">
+                <a:latin typeface="Courier New" panose="02070309020205020404" pitchFamily="49" charset="0"/>
+                <a:cs typeface="Courier New" panose="02070309020205020404" pitchFamily="49" charset="0"/>
+              </a:rPr>
+              <a:t>u,v</a:t>
+            </a:r>
+            <a:r>
+              <a:rPr lang="en-GB" dirty="0">
+                <a:latin typeface="Courier New" panose="02070309020205020404" pitchFamily="49" charset="0"/>
+                <a:cs typeface="Courier New" panose="02070309020205020404" pitchFamily="49" charset="0"/>
+              </a:rPr>
+              <a:t>) = 0</a:t>
+            </a:r>
+          </a:p>
+          <a:p>
+            <a:pPr marL="0" indent="0">
+              <a:buNone/>
+            </a:pPr>
+            <a:r>
+              <a:rPr lang="en-GB" dirty="0">
+                <a:latin typeface="Courier New" panose="02070309020205020404" pitchFamily="49" charset="0"/>
+                <a:cs typeface="Courier New" panose="02070309020205020404" pitchFamily="49" charset="0"/>
+              </a:rPr>
+              <a:t>Build residual graph G’=(V’,E’)</a:t>
+            </a:r>
+          </a:p>
+          <a:p>
+            <a:pPr marL="0" indent="0">
+              <a:buNone/>
+            </a:pPr>
+            <a:r>
+              <a:rPr lang="en-GB" dirty="0">
+                <a:latin typeface="Courier New" panose="02070309020205020404" pitchFamily="49" charset="0"/>
+                <a:cs typeface="Courier New" panose="02070309020205020404" pitchFamily="49" charset="0"/>
+              </a:rPr>
+              <a:t>While(there is a path P from S to T in G’){</a:t>
+            </a:r>
+          </a:p>
+          <a:p>
+            <a:pPr marL="0" indent="0">
+              <a:buNone/>
+            </a:pPr>
+            <a:r>
+              <a:rPr lang="en-GB" dirty="0">
+                <a:latin typeface="Courier New" panose="02070309020205020404" pitchFamily="49" charset="0"/>
+                <a:cs typeface="Courier New" panose="02070309020205020404" pitchFamily="49" charset="0"/>
+              </a:rPr>
+              <a:t>	m = minimum slack (c(</a:t>
+            </a:r>
+            <a:r>
+              <a:rPr lang="en-GB" dirty="0" err="1">
+                <a:latin typeface="Courier New" panose="02070309020205020404" pitchFamily="49" charset="0"/>
+                <a:cs typeface="Courier New" panose="02070309020205020404" pitchFamily="49" charset="0"/>
+              </a:rPr>
+              <a:t>u,v</a:t>
+            </a:r>
+            <a:r>
+              <a:rPr lang="en-GB" dirty="0">
+                <a:latin typeface="Courier New" panose="02070309020205020404" pitchFamily="49" charset="0"/>
+                <a:cs typeface="Courier New" panose="02070309020205020404" pitchFamily="49" charset="0"/>
+              </a:rPr>
+              <a:t>) – f(</a:t>
+            </a:r>
+            <a:r>
+              <a:rPr lang="en-GB" dirty="0" err="1">
+                <a:latin typeface="Courier New" panose="02070309020205020404" pitchFamily="49" charset="0"/>
+                <a:cs typeface="Courier New" panose="02070309020205020404" pitchFamily="49" charset="0"/>
+              </a:rPr>
+              <a:t>u,v</a:t>
+            </a:r>
+            <a:r>
+              <a:rPr lang="en-GB" dirty="0">
+                <a:latin typeface="Courier New" panose="02070309020205020404" pitchFamily="49" charset="0"/>
+                <a:cs typeface="Courier New" panose="02070309020205020404" pitchFamily="49" charset="0"/>
+              </a:rPr>
+              <a:t>)) of P</a:t>
+            </a:r>
+          </a:p>
+          <a:p>
+            <a:pPr marL="0" indent="0">
+              <a:buNone/>
+            </a:pPr>
+            <a:r>
+              <a:rPr lang="en-GB" dirty="0">
+                <a:latin typeface="Courier New" panose="02070309020205020404" pitchFamily="49" charset="0"/>
+                <a:cs typeface="Courier New" panose="02070309020205020404" pitchFamily="49" charset="0"/>
+              </a:rPr>
+              <a:t>	for((</a:t>
+            </a:r>
+            <a:r>
+              <a:rPr lang="en-GB" dirty="0" err="1">
+                <a:latin typeface="Courier New" panose="02070309020205020404" pitchFamily="49" charset="0"/>
+                <a:cs typeface="Courier New" panose="02070309020205020404" pitchFamily="49" charset="0"/>
+              </a:rPr>
+              <a:t>u,v</a:t>
+            </a:r>
+            <a:r>
+              <a:rPr lang="en-GB" dirty="0">
+                <a:latin typeface="Courier New" panose="02070309020205020404" pitchFamily="49" charset="0"/>
+                <a:cs typeface="Courier New" panose="02070309020205020404" pitchFamily="49" charset="0"/>
+              </a:rPr>
+              <a:t>) in P){</a:t>
+            </a:r>
+          </a:p>
+          <a:p>
+            <a:pPr marL="0" indent="0">
+              <a:buNone/>
+            </a:pPr>
+            <a:r>
+              <a:rPr lang="en-GB" dirty="0">
+                <a:latin typeface="Courier New" panose="02070309020205020404" pitchFamily="49" charset="0"/>
+                <a:cs typeface="Courier New" panose="02070309020205020404" pitchFamily="49" charset="0"/>
+              </a:rPr>
+              <a:t>		if((</a:t>
+            </a:r>
+            <a:r>
+              <a:rPr lang="en-GB" dirty="0" err="1">
+                <a:latin typeface="Courier New" panose="02070309020205020404" pitchFamily="49" charset="0"/>
+                <a:cs typeface="Courier New" panose="02070309020205020404" pitchFamily="49" charset="0"/>
+              </a:rPr>
+              <a:t>u,v</a:t>
+            </a:r>
+            <a:r>
+              <a:rPr lang="en-GB" dirty="0">
+                <a:latin typeface="Courier New" panose="02070309020205020404" pitchFamily="49" charset="0"/>
+                <a:cs typeface="Courier New" panose="02070309020205020404" pitchFamily="49" charset="0"/>
+              </a:rPr>
+              <a:t>)</a:t>
+            </a:r>
+            <a:r>
+              <a:rPr lang="en-US" altLang="en-US" dirty="0">
+                <a:latin typeface="Courier New" panose="02070309020205020404" pitchFamily="49" charset="0"/>
+                <a:cs typeface="Courier New" panose="02070309020205020404" pitchFamily="49" charset="0"/>
+                <a:sym typeface="Symbol" panose="05050102010706020507" pitchFamily="18" charset="2"/>
+              </a:rPr>
+              <a:t> E</a:t>
+            </a:r>
+            <a:r>
+              <a:rPr lang="en-GB" dirty="0">
+                <a:latin typeface="Courier New" panose="02070309020205020404" pitchFamily="49" charset="0"/>
+                <a:cs typeface="Courier New" panose="02070309020205020404" pitchFamily="49" charset="0"/>
+              </a:rPr>
+              <a:t>) 		// (</a:t>
+            </a:r>
+            <a:r>
+              <a:rPr lang="en-GB" dirty="0" err="1">
+                <a:latin typeface="Courier New" panose="02070309020205020404" pitchFamily="49" charset="0"/>
+                <a:cs typeface="Courier New" panose="02070309020205020404" pitchFamily="49" charset="0"/>
+              </a:rPr>
+              <a:t>u,v</a:t>
+            </a:r>
+            <a:r>
+              <a:rPr lang="en-GB" dirty="0">
+                <a:latin typeface="Courier New" panose="02070309020205020404" pitchFamily="49" charset="0"/>
+                <a:cs typeface="Courier New" panose="02070309020205020404" pitchFamily="49" charset="0"/>
+              </a:rPr>
+              <a:t>) is a forwards edge</a:t>
+            </a:r>
+          </a:p>
+          <a:p>
+            <a:pPr marL="0" indent="0">
+              <a:buNone/>
+            </a:pPr>
+            <a:r>
+              <a:rPr lang="en-GB" dirty="0">
+                <a:latin typeface="Courier New" panose="02070309020205020404" pitchFamily="49" charset="0"/>
+                <a:cs typeface="Courier New" panose="02070309020205020404" pitchFamily="49" charset="0"/>
+              </a:rPr>
+              <a:t>			f(</a:t>
+            </a:r>
+            <a:r>
+              <a:rPr lang="en-GB" dirty="0" err="1">
+                <a:latin typeface="Courier New" panose="02070309020205020404" pitchFamily="49" charset="0"/>
+                <a:cs typeface="Courier New" panose="02070309020205020404" pitchFamily="49" charset="0"/>
+              </a:rPr>
+              <a:t>u,v</a:t>
+            </a:r>
+            <a:r>
+              <a:rPr lang="en-GB" dirty="0">
+                <a:latin typeface="Courier New" panose="02070309020205020404" pitchFamily="49" charset="0"/>
+                <a:cs typeface="Courier New" panose="02070309020205020404" pitchFamily="49" charset="0"/>
+              </a:rPr>
+              <a:t>) += m</a:t>
+            </a:r>
+          </a:p>
+          <a:p>
+            <a:pPr marL="0" indent="0">
+              <a:buNone/>
+            </a:pPr>
+            <a:r>
+              <a:rPr lang="en-GB" dirty="0">
+                <a:latin typeface="Courier New" panose="02070309020205020404" pitchFamily="49" charset="0"/>
+                <a:cs typeface="Courier New" panose="02070309020205020404" pitchFamily="49" charset="0"/>
+              </a:rPr>
+              <a:t>		else if ((</a:t>
+            </a:r>
+            <a:r>
+              <a:rPr lang="en-GB" dirty="0" err="1">
+                <a:latin typeface="Courier New" panose="02070309020205020404" pitchFamily="49" charset="0"/>
+                <a:cs typeface="Courier New" panose="02070309020205020404" pitchFamily="49" charset="0"/>
+              </a:rPr>
+              <a:t>v,u</a:t>
+            </a:r>
+            <a:r>
+              <a:rPr lang="en-GB" dirty="0">
+                <a:latin typeface="Courier New" panose="02070309020205020404" pitchFamily="49" charset="0"/>
+                <a:cs typeface="Courier New" panose="02070309020205020404" pitchFamily="49" charset="0"/>
+              </a:rPr>
+              <a:t>)</a:t>
+            </a:r>
+            <a:r>
+              <a:rPr lang="en-US" altLang="en-US" dirty="0">
+                <a:latin typeface="Courier New" panose="02070309020205020404" pitchFamily="49" charset="0"/>
+                <a:cs typeface="Courier New" panose="02070309020205020404" pitchFamily="49" charset="0"/>
+                <a:sym typeface="Symbol" panose="05050102010706020507" pitchFamily="18" charset="2"/>
+              </a:rPr>
+              <a:t> E</a:t>
+            </a:r>
+            <a:r>
+              <a:rPr lang="en-GB" dirty="0">
+                <a:latin typeface="Courier New" panose="02070309020205020404" pitchFamily="49" charset="0"/>
+                <a:cs typeface="Courier New" panose="02070309020205020404" pitchFamily="49" charset="0"/>
+              </a:rPr>
+              <a:t>) 	// (</a:t>
+            </a:r>
+            <a:r>
+              <a:rPr lang="en-GB" dirty="0" err="1">
+                <a:latin typeface="Courier New" panose="02070309020205020404" pitchFamily="49" charset="0"/>
+                <a:cs typeface="Courier New" panose="02070309020205020404" pitchFamily="49" charset="0"/>
+              </a:rPr>
+              <a:t>u,v</a:t>
+            </a:r>
+            <a:r>
+              <a:rPr lang="en-GB" dirty="0">
+                <a:latin typeface="Courier New" panose="02070309020205020404" pitchFamily="49" charset="0"/>
+                <a:cs typeface="Courier New" panose="02070309020205020404" pitchFamily="49" charset="0"/>
+              </a:rPr>
+              <a:t>) is a backwards edge</a:t>
+            </a:r>
+          </a:p>
+          <a:p>
+            <a:pPr marL="0" indent="0">
+              <a:buNone/>
+            </a:pPr>
+            <a:r>
+              <a:rPr lang="en-GB" dirty="0">
+                <a:latin typeface="Courier New" panose="02070309020205020404" pitchFamily="49" charset="0"/>
+                <a:cs typeface="Courier New" panose="02070309020205020404" pitchFamily="49" charset="0"/>
+              </a:rPr>
+              <a:t>			f(</a:t>
+            </a:r>
+            <a:r>
+              <a:rPr lang="en-GB" dirty="0" err="1">
+                <a:latin typeface="Courier New" panose="02070309020205020404" pitchFamily="49" charset="0"/>
+                <a:cs typeface="Courier New" panose="02070309020205020404" pitchFamily="49" charset="0"/>
+              </a:rPr>
+              <a:t>v,u</a:t>
+            </a:r>
+            <a:r>
+              <a:rPr lang="en-GB" dirty="0">
+                <a:latin typeface="Courier New" panose="02070309020205020404" pitchFamily="49" charset="0"/>
+                <a:cs typeface="Courier New" panose="02070309020205020404" pitchFamily="49" charset="0"/>
+              </a:rPr>
+              <a:t>) -= m</a:t>
+            </a:r>
+          </a:p>
+          <a:p>
+            <a:pPr marL="0" indent="0">
+              <a:buNone/>
+            </a:pPr>
+            <a:r>
+              <a:rPr lang="en-GB" dirty="0">
+                <a:latin typeface="Courier New" panose="02070309020205020404" pitchFamily="49" charset="0"/>
+                <a:cs typeface="Courier New" panose="02070309020205020404" pitchFamily="49" charset="0"/>
+              </a:rPr>
+              <a:t>	}</a:t>
+            </a:r>
+          </a:p>
+          <a:p>
+            <a:pPr marL="0" indent="0">
+              <a:buNone/>
+            </a:pPr>
+            <a:r>
+              <a:rPr lang="en-GB" dirty="0">
+                <a:latin typeface="Courier New" panose="02070309020205020404" pitchFamily="49" charset="0"/>
+                <a:cs typeface="Courier New" panose="02070309020205020404" pitchFamily="49" charset="0"/>
+              </a:rPr>
+              <a:t>	update residual graph</a:t>
+            </a:r>
+          </a:p>
+          <a:p>
+            <a:pPr marL="0" indent="0">
+              <a:buNone/>
+            </a:pPr>
+            <a:r>
+              <a:rPr lang="en-GB" dirty="0">
+                <a:latin typeface="Courier New" panose="02070309020205020404" pitchFamily="49" charset="0"/>
+                <a:cs typeface="Courier New" panose="02070309020205020404" pitchFamily="49" charset="0"/>
+              </a:rPr>
+              <a:t>}</a:t>
+            </a:r>
+          </a:p>
+          <a:p>
+            <a:pPr marL="0" indent="0">
+              <a:buNone/>
+            </a:pPr>
+            <a:r>
+              <a:rPr lang="en-GB" dirty="0">
+                <a:latin typeface="Courier New" panose="02070309020205020404" pitchFamily="49" charset="0"/>
+                <a:cs typeface="Courier New" panose="02070309020205020404" pitchFamily="49" charset="0"/>
+              </a:rPr>
+              <a:t>Maximum flow found</a:t>
             </a:r>
           </a:p>
         </p:txBody>
@@ -4512,7 +7494,7 @@
     </p:spTree>
     <p:extLst>
       <p:ext uri="{BB962C8B-B14F-4D97-AF65-F5344CB8AC3E}">
-        <p14:creationId xmlns:p14="http://schemas.microsoft.com/office/powerpoint/2010/main" val="4034150415"/>
+        <p14:creationId xmlns:p14="http://schemas.microsoft.com/office/powerpoint/2010/main" val="338734394"/>
       </p:ext>
     </p:extLst>
   </p:cSld>
@@ -4544,7 +7526,7 @@
           <p:cNvPr id="2" name="Title 1">
             <a:extLst>
               <a:ext uri="{FF2B5EF4-FFF2-40B4-BE49-F238E27FC236}">
-                <a16:creationId xmlns:a16="http://schemas.microsoft.com/office/drawing/2014/main" id="{6FC39CF7-AB91-4A24-A028-61510F852FC0}"/>
+                <a16:creationId xmlns:a16="http://schemas.microsoft.com/office/drawing/2014/main" id="{F6B8E55E-B2FC-4FA0-84ED-34C40628D92D}"/>
               </a:ext>
             </a:extLst>
           </p:cNvPr>
@@ -4560,48 +7542,49 @@
           <a:bodyPr/>
           <a:lstStyle/>
           <a:p>
+            <a:pPr algn="ctr"/>
             <a:r>
               <a:rPr lang="en-GB" dirty="0"/>
-              <a:t>Demonstration</a:t>
-            </a:r>
-          </a:p>
-        </p:txBody>
-      </p:sp>
-      <p:sp>
-        <p:nvSpPr>
-          <p:cNvPr id="3" name="Content Placeholder 2">
-            <a:extLst>
-              <a:ext uri="{FF2B5EF4-FFF2-40B4-BE49-F238E27FC236}">
-                <a16:creationId xmlns:a16="http://schemas.microsoft.com/office/drawing/2014/main" id="{70286FF7-77CC-4906-94A1-DDD5F03622CE}"/>
-              </a:ext>
-            </a:extLst>
-          </p:cNvPr>
-          <p:cNvSpPr>
-            <a:spLocks noGrp="1"/>
-          </p:cNvSpPr>
+              <a:t>Design</a:t>
+            </a:r>
+          </a:p>
+        </p:txBody>
+      </p:sp>
+      <p:pic>
+        <p:nvPicPr>
+          <p:cNvPr id="4" name="Content Placeholder 3">
+            <a:extLst>
+              <a:ext uri="{FF2B5EF4-FFF2-40B4-BE49-F238E27FC236}">
+                <a16:creationId xmlns:a16="http://schemas.microsoft.com/office/drawing/2014/main" id="{C26EAA10-3CC7-4101-B079-9A7746017008}"/>
+              </a:ext>
+            </a:extLst>
+          </p:cNvPr>
+          <p:cNvPicPr>
+            <a:picLocks noGrp="1" noChangeAspect="1"/>
+          </p:cNvPicPr>
           <p:nvPr>
             <p:ph idx="1"/>
           </p:nvPr>
-        </p:nvSpPr>
-        <p:spPr/>
-        <p:txBody>
-          <a:bodyPr/>
-          <a:lstStyle/>
-          <a:p>
-            <a:pPr marL="0" indent="0">
-              <a:buNone/>
-            </a:pPr>
-            <a:r>
-              <a:rPr lang="en-GB" dirty="0"/>
-              <a:t>[video]</a:t>
-            </a:r>
-          </a:p>
-        </p:txBody>
-      </p:sp>
+        </p:nvPicPr>
+        <p:blipFill rotWithShape="1">
+          <a:blip r:embed="rId3"/>
+          <a:srcRect l="369" t="501"/>
+          <a:stretch/>
+        </p:blipFill>
+        <p:spPr>
+          <a:xfrm>
+            <a:off x="1673289" y="1690688"/>
+            <a:ext cx="8845421" cy="4818343"/>
+          </a:xfrm>
+          <a:prstGeom prst="rect">
+            <a:avLst/>
+          </a:prstGeom>
+        </p:spPr>
+      </p:pic>
     </p:spTree>
     <p:extLst>
       <p:ext uri="{BB962C8B-B14F-4D97-AF65-F5344CB8AC3E}">
-        <p14:creationId xmlns:p14="http://schemas.microsoft.com/office/powerpoint/2010/main" val="3127810746"/>
+        <p14:creationId xmlns:p14="http://schemas.microsoft.com/office/powerpoint/2010/main" val="93884100"/>
       </p:ext>
     </p:extLst>
   </p:cSld>
@@ -4633,7 +7616,7 @@
           <p:cNvPr id="2" name="Title 1">
             <a:extLst>
               <a:ext uri="{FF2B5EF4-FFF2-40B4-BE49-F238E27FC236}">
-                <a16:creationId xmlns:a16="http://schemas.microsoft.com/office/drawing/2014/main" id="{5C19D5D2-88DC-457C-A3F1-383813778371}"/>
+                <a16:creationId xmlns:a16="http://schemas.microsoft.com/office/drawing/2014/main" id="{1F135004-8016-45B4-A0E4-82F0D9724DDF}"/>
               </a:ext>
             </a:extLst>
           </p:cNvPr>
@@ -4649,48 +7632,318 @@
           <a:bodyPr/>
           <a:lstStyle/>
           <a:p>
+            <a:pPr algn="ctr"/>
             <a:r>
               <a:rPr lang="en-GB" dirty="0"/>
-              <a:t>Thanks for listening</a:t>
-            </a:r>
-          </a:p>
-        </p:txBody>
-      </p:sp>
-      <p:sp>
-        <p:nvSpPr>
-          <p:cNvPr id="3" name="Content Placeholder 2">
-            <a:extLst>
-              <a:ext uri="{FF2B5EF4-FFF2-40B4-BE49-F238E27FC236}">
-                <a16:creationId xmlns:a16="http://schemas.microsoft.com/office/drawing/2014/main" id="{442C619A-0196-4D45-A31E-765A6633F3DE}"/>
-              </a:ext>
-            </a:extLst>
-          </p:cNvPr>
-          <p:cNvSpPr>
-            <a:spLocks noGrp="1"/>
-          </p:cNvSpPr>
-          <p:nvPr>
-            <p:ph idx="1"/>
-          </p:nvPr>
-        </p:nvSpPr>
-        <p:spPr/>
-        <p:txBody>
-          <a:bodyPr/>
-          <a:lstStyle/>
-          <a:p>
-            <a:pPr marL="0" indent="0">
-              <a:buNone/>
-            </a:pPr>
-            <a:r>
-              <a:rPr lang="en-GB" dirty="0"/>
-              <a:t>Any questions?</a:t>
-            </a:r>
-          </a:p>
-        </p:txBody>
-      </p:sp>
+              <a:t>Creating Networks</a:t>
+            </a:r>
+          </a:p>
+        </p:txBody>
+      </p:sp>
+      <p:pic>
+        <p:nvPicPr>
+          <p:cNvPr id="3" name="Picture 2">
+            <a:extLst>
+              <a:ext uri="{FF2B5EF4-FFF2-40B4-BE49-F238E27FC236}">
+                <a16:creationId xmlns:a16="http://schemas.microsoft.com/office/drawing/2014/main" id="{6B7610C5-BBE5-4A08-9EF0-2481A3DD4880}"/>
+              </a:ext>
+            </a:extLst>
+          </p:cNvPr>
+          <p:cNvPicPr>
+            <a:picLocks noChangeAspect="1"/>
+          </p:cNvPicPr>
+          <p:nvPr/>
+        </p:nvPicPr>
+        <p:blipFill rotWithShape="1">
+          <a:blip r:embed="rId3"/>
+          <a:srcRect t="269"/>
+          <a:stretch/>
+        </p:blipFill>
+        <p:spPr>
+          <a:xfrm>
+            <a:off x="541273" y="1567544"/>
+            <a:ext cx="3482143" cy="3885300"/>
+          </a:xfrm>
+          <a:prstGeom prst="rect">
+            <a:avLst/>
+          </a:prstGeom>
+        </p:spPr>
+      </p:pic>
+      <p:pic>
+        <p:nvPicPr>
+          <p:cNvPr id="8" name="Picture 7">
+            <a:extLst>
+              <a:ext uri="{FF2B5EF4-FFF2-40B4-BE49-F238E27FC236}">
+                <a16:creationId xmlns:a16="http://schemas.microsoft.com/office/drawing/2014/main" id="{7B2C122D-C01B-40B3-9FB1-F099F018A40D}"/>
+              </a:ext>
+            </a:extLst>
+          </p:cNvPr>
+          <p:cNvPicPr>
+            <a:picLocks noChangeAspect="1"/>
+          </p:cNvPicPr>
+          <p:nvPr/>
+        </p:nvPicPr>
+        <p:blipFill>
+          <a:blip r:embed="rId4">
+            <a:extLst>
+              <a:ext uri="{28A0092B-C50C-407E-A947-70E740481C1C}">
+                <a14:useLocalDpi xmlns:a14="http://schemas.microsoft.com/office/drawing/2010/main" val="0"/>
+              </a:ext>
+            </a:extLst>
+          </a:blip>
+          <a:stretch>
+            <a:fillRect/>
+          </a:stretch>
+        </p:blipFill>
+        <p:spPr>
+          <a:xfrm>
+            <a:off x="4023416" y="1780911"/>
+            <a:ext cx="2781541" cy="3581710"/>
+          </a:xfrm>
+          <a:prstGeom prst="rect">
+            <a:avLst/>
+          </a:prstGeom>
+        </p:spPr>
+      </p:pic>
+      <p:pic>
+        <p:nvPicPr>
+          <p:cNvPr id="10" name="Picture 9">
+            <a:extLst>
+              <a:ext uri="{FF2B5EF4-FFF2-40B4-BE49-F238E27FC236}">
+                <a16:creationId xmlns:a16="http://schemas.microsoft.com/office/drawing/2014/main" id="{ACBC991A-B98D-4C01-891F-2B747022492E}"/>
+              </a:ext>
+            </a:extLst>
+          </p:cNvPr>
+          <p:cNvPicPr>
+            <a:picLocks noChangeAspect="1"/>
+          </p:cNvPicPr>
+          <p:nvPr/>
+        </p:nvPicPr>
+        <p:blipFill rotWithShape="1">
+          <a:blip r:embed="rId5">
+            <a:extLst>
+              <a:ext uri="{28A0092B-C50C-407E-A947-70E740481C1C}">
+                <a14:useLocalDpi xmlns:a14="http://schemas.microsoft.com/office/drawing/2010/main" val="0"/>
+              </a:ext>
+            </a:extLst>
+          </a:blip>
+          <a:srcRect l="5494" t="4083" r="5364" b="6012"/>
+          <a:stretch/>
+        </p:blipFill>
+        <p:spPr>
+          <a:xfrm>
+            <a:off x="6804957" y="2357306"/>
+            <a:ext cx="5031909" cy="2483142"/>
+          </a:xfrm>
+          <a:prstGeom prst="rect">
+            <a:avLst/>
+          </a:prstGeom>
+        </p:spPr>
+      </p:pic>
     </p:spTree>
     <p:extLst>
       <p:ext uri="{BB962C8B-B14F-4D97-AF65-F5344CB8AC3E}">
-        <p14:creationId xmlns:p14="http://schemas.microsoft.com/office/powerpoint/2010/main" val="3253146610"/>
+        <p14:creationId xmlns:p14="http://schemas.microsoft.com/office/powerpoint/2010/main" val="4042392189"/>
+      </p:ext>
+    </p:extLst>
+  </p:cSld>
+  <p:clrMapOvr>
+    <a:masterClrMapping/>
+  </p:clrMapOvr>
+  <p:timing>
+    <p:tnLst>
+      <p:par>
+        <p:cTn id="1" dur="indefinite" restart="never" nodeType="tmRoot">
+          <p:childTnLst>
+            <p:seq concurrent="1" nextAc="seek">
+              <p:cTn id="2" dur="indefinite" nodeType="mainSeq">
+                <p:childTnLst>
+                  <p:par>
+                    <p:cTn id="3" fill="hold">
+                      <p:stCondLst>
+                        <p:cond delay="indefinite"/>
+                      </p:stCondLst>
+                      <p:childTnLst>
+                        <p:par>
+                          <p:cTn id="4" fill="hold">
+                            <p:stCondLst>
+                              <p:cond delay="0"/>
+                            </p:stCondLst>
+                            <p:childTnLst>
+                              <p:par>
+                                <p:cTn id="5" presetID="10" presetClass="entr" presetSubtype="0" fill="hold" nodeType="clickEffect">
+                                  <p:stCondLst>
+                                    <p:cond delay="0"/>
+                                  </p:stCondLst>
+                                  <p:childTnLst>
+                                    <p:set>
+                                      <p:cBhvr>
+                                        <p:cTn id="6" dur="1" fill="hold">
+                                          <p:stCondLst>
+                                            <p:cond delay="0"/>
+                                          </p:stCondLst>
+                                        </p:cTn>
+                                        <p:tgtEl>
+                                          <p:spTgt spid="8"/>
+                                        </p:tgtEl>
+                                        <p:attrNameLst>
+                                          <p:attrName>style.visibility</p:attrName>
+                                        </p:attrNameLst>
+                                      </p:cBhvr>
+                                      <p:to>
+                                        <p:strVal val="visible"/>
+                                      </p:to>
+                                    </p:set>
+                                    <p:animEffect transition="in" filter="fade">
+                                      <p:cBhvr>
+                                        <p:cTn id="7" dur="500"/>
+                                        <p:tgtEl>
+                                          <p:spTgt spid="8"/>
+                                        </p:tgtEl>
+                                      </p:cBhvr>
+                                    </p:animEffect>
+                                  </p:childTnLst>
+                                </p:cTn>
+                              </p:par>
+                            </p:childTnLst>
+                          </p:cTn>
+                        </p:par>
+                      </p:childTnLst>
+                    </p:cTn>
+                  </p:par>
+                  <p:par>
+                    <p:cTn id="8" fill="hold">
+                      <p:stCondLst>
+                        <p:cond delay="indefinite"/>
+                      </p:stCondLst>
+                      <p:childTnLst>
+                        <p:par>
+                          <p:cTn id="9" fill="hold">
+                            <p:stCondLst>
+                              <p:cond delay="0"/>
+                            </p:stCondLst>
+                            <p:childTnLst>
+                              <p:par>
+                                <p:cTn id="10" presetID="10" presetClass="entr" presetSubtype="0" fill="hold" nodeType="clickEffect">
+                                  <p:stCondLst>
+                                    <p:cond delay="0"/>
+                                  </p:stCondLst>
+                                  <p:childTnLst>
+                                    <p:set>
+                                      <p:cBhvr>
+                                        <p:cTn id="11" dur="1" fill="hold">
+                                          <p:stCondLst>
+                                            <p:cond delay="0"/>
+                                          </p:stCondLst>
+                                        </p:cTn>
+                                        <p:tgtEl>
+                                          <p:spTgt spid="10"/>
+                                        </p:tgtEl>
+                                        <p:attrNameLst>
+                                          <p:attrName>style.visibility</p:attrName>
+                                        </p:attrNameLst>
+                                      </p:cBhvr>
+                                      <p:to>
+                                        <p:strVal val="visible"/>
+                                      </p:to>
+                                    </p:set>
+                                    <p:animEffect transition="in" filter="fade">
+                                      <p:cBhvr>
+                                        <p:cTn id="12" dur="500"/>
+                                        <p:tgtEl>
+                                          <p:spTgt spid="10"/>
+                                        </p:tgtEl>
+                                      </p:cBhvr>
+                                    </p:animEffect>
+                                  </p:childTnLst>
+                                </p:cTn>
+                              </p:par>
+                            </p:childTnLst>
+                          </p:cTn>
+                        </p:par>
+                      </p:childTnLst>
+                    </p:cTn>
+                  </p:par>
+                </p:childTnLst>
+              </p:cTn>
+              <p:prevCondLst>
+                <p:cond evt="onPrev" delay="0">
+                  <p:tgtEl>
+                    <p:sldTgt/>
+                  </p:tgtEl>
+                </p:cond>
+              </p:prevCondLst>
+              <p:nextCondLst>
+                <p:cond evt="onNext" delay="0">
+                  <p:tgtEl>
+                    <p:sldTgt/>
+                  </p:tgtEl>
+                </p:cond>
+              </p:nextCondLst>
+            </p:seq>
+          </p:childTnLst>
+        </p:cTn>
+      </p:par>
+    </p:tnLst>
+  </p:timing>
+</p:sld>
+</file>
+
+<file path=ppt/slides/slide9.xml><?xml version="1.0" encoding="utf-8"?>
+<p:sld xmlns:a="http://schemas.openxmlformats.org/drawingml/2006/main" xmlns:r="http://schemas.openxmlformats.org/officeDocument/2006/relationships" xmlns:p="http://schemas.openxmlformats.org/presentationml/2006/main">
+  <p:cSld>
+    <p:spTree>
+      <p:nvGrpSpPr>
+        <p:cNvPr id="1" name=""/>
+        <p:cNvGrpSpPr/>
+        <p:nvPr/>
+      </p:nvGrpSpPr>
+      <p:grpSpPr>
+        <a:xfrm>
+          <a:off x="0" y="0"/>
+          <a:ext cx="0" cy="0"/>
+          <a:chOff x="0" y="0"/>
+          <a:chExt cx="0" cy="0"/>
+        </a:xfrm>
+      </p:grpSpPr>
+      <p:sp>
+        <p:nvSpPr>
+          <p:cNvPr id="2" name="Title 1">
+            <a:extLst>
+              <a:ext uri="{FF2B5EF4-FFF2-40B4-BE49-F238E27FC236}">
+                <a16:creationId xmlns:a16="http://schemas.microsoft.com/office/drawing/2014/main" id="{6FC39CF7-AB91-4A24-A028-61510F852FC0}"/>
+              </a:ext>
+            </a:extLst>
+          </p:cNvPr>
+          <p:cNvSpPr>
+            <a:spLocks noGrp="1"/>
+          </p:cNvSpPr>
+          <p:nvPr>
+            <p:ph type="title"/>
+          </p:nvPr>
+        </p:nvSpPr>
+        <p:spPr>
+          <a:xfrm>
+            <a:off x="838200" y="365125"/>
+            <a:ext cx="10515600" cy="5831489"/>
+          </a:xfrm>
+        </p:spPr>
+        <p:txBody>
+          <a:bodyPr/>
+          <a:lstStyle/>
+          <a:p>
+            <a:pPr algn="ctr"/>
+            <a:r>
+              <a:rPr lang="en-GB" dirty="0"/>
+              <a:t>Demonstration</a:t>
+            </a:r>
+          </a:p>
+        </p:txBody>
+      </p:sp>
+    </p:spTree>
+    <p:extLst>
+      <p:ext uri="{BB962C8B-B14F-4D97-AF65-F5344CB8AC3E}">
+        <p14:creationId xmlns:p14="http://schemas.microsoft.com/office/powerpoint/2010/main" val="3127810746"/>
       </p:ext>
     </p:extLst>
   </p:cSld>
@@ -4993,4 +8246,299 @@
     </a:ext>
   </a:extLst>
 </a:theme>
+</file>
+
+<file path=ppt/theme/theme2.xml><?xml version="1.0" encoding="utf-8"?>
+<a:theme xmlns:a="http://schemas.openxmlformats.org/drawingml/2006/main" name="Office Theme">
+  <a:themeElements>
+    <a:clrScheme name="Office">
+      <a:dk1>
+        <a:sysClr val="windowText" lastClr="000000"/>
+      </a:dk1>
+      <a:lt1>
+        <a:sysClr val="window" lastClr="FFFFFF"/>
+      </a:lt1>
+      <a:dk2>
+        <a:srgbClr val="44546A"/>
+      </a:dk2>
+      <a:lt2>
+        <a:srgbClr val="E7E6E6"/>
+      </a:lt2>
+      <a:accent1>
+        <a:srgbClr val="4472C4"/>
+      </a:accent1>
+      <a:accent2>
+        <a:srgbClr val="ED7D31"/>
+      </a:accent2>
+      <a:accent3>
+        <a:srgbClr val="A5A5A5"/>
+      </a:accent3>
+      <a:accent4>
+        <a:srgbClr val="FFC000"/>
+      </a:accent4>
+      <a:accent5>
+        <a:srgbClr val="5B9BD5"/>
+      </a:accent5>
+      <a:accent6>
+        <a:srgbClr val="70AD47"/>
+      </a:accent6>
+      <a:hlink>
+        <a:srgbClr val="0563C1"/>
+      </a:hlink>
+      <a:folHlink>
+        <a:srgbClr val="954F72"/>
+      </a:folHlink>
+    </a:clrScheme>
+    <a:fontScheme name="Office">
+      <a:majorFont>
+        <a:latin typeface="Calibri Light" panose="020F0302020204030204"/>
+        <a:ea typeface=""/>
+        <a:cs typeface=""/>
+        <a:font script="Jpan" typeface="游ゴシック Light"/>
+        <a:font script="Hang" typeface="맑은 고딕"/>
+        <a:font script="Hans" typeface="等线 Light"/>
+        <a:font script="Hant" typeface="新細明體"/>
+        <a:font script="Arab" typeface="Times New Roman"/>
+        <a:font script="Hebr" typeface="Times New Roman"/>
+        <a:font script="Thai" typeface="Angsana New"/>
+        <a:font script="Ethi" typeface="Nyala"/>
+        <a:font script="Beng" typeface="Vrinda"/>
+        <a:font script="Gujr" typeface="Shruti"/>
+        <a:font script="Khmr" typeface="MoolBoran"/>
+        <a:font script="Knda" typeface="Tunga"/>
+        <a:font script="Guru" typeface="Raavi"/>
+        <a:font script="Cans" typeface="Euphemia"/>
+        <a:font script="Cher" typeface="Plantagenet Cherokee"/>
+        <a:font script="Yiii" typeface="Microsoft Yi Baiti"/>
+        <a:font script="Tibt" typeface="Microsoft Himalaya"/>
+        <a:font script="Thaa" typeface="MV Boli"/>
+        <a:font script="Deva" typeface="Mangal"/>
+        <a:font script="Telu" typeface="Gautami"/>
+        <a:font script="Taml" typeface="Latha"/>
+        <a:font script="Syrc" typeface="Estrangelo Edessa"/>
+        <a:font script="Orya" typeface="Kalinga"/>
+        <a:font script="Mlym" typeface="Kartika"/>
+        <a:font script="Laoo" typeface="DokChampa"/>
+        <a:font script="Sinh" typeface="Iskoola Pota"/>
+        <a:font script="Mong" typeface="Mongolian Baiti"/>
+        <a:font script="Viet" typeface="Times New Roman"/>
+        <a:font script="Uigh" typeface="Microsoft Uighur"/>
+        <a:font script="Geor" typeface="Sylfaen"/>
+        <a:font script="Armn" typeface="Arial"/>
+        <a:font script="Bugi" typeface="Leelawadee UI"/>
+        <a:font script="Bopo" typeface="Microsoft JhengHei"/>
+        <a:font script="Java" typeface="Javanese Text"/>
+        <a:font script="Lisu" typeface="Segoe UI"/>
+        <a:font script="Mymr" typeface="Myanmar Text"/>
+        <a:font script="Nkoo" typeface="Ebrima"/>
+        <a:font script="Olck" typeface="Nirmala UI"/>
+        <a:font script="Osma" typeface="Ebrima"/>
+        <a:font script="Phag" typeface="Phagspa"/>
+        <a:font script="Syrn" typeface="Estrangelo Edessa"/>
+        <a:font script="Syrj" typeface="Estrangelo Edessa"/>
+        <a:font script="Syre" typeface="Estrangelo Edessa"/>
+        <a:font script="Sora" typeface="Nirmala UI"/>
+        <a:font script="Tale" typeface="Microsoft Tai Le"/>
+        <a:font script="Talu" typeface="Microsoft New Tai Lue"/>
+        <a:font script="Tfng" typeface="Ebrima"/>
+      </a:majorFont>
+      <a:minorFont>
+        <a:latin typeface="Calibri" panose="020F0502020204030204"/>
+        <a:ea typeface=""/>
+        <a:cs typeface=""/>
+        <a:font script="Jpan" typeface="游ゴシック"/>
+        <a:font script="Hang" typeface="맑은 고딕"/>
+        <a:font script="Hans" typeface="等线"/>
+        <a:font script="Hant" typeface="新細明體"/>
+        <a:font script="Arab" typeface="Arial"/>
+        <a:font script="Hebr" typeface="Arial"/>
+        <a:font script="Thai" typeface="Cordia New"/>
+        <a:font script="Ethi" typeface="Nyala"/>
+        <a:font script="Beng" typeface="Vrinda"/>
+        <a:font script="Gujr" typeface="Shruti"/>
+        <a:font script="Khmr" typeface="DaunPenh"/>
+        <a:font script="Knda" typeface="Tunga"/>
+        <a:font script="Guru" typeface="Raavi"/>
+        <a:font script="Cans" typeface="Euphemia"/>
+        <a:font script="Cher" typeface="Plantagenet Cherokee"/>
+        <a:font script="Yiii" typeface="Microsoft Yi Baiti"/>
+        <a:font script="Tibt" typeface="Microsoft Himalaya"/>
+        <a:font script="Thaa" typeface="MV Boli"/>
+        <a:font script="Deva" typeface="Mangal"/>
+        <a:font script="Telu" typeface="Gautami"/>
+        <a:font script="Taml" typeface="Latha"/>
+        <a:font script="Syrc" typeface="Estrangelo Edessa"/>
+        <a:font script="Orya" typeface="Kalinga"/>
+        <a:font script="Mlym" typeface="Kartika"/>
+        <a:font script="Laoo" typeface="DokChampa"/>
+        <a:font script="Sinh" typeface="Iskoola Pota"/>
+        <a:font script="Mong" typeface="Mongolian Baiti"/>
+        <a:font script="Viet" typeface="Arial"/>
+        <a:font script="Uigh" typeface="Microsoft Uighur"/>
+        <a:font script="Geor" typeface="Sylfaen"/>
+        <a:font script="Armn" typeface="Arial"/>
+        <a:font script="Bugi" typeface="Leelawadee UI"/>
+        <a:font script="Bopo" typeface="Microsoft JhengHei"/>
+        <a:font script="Java" typeface="Javanese Text"/>
+        <a:font script="Lisu" typeface="Segoe UI"/>
+        <a:font script="Mymr" typeface="Myanmar Text"/>
+        <a:font script="Nkoo" typeface="Ebrima"/>
+        <a:font script="Olck" typeface="Nirmala UI"/>
+        <a:font script="Osma" typeface="Ebrima"/>
+        <a:font script="Phag" typeface="Phagspa"/>
+        <a:font script="Syrn" typeface="Estrangelo Edessa"/>
+        <a:font script="Syrj" typeface="Estrangelo Edessa"/>
+        <a:font script="Syre" typeface="Estrangelo Edessa"/>
+        <a:font script="Sora" typeface="Nirmala UI"/>
+        <a:font script="Tale" typeface="Microsoft Tai Le"/>
+        <a:font script="Talu" typeface="Microsoft New Tai Lue"/>
+        <a:font script="Tfng" typeface="Ebrima"/>
+      </a:minorFont>
+    </a:fontScheme>
+    <a:fmtScheme name="Office">
+      <a:fillStyleLst>
+        <a:solidFill>
+          <a:schemeClr val="phClr"/>
+        </a:solidFill>
+        <a:gradFill rotWithShape="1">
+          <a:gsLst>
+            <a:gs pos="0">
+              <a:schemeClr val="phClr">
+                <a:lumMod val="110000"/>
+                <a:satMod val="105000"/>
+                <a:tint val="67000"/>
+              </a:schemeClr>
+            </a:gs>
+            <a:gs pos="50000">
+              <a:schemeClr val="phClr">
+                <a:lumMod val="105000"/>
+                <a:satMod val="103000"/>
+                <a:tint val="73000"/>
+              </a:schemeClr>
+            </a:gs>
+            <a:gs pos="100000">
+              <a:schemeClr val="phClr">
+                <a:lumMod val="105000"/>
+                <a:satMod val="109000"/>
+                <a:tint val="81000"/>
+              </a:schemeClr>
+            </a:gs>
+          </a:gsLst>
+          <a:lin ang="5400000" scaled="0"/>
+        </a:gradFill>
+        <a:gradFill rotWithShape="1">
+          <a:gsLst>
+            <a:gs pos="0">
+              <a:schemeClr val="phClr">
+                <a:satMod val="103000"/>
+                <a:lumMod val="102000"/>
+                <a:tint val="94000"/>
+              </a:schemeClr>
+            </a:gs>
+            <a:gs pos="50000">
+              <a:schemeClr val="phClr">
+                <a:satMod val="110000"/>
+                <a:lumMod val="100000"/>
+                <a:shade val="100000"/>
+              </a:schemeClr>
+            </a:gs>
+            <a:gs pos="100000">
+              <a:schemeClr val="phClr">
+                <a:lumMod val="99000"/>
+                <a:satMod val="120000"/>
+                <a:shade val="78000"/>
+              </a:schemeClr>
+            </a:gs>
+          </a:gsLst>
+          <a:lin ang="5400000" scaled="0"/>
+        </a:gradFill>
+      </a:fillStyleLst>
+      <a:lnStyleLst>
+        <a:ln w="6350" cap="flat" cmpd="sng" algn="ctr">
+          <a:solidFill>
+            <a:schemeClr val="phClr"/>
+          </a:solidFill>
+          <a:prstDash val="solid"/>
+          <a:miter lim="800000"/>
+        </a:ln>
+        <a:ln w="12700" cap="flat" cmpd="sng" algn="ctr">
+          <a:solidFill>
+            <a:schemeClr val="phClr"/>
+          </a:solidFill>
+          <a:prstDash val="solid"/>
+          <a:miter lim="800000"/>
+        </a:ln>
+        <a:ln w="19050" cap="flat" cmpd="sng" algn="ctr">
+          <a:solidFill>
+            <a:schemeClr val="phClr"/>
+          </a:solidFill>
+          <a:prstDash val="solid"/>
+          <a:miter lim="800000"/>
+        </a:ln>
+      </a:lnStyleLst>
+      <a:effectStyleLst>
+        <a:effectStyle>
+          <a:effectLst/>
+        </a:effectStyle>
+        <a:effectStyle>
+          <a:effectLst/>
+        </a:effectStyle>
+        <a:effectStyle>
+          <a:effectLst>
+            <a:outerShdw blurRad="57150" dist="19050" dir="5400000" algn="ctr" rotWithShape="0">
+              <a:srgbClr val="000000">
+                <a:alpha val="63000"/>
+              </a:srgbClr>
+            </a:outerShdw>
+          </a:effectLst>
+        </a:effectStyle>
+      </a:effectStyleLst>
+      <a:bgFillStyleLst>
+        <a:solidFill>
+          <a:schemeClr val="phClr"/>
+        </a:solidFill>
+        <a:solidFill>
+          <a:schemeClr val="phClr">
+            <a:tint val="95000"/>
+            <a:satMod val="170000"/>
+          </a:schemeClr>
+        </a:solidFill>
+        <a:gradFill rotWithShape="1">
+          <a:gsLst>
+            <a:gs pos="0">
+              <a:schemeClr val="phClr">
+                <a:tint val="93000"/>
+                <a:satMod val="150000"/>
+                <a:shade val="98000"/>
+                <a:lumMod val="102000"/>
+              </a:schemeClr>
+            </a:gs>
+            <a:gs pos="50000">
+              <a:schemeClr val="phClr">
+                <a:tint val="98000"/>
+                <a:satMod val="130000"/>
+                <a:shade val="90000"/>
+                <a:lumMod val="103000"/>
+              </a:schemeClr>
+            </a:gs>
+            <a:gs pos="100000">
+              <a:schemeClr val="phClr">
+                <a:shade val="63000"/>
+                <a:satMod val="120000"/>
+              </a:schemeClr>
+            </a:gs>
+          </a:gsLst>
+          <a:lin ang="5400000" scaled="0"/>
+        </a:gradFill>
+      </a:bgFillStyleLst>
+    </a:fmtScheme>
+  </a:themeElements>
+  <a:objectDefaults/>
+  <a:extraClrSchemeLst/>
+  <a:extLst>
+    <a:ext uri="{05A4C25C-085E-4340-85A3-A5531E510DB2}">
+      <thm15:themeFamily xmlns:thm15="http://schemas.microsoft.com/office/thememl/2012/main" name="Office Theme" id="{62F939B6-93AF-4DB8-9C6B-D6C7DFDC589F}" vid="{4A3C46E8-61CC-4603-A589-7422A47A8E4A}"/>
+    </a:ext>
+  </a:extLst>
+</a:theme>
 </file>